--- a/notes/meetUp_case_textPrediction.pptx
+++ b/notes/meetUp_case_textPrediction.pptx
@@ -5,27 +5,30 @@
     <p:sldMasterId id="2147483660" r:id="rId1"/>
   </p:sldMasterIdLst>
   <p:notesMasterIdLst>
-    <p:notesMasterId r:id="rId20"/>
+    <p:notesMasterId r:id="rId23"/>
   </p:notesMasterIdLst>
   <p:sldIdLst>
     <p:sldId id="257" r:id="rId2"/>
-    <p:sldId id="258" r:id="rId3"/>
-    <p:sldId id="259" r:id="rId4"/>
-    <p:sldId id="260" r:id="rId5"/>
-    <p:sldId id="275" r:id="rId6"/>
-    <p:sldId id="278" r:id="rId7"/>
-    <p:sldId id="279" r:id="rId8"/>
-    <p:sldId id="276" r:id="rId9"/>
-    <p:sldId id="261" r:id="rId10"/>
-    <p:sldId id="262" r:id="rId11"/>
-    <p:sldId id="263" r:id="rId12"/>
-    <p:sldId id="264" r:id="rId13"/>
-    <p:sldId id="265" r:id="rId14"/>
-    <p:sldId id="266" r:id="rId15"/>
-    <p:sldId id="271" r:id="rId16"/>
-    <p:sldId id="272" r:id="rId17"/>
-    <p:sldId id="273" r:id="rId18"/>
-    <p:sldId id="274" r:id="rId19"/>
+    <p:sldId id="259" r:id="rId3"/>
+    <p:sldId id="260" r:id="rId4"/>
+    <p:sldId id="275" r:id="rId5"/>
+    <p:sldId id="278" r:id="rId6"/>
+    <p:sldId id="279" r:id="rId7"/>
+    <p:sldId id="280" r:id="rId8"/>
+    <p:sldId id="284" r:id="rId9"/>
+    <p:sldId id="281" r:id="rId10"/>
+    <p:sldId id="282" r:id="rId11"/>
+    <p:sldId id="261" r:id="rId12"/>
+    <p:sldId id="285" r:id="rId13"/>
+    <p:sldId id="262" r:id="rId14"/>
+    <p:sldId id="263" r:id="rId15"/>
+    <p:sldId id="264" r:id="rId16"/>
+    <p:sldId id="266" r:id="rId17"/>
+    <p:sldId id="265" r:id="rId18"/>
+    <p:sldId id="271" r:id="rId19"/>
+    <p:sldId id="272" r:id="rId20"/>
+    <p:sldId id="273" r:id="rId21"/>
+    <p:sldId id="274" r:id="rId22"/>
   </p:sldIdLst>
   <p:sldSz cx="12192000" cy="6858000"/>
   <p:notesSz cx="6858000" cy="9144000"/>
@@ -1813,7 +1816,7 @@
         <a:lstStyle/>
         <a:p>
           <a:r>
-            <a:rPr lang="nb-NO" sz="1400" dirty="0" smtClean="0"/>
+            <a:rPr lang="nb-NO" sz="1400" dirty="0"/>
             <a:t>Random Sampling</a:t>
           </a:r>
           <a:endParaRPr lang="en-US" sz="1400" dirty="0"/>
@@ -1850,7 +1853,7 @@
         <a:lstStyle/>
         <a:p>
           <a:r>
-            <a:rPr lang="nb-NO" sz="1400" dirty="0" smtClean="0"/>
+            <a:rPr lang="nb-NO" sz="1400" dirty="0"/>
             <a:t>Sentence Isolation</a:t>
           </a:r>
           <a:endParaRPr lang="en-US" sz="1400" dirty="0"/>
@@ -1887,7 +1890,7 @@
         <a:lstStyle/>
         <a:p>
           <a:r>
-            <a:rPr lang="nb-NO" sz="1400" dirty="0" smtClean="0"/>
+            <a:rPr lang="nb-NO" sz="1400" dirty="0"/>
             <a:t>Cleaning</a:t>
           </a:r>
           <a:endParaRPr lang="en-US" sz="1400" dirty="0"/>
@@ -1924,7 +1927,7 @@
         <a:lstStyle/>
         <a:p>
           <a:r>
-            <a:rPr lang="nb-NO" sz="1400" dirty="0" smtClean="0"/>
+            <a:rPr lang="nb-NO" sz="1400" dirty="0"/>
             <a:t>Create TDM</a:t>
           </a:r>
         </a:p>
@@ -1960,10 +1963,9 @@
         <a:lstStyle/>
         <a:p>
           <a:r>
-            <a:rPr lang="nb-NO" sz="1400" dirty="0" smtClean="0"/>
-            <a:t>Reduce TDM to TFM</a:t>
+            <a:rPr lang="en-CA" sz="1400" noProof="0" dirty="0"/>
+            <a:t>Transform TDM to TFM</a:t>
           </a:r>
-          <a:endParaRPr lang="en-US" sz="1400" dirty="0"/>
         </a:p>
       </dgm:t>
     </dgm:pt>
@@ -2013,13 +2015,6 @@
         </dgm:presLayoutVars>
       </dgm:prSet>
       <dgm:spPr/>
-      <dgm:t>
-        <a:bodyPr/>
-        <a:lstStyle/>
-        <a:p>
-          <a:endParaRPr lang="en-US"/>
-        </a:p>
-      </dgm:t>
     </dgm:pt>
     <dgm:pt modelId="{386712D9-4F76-40E4-94DC-42C4091A9078}" type="pres">
       <dgm:prSet presAssocID="{ECBBDEF4-0FC3-4E70-BB99-DA3AF110EFF9}" presName="sibTrans" presStyleCnt="0"/>
@@ -2032,13 +2027,6 @@
         </dgm:presLayoutVars>
       </dgm:prSet>
       <dgm:spPr/>
-      <dgm:t>
-        <a:bodyPr/>
-        <a:lstStyle/>
-        <a:p>
-          <a:endParaRPr lang="en-US"/>
-        </a:p>
-      </dgm:t>
     </dgm:pt>
     <dgm:pt modelId="{C6B77A29-FEAC-40A9-B604-35264EFC4C04}" type="pres">
       <dgm:prSet presAssocID="{75C24D44-5294-4045-B755-3ABC7DBB309F}" presName="sibTrans" presStyleCnt="0"/>
@@ -2051,13 +2039,6 @@
         </dgm:presLayoutVars>
       </dgm:prSet>
       <dgm:spPr/>
-      <dgm:t>
-        <a:bodyPr/>
-        <a:lstStyle/>
-        <a:p>
-          <a:endParaRPr lang="en-US"/>
-        </a:p>
-      </dgm:t>
     </dgm:pt>
     <dgm:pt modelId="{8644E1B3-305F-4086-B383-94E2A3F29D41}" type="pres">
       <dgm:prSet presAssocID="{4A1EC25F-1941-4B6D-89DE-D30D8DF366EB}" presName="sibTrans" presStyleCnt="0"/>
@@ -2070,32 +2051,18 @@
         </dgm:presLayoutVars>
       </dgm:prSet>
       <dgm:spPr/>
-      <dgm:t>
-        <a:bodyPr/>
-        <a:lstStyle/>
-        <a:p>
-          <a:endParaRPr lang="en-US"/>
-        </a:p>
-      </dgm:t>
     </dgm:pt>
     <dgm:pt modelId="{77441D8A-EABB-4C2E-94FA-49D9C658DF82}" type="pres">
       <dgm:prSet presAssocID="{B5CD90D1-9BAA-4C89-A970-7EDDDFA08B96}" presName="sibTrans" presStyleCnt="0"/>
       <dgm:spPr/>
     </dgm:pt>
     <dgm:pt modelId="{3E360B13-B290-42D2-AC86-5C5FC48D2842}" type="pres">
-      <dgm:prSet presAssocID="{7759B556-7E16-4728-8993-82CFB0171580}" presName="textNode" presStyleLbl="node1" presStyleIdx="4" presStyleCnt="5">
+      <dgm:prSet presAssocID="{7759B556-7E16-4728-8993-82CFB0171580}" presName="textNode" presStyleLbl="node1" presStyleIdx="4" presStyleCnt="5" custLinFactNeighborX="30098" custLinFactNeighborY="-1074">
         <dgm:presLayoutVars>
           <dgm:bulletEnabled val="1"/>
         </dgm:presLayoutVars>
       </dgm:prSet>
       <dgm:spPr/>
-      <dgm:t>
-        <a:bodyPr/>
-        <a:lstStyle/>
-        <a:p>
-          <a:endParaRPr lang="en-US"/>
-        </a:p>
-      </dgm:t>
     </dgm:pt>
   </dgm:ptLst>
   <dgm:cxnLst>
@@ -2126,7 +2093,7 @@
   <dgm:whole/>
   <dgm:extLst>
     <a:ext uri="http://schemas.microsoft.com/office/drawing/2008/diagram">
-      <dsp:dataModelExt xmlns:dsp="http://schemas.microsoft.com/office/drawing/2008/diagram" relId="rId6" minVer="http://schemas.openxmlformats.org/drawingml/2006/diagram"/>
+      <dsp:dataModelExt xmlns:dsp="http://schemas.microsoft.com/office/drawing/2008/diagram" relId="rId7" minVer="http://schemas.openxmlformats.org/drawingml/2006/diagram"/>
     </a:ext>
   </dgm:extLst>
 </dgm:dataModel>
@@ -2151,13 +2118,13 @@
         <a:lstStyle/>
         <a:p>
           <a:r>
-            <a:rPr lang="nb-NO" dirty="0" smtClean="0"/>
+            <a:rPr lang="nb-NO" dirty="0"/>
             <a:t>TFM</a:t>
           </a:r>
         </a:p>
         <a:p>
           <a:r>
-            <a:rPr lang="nb-NO" dirty="0" smtClean="0"/>
+            <a:rPr lang="nb-NO" dirty="0"/>
             <a:t>(input)</a:t>
           </a:r>
           <a:endParaRPr lang="en-US" dirty="0"/>
@@ -2194,7 +2161,7 @@
         <a:lstStyle/>
         <a:p>
           <a:r>
-            <a:rPr lang="nb-NO" dirty="0" smtClean="0"/>
+            <a:rPr lang="nb-NO" dirty="0"/>
             <a:t>«Stupid» backoff Algorithm</a:t>
           </a:r>
           <a:endParaRPr lang="en-US" dirty="0"/>
@@ -2235,13 +2202,13 @@
         <a:lstStyle/>
         <a:p>
           <a:r>
-            <a:rPr lang="nb-NO" dirty="0" smtClean="0"/>
+            <a:rPr lang="nb-NO" dirty="0"/>
             <a:t>Language Model</a:t>
           </a:r>
         </a:p>
         <a:p>
           <a:r>
-            <a:rPr lang="nb-NO" dirty="0" smtClean="0"/>
+            <a:rPr lang="nb-NO" dirty="0"/>
             <a:t>(output)</a:t>
           </a:r>
           <a:endParaRPr lang="en-US" dirty="0"/>
@@ -2278,7 +2245,7 @@
         <a:lstStyle/>
         <a:p>
           <a:r>
-            <a:rPr lang="nb-NO" dirty="0" smtClean="0"/>
+            <a:rPr lang="nb-NO" dirty="0"/>
             <a:t>Reduce TFM</a:t>
           </a:r>
           <a:endParaRPr lang="en-US" dirty="0"/>
@@ -2331,13 +2298,6 @@
         </dgm:presLayoutVars>
       </dgm:prSet>
       <dgm:spPr/>
-      <dgm:t>
-        <a:bodyPr/>
-        <a:lstStyle/>
-        <a:p>
-          <a:endParaRPr lang="en-US"/>
-        </a:p>
-      </dgm:t>
     </dgm:pt>
     <dgm:pt modelId="{160C6170-7722-44E1-9E3A-2780ABA817E4}" type="pres">
       <dgm:prSet presAssocID="{CCF5C5E0-E93F-4898-A744-3E93989A8C1B}" presName="sibTrans" presStyleCnt="0"/>
@@ -2350,13 +2310,6 @@
         </dgm:presLayoutVars>
       </dgm:prSet>
       <dgm:spPr/>
-      <dgm:t>
-        <a:bodyPr/>
-        <a:lstStyle/>
-        <a:p>
-          <a:endParaRPr lang="en-US"/>
-        </a:p>
-      </dgm:t>
     </dgm:pt>
     <dgm:pt modelId="{6D57B651-1257-49EF-B361-B4555FA3A4B1}" type="pres">
       <dgm:prSet presAssocID="{273DF7AD-4739-4D6B-8DA2-78A9823E02F8}" presName="sibTrans" presStyleCnt="0"/>
@@ -2369,13 +2322,6 @@
         </dgm:presLayoutVars>
       </dgm:prSet>
       <dgm:spPr/>
-      <dgm:t>
-        <a:bodyPr/>
-        <a:lstStyle/>
-        <a:p>
-          <a:endParaRPr lang="en-US"/>
-        </a:p>
-      </dgm:t>
     </dgm:pt>
     <dgm:pt modelId="{CA828586-1C91-4757-B2CF-4013A8D06BB2}" type="pres">
       <dgm:prSet presAssocID="{E59C318E-8046-4807-B0A2-EC1B8E4321CE}" presName="sibTrans" presStyleCnt="0"/>
@@ -2388,13 +2334,6 @@
         </dgm:presLayoutVars>
       </dgm:prSet>
       <dgm:spPr/>
-      <dgm:t>
-        <a:bodyPr/>
-        <a:lstStyle/>
-        <a:p>
-          <a:endParaRPr lang="en-US"/>
-        </a:p>
-      </dgm:t>
     </dgm:pt>
   </dgm:ptLst>
   <dgm:cxnLst>
@@ -2532,7 +2471,7 @@
         </a:bodyPr>
         <a:lstStyle/>
         <a:p>
-          <a:pPr lvl="0" algn="ctr" defTabSz="622300">
+          <a:pPr marL="0" lvl="0" indent="0" algn="ctr" defTabSz="622300">
             <a:lnSpc>
               <a:spcPct val="90000"/>
             </a:lnSpc>
@@ -2542,9 +2481,10 @@
             <a:spcAft>
               <a:spcPct val="35000"/>
             </a:spcAft>
+            <a:buNone/>
           </a:pPr>
           <a:r>
-            <a:rPr lang="nb-NO" sz="1400" kern="1200" dirty="0" smtClean="0"/>
+            <a:rPr lang="nb-NO" sz="1400" kern="1200" dirty="0"/>
             <a:t>Random Sampling</a:t>
           </a:r>
           <a:endParaRPr lang="en-US" sz="1400" kern="1200" dirty="0"/>
@@ -2611,7 +2551,7 @@
         </a:bodyPr>
         <a:lstStyle/>
         <a:p>
-          <a:pPr lvl="0" algn="ctr" defTabSz="622300">
+          <a:pPr marL="0" lvl="0" indent="0" algn="ctr" defTabSz="622300">
             <a:lnSpc>
               <a:spcPct val="90000"/>
             </a:lnSpc>
@@ -2621,9 +2561,10 @@
             <a:spcAft>
               <a:spcPct val="35000"/>
             </a:spcAft>
+            <a:buNone/>
           </a:pPr>
           <a:r>
-            <a:rPr lang="nb-NO" sz="1400" kern="1200" dirty="0" smtClean="0"/>
+            <a:rPr lang="nb-NO" sz="1400" kern="1200" dirty="0"/>
             <a:t>Sentence Isolation</a:t>
           </a:r>
           <a:endParaRPr lang="en-US" sz="1400" kern="1200" dirty="0"/>
@@ -2690,7 +2631,7 @@
         </a:bodyPr>
         <a:lstStyle/>
         <a:p>
-          <a:pPr lvl="0" algn="ctr" defTabSz="622300">
+          <a:pPr marL="0" lvl="0" indent="0" algn="ctr" defTabSz="622300">
             <a:lnSpc>
               <a:spcPct val="90000"/>
             </a:lnSpc>
@@ -2700,9 +2641,10 @@
             <a:spcAft>
               <a:spcPct val="35000"/>
             </a:spcAft>
+            <a:buNone/>
           </a:pPr>
           <a:r>
-            <a:rPr lang="nb-NO" sz="1400" kern="1200" dirty="0" smtClean="0"/>
+            <a:rPr lang="nb-NO" sz="1400" kern="1200" dirty="0"/>
             <a:t>Cleaning</a:t>
           </a:r>
           <a:endParaRPr lang="en-US" sz="1400" kern="1200" dirty="0"/>
@@ -2769,7 +2711,7 @@
         </a:bodyPr>
         <a:lstStyle/>
         <a:p>
-          <a:pPr lvl="0" algn="ctr" defTabSz="622300">
+          <a:pPr marL="0" lvl="0" indent="0" algn="ctr" defTabSz="622300">
             <a:lnSpc>
               <a:spcPct val="90000"/>
             </a:lnSpc>
@@ -2779,9 +2721,10 @@
             <a:spcAft>
               <a:spcPct val="35000"/>
             </a:spcAft>
+            <a:buNone/>
           </a:pPr>
           <a:r>
-            <a:rPr lang="nb-NO" sz="1400" kern="1200" dirty="0" smtClean="0"/>
+            <a:rPr lang="nb-NO" sz="1400" kern="1200" dirty="0"/>
             <a:t>Create TDM</a:t>
           </a:r>
         </a:p>
@@ -2798,7 +2741,7 @@
       </dsp:nvSpPr>
       <dsp:spPr>
         <a:xfrm>
-          <a:off x="5019079" y="1219199"/>
+          <a:off x="5020865" y="1201741"/>
           <a:ext cx="1075134" cy="1625600"/>
         </a:xfrm>
         <a:prstGeom prst="roundRect">
@@ -2847,7 +2790,7 @@
         </a:bodyPr>
         <a:lstStyle/>
         <a:p>
-          <a:pPr lvl="0" algn="ctr" defTabSz="622300">
+          <a:pPr marL="0" lvl="0" indent="0" algn="ctr" defTabSz="622300">
             <a:lnSpc>
               <a:spcPct val="90000"/>
             </a:lnSpc>
@@ -2857,16 +2800,16 @@
             <a:spcAft>
               <a:spcPct val="35000"/>
             </a:spcAft>
+            <a:buNone/>
           </a:pPr>
           <a:r>
-            <a:rPr lang="nb-NO" sz="1400" kern="1200" dirty="0" smtClean="0"/>
-            <a:t>Reduce TDM to TFM</a:t>
+            <a:rPr lang="en-CA" sz="1400" kern="1200" noProof="0" dirty="0"/>
+            <a:t>Transform TDM to TFM</a:t>
           </a:r>
-          <a:endParaRPr lang="en-US" sz="1400" kern="1200" dirty="0"/>
         </a:p>
       </dsp:txBody>
       <dsp:txXfrm>
-        <a:off x="5071563" y="1271683"/>
+        <a:off x="5073349" y="1254225"/>
         <a:ext cx="970166" cy="1520632"/>
       </dsp:txXfrm>
     </dsp:sp>
@@ -2974,7 +2917,7 @@
         </a:bodyPr>
         <a:lstStyle/>
         <a:p>
-          <a:pPr lvl="0" algn="ctr" defTabSz="844550">
+          <a:pPr marL="0" lvl="0" indent="0" algn="ctr" defTabSz="844550">
             <a:lnSpc>
               <a:spcPct val="90000"/>
             </a:lnSpc>
@@ -2984,14 +2927,15 @@
             <a:spcAft>
               <a:spcPct val="35000"/>
             </a:spcAft>
+            <a:buNone/>
           </a:pPr>
           <a:r>
-            <a:rPr lang="nb-NO" sz="1900" kern="1200" dirty="0" smtClean="0"/>
+            <a:rPr lang="nb-NO" sz="1900" kern="1200" dirty="0"/>
             <a:t>TFM</a:t>
           </a:r>
         </a:p>
         <a:p>
-          <a:pPr lvl="0" algn="ctr" defTabSz="844550">
+          <a:pPr marL="0" lvl="0" indent="0" algn="ctr" defTabSz="844550">
             <a:lnSpc>
               <a:spcPct val="90000"/>
             </a:lnSpc>
@@ -3001,9 +2945,10 @@
             <a:spcAft>
               <a:spcPct val="35000"/>
             </a:spcAft>
+            <a:buNone/>
           </a:pPr>
           <a:r>
-            <a:rPr lang="nb-NO" sz="1900" kern="1200" dirty="0" smtClean="0"/>
+            <a:rPr lang="nb-NO" sz="1900" kern="1200" dirty="0"/>
             <a:t>(input)</a:t>
           </a:r>
           <a:endParaRPr lang="en-US" sz="1900" kern="1200" dirty="0"/>
@@ -3070,7 +3015,7 @@
         </a:bodyPr>
         <a:lstStyle/>
         <a:p>
-          <a:pPr lvl="0" algn="ctr" defTabSz="844550">
+          <a:pPr marL="0" lvl="0" indent="0" algn="ctr" defTabSz="844550">
             <a:lnSpc>
               <a:spcPct val="90000"/>
             </a:lnSpc>
@@ -3080,9 +3025,10 @@
             <a:spcAft>
               <a:spcPct val="35000"/>
             </a:spcAft>
+            <a:buNone/>
           </a:pPr>
           <a:r>
-            <a:rPr lang="nb-NO" sz="1900" kern="1200" dirty="0" smtClean="0"/>
+            <a:rPr lang="nb-NO" sz="1900" kern="1200" dirty="0"/>
             <a:t>Reduce TFM</a:t>
           </a:r>
           <a:endParaRPr lang="en-US" sz="1900" kern="1200" dirty="0"/>
@@ -3149,7 +3095,7 @@
         </a:bodyPr>
         <a:lstStyle/>
         <a:p>
-          <a:pPr lvl="0" algn="ctr" defTabSz="844550">
+          <a:pPr marL="0" lvl="0" indent="0" algn="ctr" defTabSz="844550">
             <a:lnSpc>
               <a:spcPct val="90000"/>
             </a:lnSpc>
@@ -3159,9 +3105,10 @@
             <a:spcAft>
               <a:spcPct val="35000"/>
             </a:spcAft>
+            <a:buNone/>
           </a:pPr>
           <a:r>
-            <a:rPr lang="nb-NO" sz="1900" kern="1200" dirty="0" smtClean="0"/>
+            <a:rPr lang="nb-NO" sz="1900" kern="1200" dirty="0"/>
             <a:t>«Stupid» backoff Algorithm</a:t>
           </a:r>
           <a:endParaRPr lang="en-US" sz="1900" kern="1200" dirty="0"/>
@@ -3223,7 +3170,7 @@
         </a:bodyPr>
         <a:lstStyle/>
         <a:p>
-          <a:pPr lvl="0" algn="ctr" defTabSz="844550">
+          <a:pPr marL="0" lvl="0" indent="0" algn="ctr" defTabSz="844550">
             <a:lnSpc>
               <a:spcPct val="90000"/>
             </a:lnSpc>
@@ -3233,14 +3180,15 @@
             <a:spcAft>
               <a:spcPct val="35000"/>
             </a:spcAft>
+            <a:buNone/>
           </a:pPr>
           <a:r>
-            <a:rPr lang="nb-NO" sz="1900" kern="1200" dirty="0" smtClean="0"/>
+            <a:rPr lang="nb-NO" sz="1900" kern="1200" dirty="0"/>
             <a:t>Language Model</a:t>
           </a:r>
         </a:p>
         <a:p>
-          <a:pPr lvl="0" algn="ctr" defTabSz="844550">
+          <a:pPr marL="0" lvl="0" indent="0" algn="ctr" defTabSz="844550">
             <a:lnSpc>
               <a:spcPct val="90000"/>
             </a:lnSpc>
@@ -3250,9 +3198,10 @@
             <a:spcAft>
               <a:spcPct val="35000"/>
             </a:spcAft>
+            <a:buNone/>
           </a:pPr>
           <a:r>
-            <a:rPr lang="nb-NO" sz="1900" kern="1200" dirty="0" smtClean="0"/>
+            <a:rPr lang="nb-NO" sz="1900" kern="1200" dirty="0"/>
             <a:t>(output)</a:t>
           </a:r>
           <a:endParaRPr lang="en-US" sz="1900" kern="1200" dirty="0"/>
@@ -5823,7 +5772,7 @@
           <a:p>
             <a:fld id="{01F17A57-A10D-4D0B-B521-43FD44F4BF34}" type="datetimeFigureOut">
               <a:rPr lang="en-US" smtClean="0"/>
-              <a:t>7/25/2016</a:t>
+              <a:t>8/29/2016</a:t>
             </a:fld>
             <a:endParaRPr lang="en-US"/>
           </a:p>
@@ -5887,38 +5836,37 @@
           <a:p>
             <a:pPr lvl="0"/>
             <a:r>
-              <a:rPr lang="en-US" smtClean="0"/>
+              <a:rPr lang="en-US"/>
               <a:t>Edit Master text styles</a:t>
             </a:r>
           </a:p>
           <a:p>
             <a:pPr lvl="1"/>
             <a:r>
-              <a:rPr lang="en-US" smtClean="0"/>
+              <a:rPr lang="en-US"/>
               <a:t>Second level</a:t>
             </a:r>
           </a:p>
           <a:p>
             <a:pPr lvl="2"/>
             <a:r>
-              <a:rPr lang="en-US" smtClean="0"/>
+              <a:rPr lang="en-US"/>
               <a:t>Third level</a:t>
             </a:r>
           </a:p>
           <a:p>
             <a:pPr lvl="3"/>
             <a:r>
-              <a:rPr lang="en-US" smtClean="0"/>
+              <a:rPr lang="en-US"/>
               <a:t>Fourth level</a:t>
             </a:r>
           </a:p>
           <a:p>
             <a:pPr lvl="4"/>
             <a:r>
-              <a:rPr lang="en-US" smtClean="0"/>
+              <a:rPr lang="en-US"/>
               <a:t>Fifth level</a:t>
             </a:r>
-            <a:endParaRPr lang="en-US"/>
           </a:p>
         </p:txBody>
       </p:sp>
@@ -6136,7 +6084,13 @@
           <a:lstStyle/>
           <a:p>
             <a:r>
-              <a:rPr lang="en-US" sz="1200" b="0" i="0" kern="1200" dirty="0" smtClean="0">
+              <a:rPr lang="en-US" dirty="0"/>
+              <a:t>Context Around the Challenge/ Project</a:t>
+            </a:r>
+          </a:p>
+          <a:p>
+            <a:r>
+              <a:rPr lang="en-US" sz="1200" b="0" i="0" kern="1200" dirty="0">
                 <a:solidFill>
                   <a:schemeClr val="tx1"/>
                 </a:solidFill>
@@ -6145,12 +6099,33 @@
                 <a:ea typeface="+mn-ea"/>
                 <a:cs typeface="+mn-cs"/>
               </a:rPr>
-              <a:t>About this Course – Data Science Capstone project</a:t>
-            </a:r>
-          </a:p>
-          <a:p>
-            <a:r>
-              <a:rPr lang="en-US" sz="1200" b="0" i="0" kern="1200" dirty="0" smtClean="0">
+              <a:t>Data Science Capstone project – the last module of the Data Science Specialization</a:t>
+            </a:r>
+            <a:r>
+              <a:rPr lang="en-US" sz="1200" b="0" i="0" kern="1200" baseline="0" dirty="0">
+                <a:solidFill>
+                  <a:schemeClr val="tx1"/>
+                </a:solidFill>
+                <a:effectLst/>
+                <a:latin typeface="+mn-lt"/>
+                <a:ea typeface="+mn-ea"/>
+                <a:cs typeface="+mn-cs"/>
+              </a:rPr>
+              <a:t> at Coursera (Massive Open Online Courser) created by JHU</a:t>
+            </a:r>
+            <a:endParaRPr lang="en-US" sz="1200" b="0" i="0" kern="1200" dirty="0">
+              <a:solidFill>
+                <a:schemeClr val="tx1"/>
+              </a:solidFill>
+              <a:effectLst/>
+              <a:latin typeface="+mn-lt"/>
+              <a:ea typeface="+mn-ea"/>
+              <a:cs typeface="+mn-cs"/>
+            </a:endParaRPr>
+          </a:p>
+          <a:p>
+            <a:r>
+              <a:rPr lang="en-US" sz="1200" b="0" i="0" kern="1200" dirty="0">
                 <a:solidFill>
                   <a:schemeClr val="tx1"/>
                 </a:solidFill>
@@ -6162,7 +6137,7 @@
               <a:t>The</a:t>
             </a:r>
             <a:r>
-              <a:rPr lang="en-US" sz="1200" b="0" i="0" kern="1200" baseline="0" dirty="0" smtClean="0">
+              <a:rPr lang="en-US" sz="1200" b="0" i="0" kern="1200" baseline="0" dirty="0">
                 <a:solidFill>
                   <a:schemeClr val="tx1"/>
                 </a:solidFill>
@@ -6174,7 +6149,7 @@
               <a:t> intention</a:t>
             </a:r>
             <a:r>
-              <a:rPr lang="en-US" sz="1200" b="0" i="0" kern="1200" dirty="0" smtClean="0">
+              <a:rPr lang="en-US" sz="1200" b="0" i="0" kern="1200" dirty="0">
                 <a:solidFill>
                   <a:schemeClr val="tx1"/>
                 </a:solidFill>
@@ -6186,7 +6161,7 @@
               <a:t> is to challenge students to create a usable/public data product that can be used to practice your skills and build</a:t>
             </a:r>
             <a:r>
-              <a:rPr lang="en-US" sz="1200" b="0" i="0" kern="1200" baseline="0" dirty="0" smtClean="0">
+              <a:rPr lang="en-US" sz="1200" b="0" i="0" kern="1200" baseline="0" dirty="0">
                 <a:solidFill>
                   <a:schemeClr val="tx1"/>
                 </a:solidFill>
@@ -6200,7 +6175,7 @@
           </a:p>
           <a:p>
             <a:r>
-              <a:rPr lang="en-US" sz="1200" b="0" i="0" kern="1200" dirty="0" smtClean="0">
+              <a:rPr lang="en-US" sz="1200" b="0" i="0" kern="1200" dirty="0">
                 <a:solidFill>
                   <a:schemeClr val="tx1"/>
                 </a:solidFill>
@@ -6232,9 +6207,9 @@
           <a:bodyPr/>
           <a:lstStyle/>
           <a:p>
-            <a:fld id="{11AF01E5-F3E2-4FBA-AB00-23583DAA821B}" type="slidenum">
+            <a:fld id="{3A688BD2-7E14-404B-9FB4-C75328B554A8}" type="slidenum">
               <a:rPr lang="en-US" smtClean="0"/>
-              <a:t>2</a:t>
+              <a:t>1</a:t>
             </a:fld>
             <a:endParaRPr lang="en-US"/>
           </a:p>
@@ -6243,7 +6218,188 @@
     </p:spTree>
     <p:extLst>
       <p:ext uri="{BB962C8B-B14F-4D97-AF65-F5344CB8AC3E}">
-        <p14:creationId xmlns:p14="http://schemas.microsoft.com/office/powerpoint/2010/main" val="532651300"/>
+        <p14:creationId xmlns:p14="http://schemas.microsoft.com/office/powerpoint/2010/main" val="1666195429"/>
+      </p:ext>
+    </p:extLst>
+  </p:cSld>
+  <p:clrMapOvr>
+    <a:masterClrMapping/>
+  </p:clrMapOvr>
+</p:notes>
+</file>
+
+<file path=ppt/notesSlides/notesSlide10.xml><?xml version="1.0" encoding="utf-8"?>
+<p:notes xmlns:a="http://schemas.openxmlformats.org/drawingml/2006/main" xmlns:r="http://schemas.openxmlformats.org/officeDocument/2006/relationships" xmlns:p="http://schemas.openxmlformats.org/presentationml/2006/main">
+  <p:cSld>
+    <p:spTree>
+      <p:nvGrpSpPr>
+        <p:cNvPr id="1" name=""/>
+        <p:cNvGrpSpPr/>
+        <p:nvPr/>
+      </p:nvGrpSpPr>
+      <p:grpSpPr>
+        <a:xfrm>
+          <a:off x="0" y="0"/>
+          <a:ext cx="0" cy="0"/>
+          <a:chOff x="0" y="0"/>
+          <a:chExt cx="0" cy="0"/>
+        </a:xfrm>
+      </p:grpSpPr>
+      <p:sp>
+        <p:nvSpPr>
+          <p:cNvPr id="2" name="Slide Image Placeholder 1"/>
+          <p:cNvSpPr>
+            <a:spLocks noGrp="1" noRot="1" noChangeAspect="1"/>
+          </p:cNvSpPr>
+          <p:nvPr>
+            <p:ph type="sldImg"/>
+          </p:nvPr>
+        </p:nvSpPr>
+        <p:spPr/>
+      </p:sp>
+      <p:sp>
+        <p:nvSpPr>
+          <p:cNvPr id="3" name="Notes Placeholder 2"/>
+          <p:cNvSpPr>
+            <a:spLocks noGrp="1"/>
+          </p:cNvSpPr>
+          <p:nvPr>
+            <p:ph type="body" idx="1"/>
+          </p:nvPr>
+        </p:nvSpPr>
+        <p:spPr/>
+        <p:txBody>
+          <a:bodyPr/>
+          <a:lstStyle/>
+          <a:p>
+            <a:endParaRPr lang="en-GB" dirty="0"/>
+          </a:p>
+        </p:txBody>
+      </p:sp>
+      <p:sp>
+        <p:nvSpPr>
+          <p:cNvPr id="4" name="Slide Number Placeholder 3"/>
+          <p:cNvSpPr>
+            <a:spLocks noGrp="1"/>
+          </p:cNvSpPr>
+          <p:nvPr>
+            <p:ph type="sldNum" sz="quarter" idx="10"/>
+          </p:nvPr>
+        </p:nvSpPr>
+        <p:spPr/>
+        <p:txBody>
+          <a:bodyPr/>
+          <a:lstStyle/>
+          <a:p>
+            <a:fld id="{3A688BD2-7E14-404B-9FB4-C75328B554A8}" type="slidenum">
+              <a:rPr lang="en-US" smtClean="0"/>
+              <a:t>10</a:t>
+            </a:fld>
+            <a:endParaRPr lang="en-US"/>
+          </a:p>
+        </p:txBody>
+      </p:sp>
+    </p:spTree>
+    <p:extLst>
+      <p:ext uri="{BB962C8B-B14F-4D97-AF65-F5344CB8AC3E}">
+        <p14:creationId xmlns:p14="http://schemas.microsoft.com/office/powerpoint/2010/main" val="1738018023"/>
+      </p:ext>
+    </p:extLst>
+  </p:cSld>
+  <p:clrMapOvr>
+    <a:masterClrMapping/>
+  </p:clrMapOvr>
+</p:notes>
+</file>
+
+<file path=ppt/notesSlides/notesSlide11.xml><?xml version="1.0" encoding="utf-8"?>
+<p:notes xmlns:a="http://schemas.openxmlformats.org/drawingml/2006/main" xmlns:r="http://schemas.openxmlformats.org/officeDocument/2006/relationships" xmlns:p="http://schemas.openxmlformats.org/presentationml/2006/main">
+  <p:cSld>
+    <p:spTree>
+      <p:nvGrpSpPr>
+        <p:cNvPr id="1" name=""/>
+        <p:cNvGrpSpPr/>
+        <p:nvPr/>
+      </p:nvGrpSpPr>
+      <p:grpSpPr>
+        <a:xfrm>
+          <a:off x="0" y="0"/>
+          <a:ext cx="0" cy="0"/>
+          <a:chOff x="0" y="0"/>
+          <a:chExt cx="0" cy="0"/>
+        </a:xfrm>
+      </p:grpSpPr>
+      <p:sp>
+        <p:nvSpPr>
+          <p:cNvPr id="2" name="Slide Image Placeholder 1"/>
+          <p:cNvSpPr>
+            <a:spLocks noGrp="1" noRot="1" noChangeAspect="1"/>
+          </p:cNvSpPr>
+          <p:nvPr>
+            <p:ph type="sldImg"/>
+          </p:nvPr>
+        </p:nvSpPr>
+        <p:spPr/>
+      </p:sp>
+      <p:sp>
+        <p:nvSpPr>
+          <p:cNvPr id="3" name="Notes Placeholder 2"/>
+          <p:cNvSpPr>
+            <a:spLocks noGrp="1"/>
+          </p:cNvSpPr>
+          <p:nvPr>
+            <p:ph type="body" idx="1"/>
+          </p:nvPr>
+        </p:nvSpPr>
+        <p:spPr/>
+        <p:txBody>
+          <a:bodyPr/>
+          <a:lstStyle/>
+          <a:p>
+            <a:r>
+              <a:rPr lang="en-GB" dirty="0"/>
+              <a:t>Iterative development – the current knowledge shapes</a:t>
+            </a:r>
+            <a:r>
+              <a:rPr lang="en-GB" baseline="0" dirty="0"/>
+              <a:t> the past and the future.</a:t>
+            </a:r>
+          </a:p>
+          <a:p>
+            <a:endParaRPr lang="en-GB" baseline="0" dirty="0"/>
+          </a:p>
+          <a:p>
+            <a:endParaRPr lang="en-GB" dirty="0"/>
+          </a:p>
+        </p:txBody>
+      </p:sp>
+      <p:sp>
+        <p:nvSpPr>
+          <p:cNvPr id="4" name="Slide Number Placeholder 3"/>
+          <p:cNvSpPr>
+            <a:spLocks noGrp="1"/>
+          </p:cNvSpPr>
+          <p:nvPr>
+            <p:ph type="sldNum" sz="quarter" idx="10"/>
+          </p:nvPr>
+        </p:nvSpPr>
+        <p:spPr/>
+        <p:txBody>
+          <a:bodyPr/>
+          <a:lstStyle/>
+          <a:p>
+            <a:fld id="{3A688BD2-7E14-404B-9FB4-C75328B554A8}" type="slidenum">
+              <a:rPr lang="en-US" smtClean="0"/>
+              <a:t>11</a:t>
+            </a:fld>
+            <a:endParaRPr lang="en-US"/>
+          </a:p>
+        </p:txBody>
+      </p:sp>
+    </p:spTree>
+    <p:extLst>
+      <p:ext uri="{BB962C8B-B14F-4D97-AF65-F5344CB8AC3E}">
+        <p14:creationId xmlns:p14="http://schemas.microsoft.com/office/powerpoint/2010/main" val="4292228983"/>
       </p:ext>
     </p:extLst>
   </p:cSld>
@@ -6298,19 +6454,113 @@
           <a:lstStyle/>
           <a:p>
             <a:r>
-              <a:rPr lang="en-US" dirty="0" smtClean="0"/>
+              <a:rPr lang="en-US" b="1" dirty="0"/>
+              <a:t>Describe the context</a:t>
+            </a:r>
+            <a:r>
+              <a:rPr lang="en-US" dirty="0"/>
+              <a:t> -&gt; Capstone</a:t>
+            </a:r>
+            <a:r>
+              <a:rPr lang="en-US" baseline="0" dirty="0"/>
+              <a:t> Project in the Data Science Specialization (Coursera, JHU)</a:t>
+            </a:r>
+          </a:p>
+          <a:p>
+            <a:pPr marL="0" algn="l" defTabSz="914400" rtl="0" eaLnBrk="1" latinLnBrk="0" hangingPunct="1"/>
+            <a:r>
+              <a:rPr lang="en-US" dirty="0"/>
+              <a:t>The</a:t>
+            </a:r>
+            <a:r>
+              <a:rPr lang="en-US" baseline="0" dirty="0"/>
+              <a:t> Capstone Project has been developed by </a:t>
+            </a:r>
+            <a:r>
+              <a:rPr lang="en-US" sz="1200" kern="1200" dirty="0">
+                <a:solidFill>
+                  <a:schemeClr val="tx1"/>
+                </a:solidFill>
+                <a:latin typeface="+mn-lt"/>
+                <a:ea typeface="+mn-ea"/>
+                <a:cs typeface="+mn-cs"/>
+              </a:rPr>
+              <a:t>JHU in </a:t>
+            </a:r>
+            <a:r>
+              <a:rPr lang="en-US" sz="1200" kern="1200" dirty="0">
+                <a:solidFill>
+                  <a:schemeClr val="tx1"/>
+                </a:solidFill>
+                <a:latin typeface="+mn-lt"/>
+                <a:ea typeface="+mn-ea"/>
+                <a:cs typeface="+mn-cs"/>
+                <a:hlinkClick r:id="rId3"/>
+              </a:rPr>
+              <a:t>partnership with SwiftKey. The project involves developing a predictive model of text starting with</a:t>
+            </a:r>
+            <a:r>
+              <a:rPr lang="en-US" sz="1200" kern="1200" dirty="0">
+                <a:solidFill>
+                  <a:schemeClr val="tx1"/>
+                </a:solidFill>
+                <a:latin typeface="+mn-lt"/>
+                <a:ea typeface="+mn-ea"/>
+                <a:cs typeface="+mn-cs"/>
+              </a:rPr>
+              <a:t> </a:t>
+            </a:r>
+            <a:r>
+              <a:rPr lang="en-US" sz="1200" kern="1200" dirty="0">
+                <a:solidFill>
+                  <a:schemeClr val="tx1"/>
+                </a:solidFill>
+                <a:latin typeface="+mn-lt"/>
+                <a:ea typeface="+mn-ea"/>
+                <a:cs typeface="+mn-cs"/>
+                <a:hlinkClick r:id="rId3"/>
+              </a:rPr>
+              <a:t>a really large, unstructured database of the English language.</a:t>
+            </a:r>
+            <a:r>
+              <a:rPr lang="en-US" sz="1200" kern="1200" dirty="0">
+                <a:solidFill>
+                  <a:schemeClr val="tx1"/>
+                </a:solidFill>
+                <a:latin typeface="+mn-lt"/>
+                <a:ea typeface="+mn-ea"/>
+                <a:cs typeface="+mn-cs"/>
+              </a:rPr>
+              <a:t> </a:t>
+            </a:r>
+          </a:p>
+          <a:p>
+            <a:endParaRPr lang="en-US" dirty="0"/>
+          </a:p>
+          <a:p>
+            <a:r>
+              <a:rPr lang="en-US" b="1" dirty="0"/>
+              <a:t>Describe the challenge</a:t>
+            </a:r>
+          </a:p>
+          <a:p>
+            <a:endParaRPr lang="en-US" dirty="0"/>
+          </a:p>
+          <a:p>
+            <a:r>
+              <a:rPr lang="en-US" dirty="0"/>
               <a:t>https://www.jstatsoft.org/article/view/v025i05</a:t>
             </a:r>
           </a:p>
           <a:p>
             <a:r>
-              <a:rPr lang="en-US" dirty="0" smtClean="0"/>
+              <a:rPr lang="en-US" dirty="0"/>
               <a:t>https://cran.r-project.org/web/views/NaturalLanguageProcessing.html</a:t>
             </a:r>
           </a:p>
           <a:p>
             <a:r>
-              <a:rPr lang="en-US" dirty="0" smtClean="0"/>
+              <a:rPr lang="en-US" dirty="0"/>
               <a:t>https://www.coursera.org/course/nlp</a:t>
             </a:r>
           </a:p>
@@ -6333,7 +6583,7 @@
           <a:p>
             <a:fld id="{11AF01E5-F3E2-4FBA-AB00-23583DAA821B}" type="slidenum">
               <a:rPr lang="en-US" smtClean="0"/>
-              <a:t>3</a:t>
+              <a:t>2</a:t>
             </a:fld>
             <a:endParaRPr lang="en-US"/>
           </a:p>
@@ -6397,34 +6647,33 @@
           <a:lstStyle/>
           <a:p>
             <a:r>
-              <a:rPr lang="en-US" dirty="0" smtClean="0"/>
+              <a:rPr lang="en-US" dirty="0"/>
               <a:t>http://www.corpora.heliohost.org/</a:t>
             </a:r>
           </a:p>
           <a:p>
             <a:r>
-              <a:rPr lang="en-US" b="1" dirty="0" smtClean="0"/>
+              <a:rPr lang="en-US" b="1" dirty="0"/>
               <a:t>HC corpora </a:t>
             </a:r>
             <a:r>
-              <a:rPr lang="en-US" dirty="0" smtClean="0"/>
+              <a:rPr lang="en-US" dirty="0"/>
               <a:t>is a collection of corpora for various languages freely available to download.</a:t>
             </a:r>
             <a:br>
-              <a:rPr lang="en-US" dirty="0" smtClean="0"/>
+              <a:rPr lang="en-US" dirty="0"/>
             </a:br>
             <a:r>
-              <a:rPr lang="en-US" dirty="0" smtClean="0"/>
+              <a:rPr lang="en-US" dirty="0"/>
               <a:t>The corpora have been collected from numerous different webpages (web crawler), with the aim of getting a varied and comprehensive corpus of current use of the respective language.</a:t>
             </a:r>
             <a:br>
-              <a:rPr lang="en-US" dirty="0" smtClean="0"/>
+              <a:rPr lang="en-US" dirty="0"/>
             </a:br>
             <a:r>
-              <a:rPr lang="en-US" dirty="0" smtClean="0"/>
+              <a:rPr lang="en-US" dirty="0"/>
               <a:t>Strived to search from many different types of sources, such as newspapers, magazines, (personal and professional) blogs and Twitter updates.</a:t>
             </a:r>
-            <a:endParaRPr lang="en-US" dirty="0"/>
           </a:p>
         </p:txBody>
       </p:sp>
@@ -6445,7 +6694,7 @@
           <a:p>
             <a:fld id="{11AF01E5-F3E2-4FBA-AB00-23583DAA821B}" type="slidenum">
               <a:rPr lang="en-US" smtClean="0"/>
-              <a:t>4</a:t>
+              <a:t>3</a:t>
             </a:fld>
             <a:endParaRPr lang="en-US" dirty="0"/>
           </a:p>
@@ -6509,7 +6758,7 @@
           <a:lstStyle/>
           <a:p>
             <a:r>
-              <a:rPr lang="en-US" sz="1200" b="1" i="0" kern="1200" dirty="0" smtClean="0">
+              <a:rPr lang="en-US" sz="1200" b="1" i="0" kern="1200" dirty="0">
                 <a:solidFill>
                   <a:schemeClr val="tx1"/>
                 </a:solidFill>
@@ -6521,7 +6770,7 @@
               <a:t>Cross Industry Standard Process for Data Mining</a:t>
             </a:r>
             <a:r>
-              <a:rPr lang="en-US" sz="1200" b="0" i="0" kern="1200" dirty="0" smtClean="0">
+              <a:rPr lang="en-US" sz="1200" b="0" i="0" kern="1200" dirty="0">
                 <a:solidFill>
                   <a:schemeClr val="tx1"/>
                 </a:solidFill>
@@ -6533,7 +6782,7 @@
               <a:t>, commonly known by its acronym </a:t>
             </a:r>
             <a:r>
-              <a:rPr lang="en-US" sz="1200" b="1" i="0" kern="1200" dirty="0" smtClean="0">
+              <a:rPr lang="en-US" sz="1200" b="1" i="0" kern="1200" dirty="0">
                 <a:solidFill>
                   <a:schemeClr val="tx1"/>
                 </a:solidFill>
@@ -6545,7 +6794,7 @@
               <a:t>CRISP-DM</a:t>
             </a:r>
             <a:r>
-              <a:rPr lang="en-US" sz="1200" b="0" i="0" kern="1200" dirty="0" smtClean="0">
+              <a:rPr lang="en-US" sz="1200" b="0" i="0" kern="1200" dirty="0">
                 <a:solidFill>
                   <a:schemeClr val="tx1"/>
                 </a:solidFill>
@@ -6557,7 +6806,7 @@
               <a:t>,</a:t>
             </a:r>
             <a:r>
-              <a:rPr lang="en-US" sz="1200" b="0" i="0" u="none" strike="noStrike" kern="1200" baseline="30000" dirty="0" smtClean="0">
+              <a:rPr lang="en-US" sz="1200" b="0" i="0" u="none" strike="noStrike" kern="1200" baseline="30000" dirty="0">
                 <a:solidFill>
                   <a:schemeClr val="tx1"/>
                 </a:solidFill>
@@ -6570,7 +6819,7 @@
               <a:t>]</a:t>
             </a:r>
             <a:r>
-              <a:rPr lang="en-US" sz="1200" b="0" i="0" kern="1200" dirty="0" smtClean="0">
+              <a:rPr lang="en-US" sz="1200" b="0" i="0" kern="1200" dirty="0">
                 <a:solidFill>
                   <a:schemeClr val="tx1"/>
                 </a:solidFill>
@@ -6582,7 +6831,7 @@
               <a:t> was a </a:t>
             </a:r>
             <a:r>
-              <a:rPr lang="en-US" sz="1200" b="0" i="0" u="none" strike="noStrike" kern="1200" dirty="0" smtClean="0">
+              <a:rPr lang="en-US" sz="1200" b="0" i="0" u="none" strike="noStrike" kern="1200" dirty="0">
                 <a:solidFill>
                   <a:schemeClr val="tx1"/>
                 </a:solidFill>
@@ -6595,7 +6844,7 @@
               <a:t>data mining</a:t>
             </a:r>
             <a:r>
-              <a:rPr lang="en-US" sz="1200" b="0" i="0" kern="1200" dirty="0" smtClean="0">
+              <a:rPr lang="en-US" sz="1200" b="0" i="0" kern="1200" dirty="0">
                 <a:solidFill>
                   <a:schemeClr val="tx1"/>
                 </a:solidFill>
@@ -6607,7 +6856,7 @@
               <a:t> process model (conceived in 1996/ 1997)  that describes commonly used approaches that data mining experts use to tackle problems. </a:t>
             </a:r>
             <a:r>
-              <a:rPr lang="en-US" sz="1200" b="0" i="0" kern="1200" baseline="0" dirty="0" smtClean="0">
+              <a:rPr lang="en-US" sz="1200" b="0" i="0" kern="1200" baseline="0" dirty="0">
                 <a:solidFill>
                   <a:schemeClr val="tx1"/>
                 </a:solidFill>
@@ -6619,7 +6868,7 @@
               <a:t> </a:t>
             </a:r>
             <a:r>
-              <a:rPr lang="en-US" sz="1200" b="0" i="0" kern="1200" dirty="0" smtClean="0">
+              <a:rPr lang="en-US" sz="1200" b="0" i="0" kern="1200" dirty="0">
                 <a:solidFill>
                   <a:schemeClr val="tx1"/>
                 </a:solidFill>
@@ -6631,7 +6880,7 @@
               <a:t>Polls conducted at one and the same website (</a:t>
             </a:r>
             <a:r>
-              <a:rPr lang="en-US" sz="1200" b="0" i="0" kern="1200" dirty="0" err="1" smtClean="0">
+              <a:rPr lang="en-US" sz="1200" b="0" i="0" kern="1200" dirty="0" err="1">
                 <a:solidFill>
                   <a:schemeClr val="tx1"/>
                 </a:solidFill>
@@ -6643,7 +6892,7 @@
               <a:t>KDNuggets</a:t>
             </a:r>
             <a:r>
-              <a:rPr lang="en-US" sz="1200" b="0" i="0" kern="1200" dirty="0" smtClean="0">
+              <a:rPr lang="en-US" sz="1200" b="0" i="0" kern="1200" dirty="0">
                 <a:solidFill>
                   <a:schemeClr val="tx1"/>
                 </a:solidFill>
@@ -6655,7 +6904,7 @@
               <a:t>) in 2002, 2004, 2007 and 2014 show that it was the leading methodology used by industry data miners who decided to respond to the survey.</a:t>
             </a:r>
             <a:r>
-              <a:rPr lang="en-US" sz="1200" b="0" i="0" u="none" strike="noStrike" kern="1200" baseline="30000" dirty="0" smtClean="0">
+              <a:rPr lang="en-US" sz="1200" b="0" i="0" u="none" strike="noStrike" kern="1200" baseline="30000" dirty="0">
                 <a:solidFill>
                   <a:schemeClr val="tx1"/>
                 </a:solidFill>
@@ -6688,7 +6937,7 @@
           <a:p>
             <a:fld id="{11AF01E5-F3E2-4FBA-AB00-23583DAA821B}" type="slidenum">
               <a:rPr lang="en-US" smtClean="0"/>
-              <a:t>5</a:t>
+              <a:t>4</a:t>
             </a:fld>
             <a:endParaRPr lang="en-US"/>
           </a:p>
@@ -6752,340 +7001,328 @@
           <a:lstStyle/>
           <a:p>
             <a:r>
-              <a:rPr lang="nb-NO" dirty="0" smtClean="0"/>
+              <a:rPr lang="nb-NO" dirty="0"/>
               <a:t>The </a:t>
             </a:r>
             <a:r>
-              <a:rPr lang="nb-NO" b="1" dirty="0" smtClean="0"/>
+              <a:rPr lang="nb-NO" b="1" dirty="0"/>
               <a:t>Challenge</a:t>
             </a:r>
             <a:r>
-              <a:rPr lang="nb-NO" dirty="0" smtClean="0"/>
+              <a:rPr lang="nb-NO" dirty="0"/>
               <a:t> is to </a:t>
             </a:r>
             <a:r>
-              <a:rPr lang="nb-NO" dirty="0" err="1" smtClean="0"/>
+              <a:rPr lang="nb-NO" dirty="0" err="1"/>
               <a:t>find</a:t>
             </a:r>
             <a:r>
-              <a:rPr lang="nb-NO" dirty="0" smtClean="0"/>
+              <a:rPr lang="nb-NO" dirty="0"/>
               <a:t> </a:t>
             </a:r>
             <a:r>
-              <a:rPr lang="nb-NO" dirty="0" err="1" smtClean="0"/>
+              <a:rPr lang="nb-NO" dirty="0" err="1"/>
               <a:t>the</a:t>
             </a:r>
             <a:r>
-              <a:rPr lang="nb-NO" dirty="0" smtClean="0"/>
+              <a:rPr lang="nb-NO" dirty="0"/>
               <a:t> most probable </a:t>
             </a:r>
             <a:r>
-              <a:rPr lang="nb-NO" dirty="0" err="1" smtClean="0"/>
+              <a:rPr lang="nb-NO" dirty="0" err="1"/>
               <a:t>next</a:t>
             </a:r>
             <a:r>
-              <a:rPr lang="nb-NO" dirty="0" smtClean="0"/>
-              <a:t> 3 </a:t>
-            </a:r>
-            <a:r>
-              <a:rPr lang="nb-NO" dirty="0" err="1" smtClean="0"/>
+              <a:rPr lang="nb-NO" dirty="0"/>
+              <a:t> </a:t>
+            </a:r>
+            <a:r>
+              <a:rPr lang="nb-NO" dirty="0" err="1"/>
+              <a:t>word</a:t>
+            </a:r>
+            <a:r>
+              <a:rPr lang="nb-NO" dirty="0"/>
+              <a:t> given</a:t>
+            </a:r>
+            <a:r>
+              <a:rPr lang="nb-NO" baseline="0" dirty="0"/>
+              <a:t> </a:t>
+            </a:r>
+            <a:r>
+              <a:rPr lang="nb-NO" baseline="0" dirty="0" err="1"/>
+              <a:t>that</a:t>
+            </a:r>
+            <a:r>
+              <a:rPr lang="nb-NO" baseline="0" dirty="0"/>
+              <a:t> </a:t>
+            </a:r>
+            <a:r>
+              <a:rPr lang="nb-NO" baseline="0" dirty="0" err="1"/>
+              <a:t>the</a:t>
+            </a:r>
+            <a:r>
+              <a:rPr lang="nb-NO" baseline="0" dirty="0"/>
+              <a:t> </a:t>
+            </a:r>
+            <a:r>
+              <a:rPr lang="nb-NO" baseline="0" dirty="0" err="1"/>
+              <a:t>user</a:t>
+            </a:r>
+            <a:r>
+              <a:rPr lang="nb-NO" baseline="0" dirty="0"/>
+              <a:t> has </a:t>
+            </a:r>
+            <a:r>
+              <a:rPr lang="nb-NO" baseline="0" dirty="0" err="1"/>
+              <a:t>entered</a:t>
+            </a:r>
+            <a:r>
+              <a:rPr lang="nb-NO" baseline="0" dirty="0"/>
+              <a:t> or given a </a:t>
+            </a:r>
+            <a:r>
+              <a:rPr lang="nb-NO" baseline="0" dirty="0" err="1"/>
+              <a:t>sequence</a:t>
+            </a:r>
+            <a:r>
+              <a:rPr lang="nb-NO" baseline="0" dirty="0"/>
+              <a:t> </a:t>
+            </a:r>
+            <a:r>
+              <a:rPr lang="nb-NO" baseline="0" dirty="0" err="1"/>
+              <a:t>of</a:t>
+            </a:r>
+            <a:r>
+              <a:rPr lang="nb-NO" baseline="0" dirty="0"/>
+              <a:t> </a:t>
+            </a:r>
+            <a:r>
+              <a:rPr lang="nb-NO" baseline="0" dirty="0" err="1"/>
               <a:t>words</a:t>
             </a:r>
             <a:r>
-              <a:rPr lang="nb-NO" dirty="0" smtClean="0"/>
-              <a:t> given</a:t>
-            </a:r>
-            <a:r>
-              <a:rPr lang="nb-NO" baseline="0" dirty="0" smtClean="0"/>
+              <a:rPr lang="nb-NO" baseline="0" dirty="0"/>
+              <a:t> …</a:t>
+            </a:r>
+          </a:p>
+          <a:p>
+            <a:endParaRPr lang="nb-NO" dirty="0"/>
+          </a:p>
+          <a:p>
+            <a:r>
+              <a:rPr lang="nb-NO" dirty="0"/>
+              <a:t>A </a:t>
+            </a:r>
+            <a:r>
+              <a:rPr lang="nb-NO" b="1" dirty="0"/>
+              <a:t>probabilistic language model</a:t>
+            </a:r>
+            <a:r>
+              <a:rPr lang="nb-NO" dirty="0"/>
+              <a:t> allows</a:t>
+            </a:r>
+            <a:r>
+              <a:rPr lang="nb-NO" baseline="0" dirty="0"/>
+              <a:t> to </a:t>
+            </a:r>
+            <a:r>
+              <a:rPr lang="nb-NO" b="1" baseline="0" dirty="0"/>
+              <a:t>assign a probability/ score to a sentence or a sequence </a:t>
+            </a:r>
+            <a:r>
+              <a:rPr lang="nb-NO" b="1" baseline="0" dirty="0" err="1"/>
+              <a:t>of</a:t>
+            </a:r>
+            <a:r>
+              <a:rPr lang="nb-NO" b="1" baseline="0" dirty="0"/>
               <a:t> </a:t>
             </a:r>
             <a:r>
-              <a:rPr lang="nb-NO" baseline="0" dirty="0" err="1" smtClean="0"/>
-              <a:t>that</a:t>
-            </a:r>
-            <a:r>
-              <a:rPr lang="nb-NO" baseline="0" dirty="0" smtClean="0"/>
+              <a:rPr lang="nb-NO" b="1" baseline="0" dirty="0" err="1"/>
+              <a:t>words</a:t>
+            </a:r>
+            <a:r>
+              <a:rPr lang="nb-NO" b="1" baseline="0" dirty="0"/>
               <a:t> </a:t>
             </a:r>
             <a:r>
-              <a:rPr lang="nb-NO" baseline="0" dirty="0" err="1" smtClean="0"/>
+              <a:rPr lang="nb-NO" baseline="0" dirty="0"/>
+              <a:t>and can be used to </a:t>
+            </a:r>
+            <a:r>
+              <a:rPr lang="nb-NO" baseline="0" dirty="0" err="1"/>
+              <a:t>resolve</a:t>
+            </a:r>
+            <a:r>
+              <a:rPr lang="nb-NO" baseline="0" dirty="0"/>
+              <a:t> the given problem: </a:t>
+            </a:r>
+            <a:r>
+              <a:rPr lang="nb-NO" b="1" baseline="0" dirty="0"/>
+              <a:t>predict  the most probable words given part of a sentence</a:t>
+            </a:r>
+            <a:r>
+              <a:rPr lang="nb-NO" baseline="0" dirty="0"/>
+              <a:t> (</a:t>
+            </a:r>
+            <a:r>
+              <a:rPr lang="nb-NO" b="1" baseline="0" dirty="0"/>
+              <a:t>text </a:t>
+            </a:r>
+            <a:r>
+              <a:rPr lang="nb-NO" b="1" baseline="0" dirty="0" err="1"/>
+              <a:t>prediction</a:t>
+            </a:r>
+            <a:r>
+              <a:rPr lang="nb-NO" baseline="0" dirty="0"/>
+              <a:t>)</a:t>
+            </a:r>
+          </a:p>
+          <a:p>
+            <a:endParaRPr lang="nb-NO" baseline="0" dirty="0"/>
+          </a:p>
+          <a:p>
+            <a:r>
+              <a:rPr lang="nb-NO" b="1" baseline="0" dirty="0"/>
+              <a:t>How </a:t>
+            </a:r>
+            <a:r>
+              <a:rPr lang="nb-NO" b="1" baseline="0" dirty="0" err="1"/>
+              <a:t>can</a:t>
+            </a:r>
+            <a:r>
+              <a:rPr lang="nb-NO" b="1" baseline="0" dirty="0"/>
+              <a:t> </a:t>
+            </a:r>
+            <a:r>
+              <a:rPr lang="nb-NO" b="1" baseline="0" dirty="0" err="1"/>
+              <a:t>we</a:t>
+            </a:r>
+            <a:r>
+              <a:rPr lang="nb-NO" b="1" baseline="0" dirty="0"/>
+              <a:t> </a:t>
+            </a:r>
+            <a:r>
+              <a:rPr lang="nb-NO" b="1" baseline="0" dirty="0" err="1"/>
+              <a:t>estimate</a:t>
+            </a:r>
+            <a:r>
+              <a:rPr lang="nb-NO" b="1" baseline="0" dirty="0"/>
+              <a:t> </a:t>
+            </a:r>
+            <a:r>
+              <a:rPr lang="nb-NO" b="1" baseline="0" dirty="0" err="1"/>
               <a:t>the</a:t>
             </a:r>
             <a:r>
-              <a:rPr lang="nb-NO" baseline="0" dirty="0" smtClean="0"/>
+              <a:rPr lang="nb-NO" b="1" baseline="0" dirty="0"/>
               <a:t> </a:t>
             </a:r>
             <a:r>
-              <a:rPr lang="nb-NO" baseline="0" dirty="0" err="1" smtClean="0"/>
-              <a:t>user</a:t>
-            </a:r>
-            <a:r>
-              <a:rPr lang="nb-NO" baseline="0" dirty="0" smtClean="0"/>
-              <a:t> has </a:t>
-            </a:r>
-            <a:r>
-              <a:rPr lang="nb-NO" baseline="0" dirty="0" err="1" smtClean="0"/>
-              <a:t>entered</a:t>
-            </a:r>
-            <a:r>
-              <a:rPr lang="nb-NO" baseline="0" dirty="0" smtClean="0"/>
-              <a:t> or given a </a:t>
-            </a:r>
-            <a:r>
-              <a:rPr lang="nb-NO" baseline="0" dirty="0" err="1" smtClean="0"/>
-              <a:t>sequence</a:t>
-            </a:r>
-            <a:r>
-              <a:rPr lang="nb-NO" baseline="0" dirty="0" smtClean="0"/>
+              <a:rPr lang="nb-NO" b="1" baseline="0" dirty="0" err="1"/>
+              <a:t>probability</a:t>
+            </a:r>
+            <a:r>
+              <a:rPr lang="nb-NO" b="1" baseline="0" dirty="0"/>
               <a:t> </a:t>
             </a:r>
             <a:r>
-              <a:rPr lang="nb-NO" baseline="0" dirty="0" err="1" smtClean="0"/>
+              <a:rPr lang="nb-NO" b="1" baseline="0" dirty="0" err="1"/>
               <a:t>of</a:t>
             </a:r>
             <a:r>
-              <a:rPr lang="nb-NO" baseline="0" dirty="0" smtClean="0"/>
+              <a:rPr lang="nb-NO" b="1" baseline="0" dirty="0"/>
+              <a:t> a </a:t>
+            </a:r>
+            <a:r>
+              <a:rPr lang="nb-NO" b="1" baseline="0" dirty="0" err="1"/>
+              <a:t>word</a:t>
+            </a:r>
+            <a:r>
+              <a:rPr lang="nb-NO" b="1" baseline="0" dirty="0"/>
+              <a:t> w given a </a:t>
+            </a:r>
+            <a:r>
+              <a:rPr lang="nb-NO" b="1" baseline="0" dirty="0" err="1"/>
+              <a:t>history</a:t>
+            </a:r>
+            <a:r>
+              <a:rPr lang="nb-NO" b="1" baseline="0" dirty="0"/>
+              <a:t> h or </a:t>
+            </a:r>
+            <a:r>
+              <a:rPr lang="nb-NO" b="1" baseline="0" dirty="0" err="1"/>
+              <a:t>the</a:t>
+            </a:r>
+            <a:r>
+              <a:rPr lang="nb-NO" b="1" baseline="0" dirty="0"/>
               <a:t> </a:t>
             </a:r>
             <a:r>
-              <a:rPr lang="nb-NO" baseline="0" dirty="0" err="1" smtClean="0"/>
-              <a:t>words</a:t>
-            </a:r>
-            <a:r>
-              <a:rPr lang="nb-NO" baseline="0" dirty="0" smtClean="0"/>
-              <a:t> …</a:t>
-            </a:r>
-          </a:p>
-          <a:p>
-            <a:endParaRPr lang="nb-NO" dirty="0" smtClean="0"/>
-          </a:p>
-          <a:p>
-            <a:r>
-              <a:rPr lang="nb-NO" dirty="0" smtClean="0"/>
-              <a:t>A </a:t>
-            </a:r>
-            <a:r>
-              <a:rPr lang="nb-NO" b="1" dirty="0" smtClean="0"/>
-              <a:t>probabilistic language model</a:t>
-            </a:r>
-            <a:r>
-              <a:rPr lang="nb-NO" dirty="0" smtClean="0"/>
-              <a:t> allows</a:t>
-            </a:r>
-            <a:r>
-              <a:rPr lang="nb-NO" baseline="0" dirty="0" smtClean="0"/>
-              <a:t> to </a:t>
-            </a:r>
-            <a:r>
-              <a:rPr lang="nb-NO" b="1" baseline="0" dirty="0" smtClean="0"/>
-              <a:t>assign a probability/ score to a sentence or a sequence </a:t>
-            </a:r>
-            <a:r>
-              <a:rPr lang="nb-NO" b="1" baseline="0" dirty="0" err="1" smtClean="0"/>
+              <a:rPr lang="nb-NO" b="1" baseline="0" dirty="0" err="1"/>
+              <a:t>probability</a:t>
+            </a:r>
+            <a:r>
+              <a:rPr lang="nb-NO" b="1" baseline="0" dirty="0"/>
+              <a:t> </a:t>
+            </a:r>
+            <a:r>
+              <a:rPr lang="nb-NO" b="1" baseline="0" dirty="0" err="1"/>
               <a:t>of</a:t>
             </a:r>
             <a:r>
-              <a:rPr lang="nb-NO" b="1" baseline="0" dirty="0" smtClean="0"/>
+              <a:rPr lang="nb-NO" b="1" baseline="0" dirty="0"/>
               <a:t> </a:t>
             </a:r>
             <a:r>
-              <a:rPr lang="nb-NO" b="1" baseline="0" dirty="0" err="1" smtClean="0"/>
-              <a:t>words</a:t>
-            </a:r>
-            <a:r>
-              <a:rPr lang="nb-NO" b="1" baseline="0" dirty="0" smtClean="0"/>
+              <a:rPr lang="nb-NO" b="1" baseline="0" dirty="0" err="1"/>
+              <a:t>the</a:t>
+            </a:r>
+            <a:r>
+              <a:rPr lang="nb-NO" b="1" baseline="0" dirty="0"/>
               <a:t> </a:t>
             </a:r>
             <a:r>
-              <a:rPr lang="nb-NO" baseline="0" dirty="0" smtClean="0"/>
-              <a:t>and </a:t>
-            </a:r>
-            <a:r>
-              <a:rPr lang="nb-NO" baseline="0" dirty="0" smtClean="0"/>
-              <a:t>can be used to </a:t>
-            </a:r>
-            <a:r>
-              <a:rPr lang="nb-NO" baseline="0" dirty="0" err="1" smtClean="0"/>
-              <a:t>resolve</a:t>
-            </a:r>
-            <a:r>
-              <a:rPr lang="nb-NO" baseline="0" dirty="0" smtClean="0"/>
-              <a:t> </a:t>
-            </a:r>
-            <a:r>
-              <a:rPr lang="nb-NO" baseline="0" dirty="0" smtClean="0"/>
-              <a:t>the given </a:t>
-            </a:r>
-            <a:r>
-              <a:rPr lang="nb-NO" baseline="0" dirty="0" smtClean="0"/>
-              <a:t>problem: </a:t>
-            </a:r>
-            <a:r>
-              <a:rPr lang="nb-NO" b="1" baseline="0" dirty="0" smtClean="0"/>
-              <a:t>predict  the most probable words given part of a sentence</a:t>
-            </a:r>
-            <a:r>
-              <a:rPr lang="nb-NO" baseline="0" dirty="0" smtClean="0"/>
-              <a:t> (</a:t>
-            </a:r>
-            <a:r>
-              <a:rPr lang="nb-NO" b="1" baseline="0" dirty="0" smtClean="0"/>
-              <a:t>text </a:t>
-            </a:r>
-            <a:r>
-              <a:rPr lang="nb-NO" b="1" baseline="0" dirty="0" err="1" smtClean="0"/>
-              <a:t>prediction</a:t>
-            </a:r>
-            <a:r>
-              <a:rPr lang="nb-NO" baseline="0" dirty="0" smtClean="0"/>
-              <a:t>)</a:t>
-            </a:r>
-          </a:p>
-          <a:p>
-            <a:endParaRPr lang="nb-NO" baseline="0" dirty="0" smtClean="0"/>
-          </a:p>
-          <a:p>
-            <a:r>
-              <a:rPr lang="nb-NO" b="1" baseline="0" dirty="0" smtClean="0"/>
-              <a:t>How </a:t>
-            </a:r>
-            <a:r>
-              <a:rPr lang="nb-NO" b="1" baseline="0" dirty="0" err="1" smtClean="0"/>
-              <a:t>can</a:t>
-            </a:r>
-            <a:r>
-              <a:rPr lang="nb-NO" b="1" baseline="0" dirty="0" smtClean="0"/>
-              <a:t> </a:t>
-            </a:r>
-            <a:r>
-              <a:rPr lang="nb-NO" b="1" baseline="0" dirty="0" err="1" smtClean="0"/>
-              <a:t>we</a:t>
-            </a:r>
-            <a:r>
-              <a:rPr lang="nb-NO" b="1" baseline="0" dirty="0" smtClean="0"/>
-              <a:t> </a:t>
-            </a:r>
-            <a:r>
-              <a:rPr lang="nb-NO" b="1" baseline="0" dirty="0" err="1" smtClean="0"/>
-              <a:t>estimate</a:t>
-            </a:r>
-            <a:r>
-              <a:rPr lang="nb-NO" b="1" baseline="0" dirty="0" smtClean="0"/>
-              <a:t> </a:t>
-            </a:r>
-            <a:r>
-              <a:rPr lang="nb-NO" b="1" baseline="0" dirty="0" err="1" smtClean="0"/>
-              <a:t>the</a:t>
-            </a:r>
-            <a:r>
-              <a:rPr lang="nb-NO" b="1" baseline="0" dirty="0" smtClean="0"/>
-              <a:t> </a:t>
-            </a:r>
-            <a:r>
-              <a:rPr lang="nb-NO" b="1" baseline="0" dirty="0" err="1" smtClean="0"/>
-              <a:t>probability</a:t>
-            </a:r>
-            <a:r>
-              <a:rPr lang="nb-NO" b="1" baseline="0" dirty="0" smtClean="0"/>
-              <a:t> </a:t>
-            </a:r>
-            <a:r>
-              <a:rPr lang="nb-NO" b="1" baseline="0" dirty="0" err="1" smtClean="0"/>
-              <a:t>of</a:t>
-            </a:r>
-            <a:r>
-              <a:rPr lang="nb-NO" b="1" baseline="0" dirty="0" smtClean="0"/>
-              <a:t> a </a:t>
-            </a:r>
-            <a:r>
-              <a:rPr lang="nb-NO" b="1" baseline="0" dirty="0" err="1" smtClean="0"/>
-              <a:t>word</a:t>
-            </a:r>
-            <a:r>
-              <a:rPr lang="nb-NO" b="1" baseline="0" dirty="0" smtClean="0"/>
-              <a:t> w given a </a:t>
-            </a:r>
-            <a:r>
-              <a:rPr lang="nb-NO" b="1" baseline="0" dirty="0" err="1" smtClean="0"/>
-              <a:t>history</a:t>
-            </a:r>
-            <a:r>
-              <a:rPr lang="nb-NO" b="1" baseline="0" dirty="0" smtClean="0"/>
-              <a:t> h or </a:t>
-            </a:r>
-            <a:r>
-              <a:rPr lang="nb-NO" b="1" baseline="0" dirty="0" err="1" smtClean="0"/>
-              <a:t>the</a:t>
-            </a:r>
-            <a:r>
-              <a:rPr lang="nb-NO" b="1" baseline="0" dirty="0" smtClean="0"/>
-              <a:t> </a:t>
-            </a:r>
-            <a:r>
-              <a:rPr lang="nb-NO" b="1" baseline="0" dirty="0" err="1" smtClean="0"/>
-              <a:t>probability</a:t>
-            </a:r>
-            <a:r>
-              <a:rPr lang="nb-NO" b="1" baseline="0" dirty="0" smtClean="0"/>
-              <a:t> </a:t>
-            </a:r>
-            <a:r>
-              <a:rPr lang="nb-NO" b="1" baseline="0" dirty="0" err="1" smtClean="0"/>
-              <a:t>of</a:t>
-            </a:r>
-            <a:r>
-              <a:rPr lang="nb-NO" b="1" baseline="0" dirty="0" smtClean="0"/>
-              <a:t> </a:t>
-            </a:r>
-            <a:r>
-              <a:rPr lang="nb-NO" b="1" baseline="0" dirty="0" err="1" smtClean="0"/>
-              <a:t>the</a:t>
-            </a:r>
-            <a:r>
-              <a:rPr lang="nb-NO" b="1" baseline="0" dirty="0" smtClean="0"/>
-              <a:t> </a:t>
-            </a:r>
-            <a:r>
-              <a:rPr lang="nb-NO" b="1" baseline="0" dirty="0" err="1" smtClean="0"/>
+              <a:rPr lang="nb-NO" b="1" baseline="0" dirty="0" err="1"/>
               <a:t>sentence</a:t>
             </a:r>
             <a:r>
-              <a:rPr lang="nb-NO" b="1" baseline="0" dirty="0" smtClean="0"/>
+              <a:rPr lang="nb-NO" b="1" baseline="0" dirty="0"/>
               <a:t> S?</a:t>
             </a:r>
           </a:p>
           <a:p>
             <a:r>
-              <a:rPr lang="en-US" dirty="0" smtClean="0"/>
+              <a:rPr lang="en-US" dirty="0"/>
               <a:t>One possible</a:t>
             </a:r>
             <a:r>
-              <a:rPr lang="en-US" baseline="0" dirty="0" smtClean="0"/>
+              <a:rPr lang="en-US" baseline="0" dirty="0"/>
               <a:t> approach is to use the </a:t>
             </a:r>
             <a:r>
-              <a:rPr lang="en-US" b="1" baseline="0" dirty="0" smtClean="0"/>
+              <a:rPr lang="en-US" b="1" baseline="0" dirty="0"/>
               <a:t>Chain Rule of probability (general product rule)</a:t>
             </a:r>
             <a:r>
-              <a:rPr lang="en-US" baseline="0" dirty="0" smtClean="0"/>
+              <a:rPr lang="en-US" baseline="0" dirty="0"/>
               <a:t> – which permits the calculation of the joint distribution of a set of random variables using only conditional probabilities. The chain rule shows the link between computing the joint probability of a sequence of words and computing the conditional probability of a word given previous words.</a:t>
             </a:r>
           </a:p>
           <a:p>
-            <a:endParaRPr lang="en-US" baseline="0" dirty="0" smtClean="0"/>
-          </a:p>
-          <a:p>
-            <a:r>
-              <a:rPr lang="en-US" baseline="0" dirty="0" smtClean="0"/>
+            <a:endParaRPr lang="en-US" baseline="0" dirty="0"/>
+          </a:p>
+          <a:p>
+            <a:r>
+              <a:rPr lang="en-US" baseline="0" dirty="0"/>
               <a:t>Instead of computing the probability of a word given all of the previous words (complex), we can just approximate the history by just considering the last few (k) words (</a:t>
             </a:r>
             <a:r>
-              <a:rPr lang="en-US" b="1" baseline="0" dirty="0" smtClean="0"/>
+              <a:rPr lang="en-US" b="1" baseline="0" dirty="0"/>
               <a:t>Markov Assumption and the n-gram model</a:t>
             </a:r>
             <a:r>
-              <a:rPr lang="en-US" baseline="0" dirty="0" smtClean="0"/>
+              <a:rPr lang="en-US" baseline="0" dirty="0"/>
               <a:t>). </a:t>
             </a:r>
             <a:endParaRPr lang="en-US" dirty="0"/>
@@ -7109,7 +7346,7 @@
           <a:p>
             <a:fld id="{11AF01E5-F3E2-4FBA-AB00-23583DAA821B}" type="slidenum">
               <a:rPr lang="en-US" smtClean="0"/>
-              <a:t>6</a:t>
+              <a:t>5</a:t>
             </a:fld>
             <a:endParaRPr lang="en-US"/>
           </a:p>
@@ -7173,27 +7410,27 @@
           <a:lstStyle/>
           <a:p>
             <a:r>
-              <a:rPr lang="nb-NO" dirty="0" smtClean="0"/>
+              <a:rPr lang="nb-NO" dirty="0"/>
               <a:t>The </a:t>
             </a:r>
             <a:r>
-              <a:rPr lang="nb-NO" b="1" dirty="0" smtClean="0"/>
+              <a:rPr lang="nb-NO" b="1" dirty="0"/>
               <a:t>Maximum </a:t>
             </a:r>
             <a:r>
-              <a:rPr lang="nb-NO" b="1" dirty="0" err="1" smtClean="0"/>
+              <a:rPr lang="nb-NO" b="1" dirty="0" err="1"/>
               <a:t>Likelihood</a:t>
             </a:r>
             <a:r>
-              <a:rPr lang="nb-NO" b="1" dirty="0" smtClean="0"/>
+              <a:rPr lang="nb-NO" b="1" dirty="0"/>
               <a:t> </a:t>
             </a:r>
             <a:r>
-              <a:rPr lang="nb-NO" b="1" dirty="0" err="1" smtClean="0"/>
+              <a:rPr lang="nb-NO" b="1" dirty="0" err="1"/>
               <a:t>Estimate</a:t>
             </a:r>
             <a:r>
-              <a:rPr lang="nb-NO" b="1" dirty="0" smtClean="0"/>
+              <a:rPr lang="nb-NO" b="1" dirty="0"/>
               <a:t> (MLE)</a:t>
             </a:r>
             <a:endParaRPr lang="en-US" b="1" dirty="0"/>
@@ -7217,7 +7454,7 @@
           <a:p>
             <a:fld id="{11AF01E5-F3E2-4FBA-AB00-23583DAA821B}" type="slidenum">
               <a:rPr lang="en-US" smtClean="0"/>
-              <a:t>7</a:t>
+              <a:t>6</a:t>
             </a:fld>
             <a:endParaRPr lang="en-US"/>
           </a:p>
@@ -7281,30 +7518,120 @@
           <a:lstStyle/>
           <a:p>
             <a:r>
-              <a:rPr lang="nb-NO" dirty="0" smtClean="0"/>
-              <a:t>A </a:t>
-            </a:r>
-            <a:r>
-              <a:rPr lang="nb-NO" b="1" dirty="0" smtClean="0"/>
-              <a:t>probabilistic language model</a:t>
-            </a:r>
-            <a:r>
-              <a:rPr lang="nb-NO" dirty="0" smtClean="0"/>
-              <a:t> allows</a:t>
-            </a:r>
-            <a:r>
-              <a:rPr lang="nb-NO" baseline="0" dirty="0" smtClean="0"/>
-              <a:t> to </a:t>
-            </a:r>
-            <a:r>
-              <a:rPr lang="nb-NO" b="1" baseline="0" dirty="0" smtClean="0"/>
-              <a:t>assign a probability/ score to a sentence or a sequence of words</a:t>
-            </a:r>
-          </a:p>
-          <a:p>
-            <a:r>
-              <a:rPr lang="nb-NO" baseline="0" dirty="0" smtClean="0"/>
-              <a:t>And can be used to resolve the given proble: predict  the most probable words given part of a sentence (text prediction)</a:t>
+              <a:rPr lang="nb-NO" dirty="0"/>
+              <a:t>A more </a:t>
+            </a:r>
+            <a:r>
+              <a:rPr lang="nb-NO" dirty="0" err="1"/>
+              <a:t>high</a:t>
+            </a:r>
+            <a:r>
+              <a:rPr lang="nb-NO" dirty="0"/>
+              <a:t> </a:t>
+            </a:r>
+            <a:r>
+              <a:rPr lang="nb-NO" dirty="0" err="1"/>
+              <a:t>level</a:t>
+            </a:r>
+            <a:r>
+              <a:rPr lang="nb-NO" dirty="0"/>
+              <a:t> </a:t>
+            </a:r>
+            <a:r>
+              <a:rPr lang="nb-NO" dirty="0" err="1"/>
+              <a:t>overview</a:t>
+            </a:r>
+            <a:r>
+              <a:rPr lang="nb-NO" dirty="0"/>
+              <a:t> </a:t>
+            </a:r>
+            <a:r>
+              <a:rPr lang="nb-NO" dirty="0" err="1"/>
+              <a:t>of</a:t>
+            </a:r>
+            <a:r>
+              <a:rPr lang="nb-NO" dirty="0"/>
+              <a:t> </a:t>
+            </a:r>
+            <a:r>
+              <a:rPr lang="nb-NO" dirty="0" err="1"/>
+              <a:t>the</a:t>
+            </a:r>
+            <a:r>
+              <a:rPr lang="nb-NO" dirty="0"/>
+              <a:t> </a:t>
+            </a:r>
+            <a:r>
+              <a:rPr lang="nb-NO" dirty="0" err="1"/>
+              <a:t>language</a:t>
+            </a:r>
+            <a:r>
+              <a:rPr lang="nb-NO" baseline="0" dirty="0"/>
+              <a:t> </a:t>
+            </a:r>
+            <a:r>
+              <a:rPr lang="nb-NO" baseline="0" dirty="0" err="1"/>
+              <a:t>model</a:t>
+            </a:r>
+            <a:r>
+              <a:rPr lang="nb-NO" baseline="0" dirty="0"/>
+              <a:t> </a:t>
+            </a:r>
+            <a:r>
+              <a:rPr lang="nb-NO" baseline="0" dirty="0" err="1"/>
+              <a:t>domain</a:t>
+            </a:r>
+            <a:r>
+              <a:rPr lang="nb-NO" baseline="0" dirty="0"/>
+              <a:t>. Data </a:t>
+            </a:r>
+            <a:r>
+              <a:rPr lang="nb-NO" baseline="0" dirty="0" err="1"/>
+              <a:t>structures</a:t>
+            </a:r>
+            <a:r>
+              <a:rPr lang="nb-NO" baseline="0" dirty="0"/>
+              <a:t>, </a:t>
+            </a:r>
+            <a:r>
+              <a:rPr lang="nb-NO" baseline="0" dirty="0" err="1"/>
+              <a:t>common</a:t>
+            </a:r>
+            <a:r>
+              <a:rPr lang="nb-NO" baseline="0" dirty="0"/>
+              <a:t> </a:t>
+            </a:r>
+            <a:r>
+              <a:rPr lang="nb-NO" baseline="0" dirty="0" err="1"/>
+              <a:t>issues</a:t>
+            </a:r>
+            <a:r>
+              <a:rPr lang="nb-NO" baseline="0" dirty="0"/>
+              <a:t> and </a:t>
+            </a:r>
+            <a:r>
+              <a:rPr lang="nb-NO" baseline="0" dirty="0" err="1"/>
+              <a:t>their</a:t>
+            </a:r>
+            <a:r>
+              <a:rPr lang="nb-NO" baseline="0" dirty="0"/>
+              <a:t> </a:t>
+            </a:r>
+            <a:r>
+              <a:rPr lang="nb-NO" baseline="0" dirty="0" err="1"/>
+              <a:t>work</a:t>
+            </a:r>
+            <a:r>
+              <a:rPr lang="nb-NO" baseline="0" dirty="0"/>
+              <a:t> </a:t>
+            </a:r>
+            <a:r>
+              <a:rPr lang="nb-NO" baseline="0" dirty="0" err="1"/>
+              <a:t>aorund</a:t>
+            </a:r>
+            <a:r>
+              <a:rPr lang="nb-NO" baseline="0" dirty="0"/>
+              <a:t> …..</a:t>
             </a:r>
             <a:endParaRPr lang="en-US" dirty="0"/>
           </a:p>
@@ -7327,7 +7654,7 @@
           <a:p>
             <a:fld id="{11AF01E5-F3E2-4FBA-AB00-23583DAA821B}" type="slidenum">
               <a:rPr lang="en-US" smtClean="0"/>
-              <a:t>8</a:t>
+              <a:t>7</a:t>
             </a:fld>
             <a:endParaRPr lang="en-US"/>
           </a:p>
@@ -7336,7 +7663,337 @@
     </p:spTree>
     <p:extLst>
       <p:ext uri="{BB962C8B-B14F-4D97-AF65-F5344CB8AC3E}">
-        <p14:creationId xmlns:p14="http://schemas.microsoft.com/office/powerpoint/2010/main" val="1361343814"/>
+        <p14:creationId xmlns:p14="http://schemas.microsoft.com/office/powerpoint/2010/main" val="1382033462"/>
+      </p:ext>
+    </p:extLst>
+  </p:cSld>
+  <p:clrMapOvr>
+    <a:masterClrMapping/>
+  </p:clrMapOvr>
+</p:notes>
+</file>
+
+<file path=ppt/notesSlides/notesSlide8.xml><?xml version="1.0" encoding="utf-8"?>
+<p:notes xmlns:a="http://schemas.openxmlformats.org/drawingml/2006/main" xmlns:r="http://schemas.openxmlformats.org/officeDocument/2006/relationships" xmlns:p="http://schemas.openxmlformats.org/presentationml/2006/main">
+  <p:cSld>
+    <p:spTree>
+      <p:nvGrpSpPr>
+        <p:cNvPr id="1" name=""/>
+        <p:cNvGrpSpPr/>
+        <p:nvPr/>
+      </p:nvGrpSpPr>
+      <p:grpSpPr>
+        <a:xfrm>
+          <a:off x="0" y="0"/>
+          <a:ext cx="0" cy="0"/>
+          <a:chOff x="0" y="0"/>
+          <a:chExt cx="0" cy="0"/>
+        </a:xfrm>
+      </p:grpSpPr>
+      <p:sp>
+        <p:nvSpPr>
+          <p:cNvPr id="2" name="Slide Image Placeholder 1"/>
+          <p:cNvSpPr>
+            <a:spLocks noGrp="1" noRot="1" noChangeAspect="1"/>
+          </p:cNvSpPr>
+          <p:nvPr>
+            <p:ph type="sldImg"/>
+          </p:nvPr>
+        </p:nvSpPr>
+        <p:spPr/>
+      </p:sp>
+      <p:sp>
+        <p:nvSpPr>
+          <p:cNvPr id="3" name="Notes Placeholder 2"/>
+          <p:cNvSpPr>
+            <a:spLocks noGrp="1"/>
+          </p:cNvSpPr>
+          <p:nvPr>
+            <p:ph type="body" idx="1"/>
+          </p:nvPr>
+        </p:nvSpPr>
+        <p:spPr/>
+        <p:txBody>
+          <a:bodyPr/>
+          <a:lstStyle/>
+          <a:p>
+            <a:r>
+              <a:rPr lang="nb-NO" dirty="0"/>
+              <a:t>A more </a:t>
+            </a:r>
+            <a:r>
+              <a:rPr lang="nb-NO" dirty="0" err="1"/>
+              <a:t>high</a:t>
+            </a:r>
+            <a:r>
+              <a:rPr lang="nb-NO" dirty="0"/>
+              <a:t> </a:t>
+            </a:r>
+            <a:r>
+              <a:rPr lang="nb-NO" dirty="0" err="1"/>
+              <a:t>level</a:t>
+            </a:r>
+            <a:r>
+              <a:rPr lang="nb-NO" dirty="0"/>
+              <a:t> </a:t>
+            </a:r>
+            <a:r>
+              <a:rPr lang="nb-NO" dirty="0" err="1"/>
+              <a:t>overview</a:t>
+            </a:r>
+            <a:r>
+              <a:rPr lang="nb-NO" dirty="0"/>
+              <a:t> </a:t>
+            </a:r>
+            <a:r>
+              <a:rPr lang="nb-NO" dirty="0" err="1"/>
+              <a:t>of</a:t>
+            </a:r>
+            <a:r>
+              <a:rPr lang="nb-NO" dirty="0"/>
+              <a:t> </a:t>
+            </a:r>
+            <a:r>
+              <a:rPr lang="nb-NO" dirty="0" err="1"/>
+              <a:t>the</a:t>
+            </a:r>
+            <a:r>
+              <a:rPr lang="nb-NO" dirty="0"/>
+              <a:t> </a:t>
+            </a:r>
+            <a:r>
+              <a:rPr lang="nb-NO" dirty="0" err="1"/>
+              <a:t>language</a:t>
+            </a:r>
+            <a:r>
+              <a:rPr lang="nb-NO" baseline="0" dirty="0"/>
+              <a:t> </a:t>
+            </a:r>
+            <a:r>
+              <a:rPr lang="nb-NO" baseline="0" dirty="0" err="1"/>
+              <a:t>model</a:t>
+            </a:r>
+            <a:r>
+              <a:rPr lang="nb-NO" baseline="0" dirty="0"/>
+              <a:t> </a:t>
+            </a:r>
+            <a:r>
+              <a:rPr lang="nb-NO" baseline="0" dirty="0" err="1"/>
+              <a:t>domain</a:t>
+            </a:r>
+            <a:r>
+              <a:rPr lang="nb-NO" baseline="0" dirty="0"/>
+              <a:t>. Data </a:t>
+            </a:r>
+            <a:r>
+              <a:rPr lang="nb-NO" baseline="0" dirty="0" err="1"/>
+              <a:t>structures</a:t>
+            </a:r>
+            <a:r>
+              <a:rPr lang="nb-NO" baseline="0" dirty="0"/>
+              <a:t>, </a:t>
+            </a:r>
+            <a:r>
+              <a:rPr lang="nb-NO" baseline="0" dirty="0" err="1"/>
+              <a:t>common</a:t>
+            </a:r>
+            <a:r>
+              <a:rPr lang="nb-NO" baseline="0" dirty="0"/>
+              <a:t> </a:t>
+            </a:r>
+            <a:r>
+              <a:rPr lang="nb-NO" baseline="0" dirty="0" err="1"/>
+              <a:t>issues</a:t>
+            </a:r>
+            <a:r>
+              <a:rPr lang="nb-NO" baseline="0" dirty="0"/>
+              <a:t> and </a:t>
+            </a:r>
+            <a:r>
+              <a:rPr lang="nb-NO" baseline="0" dirty="0" err="1"/>
+              <a:t>their</a:t>
+            </a:r>
+            <a:r>
+              <a:rPr lang="nb-NO" baseline="0" dirty="0"/>
+              <a:t> </a:t>
+            </a:r>
+            <a:r>
+              <a:rPr lang="nb-NO" baseline="0" dirty="0" err="1"/>
+              <a:t>work</a:t>
+            </a:r>
+            <a:r>
+              <a:rPr lang="nb-NO" baseline="0" dirty="0"/>
+              <a:t> </a:t>
+            </a:r>
+            <a:r>
+              <a:rPr lang="nb-NO" baseline="0" dirty="0" err="1"/>
+              <a:t>aorund</a:t>
+            </a:r>
+            <a:r>
+              <a:rPr lang="nb-NO" baseline="0" dirty="0"/>
+              <a:t> …..</a:t>
+            </a:r>
+            <a:endParaRPr lang="en-US" dirty="0"/>
+          </a:p>
+        </p:txBody>
+      </p:sp>
+      <p:sp>
+        <p:nvSpPr>
+          <p:cNvPr id="4" name="Slide Number Placeholder 3"/>
+          <p:cNvSpPr>
+            <a:spLocks noGrp="1"/>
+          </p:cNvSpPr>
+          <p:nvPr>
+            <p:ph type="sldNum" sz="quarter" idx="10"/>
+          </p:nvPr>
+        </p:nvSpPr>
+        <p:spPr/>
+        <p:txBody>
+          <a:bodyPr/>
+          <a:lstStyle/>
+          <a:p>
+            <a:fld id="{11AF01E5-F3E2-4FBA-AB00-23583DAA821B}" type="slidenum">
+              <a:rPr lang="en-US" smtClean="0"/>
+              <a:t>8</a:t>
+            </a:fld>
+            <a:endParaRPr lang="en-US"/>
+          </a:p>
+        </p:txBody>
+      </p:sp>
+    </p:spTree>
+    <p:extLst>
+      <p:ext uri="{BB962C8B-B14F-4D97-AF65-F5344CB8AC3E}">
+        <p14:creationId xmlns:p14="http://schemas.microsoft.com/office/powerpoint/2010/main" val="1021409188"/>
+      </p:ext>
+    </p:extLst>
+  </p:cSld>
+  <p:clrMapOvr>
+    <a:masterClrMapping/>
+  </p:clrMapOvr>
+</p:notes>
+</file>
+
+<file path=ppt/notesSlides/notesSlide9.xml><?xml version="1.0" encoding="utf-8"?>
+<p:notes xmlns:a="http://schemas.openxmlformats.org/drawingml/2006/main" xmlns:r="http://schemas.openxmlformats.org/officeDocument/2006/relationships" xmlns:p="http://schemas.openxmlformats.org/presentationml/2006/main">
+  <p:cSld>
+    <p:spTree>
+      <p:nvGrpSpPr>
+        <p:cNvPr id="1" name=""/>
+        <p:cNvGrpSpPr/>
+        <p:nvPr/>
+      </p:nvGrpSpPr>
+      <p:grpSpPr>
+        <a:xfrm>
+          <a:off x="0" y="0"/>
+          <a:ext cx="0" cy="0"/>
+          <a:chOff x="0" y="0"/>
+          <a:chExt cx="0" cy="0"/>
+        </a:xfrm>
+      </p:grpSpPr>
+      <p:sp>
+        <p:nvSpPr>
+          <p:cNvPr id="2" name="Slide Image Placeholder 1"/>
+          <p:cNvSpPr>
+            <a:spLocks noGrp="1" noRot="1" noChangeAspect="1"/>
+          </p:cNvSpPr>
+          <p:nvPr>
+            <p:ph type="sldImg"/>
+          </p:nvPr>
+        </p:nvSpPr>
+        <p:spPr/>
+      </p:sp>
+      <p:sp>
+        <p:nvSpPr>
+          <p:cNvPr id="3" name="Notes Placeholder 2"/>
+          <p:cNvSpPr>
+            <a:spLocks noGrp="1"/>
+          </p:cNvSpPr>
+          <p:nvPr>
+            <p:ph type="body" idx="1"/>
+          </p:nvPr>
+        </p:nvSpPr>
+        <p:spPr/>
+        <p:txBody>
+          <a:bodyPr/>
+          <a:lstStyle/>
+          <a:p>
+            <a:r>
+              <a:rPr lang="en-GB" dirty="0"/>
+              <a:t>There are lots</a:t>
+            </a:r>
+            <a:r>
+              <a:rPr lang="en-GB" baseline="0" dirty="0"/>
+              <a:t> of packages available for Natural Language Processing – which one is the best for the challenge at hand? Based on the needed data structure</a:t>
+            </a:r>
+          </a:p>
+          <a:p>
+            <a:endParaRPr lang="en-GB" baseline="0" dirty="0"/>
+          </a:p>
+          <a:p>
+            <a:r>
+              <a:rPr lang="en-GB" baseline="0" dirty="0"/>
+              <a:t>tm package – text mining package for the creation of the TDM/ DTM and the TFM</a:t>
+            </a:r>
+          </a:p>
+          <a:p>
+            <a:pPr marL="0" marR="0" indent="0" algn="l" defTabSz="914400" rtl="0" eaLnBrk="1" fontAlgn="auto" latinLnBrk="0" hangingPunct="1">
+              <a:lnSpc>
+                <a:spcPct val="100000"/>
+              </a:lnSpc>
+              <a:spcBef>
+                <a:spcPts val="0"/>
+              </a:spcBef>
+              <a:spcAft>
+                <a:spcPts val="0"/>
+              </a:spcAft>
+              <a:buClrTx/>
+              <a:buSzTx/>
+              <a:buFontTx/>
+              <a:buNone/>
+              <a:tabLst/>
+              <a:defRPr/>
+            </a:pPr>
+            <a:r>
+              <a:rPr lang="en-GB" baseline="0" dirty="0" err="1"/>
+              <a:t>RWeka</a:t>
+            </a:r>
+            <a:r>
+              <a:rPr lang="en-GB" baseline="0" dirty="0"/>
+              <a:t> for supporting splitting into sentences (Sentence Isolation) and Tokenization (custom rules) </a:t>
+            </a:r>
+          </a:p>
+          <a:p>
+            <a:endParaRPr lang="en-GB" dirty="0"/>
+          </a:p>
+        </p:txBody>
+      </p:sp>
+      <p:sp>
+        <p:nvSpPr>
+          <p:cNvPr id="4" name="Slide Number Placeholder 3"/>
+          <p:cNvSpPr>
+            <a:spLocks noGrp="1"/>
+          </p:cNvSpPr>
+          <p:nvPr>
+            <p:ph type="sldNum" sz="quarter" idx="10"/>
+          </p:nvPr>
+        </p:nvSpPr>
+        <p:spPr/>
+        <p:txBody>
+          <a:bodyPr/>
+          <a:lstStyle/>
+          <a:p>
+            <a:fld id="{3A688BD2-7E14-404B-9FB4-C75328B554A8}" type="slidenum">
+              <a:rPr lang="en-US" smtClean="0"/>
+              <a:t>9</a:t>
+            </a:fld>
+            <a:endParaRPr lang="en-US"/>
+          </a:p>
+        </p:txBody>
+      </p:sp>
+    </p:spTree>
+    <p:extLst>
+      <p:ext uri="{BB962C8B-B14F-4D97-AF65-F5344CB8AC3E}">
+        <p14:creationId xmlns:p14="http://schemas.microsoft.com/office/powerpoint/2010/main" val="3415443897"/>
       </p:ext>
     </p:extLst>
   </p:cSld>
@@ -7420,7 +8077,7 @@
           </a:lstStyle>
           <a:p>
             <a:r>
-              <a:rPr lang="en-US" smtClean="0"/>
+              <a:rPr lang="en-US"/>
               <a:t>Click to edit Master title style</a:t>
             </a:r>
             <a:endParaRPr lang="en-US" dirty="0"/>
@@ -7487,7 +8144,7 @@
           </a:lstStyle>
           <a:p>
             <a:r>
-              <a:rPr lang="en-US" smtClean="0"/>
+              <a:rPr lang="en-US"/>
               <a:t>Click to edit Master subtitle style</a:t>
             </a:r>
             <a:endParaRPr lang="en-US" dirty="0"/>
@@ -7516,7 +8173,7 @@
           <a:p>
             <a:fld id="{77742CB5-BF55-4D26-A769-AD7DC0521FF6}" type="datetimeFigureOut">
               <a:rPr lang="en-US" smtClean="0"/>
-              <a:t>7/25/2016</a:t>
+              <a:t>8/29/2016</a:t>
             </a:fld>
             <a:endParaRPr lang="en-US"/>
           </a:p>
@@ -7629,7 +8286,7 @@
           </a:lstStyle>
           <a:p>
             <a:r>
-              <a:rPr lang="en-US" smtClean="0"/>
+              <a:rPr lang="en-US"/>
               <a:t>Click to edit Master title style</a:t>
             </a:r>
             <a:endParaRPr lang="en-US" dirty="0"/>
@@ -7694,7 +8351,7 @@
           </a:lstStyle>
           <a:p>
             <a:r>
-              <a:rPr lang="en-US" smtClean="0"/>
+              <a:rPr lang="en-US"/>
               <a:t>Click icon to add picture</a:t>
             </a:r>
             <a:endParaRPr lang="en-US" dirty="0"/>
@@ -7760,7 +8417,7 @@
           <a:p>
             <a:pPr lvl="0"/>
             <a:r>
-              <a:rPr lang="en-US" smtClean="0"/>
+              <a:rPr lang="en-US"/>
               <a:t>Edit Master text styles</a:t>
             </a:r>
           </a:p>
@@ -7783,7 +8440,7 @@
           <a:p>
             <a:fld id="{77742CB5-BF55-4D26-A769-AD7DC0521FF6}" type="datetimeFigureOut">
               <a:rPr lang="en-US" smtClean="0"/>
-              <a:t>7/25/2016</a:t>
+              <a:t>8/29/2016</a:t>
             </a:fld>
             <a:endParaRPr lang="en-US"/>
           </a:p>
@@ -7916,7 +8573,7 @@
           </a:lstStyle>
           <a:p>
             <a:r>
-              <a:rPr lang="en-US" smtClean="0"/>
+              <a:rPr lang="en-US"/>
               <a:t>Click to edit Master title style</a:t>
             </a:r>
             <a:endParaRPr lang="en-US" dirty="0"/>
@@ -7982,7 +8639,7 @@
           <a:p>
             <a:pPr lvl="0"/>
             <a:r>
-              <a:rPr lang="en-US" smtClean="0"/>
+              <a:rPr lang="en-US"/>
               <a:t>Edit Master text styles</a:t>
             </a:r>
           </a:p>
@@ -8014,7 +8671,7 @@
           <a:p>
             <a:fld id="{77742CB5-BF55-4D26-A769-AD7DC0521FF6}" type="datetimeFigureOut">
               <a:rPr lang="en-US" smtClean="0"/>
-              <a:t>7/25/2016</a:t>
+              <a:t>8/29/2016</a:t>
             </a:fld>
             <a:endParaRPr lang="en-US"/>
           </a:p>
@@ -8157,7 +8814,7 @@
           </a:lstStyle>
           <a:p>
             <a:r>
-              <a:rPr lang="en-US" smtClean="0"/>
+              <a:rPr lang="en-US"/>
               <a:t>Click to edit Master title style</a:t>
             </a:r>
             <a:endParaRPr lang="en-US" dirty="0"/>
@@ -8225,7 +8882,7 @@
           <a:p>
             <a:pPr lvl="0"/>
             <a:r>
-              <a:rPr lang="en-US" smtClean="0"/>
+              <a:rPr lang="en-US"/>
               <a:t>Edit Master text styles</a:t>
             </a:r>
           </a:p>
@@ -8292,7 +8949,7 @@
           <a:p>
             <a:pPr lvl="0"/>
             <a:r>
-              <a:rPr lang="en-US" smtClean="0"/>
+              <a:rPr lang="en-US"/>
               <a:t>Edit Master text styles</a:t>
             </a:r>
           </a:p>
@@ -8324,7 +8981,7 @@
           <a:p>
             <a:fld id="{77742CB5-BF55-4D26-A769-AD7DC0521FF6}" type="datetimeFigureOut">
               <a:rPr lang="en-US" smtClean="0"/>
-              <a:t>7/25/2016</a:t>
+              <a:t>8/29/2016</a:t>
             </a:fld>
             <a:endParaRPr lang="en-US"/>
           </a:p>
@@ -8699,7 +9356,7 @@
           </a:lstStyle>
           <a:p>
             <a:r>
-              <a:rPr lang="en-US" smtClean="0"/>
+              <a:rPr lang="en-US"/>
               <a:t>Click to edit Master title style</a:t>
             </a:r>
             <a:endParaRPr lang="en-US" dirty="0"/>
@@ -8765,7 +9422,7 @@
           <a:p>
             <a:pPr lvl="0"/>
             <a:r>
-              <a:rPr lang="en-US" smtClean="0"/>
+              <a:rPr lang="en-US"/>
               <a:t>Edit Master text styles</a:t>
             </a:r>
           </a:p>
@@ -8797,7 +9454,7 @@
           <a:p>
             <a:fld id="{77742CB5-BF55-4D26-A769-AD7DC0521FF6}" type="datetimeFigureOut">
               <a:rPr lang="en-US" smtClean="0"/>
-              <a:t>7/25/2016</a:t>
+              <a:t>8/29/2016</a:t>
             </a:fld>
             <a:endParaRPr lang="en-US"/>
           </a:p>
@@ -8906,7 +9563,7 @@
           <a:lstStyle/>
           <a:p>
             <a:r>
-              <a:rPr lang="en-US" smtClean="0"/>
+              <a:rPr lang="en-US"/>
               <a:t>Click to edit Master title style</a:t>
             </a:r>
             <a:endParaRPr lang="en-US" dirty="0"/>
@@ -8978,7 +9635,7 @@
           <a:p>
             <a:pPr lvl="0"/>
             <a:r>
-              <a:rPr lang="en-US" smtClean="0"/>
+              <a:rPr lang="en-US"/>
               <a:t>Edit Master text styles</a:t>
             </a:r>
           </a:p>
@@ -9045,7 +9702,7 @@
           <a:p>
             <a:pPr lvl="0"/>
             <a:r>
-              <a:rPr lang="en-US" smtClean="0"/>
+              <a:rPr lang="en-US"/>
               <a:t>Edit Master text styles</a:t>
             </a:r>
           </a:p>
@@ -9116,7 +9773,7 @@
           <a:p>
             <a:pPr lvl="0"/>
             <a:r>
-              <a:rPr lang="en-US" smtClean="0"/>
+              <a:rPr lang="en-US"/>
               <a:t>Edit Master text styles</a:t>
             </a:r>
           </a:p>
@@ -9183,7 +9840,7 @@
           <a:p>
             <a:pPr lvl="0"/>
             <a:r>
-              <a:rPr lang="en-US" smtClean="0"/>
+              <a:rPr lang="en-US"/>
               <a:t>Edit Master text styles</a:t>
             </a:r>
           </a:p>
@@ -9254,7 +9911,7 @@
           <a:p>
             <a:pPr lvl="0"/>
             <a:r>
-              <a:rPr lang="en-US" smtClean="0"/>
+              <a:rPr lang="en-US"/>
               <a:t>Edit Master text styles</a:t>
             </a:r>
           </a:p>
@@ -9321,7 +9978,7 @@
           <a:p>
             <a:pPr lvl="0"/>
             <a:r>
-              <a:rPr lang="en-US" smtClean="0"/>
+              <a:rPr lang="en-US"/>
               <a:t>Edit Master text styles</a:t>
             </a:r>
           </a:p>
@@ -9344,7 +10001,7 @@
           <a:p>
             <a:fld id="{77742CB5-BF55-4D26-A769-AD7DC0521FF6}" type="datetimeFigureOut">
               <a:rPr lang="en-US" smtClean="0"/>
-              <a:t>7/25/2016</a:t>
+              <a:t>8/29/2016</a:t>
             </a:fld>
             <a:endParaRPr lang="en-US"/>
           </a:p>
@@ -9443,7 +10100,7 @@
           <a:lstStyle/>
           <a:p>
             <a:r>
-              <a:rPr lang="en-US" smtClean="0"/>
+              <a:rPr lang="en-US"/>
               <a:t>Click to edit Master title style</a:t>
             </a:r>
             <a:endParaRPr lang="en-US" dirty="0"/>
@@ -9515,7 +10172,7 @@
           <a:p>
             <a:pPr lvl="0"/>
             <a:r>
-              <a:rPr lang="en-US" smtClean="0"/>
+              <a:rPr lang="en-US"/>
               <a:t>Edit Master text styles</a:t>
             </a:r>
           </a:p>
@@ -9593,7 +10250,7 @@
           </a:lstStyle>
           <a:p>
             <a:r>
-              <a:rPr lang="en-US" smtClean="0"/>
+              <a:rPr lang="en-US"/>
               <a:t>Click icon to add picture</a:t>
             </a:r>
             <a:endParaRPr lang="en-US" dirty="0"/>
@@ -9661,7 +10318,7 @@
           <a:p>
             <a:pPr lvl="0"/>
             <a:r>
-              <a:rPr lang="en-US" smtClean="0"/>
+              <a:rPr lang="en-US"/>
               <a:t>Edit Master text styles</a:t>
             </a:r>
           </a:p>
@@ -9732,7 +10389,7 @@
           <a:p>
             <a:pPr lvl="0"/>
             <a:r>
-              <a:rPr lang="en-US" smtClean="0"/>
+              <a:rPr lang="en-US"/>
               <a:t>Edit Master text styles</a:t>
             </a:r>
           </a:p>
@@ -9810,7 +10467,7 @@
           </a:lstStyle>
           <a:p>
             <a:r>
-              <a:rPr lang="en-US" smtClean="0"/>
+              <a:rPr lang="en-US"/>
               <a:t>Click icon to add picture</a:t>
             </a:r>
             <a:endParaRPr lang="en-US" dirty="0"/>
@@ -9878,7 +10535,7 @@
           <a:p>
             <a:pPr lvl="0"/>
             <a:r>
-              <a:rPr lang="en-US" smtClean="0"/>
+              <a:rPr lang="en-US"/>
               <a:t>Edit Master text styles</a:t>
             </a:r>
           </a:p>
@@ -9949,7 +10606,7 @@
           <a:p>
             <a:pPr lvl="0"/>
             <a:r>
-              <a:rPr lang="en-US" smtClean="0"/>
+              <a:rPr lang="en-US"/>
               <a:t>Edit Master text styles</a:t>
             </a:r>
           </a:p>
@@ -10027,7 +10684,7 @@
           </a:lstStyle>
           <a:p>
             <a:r>
-              <a:rPr lang="en-US" smtClean="0"/>
+              <a:rPr lang="en-US"/>
               <a:t>Click icon to add picture</a:t>
             </a:r>
             <a:endParaRPr lang="en-US" dirty="0"/>
@@ -10095,7 +10752,7 @@
           <a:p>
             <a:pPr lvl="0"/>
             <a:r>
-              <a:rPr lang="en-US" smtClean="0"/>
+              <a:rPr lang="en-US"/>
               <a:t>Edit Master text styles</a:t>
             </a:r>
           </a:p>
@@ -10118,7 +10775,7 @@
           <a:p>
             <a:fld id="{77742CB5-BF55-4D26-A769-AD7DC0521FF6}" type="datetimeFigureOut">
               <a:rPr lang="en-US" smtClean="0"/>
-              <a:t>7/25/2016</a:t>
+              <a:t>8/29/2016</a:t>
             </a:fld>
             <a:endParaRPr lang="en-US"/>
           </a:p>
@@ -10212,7 +10869,7 @@
           <a:lstStyle/>
           <a:p>
             <a:r>
-              <a:rPr lang="en-US" smtClean="0"/>
+              <a:rPr lang="en-US"/>
               <a:t>Click to edit Master title style</a:t>
             </a:r>
             <a:endParaRPr lang="en-US" dirty="0"/>
@@ -10241,35 +10898,35 @@
           <a:p>
             <a:pPr lvl="0"/>
             <a:r>
-              <a:rPr lang="en-US" smtClean="0"/>
+              <a:rPr lang="en-US"/>
               <a:t>Edit Master text styles</a:t>
             </a:r>
           </a:p>
           <a:p>
             <a:pPr lvl="1"/>
             <a:r>
-              <a:rPr lang="en-US" smtClean="0"/>
+              <a:rPr lang="en-US"/>
               <a:t>Second level</a:t>
             </a:r>
           </a:p>
           <a:p>
             <a:pPr lvl="2"/>
             <a:r>
-              <a:rPr lang="en-US" smtClean="0"/>
+              <a:rPr lang="en-US"/>
               <a:t>Third level</a:t>
             </a:r>
           </a:p>
           <a:p>
             <a:pPr lvl="3"/>
             <a:r>
-              <a:rPr lang="en-US" smtClean="0"/>
+              <a:rPr lang="en-US"/>
               <a:t>Fourth level</a:t>
             </a:r>
           </a:p>
           <a:p>
             <a:pPr lvl="4"/>
             <a:r>
-              <a:rPr lang="en-US" smtClean="0"/>
+              <a:rPr lang="en-US"/>
               <a:t>Fifth level</a:t>
             </a:r>
             <a:endParaRPr lang="en-US" dirty="0"/>
@@ -10293,7 +10950,7 @@
           <a:p>
             <a:fld id="{77742CB5-BF55-4D26-A769-AD7DC0521FF6}" type="datetimeFigureOut">
               <a:rPr lang="en-US" smtClean="0"/>
-              <a:t>7/25/2016</a:t>
+              <a:t>8/29/2016</a:t>
             </a:fld>
             <a:endParaRPr lang="en-US"/>
           </a:p>
@@ -10426,7 +11083,7 @@
           </a:lstStyle>
           <a:p>
             <a:r>
-              <a:rPr lang="en-US" smtClean="0"/>
+              <a:rPr lang="en-US"/>
               <a:t>Click to edit Master title style</a:t>
             </a:r>
             <a:endParaRPr lang="en-US" dirty="0"/>
@@ -10455,35 +11112,35 @@
           <a:p>
             <a:pPr lvl="0"/>
             <a:r>
-              <a:rPr lang="en-US" smtClean="0"/>
+              <a:rPr lang="en-US"/>
               <a:t>Edit Master text styles</a:t>
             </a:r>
           </a:p>
           <a:p>
             <a:pPr lvl="1"/>
             <a:r>
-              <a:rPr lang="en-US" smtClean="0"/>
+              <a:rPr lang="en-US"/>
               <a:t>Second level</a:t>
             </a:r>
           </a:p>
           <a:p>
             <a:pPr lvl="2"/>
             <a:r>
-              <a:rPr lang="en-US" smtClean="0"/>
+              <a:rPr lang="en-US"/>
               <a:t>Third level</a:t>
             </a:r>
           </a:p>
           <a:p>
             <a:pPr lvl="3"/>
             <a:r>
-              <a:rPr lang="en-US" smtClean="0"/>
+              <a:rPr lang="en-US"/>
               <a:t>Fourth level</a:t>
             </a:r>
           </a:p>
           <a:p>
             <a:pPr lvl="4"/>
             <a:r>
-              <a:rPr lang="en-US" smtClean="0"/>
+              <a:rPr lang="en-US"/>
               <a:t>Fifth level</a:t>
             </a:r>
             <a:endParaRPr lang="en-US" dirty="0"/>
@@ -10516,7 +11173,7 @@
           <a:p>
             <a:fld id="{77742CB5-BF55-4D26-A769-AD7DC0521FF6}" type="datetimeFigureOut">
               <a:rPr lang="en-US" smtClean="0"/>
-              <a:t>7/25/2016</a:t>
+              <a:t>8/29/2016</a:t>
             </a:fld>
             <a:endParaRPr lang="en-US"/>
           </a:p>
@@ -10620,7 +11277,7 @@
           <a:lstStyle/>
           <a:p>
             <a:r>
-              <a:rPr lang="en-US" smtClean="0"/>
+              <a:rPr lang="en-US"/>
               <a:t>Click to edit Master title style</a:t>
             </a:r>
             <a:endParaRPr lang="en-US" dirty="0"/>
@@ -10644,35 +11301,35 @@
           <a:p>
             <a:pPr lvl="0"/>
             <a:r>
-              <a:rPr lang="en-US" smtClean="0"/>
+              <a:rPr lang="en-US"/>
               <a:t>Edit Master text styles</a:t>
             </a:r>
           </a:p>
           <a:p>
             <a:pPr lvl="1"/>
             <a:r>
-              <a:rPr lang="en-US" smtClean="0"/>
+              <a:rPr lang="en-US"/>
               <a:t>Second level</a:t>
             </a:r>
           </a:p>
           <a:p>
             <a:pPr lvl="2"/>
             <a:r>
-              <a:rPr lang="en-US" smtClean="0"/>
+              <a:rPr lang="en-US"/>
               <a:t>Third level</a:t>
             </a:r>
           </a:p>
           <a:p>
             <a:pPr lvl="3"/>
             <a:r>
-              <a:rPr lang="en-US" smtClean="0"/>
+              <a:rPr lang="en-US"/>
               <a:t>Fourth level</a:t>
             </a:r>
           </a:p>
           <a:p>
             <a:pPr lvl="4"/>
             <a:r>
-              <a:rPr lang="en-US" smtClean="0"/>
+              <a:rPr lang="en-US"/>
               <a:t>Fifth level</a:t>
             </a:r>
             <a:endParaRPr lang="en-US" dirty="0"/>
@@ -10696,7 +11353,7 @@
           <a:p>
             <a:fld id="{77742CB5-BF55-4D26-A769-AD7DC0521FF6}" type="datetimeFigureOut">
               <a:rPr lang="en-US" smtClean="0"/>
-              <a:t>7/25/2016</a:t>
+              <a:t>8/29/2016</a:t>
             </a:fld>
             <a:endParaRPr lang="en-US"/>
           </a:p>
@@ -10831,7 +11488,7 @@
           </a:lstStyle>
           <a:p>
             <a:r>
-              <a:rPr lang="en-US" smtClean="0"/>
+              <a:rPr lang="en-US"/>
               <a:t>Click to edit Master title style</a:t>
             </a:r>
             <a:endParaRPr lang="en-US" dirty="0"/>
@@ -10953,7 +11610,7 @@
           <a:p>
             <a:pPr lvl="0"/>
             <a:r>
-              <a:rPr lang="en-US" smtClean="0"/>
+              <a:rPr lang="en-US"/>
               <a:t>Edit Master text styles</a:t>
             </a:r>
           </a:p>
@@ -10985,7 +11642,7 @@
           <a:p>
             <a:fld id="{77742CB5-BF55-4D26-A769-AD7DC0521FF6}" type="datetimeFigureOut">
               <a:rPr lang="en-US" smtClean="0"/>
-              <a:t>7/25/2016</a:t>
+              <a:t>8/29/2016</a:t>
             </a:fld>
             <a:endParaRPr lang="en-US"/>
           </a:p>
@@ -11089,7 +11746,7 @@
           <a:lstStyle/>
           <a:p>
             <a:r>
-              <a:rPr lang="en-US" smtClean="0"/>
+              <a:rPr lang="en-US"/>
               <a:t>Click to edit Master title style</a:t>
             </a:r>
             <a:endParaRPr lang="en-US" dirty="0"/>
@@ -11118,35 +11775,35 @@
           <a:p>
             <a:pPr lvl="0"/>
             <a:r>
-              <a:rPr lang="en-US" smtClean="0"/>
+              <a:rPr lang="en-US"/>
               <a:t>Edit Master text styles</a:t>
             </a:r>
           </a:p>
           <a:p>
             <a:pPr lvl="1"/>
             <a:r>
-              <a:rPr lang="en-US" smtClean="0"/>
+              <a:rPr lang="en-US"/>
               <a:t>Second level</a:t>
             </a:r>
           </a:p>
           <a:p>
             <a:pPr lvl="2"/>
             <a:r>
-              <a:rPr lang="en-US" smtClean="0"/>
+              <a:rPr lang="en-US"/>
               <a:t>Third level</a:t>
             </a:r>
           </a:p>
           <a:p>
             <a:pPr lvl="3"/>
             <a:r>
-              <a:rPr lang="en-US" smtClean="0"/>
+              <a:rPr lang="en-US"/>
               <a:t>Fourth level</a:t>
             </a:r>
           </a:p>
           <a:p>
             <a:pPr lvl="4"/>
             <a:r>
-              <a:rPr lang="en-US" smtClean="0"/>
+              <a:rPr lang="en-US"/>
               <a:t>Fifth level</a:t>
             </a:r>
             <a:endParaRPr lang="en-US" dirty="0"/>
@@ -11175,35 +11832,35 @@
           <a:p>
             <a:pPr lvl="0"/>
             <a:r>
-              <a:rPr lang="en-US" smtClean="0"/>
+              <a:rPr lang="en-US"/>
               <a:t>Edit Master text styles</a:t>
             </a:r>
           </a:p>
           <a:p>
             <a:pPr lvl="1"/>
             <a:r>
-              <a:rPr lang="en-US" smtClean="0"/>
+              <a:rPr lang="en-US"/>
               <a:t>Second level</a:t>
             </a:r>
           </a:p>
           <a:p>
             <a:pPr lvl="2"/>
             <a:r>
-              <a:rPr lang="en-US" smtClean="0"/>
+              <a:rPr lang="en-US"/>
               <a:t>Third level</a:t>
             </a:r>
           </a:p>
           <a:p>
             <a:pPr lvl="3"/>
             <a:r>
-              <a:rPr lang="en-US" smtClean="0"/>
+              <a:rPr lang="en-US"/>
               <a:t>Fourth level</a:t>
             </a:r>
           </a:p>
           <a:p>
             <a:pPr lvl="4"/>
             <a:r>
-              <a:rPr lang="en-US" smtClean="0"/>
+              <a:rPr lang="en-US"/>
               <a:t>Fifth level</a:t>
             </a:r>
             <a:endParaRPr lang="en-US" dirty="0"/>
@@ -11227,7 +11884,7 @@
           <a:p>
             <a:fld id="{77742CB5-BF55-4D26-A769-AD7DC0521FF6}" type="datetimeFigureOut">
               <a:rPr lang="en-US" smtClean="0"/>
-              <a:t>7/25/2016</a:t>
+              <a:t>8/29/2016</a:t>
             </a:fld>
             <a:endParaRPr lang="en-US"/>
           </a:p>
@@ -11326,7 +11983,7 @@
           <a:lstStyle/>
           <a:p>
             <a:r>
-              <a:rPr lang="en-US" smtClean="0"/>
+              <a:rPr lang="en-US"/>
               <a:t>Click to edit Master title style</a:t>
             </a:r>
             <a:endParaRPr lang="en-US" dirty="0"/>
@@ -11398,7 +12055,7 @@
           <a:p>
             <a:pPr lvl="0"/>
             <a:r>
-              <a:rPr lang="en-US" smtClean="0"/>
+              <a:rPr lang="en-US"/>
               <a:t>Edit Master text styles</a:t>
             </a:r>
           </a:p>
@@ -11426,35 +12083,35 @@
           <a:p>
             <a:pPr lvl="0"/>
             <a:r>
-              <a:rPr lang="en-US" smtClean="0"/>
+              <a:rPr lang="en-US"/>
               <a:t>Edit Master text styles</a:t>
             </a:r>
           </a:p>
           <a:p>
             <a:pPr lvl="1"/>
             <a:r>
-              <a:rPr lang="en-US" smtClean="0"/>
+              <a:rPr lang="en-US"/>
               <a:t>Second level</a:t>
             </a:r>
           </a:p>
           <a:p>
             <a:pPr lvl="2"/>
             <a:r>
-              <a:rPr lang="en-US" smtClean="0"/>
+              <a:rPr lang="en-US"/>
               <a:t>Third level</a:t>
             </a:r>
           </a:p>
           <a:p>
             <a:pPr lvl="3"/>
             <a:r>
-              <a:rPr lang="en-US" smtClean="0"/>
+              <a:rPr lang="en-US"/>
               <a:t>Fourth level</a:t>
             </a:r>
           </a:p>
           <a:p>
             <a:pPr lvl="4"/>
             <a:r>
-              <a:rPr lang="en-US" smtClean="0"/>
+              <a:rPr lang="en-US"/>
               <a:t>Fifth level</a:t>
             </a:r>
             <a:endParaRPr lang="en-US" dirty="0"/>
@@ -11526,7 +12183,7 @@
           <a:p>
             <a:pPr lvl="0"/>
             <a:r>
-              <a:rPr lang="en-US" smtClean="0"/>
+              <a:rPr lang="en-US"/>
               <a:t>Edit Master text styles</a:t>
             </a:r>
           </a:p>
@@ -11554,35 +12211,35 @@
           <a:p>
             <a:pPr lvl="0"/>
             <a:r>
-              <a:rPr lang="en-US" smtClean="0"/>
+              <a:rPr lang="en-US"/>
               <a:t>Edit Master text styles</a:t>
             </a:r>
           </a:p>
           <a:p>
             <a:pPr lvl="1"/>
             <a:r>
-              <a:rPr lang="en-US" smtClean="0"/>
+              <a:rPr lang="en-US"/>
               <a:t>Second level</a:t>
             </a:r>
           </a:p>
           <a:p>
             <a:pPr lvl="2"/>
             <a:r>
-              <a:rPr lang="en-US" smtClean="0"/>
+              <a:rPr lang="en-US"/>
               <a:t>Third level</a:t>
             </a:r>
           </a:p>
           <a:p>
             <a:pPr lvl="3"/>
             <a:r>
-              <a:rPr lang="en-US" smtClean="0"/>
+              <a:rPr lang="en-US"/>
               <a:t>Fourth level</a:t>
             </a:r>
           </a:p>
           <a:p>
             <a:pPr lvl="4"/>
             <a:r>
-              <a:rPr lang="en-US" smtClean="0"/>
+              <a:rPr lang="en-US"/>
               <a:t>Fifth level</a:t>
             </a:r>
             <a:endParaRPr lang="en-US" dirty="0"/>
@@ -11606,7 +12263,7 @@
           <a:p>
             <a:fld id="{77742CB5-BF55-4D26-A769-AD7DC0521FF6}" type="datetimeFigureOut">
               <a:rPr lang="en-US" smtClean="0"/>
-              <a:t>7/25/2016</a:t>
+              <a:t>8/29/2016</a:t>
             </a:fld>
             <a:endParaRPr lang="en-US"/>
           </a:p>
@@ -11700,7 +12357,7 @@
           <a:lstStyle/>
           <a:p>
             <a:r>
-              <a:rPr lang="en-US" smtClean="0"/>
+              <a:rPr lang="en-US"/>
               <a:t>Click to edit Master title style</a:t>
             </a:r>
             <a:endParaRPr lang="en-US" dirty="0"/>
@@ -11724,7 +12381,7 @@
           <a:p>
             <a:fld id="{77742CB5-BF55-4D26-A769-AD7DC0521FF6}" type="datetimeFigureOut">
               <a:rPr lang="en-US" smtClean="0"/>
-              <a:t>7/25/2016</a:t>
+              <a:t>8/29/2016</a:t>
             </a:fld>
             <a:endParaRPr lang="en-US"/>
           </a:p>
@@ -11819,7 +12476,7 @@
           <a:p>
             <a:fld id="{77742CB5-BF55-4D26-A769-AD7DC0521FF6}" type="datetimeFigureOut">
               <a:rPr lang="en-US" smtClean="0"/>
-              <a:t>7/25/2016</a:t>
+              <a:t>8/29/2016</a:t>
             </a:fld>
             <a:endParaRPr lang="en-US"/>
           </a:p>
@@ -11922,7 +12579,7 @@
           </a:lstStyle>
           <a:p>
             <a:r>
-              <a:rPr lang="en-US" smtClean="0"/>
+              <a:rPr lang="en-US"/>
               <a:t>Click to edit Master title style</a:t>
             </a:r>
             <a:endParaRPr lang="en-US" dirty="0"/>
@@ -11951,35 +12608,35 @@
           <a:p>
             <a:pPr lvl="0"/>
             <a:r>
-              <a:rPr lang="en-US" smtClean="0"/>
+              <a:rPr lang="en-US"/>
               <a:t>Edit Master text styles</a:t>
             </a:r>
           </a:p>
           <a:p>
             <a:pPr lvl="1"/>
             <a:r>
-              <a:rPr lang="en-US" smtClean="0"/>
+              <a:rPr lang="en-US"/>
               <a:t>Second level</a:t>
             </a:r>
           </a:p>
           <a:p>
             <a:pPr lvl="2"/>
             <a:r>
-              <a:rPr lang="en-US" smtClean="0"/>
+              <a:rPr lang="en-US"/>
               <a:t>Third level</a:t>
             </a:r>
           </a:p>
           <a:p>
             <a:pPr lvl="3"/>
             <a:r>
-              <a:rPr lang="en-US" smtClean="0"/>
+              <a:rPr lang="en-US"/>
               <a:t>Fourth level</a:t>
             </a:r>
           </a:p>
           <a:p>
             <a:pPr lvl="4"/>
             <a:r>
-              <a:rPr lang="en-US" smtClean="0"/>
+              <a:rPr lang="en-US"/>
               <a:t>Fifth level</a:t>
             </a:r>
             <a:endParaRPr lang="en-US" dirty="0"/>
@@ -12045,7 +12702,7 @@
           <a:p>
             <a:pPr lvl="0"/>
             <a:r>
-              <a:rPr lang="en-US" smtClean="0"/>
+              <a:rPr lang="en-US"/>
               <a:t>Edit Master text styles</a:t>
             </a:r>
           </a:p>
@@ -12068,7 +12725,7 @@
           <a:p>
             <a:fld id="{77742CB5-BF55-4D26-A769-AD7DC0521FF6}" type="datetimeFigureOut">
               <a:rPr lang="en-US" smtClean="0"/>
-              <a:t>7/25/2016</a:t>
+              <a:t>8/29/2016</a:t>
             </a:fld>
             <a:endParaRPr lang="en-US"/>
           </a:p>
@@ -12171,7 +12828,7 @@
           </a:lstStyle>
           <a:p>
             <a:r>
-              <a:rPr lang="en-US" smtClean="0"/>
+              <a:rPr lang="en-US"/>
               <a:t>Click to edit Master title style</a:t>
             </a:r>
             <a:endParaRPr lang="en-US" dirty="0"/>
@@ -12236,7 +12893,7 @@
           </a:lstStyle>
           <a:p>
             <a:r>
-              <a:rPr lang="en-US" smtClean="0"/>
+              <a:rPr lang="en-US"/>
               <a:t>Click icon to add picture</a:t>
             </a:r>
             <a:endParaRPr lang="en-US" dirty="0"/>
@@ -12302,7 +12959,7 @@
           <a:p>
             <a:pPr lvl="0"/>
             <a:r>
-              <a:rPr lang="en-US" smtClean="0"/>
+              <a:rPr lang="en-US"/>
               <a:t>Edit Master text styles</a:t>
             </a:r>
           </a:p>
@@ -12325,7 +12982,7 @@
           <a:p>
             <a:fld id="{77742CB5-BF55-4D26-A769-AD7DC0521FF6}" type="datetimeFigureOut">
               <a:rPr lang="en-US" smtClean="0"/>
-              <a:t>7/25/2016</a:t>
+              <a:t>8/29/2016</a:t>
             </a:fld>
             <a:endParaRPr lang="en-US"/>
           </a:p>
@@ -12464,7 +13121,7 @@
           <a:lstStyle/>
           <a:p>
             <a:r>
-              <a:rPr lang="en-US" smtClean="0"/>
+              <a:rPr lang="en-US"/>
               <a:t>Click to edit Master title style</a:t>
             </a:r>
             <a:endParaRPr lang="en-US" dirty="0"/>
@@ -12498,35 +13155,35 @@
           <a:p>
             <a:pPr lvl="0"/>
             <a:r>
-              <a:rPr lang="en-US" smtClean="0"/>
+              <a:rPr lang="en-US"/>
               <a:t>Edit Master text styles</a:t>
             </a:r>
           </a:p>
           <a:p>
             <a:pPr lvl="1"/>
             <a:r>
-              <a:rPr lang="en-US" smtClean="0"/>
+              <a:rPr lang="en-US"/>
               <a:t>Second level</a:t>
             </a:r>
           </a:p>
           <a:p>
             <a:pPr lvl="2"/>
             <a:r>
-              <a:rPr lang="en-US" smtClean="0"/>
+              <a:rPr lang="en-US"/>
               <a:t>Third level</a:t>
             </a:r>
           </a:p>
           <a:p>
             <a:pPr lvl="3"/>
             <a:r>
-              <a:rPr lang="en-US" smtClean="0"/>
+              <a:rPr lang="en-US"/>
               <a:t>Fourth level</a:t>
             </a:r>
           </a:p>
           <a:p>
             <a:pPr lvl="4"/>
             <a:r>
-              <a:rPr lang="en-US" smtClean="0"/>
+              <a:rPr lang="en-US"/>
               <a:t>Fifth level</a:t>
             </a:r>
             <a:endParaRPr lang="en-US" dirty="0"/>
@@ -12568,7 +13225,7 @@
           <a:p>
             <a:fld id="{77742CB5-BF55-4D26-A769-AD7DC0521FF6}" type="datetimeFigureOut">
               <a:rPr lang="en-US" smtClean="0"/>
-              <a:t>7/25/2016</a:t>
+              <a:t>8/29/2016</a:t>
             </a:fld>
             <a:endParaRPr lang="en-US"/>
           </a:p>
@@ -12995,10 +13652,9 @@
           <a:lstStyle/>
           <a:p>
             <a:r>
-              <a:rPr lang="nb-NO" sz="5400" dirty="0"/>
+              <a:rPr lang="en-US" sz="5400" dirty="0"/>
               <a:t>Language Models</a:t>
             </a:r>
-            <a:endParaRPr lang="en-US" sz="5400" dirty="0"/>
           </a:p>
         </p:txBody>
       </p:sp>
@@ -13020,36 +13676,48 @@
           <a:lstStyle/>
           <a:p>
             <a:r>
-              <a:rPr lang="en-US" dirty="0" smtClean="0"/>
+              <a:rPr lang="en-US" dirty="0"/>
               <a:t>Developing</a:t>
             </a:r>
             <a:r>
-              <a:rPr lang="nb-NO" dirty="0" smtClean="0"/>
+              <a:rPr lang="nb-NO" dirty="0"/>
               <a:t> a </a:t>
             </a:r>
             <a:r>
-              <a:rPr lang="en-US" sz="2400" b="1" dirty="0" smtClean="0"/>
+              <a:rPr lang="en-US" sz="2400" b="1" dirty="0"/>
               <a:t>predictive</a:t>
             </a:r>
             <a:r>
-              <a:rPr lang="nb-NO" sz="2400" b="1" dirty="0" smtClean="0"/>
+              <a:rPr lang="nb-NO" sz="2400" b="1" dirty="0"/>
               <a:t> </a:t>
             </a:r>
             <a:r>
-              <a:rPr lang="en-US" sz="2400" b="1" dirty="0" smtClean="0"/>
+              <a:rPr lang="en-US" sz="2400" b="1" dirty="0"/>
               <a:t>model</a:t>
             </a:r>
             <a:r>
-              <a:rPr lang="nb-NO" dirty="0" smtClean="0"/>
+              <a:rPr lang="nb-NO" dirty="0"/>
               <a:t> </a:t>
             </a:r>
             <a:r>
-              <a:rPr lang="en-US" dirty="0" smtClean="0"/>
+              <a:rPr lang="en-US" dirty="0"/>
               <a:t>for</a:t>
             </a:r>
             <a:r>
-              <a:rPr lang="nb-NO" dirty="0" smtClean="0"/>
-              <a:t> text prediction</a:t>
+              <a:rPr lang="nb-NO" dirty="0"/>
+              <a:t> </a:t>
+            </a:r>
+            <a:r>
+              <a:rPr lang="nb-NO" dirty="0" err="1"/>
+              <a:t>text</a:t>
+            </a:r>
+            <a:r>
+              <a:rPr lang="nb-NO" dirty="0"/>
+              <a:t> </a:t>
+            </a:r>
+            <a:r>
+              <a:rPr lang="nb-NO" dirty="0" err="1"/>
+              <a:t>prediction</a:t>
             </a:r>
             <a:endParaRPr lang="en-US" dirty="0"/>
           </a:p>
@@ -13065,17 +13733,2132 @@
   <p:clrMapOvr>
     <a:masterClrMapping/>
   </p:clrMapOvr>
-  <p:timing>
-    <p:tnLst>
-      <p:par>
-        <p:cTn id="1" dur="indefinite" restart="never" nodeType="tmRoot"/>
-      </p:par>
-    </p:tnLst>
-  </p:timing>
 </p:sld>
 </file>
 
 <file path=ppt/slides/slide10.xml><?xml version="1.0" encoding="utf-8"?>
+<p:sld xmlns:a="http://schemas.openxmlformats.org/drawingml/2006/main" xmlns:r="http://schemas.openxmlformats.org/officeDocument/2006/relationships" xmlns:p="http://schemas.openxmlformats.org/presentationml/2006/main">
+  <p:cSld>
+    <p:spTree>
+      <p:nvGrpSpPr>
+        <p:cNvPr id="1" name=""/>
+        <p:cNvGrpSpPr/>
+        <p:nvPr/>
+      </p:nvGrpSpPr>
+      <p:grpSpPr>
+        <a:xfrm>
+          <a:off x="0" y="0"/>
+          <a:ext cx="0" cy="0"/>
+          <a:chOff x="0" y="0"/>
+          <a:chExt cx="0" cy="0"/>
+        </a:xfrm>
+      </p:grpSpPr>
+      <p:sp>
+        <p:nvSpPr>
+          <p:cNvPr id="4" name="Title 1"/>
+          <p:cNvSpPr>
+            <a:spLocks noGrp="1"/>
+          </p:cNvSpPr>
+          <p:nvPr>
+            <p:ph type="title"/>
+          </p:nvPr>
+        </p:nvSpPr>
+        <p:spPr>
+          <a:xfrm>
+            <a:off x="4350690" y="284361"/>
+            <a:ext cx="7696200" cy="914400"/>
+          </a:xfrm>
+        </p:spPr>
+        <p:txBody>
+          <a:bodyPr>
+            <a:normAutofit/>
+          </a:bodyPr>
+          <a:lstStyle/>
+          <a:p>
+            <a:pPr algn="r"/>
+            <a:r>
+              <a:rPr lang="en-GB" sz="3600" dirty="0"/>
+              <a:t>Data Understanding</a:t>
+            </a:r>
+            <a:br>
+              <a:rPr lang="en-GB" sz="3600" dirty="0"/>
+            </a:br>
+            <a:r>
+              <a:rPr lang="en-GB" sz="1800" dirty="0"/>
+              <a:t>read and Explore the corpora</a:t>
+            </a:r>
+            <a:endParaRPr lang="en-GB" dirty="0"/>
+          </a:p>
+        </p:txBody>
+      </p:sp>
+      <p:sp>
+        <p:nvSpPr>
+          <p:cNvPr id="2" name="Rectangle 1"/>
+          <p:cNvSpPr/>
+          <p:nvPr/>
+        </p:nvSpPr>
+        <p:spPr>
+          <a:xfrm>
+            <a:off x="75624" y="1243052"/>
+            <a:ext cx="4996881" cy="1138773"/>
+          </a:xfrm>
+          <a:prstGeom prst="rect">
+            <a:avLst/>
+          </a:prstGeom>
+          <a:noFill/>
+        </p:spPr>
+        <p:txBody>
+          <a:bodyPr wrap="none" lIns="91440" tIns="45720" rIns="91440" bIns="45720">
+            <a:spAutoFit/>
+          </a:bodyPr>
+          <a:lstStyle/>
+          <a:p>
+            <a:pPr algn="ctr"/>
+            <a:r>
+              <a:rPr lang="en-US" sz="3600" b="1" cap="none" spc="0" dirty="0">
+                <a:ln w="9525">
+                  <a:solidFill>
+                    <a:schemeClr val="bg1"/>
+                  </a:solidFill>
+                  <a:prstDash val="solid"/>
+                </a:ln>
+                <a:solidFill>
+                  <a:schemeClr val="tx1"/>
+                </a:solidFill>
+                <a:effectLst>
+                  <a:outerShdw blurRad="12700" dist="38100" dir="2700000" algn="tl" rotWithShape="0">
+                    <a:schemeClr val="bg1">
+                      <a:lumMod val="50000"/>
+                    </a:schemeClr>
+                  </a:outerShdw>
+                </a:effectLst>
+              </a:rPr>
+              <a:t>How to read the data?</a:t>
+            </a:r>
+          </a:p>
+          <a:p>
+            <a:r>
+              <a:rPr lang="en-US" sz="1600" b="1" dirty="0">
+                <a:ln w="9525">
+                  <a:solidFill>
+                    <a:schemeClr val="bg1"/>
+                  </a:solidFill>
+                  <a:prstDash val="solid"/>
+                </a:ln>
+                <a:effectLst>
+                  <a:outerShdw blurRad="12700" dist="38100" dir="2700000" algn="tl" rotWithShape="0">
+                    <a:schemeClr val="bg1">
+                      <a:lumMod val="50000"/>
+                    </a:schemeClr>
+                  </a:outerShdw>
+                </a:effectLst>
+              </a:rPr>
+              <a:t>The Corpora is quite extensive </a:t>
+            </a:r>
+          </a:p>
+          <a:p>
+            <a:r>
+              <a:rPr lang="en-US" sz="1600" b="1" dirty="0">
+                <a:ln w="9525">
+                  <a:solidFill>
+                    <a:schemeClr val="bg1"/>
+                  </a:solidFill>
+                  <a:prstDash val="solid"/>
+                </a:ln>
+                <a:effectLst>
+                  <a:outerShdw blurRad="12700" dist="38100" dir="2700000" algn="tl" rotWithShape="0">
+                    <a:schemeClr val="bg1">
+                      <a:lumMod val="50000"/>
+                    </a:schemeClr>
+                  </a:outerShdw>
+                </a:effectLst>
+              </a:rPr>
+              <a:t>R uses in-memory data structure ….</a:t>
+            </a:r>
+            <a:endParaRPr lang="en-US" sz="1600" b="1" cap="none" spc="0" dirty="0">
+              <a:ln w="9525">
+                <a:solidFill>
+                  <a:schemeClr val="bg1"/>
+                </a:solidFill>
+                <a:prstDash val="solid"/>
+              </a:ln>
+              <a:solidFill>
+                <a:schemeClr val="tx1"/>
+              </a:solidFill>
+              <a:effectLst>
+                <a:outerShdw blurRad="12700" dist="38100" dir="2700000" algn="tl" rotWithShape="0">
+                  <a:schemeClr val="bg1">
+                    <a:lumMod val="50000"/>
+                  </a:schemeClr>
+                </a:outerShdw>
+              </a:effectLst>
+            </a:endParaRPr>
+          </a:p>
+        </p:txBody>
+      </p:sp>
+      <p:sp>
+        <p:nvSpPr>
+          <p:cNvPr id="8" name="Rectangle 7"/>
+          <p:cNvSpPr/>
+          <p:nvPr/>
+        </p:nvSpPr>
+        <p:spPr>
+          <a:xfrm>
+            <a:off x="3498196" y="2426116"/>
+            <a:ext cx="8858515" cy="892552"/>
+          </a:xfrm>
+          <a:prstGeom prst="rect">
+            <a:avLst/>
+          </a:prstGeom>
+          <a:noFill/>
+        </p:spPr>
+        <p:txBody>
+          <a:bodyPr wrap="none" lIns="91440" tIns="45720" rIns="91440" bIns="45720">
+            <a:spAutoFit/>
+          </a:bodyPr>
+          <a:lstStyle/>
+          <a:p>
+            <a:pPr algn="ctr"/>
+            <a:r>
+              <a:rPr lang="en-US" sz="3600" b="1" dirty="0">
+                <a:ln w="9525">
+                  <a:solidFill>
+                    <a:schemeClr val="bg1"/>
+                  </a:solidFill>
+                  <a:prstDash val="solid"/>
+                </a:ln>
+                <a:effectLst>
+                  <a:outerShdw blurRad="12700" dist="38100" dir="2700000" algn="tl" rotWithShape="0">
+                    <a:schemeClr val="bg1">
+                      <a:lumMod val="50000"/>
+                    </a:schemeClr>
+                  </a:outerShdw>
+                </a:effectLst>
+              </a:rPr>
+              <a:t>Data preparation </a:t>
+            </a:r>
+            <a:r>
+              <a:rPr lang="en-US" sz="2400" b="1" dirty="0">
+                <a:ln w="9525">
+                  <a:solidFill>
+                    <a:schemeClr val="bg1"/>
+                  </a:solidFill>
+                  <a:prstDash val="solid"/>
+                </a:ln>
+                <a:effectLst>
+                  <a:outerShdw blurRad="12700" dist="38100" dir="2700000" algn="tl" rotWithShape="0">
+                    <a:schemeClr val="bg1">
+                      <a:lumMod val="50000"/>
+                    </a:schemeClr>
+                  </a:outerShdw>
+                </a:effectLst>
+              </a:rPr>
+              <a:t>[Feature Engineering]</a:t>
+            </a:r>
+            <a:r>
+              <a:rPr lang="en-US" sz="3600" b="1" dirty="0">
+                <a:ln w="9525">
+                  <a:solidFill>
+                    <a:schemeClr val="bg1"/>
+                  </a:solidFill>
+                  <a:prstDash val="solid"/>
+                </a:ln>
+                <a:effectLst>
+                  <a:outerShdw blurRad="12700" dist="38100" dir="2700000" algn="tl" rotWithShape="0">
+                    <a:schemeClr val="bg1">
+                      <a:lumMod val="50000"/>
+                    </a:schemeClr>
+                  </a:outerShdw>
+                </a:effectLst>
+              </a:rPr>
+              <a:t> </a:t>
+            </a:r>
+            <a:endParaRPr lang="en-US" sz="3600" b="1" cap="none" spc="0" dirty="0">
+              <a:ln w="9525">
+                <a:solidFill>
+                  <a:schemeClr val="bg1"/>
+                </a:solidFill>
+                <a:prstDash val="solid"/>
+              </a:ln>
+              <a:solidFill>
+                <a:schemeClr val="tx1"/>
+              </a:solidFill>
+              <a:effectLst>
+                <a:outerShdw blurRad="12700" dist="38100" dir="2700000" algn="tl" rotWithShape="0">
+                  <a:schemeClr val="bg1">
+                    <a:lumMod val="50000"/>
+                  </a:schemeClr>
+                </a:outerShdw>
+              </a:effectLst>
+            </a:endParaRPr>
+          </a:p>
+          <a:p>
+            <a:r>
+              <a:rPr lang="en-US" sz="1600" b="1" dirty="0">
+                <a:ln w="9525">
+                  <a:solidFill>
+                    <a:schemeClr val="bg1"/>
+                  </a:solidFill>
+                  <a:prstDash val="solid"/>
+                </a:ln>
+                <a:effectLst>
+                  <a:outerShdw blurRad="12700" dist="38100" dir="2700000" algn="tl" rotWithShape="0">
+                    <a:schemeClr val="bg1">
+                      <a:lumMod val="50000"/>
+                    </a:schemeClr>
+                  </a:outerShdw>
+                </a:effectLst>
+              </a:rPr>
+              <a:t>What do we need to do on the data in order to get data required to create the models?</a:t>
+            </a:r>
+          </a:p>
+        </p:txBody>
+      </p:sp>
+      <p:sp>
+        <p:nvSpPr>
+          <p:cNvPr id="3" name="Rectangle 2">
+            <a:hlinkClick r:id="rId3"/>
+          </p:cNvPr>
+          <p:cNvSpPr/>
+          <p:nvPr/>
+        </p:nvSpPr>
+        <p:spPr>
+          <a:xfrm>
+            <a:off x="7766551" y="6263245"/>
+            <a:ext cx="4280339" cy="461665"/>
+          </a:xfrm>
+          <a:prstGeom prst="rect">
+            <a:avLst/>
+          </a:prstGeom>
+          <a:noFill/>
+        </p:spPr>
+        <p:txBody>
+          <a:bodyPr wrap="none" lIns="91440" tIns="45720" rIns="91440" bIns="45720">
+            <a:spAutoFit/>
+          </a:bodyPr>
+          <a:lstStyle/>
+          <a:p>
+            <a:pPr algn="ctr"/>
+            <a:r>
+              <a:rPr lang="en-US" sz="2400" b="1" dirty="0">
+                <a:ln w="12700">
+                  <a:solidFill>
+                    <a:schemeClr val="accent1"/>
+                  </a:solidFill>
+                  <a:prstDash val="solid"/>
+                </a:ln>
+                <a:pattFill prst="pct50">
+                  <a:fgClr>
+                    <a:schemeClr val="accent1"/>
+                  </a:fgClr>
+                  <a:bgClr>
+                    <a:schemeClr val="accent1">
+                      <a:lumMod val="20000"/>
+                      <a:lumOff val="80000"/>
+                    </a:schemeClr>
+                  </a:bgClr>
+                </a:pattFill>
+                <a:effectLst>
+                  <a:outerShdw dist="38100" dir="2640000" algn="bl" rotWithShape="0">
+                    <a:schemeClr val="accent1"/>
+                  </a:outerShdw>
+                </a:effectLst>
+              </a:rPr>
+              <a:t>See Data Exploration </a:t>
+            </a:r>
+            <a:r>
+              <a:rPr lang="en-US" sz="2400" b="1" cap="none" spc="0" dirty="0">
+                <a:ln w="12700">
+                  <a:solidFill>
+                    <a:schemeClr val="accent1"/>
+                  </a:solidFill>
+                  <a:prstDash val="solid"/>
+                </a:ln>
+                <a:pattFill prst="pct50">
+                  <a:fgClr>
+                    <a:schemeClr val="accent1"/>
+                  </a:fgClr>
+                  <a:bgClr>
+                    <a:schemeClr val="accent1">
+                      <a:lumMod val="20000"/>
+                      <a:lumOff val="80000"/>
+                    </a:schemeClr>
+                  </a:bgClr>
+                </a:pattFill>
+                <a:effectLst>
+                  <a:outerShdw dist="38100" dir="2640000" algn="bl" rotWithShape="0">
+                    <a:schemeClr val="accent1"/>
+                  </a:outerShdw>
+                </a:effectLst>
+              </a:rPr>
+              <a:t>Report</a:t>
+            </a:r>
+          </a:p>
+        </p:txBody>
+      </p:sp>
+      <p:sp>
+        <p:nvSpPr>
+          <p:cNvPr id="7" name="Rectangle 6"/>
+          <p:cNvSpPr/>
+          <p:nvPr/>
+        </p:nvSpPr>
+        <p:spPr>
+          <a:xfrm>
+            <a:off x="75624" y="3807307"/>
+            <a:ext cx="6845144" cy="830997"/>
+          </a:xfrm>
+          <a:prstGeom prst="rect">
+            <a:avLst/>
+          </a:prstGeom>
+          <a:noFill/>
+        </p:spPr>
+        <p:txBody>
+          <a:bodyPr wrap="none" lIns="91440" tIns="45720" rIns="91440" bIns="45720">
+            <a:spAutoFit/>
+          </a:bodyPr>
+          <a:lstStyle/>
+          <a:p>
+            <a:pPr algn="ctr"/>
+            <a:r>
+              <a:rPr lang="en-US" sz="3200" b="1" cap="none" spc="0" dirty="0">
+                <a:ln w="9525">
+                  <a:solidFill>
+                    <a:schemeClr val="bg1"/>
+                  </a:solidFill>
+                  <a:prstDash val="solid"/>
+                </a:ln>
+                <a:solidFill>
+                  <a:schemeClr val="tx1"/>
+                </a:solidFill>
+                <a:effectLst>
+                  <a:outerShdw blurRad="12700" dist="38100" dir="2700000" algn="tl" rotWithShape="0">
+                    <a:schemeClr val="bg1">
+                      <a:lumMod val="50000"/>
+                    </a:schemeClr>
+                  </a:outerShdw>
+                </a:effectLst>
+              </a:rPr>
+              <a:t>A preliminary Ingestion Process</a:t>
+            </a:r>
+            <a:r>
+              <a:rPr lang="en-US" sz="3200" b="1" dirty="0">
+                <a:ln w="9525">
+                  <a:solidFill>
+                    <a:schemeClr val="bg1"/>
+                  </a:solidFill>
+                  <a:prstDash val="solid"/>
+                </a:ln>
+                <a:effectLst>
+                  <a:outerShdw blurRad="12700" dist="38100" dir="2700000" algn="tl" rotWithShape="0">
+                    <a:schemeClr val="bg1">
+                      <a:lumMod val="50000"/>
+                    </a:schemeClr>
+                  </a:outerShdw>
+                </a:effectLst>
+              </a:rPr>
+              <a:t>….</a:t>
+            </a:r>
+          </a:p>
+          <a:p>
+            <a:r>
+              <a:rPr lang="en-US" sz="1600" b="1" cap="none" spc="0" dirty="0">
+                <a:ln w="9525">
+                  <a:solidFill>
+                    <a:schemeClr val="bg1"/>
+                  </a:solidFill>
+                  <a:prstDash val="solid"/>
+                </a:ln>
+                <a:solidFill>
+                  <a:schemeClr val="tx1"/>
+                </a:solidFill>
+                <a:effectLst>
+                  <a:outerShdw blurRad="12700" dist="38100" dir="2700000" algn="tl" rotWithShape="0">
+                    <a:schemeClr val="bg1">
+                      <a:lumMod val="50000"/>
+                    </a:schemeClr>
+                  </a:outerShdw>
+                </a:effectLst>
+              </a:rPr>
+              <a:t>Increase the amount of data used for training the model ….</a:t>
+            </a:r>
+          </a:p>
+        </p:txBody>
+      </p:sp>
+      <p:sp>
+        <p:nvSpPr>
+          <p:cNvPr id="9" name="Rectangle 8"/>
+          <p:cNvSpPr/>
+          <p:nvPr/>
+        </p:nvSpPr>
+        <p:spPr>
+          <a:xfrm>
+            <a:off x="4286035" y="4881388"/>
+            <a:ext cx="7637027" cy="1138773"/>
+          </a:xfrm>
+          <a:prstGeom prst="rect">
+            <a:avLst/>
+          </a:prstGeom>
+          <a:noFill/>
+        </p:spPr>
+        <p:txBody>
+          <a:bodyPr wrap="none" lIns="91440" tIns="45720" rIns="91440" bIns="45720">
+            <a:spAutoFit/>
+          </a:bodyPr>
+          <a:lstStyle/>
+          <a:p>
+            <a:pPr algn="ctr"/>
+            <a:r>
+              <a:rPr lang="en-US" sz="3600" b="1" cap="none" spc="0" dirty="0">
+                <a:ln w="9525">
+                  <a:solidFill>
+                    <a:schemeClr val="bg1"/>
+                  </a:solidFill>
+                  <a:prstDash val="solid"/>
+                </a:ln>
+                <a:solidFill>
+                  <a:schemeClr val="tx1"/>
+                </a:solidFill>
+                <a:effectLst>
+                  <a:outerShdw blurRad="12700" dist="38100" dir="2700000" algn="tl" rotWithShape="0">
+                    <a:schemeClr val="bg1">
+                      <a:lumMod val="50000"/>
+                    </a:schemeClr>
+                  </a:outerShdw>
+                </a:effectLst>
+              </a:rPr>
+              <a:t>How to </a:t>
+            </a:r>
+            <a:r>
+              <a:rPr lang="en-US" sz="3600" b="1" dirty="0">
+                <a:ln w="9525">
+                  <a:solidFill>
+                    <a:schemeClr val="bg1"/>
+                  </a:solidFill>
+                  <a:prstDash val="solid"/>
+                </a:ln>
+                <a:effectLst>
+                  <a:outerShdw blurRad="12700" dist="38100" dir="2700000" algn="tl" rotWithShape="0">
+                    <a:schemeClr val="bg1">
+                      <a:lumMod val="50000"/>
+                    </a:schemeClr>
+                  </a:outerShdw>
+                </a:effectLst>
+              </a:rPr>
+              <a:t>increase the % of corpora?</a:t>
+            </a:r>
+          </a:p>
+          <a:p>
+            <a:r>
+              <a:rPr lang="en-US" sz="1600" b="1" dirty="0">
+                <a:ln w="9525">
+                  <a:solidFill>
+                    <a:schemeClr val="bg1"/>
+                  </a:solidFill>
+                  <a:prstDash val="solid"/>
+                </a:ln>
+                <a:effectLst>
+                  <a:outerShdw blurRad="12700" dist="38100" dir="2700000" algn="tl" rotWithShape="0">
+                    <a:schemeClr val="bg1">
+                      <a:lumMod val="50000"/>
+                    </a:schemeClr>
+                  </a:outerShdw>
+                </a:effectLst>
+              </a:rPr>
+              <a:t>Used to create the “processed” data</a:t>
+            </a:r>
+          </a:p>
+          <a:p>
+            <a:r>
+              <a:rPr lang="en-US" sz="1600" b="1" dirty="0">
+                <a:ln w="9525">
+                  <a:solidFill>
+                    <a:schemeClr val="bg1"/>
+                  </a:solidFill>
+                  <a:prstDash val="solid"/>
+                </a:ln>
+                <a:effectLst>
+                  <a:outerShdw blurRad="12700" dist="38100" dir="2700000" algn="tl" rotWithShape="0">
+                    <a:schemeClr val="bg1">
+                      <a:lumMod val="50000"/>
+                    </a:schemeClr>
+                  </a:outerShdw>
+                </a:effectLst>
+              </a:rPr>
+              <a:t>From 5% to 60% - a learning experience ….</a:t>
+            </a:r>
+            <a:endParaRPr lang="en-US" sz="1600" b="1" cap="none" spc="0" dirty="0">
+              <a:ln w="9525">
+                <a:solidFill>
+                  <a:schemeClr val="bg1"/>
+                </a:solidFill>
+                <a:prstDash val="solid"/>
+              </a:ln>
+              <a:solidFill>
+                <a:schemeClr val="tx1"/>
+              </a:solidFill>
+              <a:effectLst>
+                <a:outerShdw blurRad="12700" dist="38100" dir="2700000" algn="tl" rotWithShape="0">
+                  <a:schemeClr val="bg1">
+                    <a:lumMod val="50000"/>
+                  </a:schemeClr>
+                </a:outerShdw>
+              </a:effectLst>
+            </a:endParaRPr>
+          </a:p>
+        </p:txBody>
+      </p:sp>
+    </p:spTree>
+    <p:extLst>
+      <p:ext uri="{BB962C8B-B14F-4D97-AF65-F5344CB8AC3E}">
+        <p14:creationId xmlns:p14="http://schemas.microsoft.com/office/powerpoint/2010/main" val="2770424613"/>
+      </p:ext>
+    </p:extLst>
+  </p:cSld>
+  <p:clrMapOvr>
+    <a:masterClrMapping/>
+  </p:clrMapOvr>
+</p:sld>
+</file>
+
+<file path=ppt/slides/slide11.xml><?xml version="1.0" encoding="utf-8"?>
+<p:sld xmlns:a="http://schemas.openxmlformats.org/drawingml/2006/main" xmlns:r="http://schemas.openxmlformats.org/officeDocument/2006/relationships" xmlns:p="http://schemas.openxmlformats.org/presentationml/2006/main">
+  <p:cSld>
+    <p:spTree>
+      <p:nvGrpSpPr>
+        <p:cNvPr id="1" name=""/>
+        <p:cNvGrpSpPr/>
+        <p:nvPr/>
+      </p:nvGrpSpPr>
+      <p:grpSpPr>
+        <a:xfrm>
+          <a:off x="0" y="0"/>
+          <a:ext cx="0" cy="0"/>
+          <a:chOff x="0" y="0"/>
+          <a:chExt cx="0" cy="0"/>
+        </a:xfrm>
+      </p:grpSpPr>
+      <p:graphicFrame>
+        <p:nvGraphicFramePr>
+          <p:cNvPr id="4" name="Diagram 3"/>
+          <p:cNvGraphicFramePr/>
+          <p:nvPr>
+            <p:extLst>
+              <p:ext uri="{D42A27DB-BD31-4B8C-83A1-F6EECF244321}">
+                <p14:modId xmlns:p14="http://schemas.microsoft.com/office/powerpoint/2010/main" val="2968685298"/>
+              </p:ext>
+            </p:extLst>
+          </p:nvPr>
+        </p:nvGraphicFramePr>
+        <p:xfrm>
+          <a:off x="3352800" y="1397000"/>
+          <a:ext cx="6096000" cy="4064000"/>
+        </p:xfrm>
+        <a:graphic>
+          <a:graphicData uri="http://schemas.openxmlformats.org/drawingml/2006/diagram">
+            <dgm:relIds xmlns:dgm="http://schemas.openxmlformats.org/drawingml/2006/diagram" xmlns:r="http://schemas.openxmlformats.org/officeDocument/2006/relationships" r:dm="rId3" r:lo="rId4" r:qs="rId5" r:cs="rId6"/>
+          </a:graphicData>
+        </a:graphic>
+      </p:graphicFrame>
+      <p:sp>
+        <p:nvSpPr>
+          <p:cNvPr id="5" name="Flowchart: Magnetic Disk 4"/>
+          <p:cNvSpPr/>
+          <p:nvPr/>
+        </p:nvSpPr>
+        <p:spPr>
+          <a:xfrm>
+            <a:off x="1752600" y="3769327"/>
+            <a:ext cx="1295400" cy="612648"/>
+          </a:xfrm>
+          <a:prstGeom prst="flowChartMagneticDisk">
+            <a:avLst/>
+          </a:prstGeom>
+        </p:spPr>
+        <p:style>
+          <a:lnRef idx="2">
+            <a:schemeClr val="accent1">
+              <a:shade val="50000"/>
+            </a:schemeClr>
+          </a:lnRef>
+          <a:fillRef idx="1">
+            <a:schemeClr val="accent1"/>
+          </a:fillRef>
+          <a:effectRef idx="0">
+            <a:schemeClr val="accent1"/>
+          </a:effectRef>
+          <a:fontRef idx="minor">
+            <a:schemeClr val="lt1"/>
+          </a:fontRef>
+        </p:style>
+        <p:txBody>
+          <a:bodyPr rtlCol="0" anchor="ctr"/>
+          <a:lstStyle/>
+          <a:p>
+            <a:pPr algn="ctr"/>
+            <a:r>
+              <a:rPr lang="nb-NO" sz="1600" b="1" dirty="0"/>
+              <a:t>CORPORA</a:t>
+            </a:r>
+            <a:endParaRPr lang="en-US" sz="1600" b="1" dirty="0"/>
+          </a:p>
+        </p:txBody>
+      </p:sp>
+      <p:sp>
+        <p:nvSpPr>
+          <p:cNvPr id="7" name="Rounded Rectangle 6"/>
+          <p:cNvSpPr/>
+          <p:nvPr/>
+        </p:nvSpPr>
+        <p:spPr>
+          <a:xfrm>
+            <a:off x="1676400" y="1145822"/>
+            <a:ext cx="2590800" cy="1179689"/>
+          </a:xfrm>
+          <a:prstGeom prst="roundRect">
+            <a:avLst/>
+          </a:prstGeom>
+          <a:solidFill>
+            <a:srgbClr val="92D050"/>
+          </a:solidFill>
+        </p:spPr>
+        <p:style>
+          <a:lnRef idx="2">
+            <a:schemeClr val="accent1">
+              <a:shade val="50000"/>
+            </a:schemeClr>
+          </a:lnRef>
+          <a:fillRef idx="1">
+            <a:schemeClr val="accent1"/>
+          </a:fillRef>
+          <a:effectRef idx="0">
+            <a:schemeClr val="accent1"/>
+          </a:effectRef>
+          <a:fontRef idx="minor">
+            <a:schemeClr val="lt1"/>
+          </a:fontRef>
+        </p:style>
+        <p:txBody>
+          <a:bodyPr rtlCol="0" anchor="t" anchorCtr="0"/>
+          <a:lstStyle/>
+          <a:p>
+            <a:r>
+              <a:rPr lang="nb-NO" sz="1100" dirty="0">
+                <a:solidFill>
+                  <a:schemeClr val="bg1"/>
+                </a:solidFill>
+              </a:rPr>
+              <a:t>10% of the original </a:t>
+            </a:r>
+            <a:r>
+              <a:rPr lang="nb-NO" sz="1100" dirty="0" err="1">
+                <a:solidFill>
+                  <a:schemeClr val="bg1"/>
+                </a:solidFill>
+              </a:rPr>
+              <a:t>corpora</a:t>
+            </a:r>
+            <a:r>
+              <a:rPr lang="nb-NO" sz="1100" dirty="0">
+                <a:solidFill>
+                  <a:schemeClr val="bg1"/>
+                </a:solidFill>
+              </a:rPr>
+              <a:t> for creating the language model (random sampling).</a:t>
+            </a:r>
+          </a:p>
+          <a:p>
+            <a:endParaRPr lang="nb-NO" sz="1100" dirty="0">
+              <a:solidFill>
+                <a:schemeClr val="bg1"/>
+              </a:solidFill>
+            </a:endParaRPr>
+          </a:p>
+          <a:p>
+            <a:r>
+              <a:rPr lang="nb-NO" sz="1100" dirty="0">
+                <a:solidFill>
+                  <a:schemeClr val="bg1"/>
+                </a:solidFill>
+              </a:rPr>
+              <a:t>Removing short entries – less than 50 chars.</a:t>
+            </a:r>
+            <a:endParaRPr lang="en-US" sz="1100" dirty="0">
+              <a:solidFill>
+                <a:schemeClr val="bg1"/>
+              </a:solidFill>
+            </a:endParaRPr>
+          </a:p>
+        </p:txBody>
+      </p:sp>
+      <p:cxnSp>
+        <p:nvCxnSpPr>
+          <p:cNvPr id="9" name="Straight Arrow Connector 8"/>
+          <p:cNvCxnSpPr>
+            <a:stCxn id="7" idx="2"/>
+          </p:cNvCxnSpPr>
+          <p:nvPr/>
+        </p:nvCxnSpPr>
+        <p:spPr>
+          <a:xfrm>
+            <a:off x="2971800" y="2325510"/>
+            <a:ext cx="609600" cy="874890"/>
+          </a:xfrm>
+          <a:prstGeom prst="straightConnector1">
+            <a:avLst/>
+          </a:prstGeom>
+          <a:ln>
+            <a:tailEnd type="arrow"/>
+          </a:ln>
+        </p:spPr>
+        <p:style>
+          <a:lnRef idx="1">
+            <a:schemeClr val="accent1"/>
+          </a:lnRef>
+          <a:fillRef idx="0">
+            <a:schemeClr val="accent1"/>
+          </a:fillRef>
+          <a:effectRef idx="0">
+            <a:schemeClr val="accent1"/>
+          </a:effectRef>
+          <a:fontRef idx="minor">
+            <a:schemeClr val="tx1"/>
+          </a:fontRef>
+        </p:style>
+      </p:cxnSp>
+      <p:sp>
+        <p:nvSpPr>
+          <p:cNvPr id="14" name="Rounded Rectangle 13"/>
+          <p:cNvSpPr/>
+          <p:nvPr/>
+        </p:nvSpPr>
+        <p:spPr>
+          <a:xfrm>
+            <a:off x="3464983" y="4876800"/>
+            <a:ext cx="1752600" cy="685800"/>
+          </a:xfrm>
+          <a:prstGeom prst="roundRect">
+            <a:avLst/>
+          </a:prstGeom>
+          <a:solidFill>
+            <a:srgbClr val="92D050"/>
+          </a:solidFill>
+        </p:spPr>
+        <p:style>
+          <a:lnRef idx="2">
+            <a:schemeClr val="accent1">
+              <a:shade val="50000"/>
+            </a:schemeClr>
+          </a:lnRef>
+          <a:fillRef idx="1">
+            <a:schemeClr val="accent1"/>
+          </a:fillRef>
+          <a:effectRef idx="0">
+            <a:schemeClr val="accent1"/>
+          </a:effectRef>
+          <a:fontRef idx="minor">
+            <a:schemeClr val="lt1"/>
+          </a:fontRef>
+        </p:style>
+        <p:txBody>
+          <a:bodyPr rtlCol="0" anchor="t" anchorCtr="0"/>
+          <a:lstStyle/>
+          <a:p>
+            <a:r>
+              <a:rPr lang="nb-NO" sz="1100" dirty="0">
+                <a:solidFill>
+                  <a:schemeClr val="bg1"/>
+                </a:solidFill>
+              </a:rPr>
+              <a:t>Splitting up each  entry (tweet, news, blog) into separate sentences.</a:t>
+            </a:r>
+            <a:endParaRPr lang="en-US" sz="1100" dirty="0">
+              <a:solidFill>
+                <a:schemeClr val="bg1"/>
+              </a:solidFill>
+            </a:endParaRPr>
+          </a:p>
+        </p:txBody>
+      </p:sp>
+      <p:cxnSp>
+        <p:nvCxnSpPr>
+          <p:cNvPr id="15" name="Straight Arrow Connector 14"/>
+          <p:cNvCxnSpPr>
+            <a:stCxn id="14" idx="0"/>
+          </p:cNvCxnSpPr>
+          <p:nvPr/>
+        </p:nvCxnSpPr>
+        <p:spPr>
+          <a:xfrm flipV="1">
+            <a:off x="4341283" y="4267200"/>
+            <a:ext cx="876300" cy="609600"/>
+          </a:xfrm>
+          <a:prstGeom prst="straightConnector1">
+            <a:avLst/>
+          </a:prstGeom>
+          <a:ln>
+            <a:tailEnd type="arrow"/>
+          </a:ln>
+        </p:spPr>
+        <p:style>
+          <a:lnRef idx="1">
+            <a:schemeClr val="accent1"/>
+          </a:lnRef>
+          <a:fillRef idx="0">
+            <a:schemeClr val="accent1"/>
+          </a:fillRef>
+          <a:effectRef idx="0">
+            <a:schemeClr val="accent1"/>
+          </a:effectRef>
+          <a:fontRef idx="minor">
+            <a:schemeClr val="tx1"/>
+          </a:fontRef>
+        </p:style>
+      </p:cxnSp>
+      <p:sp>
+        <p:nvSpPr>
+          <p:cNvPr id="19" name="Rounded Rectangle 18"/>
+          <p:cNvSpPr/>
+          <p:nvPr/>
+        </p:nvSpPr>
+        <p:spPr>
+          <a:xfrm>
+            <a:off x="4495800" y="1295400"/>
+            <a:ext cx="2971800" cy="764822"/>
+          </a:xfrm>
+          <a:prstGeom prst="roundRect">
+            <a:avLst/>
+          </a:prstGeom>
+          <a:solidFill>
+            <a:srgbClr val="92D050"/>
+          </a:solidFill>
+        </p:spPr>
+        <p:style>
+          <a:lnRef idx="2">
+            <a:schemeClr val="accent1">
+              <a:shade val="50000"/>
+            </a:schemeClr>
+          </a:lnRef>
+          <a:fillRef idx="1">
+            <a:schemeClr val="accent1"/>
+          </a:fillRef>
+          <a:effectRef idx="0">
+            <a:schemeClr val="accent1"/>
+          </a:effectRef>
+          <a:fontRef idx="minor">
+            <a:schemeClr val="lt1"/>
+          </a:fontRef>
+        </p:style>
+        <p:txBody>
+          <a:bodyPr rtlCol="0" anchor="t" anchorCtr="0"/>
+          <a:lstStyle/>
+          <a:p>
+            <a:r>
+              <a:rPr lang="nb-NO" sz="1100" dirty="0">
+                <a:solidFill>
+                  <a:schemeClr val="bg1"/>
+                </a:solidFill>
+              </a:rPr>
+              <a:t>Adding start/ end sentence markers</a:t>
+            </a:r>
+          </a:p>
+          <a:p>
+            <a:r>
+              <a:rPr lang="nb-NO" sz="1100" dirty="0">
+                <a:solidFill>
+                  <a:schemeClr val="bg1"/>
+                </a:solidFill>
+              </a:rPr>
+              <a:t>Removing gremling (encoding issue)</a:t>
+            </a:r>
+          </a:p>
+          <a:p>
+            <a:r>
+              <a:rPr lang="nb-NO" sz="1100" dirty="0">
+                <a:solidFill>
+                  <a:schemeClr val="bg1"/>
+                </a:solidFill>
+              </a:rPr>
+              <a:t>Removing some contractions (u, r, u.s, ...)</a:t>
+            </a:r>
+          </a:p>
+          <a:p>
+            <a:r>
+              <a:rPr lang="nb-NO" sz="1100" dirty="0">
+                <a:solidFill>
+                  <a:schemeClr val="bg1"/>
+                </a:solidFill>
+              </a:rPr>
+              <a:t>Removing links, «RT»</a:t>
+            </a:r>
+            <a:endParaRPr lang="en-US" sz="1100" dirty="0">
+              <a:solidFill>
+                <a:schemeClr val="bg1"/>
+              </a:solidFill>
+            </a:endParaRPr>
+          </a:p>
+        </p:txBody>
+      </p:sp>
+      <p:cxnSp>
+        <p:nvCxnSpPr>
+          <p:cNvPr id="20" name="Straight Arrow Connector 19"/>
+          <p:cNvCxnSpPr>
+            <a:stCxn id="19" idx="2"/>
+          </p:cNvCxnSpPr>
+          <p:nvPr/>
+        </p:nvCxnSpPr>
+        <p:spPr>
+          <a:xfrm>
+            <a:off x="5981700" y="2060222"/>
+            <a:ext cx="228600" cy="835378"/>
+          </a:xfrm>
+          <a:prstGeom prst="straightConnector1">
+            <a:avLst/>
+          </a:prstGeom>
+          <a:ln>
+            <a:tailEnd type="arrow"/>
+          </a:ln>
+        </p:spPr>
+        <p:style>
+          <a:lnRef idx="1">
+            <a:schemeClr val="accent1"/>
+          </a:lnRef>
+          <a:fillRef idx="0">
+            <a:schemeClr val="accent1"/>
+          </a:fillRef>
+          <a:effectRef idx="0">
+            <a:schemeClr val="accent1"/>
+          </a:effectRef>
+          <a:fontRef idx="minor">
+            <a:schemeClr val="tx1"/>
+          </a:fontRef>
+        </p:style>
+      </p:cxnSp>
+      <p:sp>
+        <p:nvSpPr>
+          <p:cNvPr id="31" name="Rounded Rectangle 30"/>
+          <p:cNvSpPr/>
+          <p:nvPr/>
+        </p:nvSpPr>
+        <p:spPr>
+          <a:xfrm>
+            <a:off x="5562600" y="4762853"/>
+            <a:ext cx="3086100" cy="1818922"/>
+          </a:xfrm>
+          <a:prstGeom prst="roundRect">
+            <a:avLst/>
+          </a:prstGeom>
+          <a:solidFill>
+            <a:srgbClr val="92D050"/>
+          </a:solidFill>
+        </p:spPr>
+        <p:style>
+          <a:lnRef idx="2">
+            <a:schemeClr val="accent1">
+              <a:shade val="50000"/>
+            </a:schemeClr>
+          </a:lnRef>
+          <a:fillRef idx="1">
+            <a:schemeClr val="accent1"/>
+          </a:fillRef>
+          <a:effectRef idx="0">
+            <a:schemeClr val="accent1"/>
+          </a:effectRef>
+          <a:fontRef idx="minor">
+            <a:schemeClr val="lt1"/>
+          </a:fontRef>
+        </p:style>
+        <p:txBody>
+          <a:bodyPr rtlCol="0" anchor="t" anchorCtr="0"/>
+          <a:lstStyle/>
+          <a:p>
+            <a:r>
+              <a:rPr lang="nb-NO" sz="1100" dirty="0">
+                <a:solidFill>
+                  <a:schemeClr val="bg1"/>
+                </a:solidFill>
+              </a:rPr>
+              <a:t>Create the Term Document Matrices (TDM)</a:t>
+            </a:r>
+          </a:p>
+          <a:p>
+            <a:endParaRPr lang="nb-NO" sz="1100" dirty="0">
+              <a:solidFill>
+                <a:schemeClr val="bg1"/>
+              </a:solidFill>
+            </a:endParaRPr>
+          </a:p>
+          <a:p>
+            <a:r>
+              <a:rPr lang="nb-NO" sz="1100" dirty="0">
+                <a:solidFill>
+                  <a:schemeClr val="bg1"/>
+                </a:solidFill>
+              </a:rPr>
+              <a:t>*tolower</a:t>
+            </a:r>
+          </a:p>
+          <a:p>
+            <a:r>
+              <a:rPr lang="nb-NO" sz="1100" dirty="0">
+                <a:solidFill>
+                  <a:schemeClr val="bg1"/>
+                </a:solidFill>
+              </a:rPr>
+              <a:t>*remove profanity words</a:t>
+            </a:r>
+          </a:p>
+          <a:p>
+            <a:r>
+              <a:rPr lang="nb-NO" sz="1100" dirty="0">
+                <a:solidFill>
+                  <a:schemeClr val="bg1"/>
+                </a:solidFill>
+              </a:rPr>
+              <a:t>*remove numbers</a:t>
+            </a:r>
+          </a:p>
+          <a:p>
+            <a:r>
+              <a:rPr lang="nb-NO" sz="1100" dirty="0">
+                <a:solidFill>
+                  <a:schemeClr val="bg1"/>
+                </a:solidFill>
+              </a:rPr>
+              <a:t>* remove punctation (except apostrophe)</a:t>
+            </a:r>
+          </a:p>
+          <a:p>
+            <a:r>
+              <a:rPr lang="nb-NO" sz="1100" dirty="0">
+                <a:solidFill>
+                  <a:schemeClr val="bg1"/>
+                </a:solidFill>
+              </a:rPr>
+              <a:t>* tokenize in n-grams</a:t>
+            </a:r>
+          </a:p>
+          <a:p>
+            <a:endParaRPr lang="nb-NO" sz="1100" dirty="0">
+              <a:solidFill>
+                <a:schemeClr val="bg1"/>
+              </a:solidFill>
+            </a:endParaRPr>
+          </a:p>
+          <a:p>
+            <a:r>
+              <a:rPr lang="nb-NO" sz="1100" dirty="0">
+                <a:solidFill>
+                  <a:schemeClr val="bg1"/>
+                </a:solidFill>
+              </a:rPr>
+              <a:t>For unigrams, bigrams and trigrams</a:t>
+            </a:r>
+            <a:endParaRPr lang="en-US" sz="1100" dirty="0">
+              <a:solidFill>
+                <a:schemeClr val="bg1"/>
+              </a:solidFill>
+            </a:endParaRPr>
+          </a:p>
+        </p:txBody>
+      </p:sp>
+      <p:cxnSp>
+        <p:nvCxnSpPr>
+          <p:cNvPr id="32" name="Straight Arrow Connector 31"/>
+          <p:cNvCxnSpPr>
+            <a:stCxn id="31" idx="0"/>
+          </p:cNvCxnSpPr>
+          <p:nvPr/>
+        </p:nvCxnSpPr>
+        <p:spPr>
+          <a:xfrm flipV="1">
+            <a:off x="7105651" y="3962401"/>
+            <a:ext cx="553861" cy="800453"/>
+          </a:xfrm>
+          <a:prstGeom prst="straightConnector1">
+            <a:avLst/>
+          </a:prstGeom>
+          <a:ln>
+            <a:tailEnd type="arrow"/>
+          </a:ln>
+        </p:spPr>
+        <p:style>
+          <a:lnRef idx="1">
+            <a:schemeClr val="accent1"/>
+          </a:lnRef>
+          <a:fillRef idx="0">
+            <a:schemeClr val="accent1"/>
+          </a:fillRef>
+          <a:effectRef idx="0">
+            <a:schemeClr val="accent1"/>
+          </a:effectRef>
+          <a:fontRef idx="minor">
+            <a:schemeClr val="tx1"/>
+          </a:fontRef>
+        </p:style>
+      </p:cxnSp>
+      <p:sp>
+        <p:nvSpPr>
+          <p:cNvPr id="38" name="Rounded Rectangle 37"/>
+          <p:cNvSpPr/>
+          <p:nvPr/>
+        </p:nvSpPr>
+        <p:spPr>
+          <a:xfrm>
+            <a:off x="7659512" y="635000"/>
+            <a:ext cx="2856089" cy="1666522"/>
+          </a:xfrm>
+          <a:prstGeom prst="roundRect">
+            <a:avLst/>
+          </a:prstGeom>
+          <a:solidFill>
+            <a:srgbClr val="92D050"/>
+          </a:solidFill>
+        </p:spPr>
+        <p:style>
+          <a:lnRef idx="2">
+            <a:schemeClr val="accent1">
+              <a:shade val="50000"/>
+            </a:schemeClr>
+          </a:lnRef>
+          <a:fillRef idx="1">
+            <a:schemeClr val="accent1"/>
+          </a:fillRef>
+          <a:effectRef idx="0">
+            <a:schemeClr val="accent1"/>
+          </a:effectRef>
+          <a:fontRef idx="minor">
+            <a:schemeClr val="lt1"/>
+          </a:fontRef>
+        </p:style>
+        <p:txBody>
+          <a:bodyPr rtlCol="0" anchor="t" anchorCtr="0"/>
+          <a:lstStyle/>
+          <a:p>
+            <a:r>
+              <a:rPr lang="nb-NO" sz="1100" dirty="0">
+                <a:solidFill>
+                  <a:schemeClr val="bg1"/>
+                </a:solidFill>
+              </a:rPr>
+              <a:t>Reduce Term Document Matrices (</a:t>
+            </a:r>
+            <a:r>
+              <a:rPr lang="nb-NO" sz="1100" b="1" dirty="0">
+                <a:solidFill>
+                  <a:schemeClr val="bg1"/>
+                </a:solidFill>
+              </a:rPr>
+              <a:t>TDM</a:t>
+            </a:r>
+            <a:r>
+              <a:rPr lang="nb-NO" sz="1100" dirty="0">
+                <a:solidFill>
+                  <a:schemeClr val="bg1"/>
+                </a:solidFill>
+              </a:rPr>
+              <a:t>) to Term Frequency Matrices (</a:t>
+            </a:r>
+            <a:r>
+              <a:rPr lang="nb-NO" sz="1100" b="1" dirty="0">
+                <a:solidFill>
+                  <a:schemeClr val="bg1"/>
+                </a:solidFill>
+              </a:rPr>
+              <a:t>TFM</a:t>
+            </a:r>
+            <a:r>
+              <a:rPr lang="nb-NO" sz="1100" dirty="0">
+                <a:solidFill>
+                  <a:schemeClr val="bg1"/>
+                </a:solidFill>
+              </a:rPr>
+              <a:t>) for unigrams, bigrams and trigrams.</a:t>
+            </a:r>
+          </a:p>
+          <a:p>
+            <a:endParaRPr lang="nb-NO" sz="1100" dirty="0">
+              <a:solidFill>
+                <a:schemeClr val="bg1"/>
+              </a:solidFill>
+            </a:endParaRPr>
+          </a:p>
+          <a:p>
+            <a:r>
+              <a:rPr lang="nb-NO" sz="1100" dirty="0">
+                <a:solidFill>
+                  <a:schemeClr val="bg1"/>
+                </a:solidFill>
+              </a:rPr>
+              <a:t>Example for unigrams:</a:t>
+            </a:r>
+          </a:p>
+          <a:p>
+            <a:r>
+              <a:rPr lang="nb-NO" sz="1100" b="1" dirty="0">
+                <a:solidFill>
+                  <a:schemeClr val="bg1"/>
+                </a:solidFill>
+              </a:rPr>
+              <a:t>Term, Frequency</a:t>
+            </a:r>
+          </a:p>
+          <a:p>
+            <a:r>
+              <a:rPr lang="nb-NO" sz="1100" dirty="0">
+                <a:solidFill>
+                  <a:schemeClr val="bg1"/>
+                </a:solidFill>
+              </a:rPr>
+              <a:t>the, 477030</a:t>
+            </a:r>
+          </a:p>
+          <a:p>
+            <a:endParaRPr lang="en-US" sz="1100" dirty="0">
+              <a:solidFill>
+                <a:schemeClr val="bg1"/>
+              </a:solidFill>
+            </a:endParaRPr>
+          </a:p>
+        </p:txBody>
+      </p:sp>
+      <p:cxnSp>
+        <p:nvCxnSpPr>
+          <p:cNvPr id="40" name="Straight Arrow Connector 39"/>
+          <p:cNvCxnSpPr>
+            <a:stCxn id="38" idx="2"/>
+          </p:cNvCxnSpPr>
+          <p:nvPr/>
+        </p:nvCxnSpPr>
+        <p:spPr>
+          <a:xfrm flipH="1">
+            <a:off x="8839200" y="2301523"/>
+            <a:ext cx="248356" cy="461433"/>
+          </a:xfrm>
+          <a:prstGeom prst="straightConnector1">
+            <a:avLst/>
+          </a:prstGeom>
+          <a:ln>
+            <a:tailEnd type="arrow"/>
+          </a:ln>
+        </p:spPr>
+        <p:style>
+          <a:lnRef idx="1">
+            <a:schemeClr val="accent1"/>
+          </a:lnRef>
+          <a:fillRef idx="0">
+            <a:schemeClr val="accent1"/>
+          </a:fillRef>
+          <a:effectRef idx="0">
+            <a:schemeClr val="accent1"/>
+          </a:effectRef>
+          <a:fontRef idx="minor">
+            <a:schemeClr val="tx1"/>
+          </a:fontRef>
+        </p:style>
+      </p:cxnSp>
+      <p:sp>
+        <p:nvSpPr>
+          <p:cNvPr id="2" name="TextBox 1"/>
+          <p:cNvSpPr txBox="1"/>
+          <p:nvPr/>
+        </p:nvSpPr>
+        <p:spPr>
+          <a:xfrm>
+            <a:off x="251523" y="329625"/>
+            <a:ext cx="7292381" cy="584775"/>
+          </a:xfrm>
+          <a:prstGeom prst="rect">
+            <a:avLst/>
+          </a:prstGeom>
+          <a:noFill/>
+        </p:spPr>
+        <p:txBody>
+          <a:bodyPr wrap="none" rtlCol="0">
+            <a:spAutoFit/>
+          </a:bodyPr>
+          <a:lstStyle/>
+          <a:p>
+            <a:r>
+              <a:rPr lang="nb-NO" sz="3200" b="1" dirty="0"/>
+              <a:t>The </a:t>
+            </a:r>
+            <a:r>
+              <a:rPr lang="nb-NO" sz="3200" b="1" dirty="0" err="1"/>
+              <a:t>Ingestion</a:t>
+            </a:r>
+            <a:r>
+              <a:rPr lang="nb-NO" sz="3200" b="1" dirty="0"/>
+              <a:t> </a:t>
+            </a:r>
+            <a:r>
+              <a:rPr lang="nb-NO" sz="3200" b="1" dirty="0" err="1"/>
+              <a:t>Process</a:t>
+            </a:r>
+            <a:r>
+              <a:rPr lang="nb-NO" sz="3200" b="1" dirty="0"/>
+              <a:t>: </a:t>
+            </a:r>
+            <a:r>
+              <a:rPr lang="nb-NO" sz="3200" b="1" dirty="0" err="1"/>
+              <a:t>the</a:t>
+            </a:r>
+            <a:r>
+              <a:rPr lang="nb-NO" sz="3200" b="1" dirty="0"/>
+              <a:t> </a:t>
+            </a:r>
+            <a:r>
+              <a:rPr lang="nb-NO" sz="3200" b="1" dirty="0" err="1"/>
+              <a:t>basic</a:t>
+            </a:r>
+            <a:r>
+              <a:rPr lang="nb-NO" sz="3200" b="1" dirty="0"/>
+              <a:t> </a:t>
+            </a:r>
+            <a:r>
+              <a:rPr lang="nb-NO" sz="3200" b="1" dirty="0" err="1"/>
+              <a:t>flow</a:t>
+            </a:r>
+            <a:endParaRPr lang="en-US" sz="3200" b="1" dirty="0"/>
+          </a:p>
+        </p:txBody>
+      </p:sp>
+    </p:spTree>
+    <p:extLst>
+      <p:ext uri="{BB962C8B-B14F-4D97-AF65-F5344CB8AC3E}">
+        <p14:creationId xmlns:p14="http://schemas.microsoft.com/office/powerpoint/2010/main" val="1957657326"/>
+      </p:ext>
+    </p:extLst>
+  </p:cSld>
+  <p:clrMapOvr>
+    <a:masterClrMapping/>
+  </p:clrMapOvr>
+</p:sld>
+</file>
+
+<file path=ppt/slides/slide12.xml><?xml version="1.0" encoding="utf-8"?>
+<p:sld xmlns:a="http://schemas.openxmlformats.org/drawingml/2006/main" xmlns:r="http://schemas.openxmlformats.org/officeDocument/2006/relationships" xmlns:p="http://schemas.openxmlformats.org/presentationml/2006/main">
+  <p:cSld>
+    <p:spTree>
+      <p:nvGrpSpPr>
+        <p:cNvPr id="1" name=""/>
+        <p:cNvGrpSpPr/>
+        <p:nvPr/>
+      </p:nvGrpSpPr>
+      <p:grpSpPr>
+        <a:xfrm>
+          <a:off x="0" y="0"/>
+          <a:ext cx="0" cy="0"/>
+          <a:chOff x="0" y="0"/>
+          <a:chExt cx="0" cy="0"/>
+        </a:xfrm>
+      </p:grpSpPr>
+      <p:sp>
+        <p:nvSpPr>
+          <p:cNvPr id="5" name="TextBox 4"/>
+          <p:cNvSpPr txBox="1"/>
+          <p:nvPr/>
+        </p:nvSpPr>
+        <p:spPr>
+          <a:xfrm>
+            <a:off x="251523" y="329625"/>
+            <a:ext cx="10956846" cy="584775"/>
+          </a:xfrm>
+          <a:prstGeom prst="rect">
+            <a:avLst/>
+          </a:prstGeom>
+          <a:noFill/>
+        </p:spPr>
+        <p:txBody>
+          <a:bodyPr wrap="none" rtlCol="0">
+            <a:spAutoFit/>
+          </a:bodyPr>
+          <a:lstStyle/>
+          <a:p>
+            <a:r>
+              <a:rPr lang="nb-NO" sz="3200" b="1" dirty="0"/>
+              <a:t>The </a:t>
+            </a:r>
+            <a:r>
+              <a:rPr lang="nb-NO" sz="3200" b="1" dirty="0" err="1"/>
+              <a:t>Ingestion</a:t>
+            </a:r>
+            <a:r>
+              <a:rPr lang="nb-NO" sz="3200" b="1" dirty="0"/>
+              <a:t> </a:t>
+            </a:r>
+            <a:r>
+              <a:rPr lang="nb-NO" sz="3200" b="1" dirty="0" err="1"/>
+              <a:t>Process</a:t>
+            </a:r>
+            <a:r>
+              <a:rPr lang="nb-NO" sz="3200" b="1" dirty="0"/>
+              <a:t>: </a:t>
+            </a:r>
+            <a:r>
+              <a:rPr lang="nb-NO" sz="3200" b="1" dirty="0" err="1"/>
+              <a:t>increasing</a:t>
+            </a:r>
+            <a:r>
+              <a:rPr lang="nb-NO" sz="3200" b="1" dirty="0"/>
+              <a:t> </a:t>
+            </a:r>
+            <a:r>
+              <a:rPr lang="nb-NO" sz="3200" b="1" dirty="0" err="1"/>
+              <a:t>the</a:t>
+            </a:r>
+            <a:r>
+              <a:rPr lang="nb-NO" sz="3200" b="1" dirty="0"/>
+              <a:t> % </a:t>
+            </a:r>
+            <a:r>
+              <a:rPr lang="nb-NO" sz="3200" b="1" dirty="0" err="1"/>
+              <a:t>of</a:t>
+            </a:r>
+            <a:r>
+              <a:rPr lang="nb-NO" sz="3200" b="1" dirty="0"/>
+              <a:t> </a:t>
+            </a:r>
+            <a:r>
+              <a:rPr lang="nb-NO" sz="3200" b="1" dirty="0" err="1"/>
+              <a:t>corpora</a:t>
+            </a:r>
+            <a:r>
+              <a:rPr lang="nb-NO" sz="3200" b="1" dirty="0"/>
+              <a:t> used</a:t>
+            </a:r>
+            <a:endParaRPr lang="en-US" sz="3200" b="1" dirty="0"/>
+          </a:p>
+        </p:txBody>
+      </p:sp>
+      <p:sp>
+        <p:nvSpPr>
+          <p:cNvPr id="6" name="Right Arrow 5"/>
+          <p:cNvSpPr/>
+          <p:nvPr/>
+        </p:nvSpPr>
+        <p:spPr>
+          <a:xfrm>
+            <a:off x="3432569" y="2342916"/>
+            <a:ext cx="4004840" cy="682906"/>
+          </a:xfrm>
+          <a:prstGeom prst="rightArrow">
+            <a:avLst/>
+          </a:prstGeom>
+          <a:solidFill>
+            <a:schemeClr val="accent3"/>
+          </a:solidFill>
+        </p:spPr>
+        <p:style>
+          <a:lnRef idx="2">
+            <a:schemeClr val="accent1">
+              <a:shade val="50000"/>
+            </a:schemeClr>
+          </a:lnRef>
+          <a:fillRef idx="1">
+            <a:schemeClr val="accent1"/>
+          </a:fillRef>
+          <a:effectRef idx="0">
+            <a:schemeClr val="accent1"/>
+          </a:effectRef>
+          <a:fontRef idx="minor">
+            <a:schemeClr val="lt1"/>
+          </a:fontRef>
+        </p:style>
+        <p:txBody>
+          <a:bodyPr rtlCol="0" anchor="ctr"/>
+          <a:lstStyle/>
+          <a:p>
+            <a:pPr algn="ctr"/>
+            <a:r>
+              <a:rPr lang="en-GB" dirty="0"/>
+              <a:t>Create TFM #1</a:t>
+            </a:r>
+          </a:p>
+        </p:txBody>
+      </p:sp>
+      <p:sp>
+        <p:nvSpPr>
+          <p:cNvPr id="7" name="Flowchart: Magnetic Disk 6"/>
+          <p:cNvSpPr/>
+          <p:nvPr/>
+        </p:nvSpPr>
+        <p:spPr>
+          <a:xfrm>
+            <a:off x="1157179" y="3089953"/>
+            <a:ext cx="1295400" cy="612648"/>
+          </a:xfrm>
+          <a:prstGeom prst="flowChartMagneticDisk">
+            <a:avLst/>
+          </a:prstGeom>
+        </p:spPr>
+        <p:style>
+          <a:lnRef idx="2">
+            <a:schemeClr val="accent1">
+              <a:shade val="50000"/>
+            </a:schemeClr>
+          </a:lnRef>
+          <a:fillRef idx="1">
+            <a:schemeClr val="accent1"/>
+          </a:fillRef>
+          <a:effectRef idx="0">
+            <a:schemeClr val="accent1"/>
+          </a:effectRef>
+          <a:fontRef idx="minor">
+            <a:schemeClr val="lt1"/>
+          </a:fontRef>
+        </p:style>
+        <p:txBody>
+          <a:bodyPr rtlCol="0" anchor="ctr"/>
+          <a:lstStyle/>
+          <a:p>
+            <a:pPr algn="ctr"/>
+            <a:r>
+              <a:rPr lang="nb-NO" sz="1600" b="1" dirty="0"/>
+              <a:t>CORPORA</a:t>
+            </a:r>
+            <a:endParaRPr lang="en-US" sz="1600" b="1" dirty="0"/>
+          </a:p>
+        </p:txBody>
+      </p:sp>
+      <p:sp>
+        <p:nvSpPr>
+          <p:cNvPr id="8" name="Right Arrow 7"/>
+          <p:cNvSpPr/>
+          <p:nvPr/>
+        </p:nvSpPr>
+        <p:spPr>
+          <a:xfrm>
+            <a:off x="3432569" y="3051696"/>
+            <a:ext cx="4004840" cy="682906"/>
+          </a:xfrm>
+          <a:prstGeom prst="rightArrow">
+            <a:avLst/>
+          </a:prstGeom>
+          <a:solidFill>
+            <a:schemeClr val="accent3">
+              <a:lumMod val="75000"/>
+            </a:schemeClr>
+          </a:solidFill>
+        </p:spPr>
+        <p:style>
+          <a:lnRef idx="2">
+            <a:schemeClr val="accent1">
+              <a:shade val="50000"/>
+            </a:schemeClr>
+          </a:lnRef>
+          <a:fillRef idx="1">
+            <a:schemeClr val="accent1"/>
+          </a:fillRef>
+          <a:effectRef idx="0">
+            <a:schemeClr val="accent1"/>
+          </a:effectRef>
+          <a:fontRef idx="minor">
+            <a:schemeClr val="lt1"/>
+          </a:fontRef>
+        </p:style>
+        <p:txBody>
+          <a:bodyPr rtlCol="0" anchor="ctr"/>
+          <a:lstStyle/>
+          <a:p>
+            <a:pPr algn="ctr"/>
+            <a:r>
+              <a:rPr lang="en-GB" dirty="0"/>
+              <a:t>Create TFM #..</a:t>
+            </a:r>
+          </a:p>
+        </p:txBody>
+      </p:sp>
+      <p:sp>
+        <p:nvSpPr>
+          <p:cNvPr id="9" name="Right Arrow 8"/>
+          <p:cNvSpPr/>
+          <p:nvPr/>
+        </p:nvSpPr>
+        <p:spPr>
+          <a:xfrm>
+            <a:off x="3432569" y="3760476"/>
+            <a:ext cx="4004840" cy="682906"/>
+          </a:xfrm>
+          <a:prstGeom prst="rightArrow">
+            <a:avLst/>
+          </a:prstGeom>
+          <a:solidFill>
+            <a:schemeClr val="accent3">
+              <a:lumMod val="50000"/>
+            </a:schemeClr>
+          </a:solidFill>
+        </p:spPr>
+        <p:style>
+          <a:lnRef idx="2">
+            <a:schemeClr val="accent1">
+              <a:shade val="50000"/>
+            </a:schemeClr>
+          </a:lnRef>
+          <a:fillRef idx="1">
+            <a:schemeClr val="accent1"/>
+          </a:fillRef>
+          <a:effectRef idx="0">
+            <a:schemeClr val="accent1"/>
+          </a:effectRef>
+          <a:fontRef idx="minor">
+            <a:schemeClr val="lt1"/>
+          </a:fontRef>
+        </p:style>
+        <p:txBody>
+          <a:bodyPr rtlCol="0" anchor="ctr"/>
+          <a:lstStyle/>
+          <a:p>
+            <a:pPr algn="ctr"/>
+            <a:r>
+              <a:rPr lang="en-GB" dirty="0"/>
+              <a:t>Create TFM #6</a:t>
+            </a:r>
+          </a:p>
+        </p:txBody>
+      </p:sp>
+      <p:cxnSp>
+        <p:nvCxnSpPr>
+          <p:cNvPr id="11" name="Straight Arrow Connector 10"/>
+          <p:cNvCxnSpPr>
+            <a:stCxn id="7" idx="4"/>
+            <a:endCxn id="6" idx="1"/>
+          </p:cNvCxnSpPr>
+          <p:nvPr/>
+        </p:nvCxnSpPr>
+        <p:spPr>
+          <a:xfrm flipV="1">
+            <a:off x="2452579" y="2684369"/>
+            <a:ext cx="979990" cy="711908"/>
+          </a:xfrm>
+          <a:prstGeom prst="straightConnector1">
+            <a:avLst/>
+          </a:prstGeom>
+          <a:ln>
+            <a:tailEnd type="triangle"/>
+          </a:ln>
+        </p:spPr>
+        <p:style>
+          <a:lnRef idx="1">
+            <a:schemeClr val="accent1"/>
+          </a:lnRef>
+          <a:fillRef idx="0">
+            <a:schemeClr val="accent1"/>
+          </a:fillRef>
+          <a:effectRef idx="0">
+            <a:schemeClr val="accent1"/>
+          </a:effectRef>
+          <a:fontRef idx="minor">
+            <a:schemeClr val="tx1"/>
+          </a:fontRef>
+        </p:style>
+      </p:cxnSp>
+      <p:cxnSp>
+        <p:nvCxnSpPr>
+          <p:cNvPr id="13" name="Straight Arrow Connector 12"/>
+          <p:cNvCxnSpPr>
+            <a:stCxn id="7" idx="4"/>
+            <a:endCxn id="8" idx="1"/>
+          </p:cNvCxnSpPr>
+          <p:nvPr/>
+        </p:nvCxnSpPr>
+        <p:spPr>
+          <a:xfrm flipV="1">
+            <a:off x="2452579" y="3393149"/>
+            <a:ext cx="979990" cy="3128"/>
+          </a:xfrm>
+          <a:prstGeom prst="straightConnector1">
+            <a:avLst/>
+          </a:prstGeom>
+          <a:ln>
+            <a:tailEnd type="triangle"/>
+          </a:ln>
+        </p:spPr>
+        <p:style>
+          <a:lnRef idx="1">
+            <a:schemeClr val="accent1"/>
+          </a:lnRef>
+          <a:fillRef idx="0">
+            <a:schemeClr val="accent1"/>
+          </a:fillRef>
+          <a:effectRef idx="0">
+            <a:schemeClr val="accent1"/>
+          </a:effectRef>
+          <a:fontRef idx="minor">
+            <a:schemeClr val="tx1"/>
+          </a:fontRef>
+        </p:style>
+      </p:cxnSp>
+      <p:cxnSp>
+        <p:nvCxnSpPr>
+          <p:cNvPr id="16" name="Straight Arrow Connector 15"/>
+          <p:cNvCxnSpPr>
+            <a:stCxn id="7" idx="4"/>
+            <a:endCxn id="9" idx="1"/>
+          </p:cNvCxnSpPr>
+          <p:nvPr/>
+        </p:nvCxnSpPr>
+        <p:spPr>
+          <a:xfrm>
+            <a:off x="2452579" y="3396277"/>
+            <a:ext cx="979990" cy="705652"/>
+          </a:xfrm>
+          <a:prstGeom prst="straightConnector1">
+            <a:avLst/>
+          </a:prstGeom>
+          <a:ln>
+            <a:tailEnd type="triangle"/>
+          </a:ln>
+        </p:spPr>
+        <p:style>
+          <a:lnRef idx="1">
+            <a:schemeClr val="accent1"/>
+          </a:lnRef>
+          <a:fillRef idx="0">
+            <a:schemeClr val="accent1"/>
+          </a:fillRef>
+          <a:effectRef idx="0">
+            <a:schemeClr val="accent1"/>
+          </a:effectRef>
+          <a:fontRef idx="minor">
+            <a:schemeClr val="tx1"/>
+          </a:fontRef>
+        </p:style>
+      </p:cxnSp>
+      <p:sp>
+        <p:nvSpPr>
+          <p:cNvPr id="19" name="TextBox 18"/>
+          <p:cNvSpPr txBox="1"/>
+          <p:nvPr/>
+        </p:nvSpPr>
+        <p:spPr>
+          <a:xfrm>
+            <a:off x="2630630" y="2702191"/>
+            <a:ext cx="623889" cy="369332"/>
+          </a:xfrm>
+          <a:prstGeom prst="rect">
+            <a:avLst/>
+          </a:prstGeom>
+          <a:noFill/>
+        </p:spPr>
+        <p:txBody>
+          <a:bodyPr wrap="none" rtlCol="0">
+            <a:spAutoFit/>
+          </a:bodyPr>
+          <a:lstStyle/>
+          <a:p>
+            <a:r>
+              <a:rPr lang="en-GB" dirty="0"/>
+              <a:t>10%</a:t>
+            </a:r>
+          </a:p>
+        </p:txBody>
+      </p:sp>
+      <p:sp>
+        <p:nvSpPr>
+          <p:cNvPr id="20" name="TextBox 19"/>
+          <p:cNvSpPr txBox="1"/>
+          <p:nvPr/>
+        </p:nvSpPr>
+        <p:spPr>
+          <a:xfrm>
+            <a:off x="2719655" y="3099691"/>
+            <a:ext cx="623889" cy="369332"/>
+          </a:xfrm>
+          <a:prstGeom prst="rect">
+            <a:avLst/>
+          </a:prstGeom>
+          <a:noFill/>
+        </p:spPr>
+        <p:txBody>
+          <a:bodyPr wrap="none" rtlCol="0">
+            <a:spAutoFit/>
+          </a:bodyPr>
+          <a:lstStyle/>
+          <a:p>
+            <a:r>
+              <a:rPr lang="en-GB" dirty="0"/>
+              <a:t>10%</a:t>
+            </a:r>
+          </a:p>
+        </p:txBody>
+      </p:sp>
+      <p:sp>
+        <p:nvSpPr>
+          <p:cNvPr id="21" name="TextBox 20"/>
+          <p:cNvSpPr txBox="1"/>
+          <p:nvPr/>
+        </p:nvSpPr>
+        <p:spPr>
+          <a:xfrm>
+            <a:off x="2657924" y="3625810"/>
+            <a:ext cx="623889" cy="369332"/>
+          </a:xfrm>
+          <a:prstGeom prst="rect">
+            <a:avLst/>
+          </a:prstGeom>
+          <a:noFill/>
+        </p:spPr>
+        <p:txBody>
+          <a:bodyPr wrap="none" rtlCol="0">
+            <a:spAutoFit/>
+          </a:bodyPr>
+          <a:lstStyle/>
+          <a:p>
+            <a:r>
+              <a:rPr lang="en-GB" dirty="0"/>
+              <a:t>10%</a:t>
+            </a:r>
+          </a:p>
+        </p:txBody>
+      </p:sp>
+      <p:sp>
+        <p:nvSpPr>
+          <p:cNvPr id="22" name="TextBox 21"/>
+          <p:cNvSpPr txBox="1"/>
+          <p:nvPr/>
+        </p:nvSpPr>
+        <p:spPr>
+          <a:xfrm>
+            <a:off x="1548602" y="4795791"/>
+            <a:ext cx="2787943" cy="461665"/>
+          </a:xfrm>
+          <a:prstGeom prst="rect">
+            <a:avLst/>
+          </a:prstGeom>
+          <a:noFill/>
+        </p:spPr>
+        <p:txBody>
+          <a:bodyPr wrap="none" rtlCol="0">
+            <a:spAutoFit/>
+          </a:bodyPr>
+          <a:lstStyle/>
+          <a:p>
+            <a:pPr algn="ctr"/>
+            <a:r>
+              <a:rPr lang="en-GB" sz="1200" dirty="0"/>
+              <a:t>Random Sampling</a:t>
+            </a:r>
+          </a:p>
+          <a:p>
+            <a:pPr algn="ctr"/>
+            <a:r>
+              <a:rPr lang="en-GB" sz="1200" dirty="0"/>
+              <a:t>Using specific seeds for reproducibility</a:t>
+            </a:r>
+          </a:p>
+        </p:txBody>
+      </p:sp>
+      <p:sp>
+        <p:nvSpPr>
+          <p:cNvPr id="23" name="Right Brace 22"/>
+          <p:cNvSpPr/>
+          <p:nvPr/>
+        </p:nvSpPr>
+        <p:spPr>
+          <a:xfrm>
+            <a:off x="7615459" y="2436552"/>
+            <a:ext cx="277792" cy="2006830"/>
+          </a:xfrm>
+          <a:prstGeom prst="rightBrace">
+            <a:avLst/>
+          </a:prstGeom>
+          <a:ln w="69850"/>
+        </p:spPr>
+        <p:style>
+          <a:lnRef idx="3">
+            <a:schemeClr val="accent1"/>
+          </a:lnRef>
+          <a:fillRef idx="0">
+            <a:schemeClr val="accent1"/>
+          </a:fillRef>
+          <a:effectRef idx="2">
+            <a:schemeClr val="accent1"/>
+          </a:effectRef>
+          <a:fontRef idx="minor">
+            <a:schemeClr val="tx1"/>
+          </a:fontRef>
+        </p:style>
+        <p:txBody>
+          <a:bodyPr rtlCol="0" anchor="ctr"/>
+          <a:lstStyle/>
+          <a:p>
+            <a:pPr algn="ctr"/>
+            <a:endParaRPr lang="en-GB"/>
+          </a:p>
+        </p:txBody>
+      </p:sp>
+      <p:sp>
+        <p:nvSpPr>
+          <p:cNvPr id="24" name="Right Arrow 23"/>
+          <p:cNvSpPr/>
+          <p:nvPr/>
+        </p:nvSpPr>
+        <p:spPr>
+          <a:xfrm>
+            <a:off x="8273181" y="3077570"/>
+            <a:ext cx="2853996" cy="682906"/>
+          </a:xfrm>
+          <a:prstGeom prst="rightArrow">
+            <a:avLst/>
+          </a:prstGeom>
+          <a:solidFill>
+            <a:schemeClr val="accent3"/>
+          </a:solidFill>
+        </p:spPr>
+        <p:style>
+          <a:lnRef idx="2">
+            <a:schemeClr val="accent1">
+              <a:shade val="50000"/>
+            </a:schemeClr>
+          </a:lnRef>
+          <a:fillRef idx="1">
+            <a:schemeClr val="accent1"/>
+          </a:fillRef>
+          <a:effectRef idx="0">
+            <a:schemeClr val="accent1"/>
+          </a:effectRef>
+          <a:fontRef idx="minor">
+            <a:schemeClr val="lt1"/>
+          </a:fontRef>
+        </p:style>
+        <p:txBody>
+          <a:bodyPr rtlCol="0" anchor="ctr"/>
+          <a:lstStyle/>
+          <a:p>
+            <a:pPr algn="ctr"/>
+            <a:r>
+              <a:rPr lang="en-GB" dirty="0"/>
+              <a:t>TFM 60% Corpora</a:t>
+            </a:r>
+          </a:p>
+        </p:txBody>
+      </p:sp>
+      <p:sp>
+        <p:nvSpPr>
+          <p:cNvPr id="25" name="TextBox 24"/>
+          <p:cNvSpPr txBox="1"/>
+          <p:nvPr/>
+        </p:nvSpPr>
+        <p:spPr>
+          <a:xfrm>
+            <a:off x="7054485" y="1622478"/>
+            <a:ext cx="1399743" cy="276999"/>
+          </a:xfrm>
+          <a:prstGeom prst="rect">
+            <a:avLst/>
+          </a:prstGeom>
+          <a:noFill/>
+        </p:spPr>
+        <p:txBody>
+          <a:bodyPr wrap="none" rtlCol="0">
+            <a:spAutoFit/>
+          </a:bodyPr>
+          <a:lstStyle/>
+          <a:p>
+            <a:pPr algn="ctr"/>
+            <a:r>
+              <a:rPr lang="en-GB" sz="1200" dirty="0"/>
+              <a:t>Merging the TFM</a:t>
+            </a:r>
+          </a:p>
+        </p:txBody>
+      </p:sp>
+      <p:sp>
+        <p:nvSpPr>
+          <p:cNvPr id="27" name="Rectangle 26">
+            <a:hlinkClick r:id="rId2"/>
+          </p:cNvPr>
+          <p:cNvSpPr/>
+          <p:nvPr/>
+        </p:nvSpPr>
+        <p:spPr>
+          <a:xfrm>
+            <a:off x="8303559" y="6263245"/>
+            <a:ext cx="3206327" cy="461665"/>
+          </a:xfrm>
+          <a:prstGeom prst="rect">
+            <a:avLst/>
+          </a:prstGeom>
+          <a:noFill/>
+        </p:spPr>
+        <p:txBody>
+          <a:bodyPr wrap="none" lIns="91440" tIns="45720" rIns="91440" bIns="45720">
+            <a:spAutoFit/>
+          </a:bodyPr>
+          <a:lstStyle/>
+          <a:p>
+            <a:pPr algn="ctr"/>
+            <a:r>
+              <a:rPr lang="en-US" sz="2400" b="1" dirty="0">
+                <a:ln w="12700">
+                  <a:solidFill>
+                    <a:schemeClr val="accent1"/>
+                  </a:solidFill>
+                  <a:prstDash val="solid"/>
+                </a:ln>
+                <a:pattFill prst="pct50">
+                  <a:fgClr>
+                    <a:schemeClr val="accent1"/>
+                  </a:fgClr>
+                  <a:bgClr>
+                    <a:schemeClr val="accent1">
+                      <a:lumMod val="20000"/>
+                      <a:lumOff val="80000"/>
+                    </a:schemeClr>
+                  </a:bgClr>
+                </a:pattFill>
+                <a:effectLst>
+                  <a:outerShdw dist="38100" dir="2640000" algn="bl" rotWithShape="0">
+                    <a:schemeClr val="accent1"/>
+                  </a:outerShdw>
+                </a:effectLst>
+              </a:rPr>
+              <a:t>See Ingestion </a:t>
+            </a:r>
+            <a:r>
+              <a:rPr lang="en-US" sz="2400" b="1" cap="none" spc="0" dirty="0">
+                <a:ln w="12700">
+                  <a:solidFill>
+                    <a:schemeClr val="accent1"/>
+                  </a:solidFill>
+                  <a:prstDash val="solid"/>
+                </a:ln>
+                <a:pattFill prst="pct50">
+                  <a:fgClr>
+                    <a:schemeClr val="accent1"/>
+                  </a:fgClr>
+                  <a:bgClr>
+                    <a:schemeClr val="accent1">
+                      <a:lumMod val="20000"/>
+                      <a:lumOff val="80000"/>
+                    </a:schemeClr>
+                  </a:bgClr>
+                </a:pattFill>
+                <a:effectLst>
+                  <a:outerShdw dist="38100" dir="2640000" algn="bl" rotWithShape="0">
+                    <a:schemeClr val="accent1"/>
+                  </a:outerShdw>
+                </a:effectLst>
+              </a:rPr>
+              <a:t>Report</a:t>
+            </a:r>
+          </a:p>
+        </p:txBody>
+      </p:sp>
+    </p:spTree>
+    <p:extLst>
+      <p:ext uri="{BB962C8B-B14F-4D97-AF65-F5344CB8AC3E}">
+        <p14:creationId xmlns:p14="http://schemas.microsoft.com/office/powerpoint/2010/main" val="3908620401"/>
+      </p:ext>
+    </p:extLst>
+  </p:cSld>
+  <p:clrMapOvr>
+    <a:masterClrMapping/>
+  </p:clrMapOvr>
+</p:sld>
+</file>
+
+<file path=ppt/slides/slide13.xml><?xml version="1.0" encoding="utf-8"?>
 <p:sld xmlns:a="http://schemas.openxmlformats.org/drawingml/2006/main" xmlns:r="http://schemas.openxmlformats.org/officeDocument/2006/relationships" xmlns:p="http://schemas.openxmlformats.org/presentationml/2006/main">
   <p:cSld>
     <p:spTree>
@@ -13901,17 +16684,10 @@
   <p:clrMapOvr>
     <a:masterClrMapping/>
   </p:clrMapOvr>
-  <p:timing>
-    <p:tnLst>
-      <p:par>
-        <p:cTn id="1" dur="indefinite" restart="never" nodeType="tmRoot"/>
-      </p:par>
-    </p:tnLst>
-  </p:timing>
 </p:sld>
 </file>
 
-<file path=ppt/slides/slide11.xml><?xml version="1.0" encoding="utf-8"?>
+<file path=ppt/slides/slide14.xml><?xml version="1.0" encoding="utf-8"?>
 <p:sld xmlns:a="http://schemas.openxmlformats.org/drawingml/2006/main" xmlns:r="http://schemas.openxmlformats.org/officeDocument/2006/relationships" xmlns:p="http://schemas.openxmlformats.org/presentationml/2006/main">
   <p:cSld>
     <p:spTree>
@@ -14194,7 +16970,7 @@
                           <m:fPr>
                             <m:ctrlPr>
                               <a:rPr lang="nb-NO" sz="1400" i="1">
-                                <a:latin typeface="Cambria Math"/>
+                                <a:latin typeface="Cambria Math" panose="02040503050406030204" pitchFamily="18" charset="0"/>
                               </a:rPr>
                             </m:ctrlPr>
                           </m:fPr>
@@ -14209,7 +16985,7 @@
                               <m:dPr>
                                 <m:ctrlPr>
                                   <a:rPr lang="nb-NO" sz="1400" i="1">
-                                    <a:latin typeface="Cambria Math"/>
+                                    <a:latin typeface="Cambria Math" panose="02040503050406030204" pitchFamily="18" charset="0"/>
                                   </a:rPr>
                                 </m:ctrlPr>
                               </m:dPr>
@@ -14648,7 +17424,7 @@
                         <m:fPr>
                           <m:ctrlPr>
                             <a:rPr lang="nb-NO" sz="1400" i="1">
-                              <a:latin typeface="Cambria Math"/>
+                              <a:latin typeface="Cambria Math" panose="02040503050406030204" pitchFamily="18" charset="0"/>
                             </a:rPr>
                           </m:ctrlPr>
                         </m:fPr>
@@ -14663,7 +17439,7 @@
                             <m:dPr>
                               <m:ctrlPr>
                                 <a:rPr lang="nb-NO" sz="1400" i="1">
-                                  <a:latin typeface="Cambria Math"/>
+                                  <a:latin typeface="Cambria Math" panose="02040503050406030204" pitchFamily="18" charset="0"/>
                                 </a:rPr>
                               </m:ctrlPr>
                             </m:dPr>
@@ -15020,7 +17796,7 @@
                         <m:fPr>
                           <m:ctrlPr>
                             <a:rPr lang="nb-NO" sz="1400" i="1">
-                              <a:latin typeface="Cambria Math"/>
+                              <a:latin typeface="Cambria Math" panose="02040503050406030204" pitchFamily="18" charset="0"/>
                             </a:rPr>
                           </m:ctrlPr>
                         </m:fPr>
@@ -15035,7 +17811,7 @@
                             <m:dPr>
                               <m:ctrlPr>
                                 <a:rPr lang="nb-NO" sz="1400" i="1">
-                                  <a:latin typeface="Cambria Math"/>
+                                  <a:latin typeface="Cambria Math" panose="02040503050406030204" pitchFamily="18" charset="0"/>
                                 </a:rPr>
                               </m:ctrlPr>
                             </m:dPr>
@@ -15371,7 +18147,7 @@
                         <m:fPr>
                           <m:ctrlPr>
                             <a:rPr lang="nb-NO" sz="1400" i="1">
-                              <a:latin typeface="Cambria Math"/>
+                              <a:latin typeface="Cambria Math" panose="02040503050406030204" pitchFamily="18" charset="0"/>
                             </a:rPr>
                           </m:ctrlPr>
                         </m:fPr>
@@ -15386,7 +18162,7 @@
                             <m:dPr>
                               <m:ctrlPr>
                                 <a:rPr lang="nb-NO" sz="1400" i="1">
-                                  <a:latin typeface="Cambria Math"/>
+                                  <a:latin typeface="Cambria Math" panose="02040503050406030204" pitchFamily="18" charset="0"/>
                                 </a:rPr>
                               </m:ctrlPr>
                             </m:dPr>
@@ -15639,17 +18415,10 @@
   <p:clrMapOvr>
     <a:masterClrMapping/>
   </p:clrMapOvr>
-  <p:timing>
-    <p:tnLst>
-      <p:par>
-        <p:cTn id="1" dur="indefinite" restart="never" nodeType="tmRoot"/>
-      </p:par>
-    </p:tnLst>
-  </p:timing>
 </p:sld>
 </file>
 
-<file path=ppt/slides/slide12.xml><?xml version="1.0" encoding="utf-8"?>
+<file path=ppt/slides/slide15.xml><?xml version="1.0" encoding="utf-8"?>
 <p:sld xmlns:a="http://schemas.openxmlformats.org/drawingml/2006/main" xmlns:r="http://schemas.openxmlformats.org/officeDocument/2006/relationships" xmlns:p="http://schemas.openxmlformats.org/presentationml/2006/main">
   <p:cSld>
     <p:spTree>
@@ -15753,7 +18522,7 @@
           <a:lstStyle/>
           <a:p>
             <a:r>
-              <a:rPr lang="nb-NO" dirty="0" smtClean="0"/>
+              <a:rPr lang="nb-NO" dirty="0"/>
               <a:t>The Technology Stack</a:t>
             </a:r>
             <a:endParaRPr lang="en-US" dirty="0"/>
@@ -16269,77 +19038,10 @@
   <p:clrMapOvr>
     <a:masterClrMapping/>
   </p:clrMapOvr>
-  <p:timing>
-    <p:tnLst>
-      <p:par>
-        <p:cTn id="1" dur="indefinite" restart="never" nodeType="tmRoot"/>
-      </p:par>
-    </p:tnLst>
-  </p:timing>
 </p:sld>
 </file>
 
-<file path=ppt/slides/slide13.xml><?xml version="1.0" encoding="utf-8"?>
-<p:sld xmlns:a="http://schemas.openxmlformats.org/drawingml/2006/main" xmlns:r="http://schemas.openxmlformats.org/officeDocument/2006/relationships" xmlns:p="http://schemas.openxmlformats.org/presentationml/2006/main">
-  <p:cSld>
-    <p:spTree>
-      <p:nvGrpSpPr>
-        <p:cNvPr id="1" name=""/>
-        <p:cNvGrpSpPr/>
-        <p:nvPr/>
-      </p:nvGrpSpPr>
-      <p:grpSpPr>
-        <a:xfrm>
-          <a:off x="0" y="0"/>
-          <a:ext cx="0" cy="0"/>
-          <a:chOff x="0" y="0"/>
-          <a:chExt cx="0" cy="0"/>
-        </a:xfrm>
-      </p:grpSpPr>
-      <p:sp>
-        <p:nvSpPr>
-          <p:cNvPr id="2" name="Title 1"/>
-          <p:cNvSpPr>
-            <a:spLocks noGrp="1"/>
-          </p:cNvSpPr>
-          <p:nvPr>
-            <p:ph type="title"/>
-          </p:nvPr>
-        </p:nvSpPr>
-        <p:spPr/>
-        <p:txBody>
-          <a:bodyPr/>
-          <a:lstStyle/>
-          <a:p>
-            <a:r>
-              <a:rPr lang="nb-NO" dirty="0" smtClean="0"/>
-              <a:t>Live Demo</a:t>
-            </a:r>
-            <a:endParaRPr lang="en-US" dirty="0"/>
-          </a:p>
-        </p:txBody>
-      </p:sp>
-    </p:spTree>
-    <p:extLst>
-      <p:ext uri="{BB962C8B-B14F-4D97-AF65-F5344CB8AC3E}">
-        <p14:creationId xmlns:p14="http://schemas.microsoft.com/office/powerpoint/2010/main" val="481252546"/>
-      </p:ext>
-    </p:extLst>
-  </p:cSld>
-  <p:clrMapOvr>
-    <a:masterClrMapping/>
-  </p:clrMapOvr>
-  <p:timing>
-    <p:tnLst>
-      <p:par>
-        <p:cTn id="1" dur="indefinite" restart="never" nodeType="tmRoot"/>
-      </p:par>
-    </p:tnLst>
-  </p:timing>
-</p:sld>
-</file>
-
-<file path=ppt/slides/slide14.xml><?xml version="1.0" encoding="utf-8"?>
+<file path=ppt/slides/slide16.xml><?xml version="1.0" encoding="utf-8"?>
 <p:sld xmlns:a="http://schemas.openxmlformats.org/drawingml/2006/main" xmlns:r="http://schemas.openxmlformats.org/officeDocument/2006/relationships" xmlns:p="http://schemas.openxmlformats.org/presentationml/2006/main">
   <p:cSld>
     <p:spTree>
@@ -17055,17 +19757,63 @@
   <p:clrMapOvr>
     <a:masterClrMapping/>
   </p:clrMapOvr>
-  <p:timing>
-    <p:tnLst>
-      <p:par>
-        <p:cTn id="1" dur="indefinite" restart="never" nodeType="tmRoot"/>
-      </p:par>
-    </p:tnLst>
-  </p:timing>
 </p:sld>
 </file>
 
-<file path=ppt/slides/slide15.xml><?xml version="1.0" encoding="utf-8"?>
+<file path=ppt/slides/slide17.xml><?xml version="1.0" encoding="utf-8"?>
+<p:sld xmlns:a="http://schemas.openxmlformats.org/drawingml/2006/main" xmlns:r="http://schemas.openxmlformats.org/officeDocument/2006/relationships" xmlns:p="http://schemas.openxmlformats.org/presentationml/2006/main">
+  <p:cSld>
+    <p:spTree>
+      <p:nvGrpSpPr>
+        <p:cNvPr id="1" name=""/>
+        <p:cNvGrpSpPr/>
+        <p:nvPr/>
+      </p:nvGrpSpPr>
+      <p:grpSpPr>
+        <a:xfrm>
+          <a:off x="0" y="0"/>
+          <a:ext cx="0" cy="0"/>
+          <a:chOff x="0" y="0"/>
+          <a:chExt cx="0" cy="0"/>
+        </a:xfrm>
+      </p:grpSpPr>
+      <p:sp>
+        <p:nvSpPr>
+          <p:cNvPr id="2" name="Title 1"/>
+          <p:cNvSpPr>
+            <a:spLocks noGrp="1"/>
+          </p:cNvSpPr>
+          <p:nvPr>
+            <p:ph type="title"/>
+          </p:nvPr>
+        </p:nvSpPr>
+        <p:spPr/>
+        <p:txBody>
+          <a:bodyPr/>
+          <a:lstStyle/>
+          <a:p>
+            <a:r>
+              <a:rPr lang="nb-NO" dirty="0"/>
+              <a:t>Live Demo</a:t>
+            </a:r>
+            <a:endParaRPr lang="en-US" dirty="0"/>
+          </a:p>
+        </p:txBody>
+      </p:sp>
+    </p:spTree>
+    <p:extLst>
+      <p:ext uri="{BB962C8B-B14F-4D97-AF65-F5344CB8AC3E}">
+        <p14:creationId xmlns:p14="http://schemas.microsoft.com/office/powerpoint/2010/main" val="481252546"/>
+      </p:ext>
+    </p:extLst>
+  </p:cSld>
+  <p:clrMapOvr>
+    <a:masterClrMapping/>
+  </p:clrMapOvr>
+</p:sld>
+</file>
+
+<file path=ppt/slides/slide18.xml><?xml version="1.0" encoding="utf-8"?>
 <p:sld xmlns:a="http://schemas.openxmlformats.org/drawingml/2006/main" xmlns:r="http://schemas.openxmlformats.org/officeDocument/2006/relationships" xmlns:p="http://schemas.openxmlformats.org/presentationml/2006/main">
   <p:cSld>
     <p:spTree>
@@ -18126,7 +20874,7 @@
 </p:sld>
 </file>
 
-<file path=ppt/slides/slide16.xml><?xml version="1.0" encoding="utf-8"?>
+<file path=ppt/slides/slide19.xml><?xml version="1.0" encoding="utf-8"?>
 <p:sld xmlns:a="http://schemas.openxmlformats.org/drawingml/2006/main" xmlns:r="http://schemas.openxmlformats.org/officeDocument/2006/relationships" xmlns:p="http://schemas.openxmlformats.org/presentationml/2006/main">
   <p:cSld>
     <p:spTree>
@@ -18345,17 +21093,300 @@
   <p:clrMapOvr>
     <a:masterClrMapping/>
   </p:clrMapOvr>
-  <p:timing>
-    <p:tnLst>
-      <p:par>
-        <p:cTn id="1" dur="indefinite" restart="never" nodeType="tmRoot"/>
-      </p:par>
-    </p:tnLst>
-  </p:timing>
 </p:sld>
 </file>
 
-<file path=ppt/slides/slide17.xml><?xml version="1.0" encoding="utf-8"?>
+<file path=ppt/slides/slide2.xml><?xml version="1.0" encoding="utf-8"?>
+<p:sld xmlns:a="http://schemas.openxmlformats.org/drawingml/2006/main" xmlns:r="http://schemas.openxmlformats.org/officeDocument/2006/relationships" xmlns:p="http://schemas.openxmlformats.org/presentationml/2006/main">
+  <p:cSld>
+    <p:spTree>
+      <p:nvGrpSpPr>
+        <p:cNvPr id="1" name=""/>
+        <p:cNvGrpSpPr/>
+        <p:nvPr/>
+      </p:nvGrpSpPr>
+      <p:grpSpPr>
+        <a:xfrm>
+          <a:off x="0" y="0"/>
+          <a:ext cx="0" cy="0"/>
+          <a:chOff x="0" y="0"/>
+          <a:chExt cx="0" cy="0"/>
+        </a:xfrm>
+      </p:grpSpPr>
+      <p:sp>
+        <p:nvSpPr>
+          <p:cNvPr id="3" name="Title 2"/>
+          <p:cNvSpPr>
+            <a:spLocks noGrp="1"/>
+          </p:cNvSpPr>
+          <p:nvPr>
+            <p:ph type="title"/>
+          </p:nvPr>
+        </p:nvSpPr>
+        <p:spPr>
+          <a:xfrm>
+            <a:off x="2577396" y="5105401"/>
+            <a:ext cx="9406623" cy="1419113"/>
+          </a:xfrm>
+        </p:spPr>
+        <p:txBody>
+          <a:bodyPr>
+            <a:normAutofit/>
+          </a:bodyPr>
+          <a:lstStyle/>
+          <a:p>
+            <a:pPr algn="r"/>
+            <a:r>
+              <a:rPr lang="nb-NO" dirty="0"/>
+              <a:t>The Challenge:</a:t>
+            </a:r>
+            <a:br>
+              <a:rPr lang="nb-NO" dirty="0"/>
+            </a:br>
+            <a:r>
+              <a:rPr lang="nb-NO" sz="2800" dirty="0"/>
+              <a:t>Build an </a:t>
+            </a:r>
+            <a:r>
+              <a:rPr lang="nb-NO" sz="2800" dirty="0" err="1"/>
+              <a:t>app</a:t>
+            </a:r>
+            <a:r>
+              <a:rPr lang="nb-NO" sz="2800" dirty="0"/>
+              <a:t> for «</a:t>
+            </a:r>
+            <a:r>
+              <a:rPr lang="nb-NO" sz="2800" dirty="0" err="1"/>
+              <a:t>next</a:t>
+            </a:r>
+            <a:r>
+              <a:rPr lang="nb-NO" sz="2800" dirty="0"/>
+              <a:t> </a:t>
+            </a:r>
+            <a:r>
+              <a:rPr lang="nb-NO" sz="2800" dirty="0" err="1"/>
+              <a:t>word</a:t>
+            </a:r>
+            <a:r>
+              <a:rPr lang="nb-NO" sz="2800" dirty="0"/>
+              <a:t>» prediction</a:t>
+            </a:r>
+            <a:endParaRPr lang="en-US" sz="2800" dirty="0"/>
+          </a:p>
+        </p:txBody>
+      </p:sp>
+      <p:sp>
+        <p:nvSpPr>
+          <p:cNvPr id="2" name="Content Placeholder 1"/>
+          <p:cNvSpPr>
+            <a:spLocks noGrp="1"/>
+          </p:cNvSpPr>
+          <p:nvPr>
+            <p:ph idx="1"/>
+          </p:nvPr>
+        </p:nvSpPr>
+        <p:spPr>
+          <a:xfrm>
+            <a:off x="727080" y="1447802"/>
+            <a:ext cx="7072214" cy="3657599"/>
+          </a:xfrm>
+        </p:spPr>
+        <p:txBody>
+          <a:bodyPr>
+            <a:noAutofit/>
+          </a:bodyPr>
+          <a:lstStyle/>
+          <a:p>
+            <a:pPr marL="18288" indent="0">
+              <a:buNone/>
+            </a:pPr>
+            <a:r>
+              <a:rPr lang="en-US" sz="1600" dirty="0">
+                <a:effectLst/>
+              </a:rPr>
+              <a:t>“Around the world, people are spending an increasing amount of time on their mobile devices for email, social networking, banking and a whole range of other activities. But typing on mobile devices can be a serious pain. ”</a:t>
+            </a:r>
+          </a:p>
+          <a:p>
+            <a:pPr marL="18288" indent="0">
+              <a:buNone/>
+            </a:pPr>
+            <a:endParaRPr lang="nb-NO" sz="1600" b="1" dirty="0">
+              <a:effectLst/>
+            </a:endParaRPr>
+          </a:p>
+          <a:p>
+            <a:pPr marL="18288" indent="0">
+              <a:buNone/>
+            </a:pPr>
+            <a:endParaRPr lang="en-US" sz="1600" b="1" dirty="0"/>
+          </a:p>
+          <a:p>
+            <a:pPr marL="18288" indent="0">
+              <a:buNone/>
+            </a:pPr>
+            <a:r>
+              <a:rPr lang="en-US" sz="1600" b="1" dirty="0"/>
+              <a:t>When someone types:</a:t>
+            </a:r>
+          </a:p>
+          <a:p>
+            <a:pPr marL="18288" indent="0" algn="ctr">
+              <a:buNone/>
+            </a:pPr>
+            <a:endParaRPr lang="en-US" sz="1600" dirty="0"/>
+          </a:p>
+          <a:p>
+            <a:pPr marL="18288" indent="0" algn="ctr">
+              <a:buNone/>
+            </a:pPr>
+            <a:r>
+              <a:rPr lang="en-US" sz="1600" dirty="0"/>
+              <a:t>“I went to the …”</a:t>
+            </a:r>
+          </a:p>
+          <a:p>
+            <a:endParaRPr lang="en-US" sz="1600" dirty="0"/>
+          </a:p>
+          <a:p>
+            <a:pPr marL="18288" indent="0">
+              <a:buNone/>
+            </a:pPr>
+            <a:r>
+              <a:rPr lang="en-US" sz="1600" dirty="0"/>
+              <a:t>the application </a:t>
+            </a:r>
+            <a:r>
+              <a:rPr lang="en-US" sz="1600" b="1" dirty="0"/>
+              <a:t>should presents three options for what the next word might be.</a:t>
+            </a:r>
+            <a:r>
+              <a:rPr lang="en-US" sz="1600" dirty="0"/>
+              <a:t> For example, the three words might be “gym”, “store”, “restaurant”.</a:t>
+            </a:r>
+          </a:p>
+        </p:txBody>
+      </p:sp>
+      <p:pic>
+        <p:nvPicPr>
+          <p:cNvPr id="5" name="Picture 4"/>
+          <p:cNvPicPr>
+            <a:picLocks noChangeAspect="1"/>
+          </p:cNvPicPr>
+          <p:nvPr/>
+        </p:nvPicPr>
+        <p:blipFill>
+          <a:blip r:embed="rId3"/>
+          <a:stretch>
+            <a:fillRect/>
+          </a:stretch>
+        </p:blipFill>
+        <p:spPr>
+          <a:xfrm rot="2261656">
+            <a:off x="9237217" y="936032"/>
+            <a:ext cx="2165330" cy="299537"/>
+          </a:xfrm>
+          <a:prstGeom prst="rect">
+            <a:avLst/>
+          </a:prstGeom>
+        </p:spPr>
+      </p:pic>
+      <p:pic>
+        <p:nvPicPr>
+          <p:cNvPr id="1028" name="Picture 4" descr="http://pages.jh.edu/chem/klausen/Images/JHU_logo.png"/>
+          <p:cNvPicPr>
+            <a:picLocks noChangeAspect="1" noChangeArrowheads="1"/>
+          </p:cNvPicPr>
+          <p:nvPr/>
+        </p:nvPicPr>
+        <p:blipFill>
+          <a:blip r:embed="rId4" cstate="print">
+            <a:extLst>
+              <a:ext uri="{28A0092B-C50C-407E-A947-70E740481C1C}">
+                <a14:useLocalDpi xmlns:a14="http://schemas.microsoft.com/office/drawing/2010/main" val="0"/>
+              </a:ext>
+            </a:extLst>
+          </a:blip>
+          <a:srcRect/>
+          <a:stretch>
+            <a:fillRect/>
+          </a:stretch>
+        </p:blipFill>
+        <p:spPr bwMode="auto">
+          <a:xfrm rot="2315380">
+            <a:off x="7557163" y="1374386"/>
+            <a:ext cx="4668987" cy="1033597"/>
+          </a:xfrm>
+          <a:prstGeom prst="rect">
+            <a:avLst/>
+          </a:prstGeom>
+          <a:noFill/>
+          <a:extLst>
+            <a:ext uri="{909E8E84-426E-40DD-AFC4-6F175D3DCCD1}">
+              <a14:hiddenFill xmlns:a14="http://schemas.microsoft.com/office/drawing/2010/main">
+                <a:solidFill>
+                  <a:srgbClr val="FFFFFF"/>
+                </a:solidFill>
+              </a14:hiddenFill>
+            </a:ext>
+          </a:extLst>
+        </p:spPr>
+      </p:pic>
+      <p:pic>
+        <p:nvPicPr>
+          <p:cNvPr id="1026" name="Picture 2" descr="Image result for swiftkey image"/>
+          <p:cNvPicPr>
+            <a:picLocks noChangeAspect="1" noChangeArrowheads="1"/>
+          </p:cNvPicPr>
+          <p:nvPr/>
+        </p:nvPicPr>
+        <p:blipFill>
+          <a:blip r:embed="rId5" cstate="print">
+            <a:extLst>
+              <a:ext uri="{28A0092B-C50C-407E-A947-70E740481C1C}">
+                <a14:useLocalDpi xmlns:a14="http://schemas.microsoft.com/office/drawing/2010/main" val="0"/>
+              </a:ext>
+            </a:extLst>
+          </a:blip>
+          <a:srcRect/>
+          <a:stretch>
+            <a:fillRect/>
+          </a:stretch>
+        </p:blipFill>
+        <p:spPr bwMode="auto">
+          <a:xfrm rot="3567079">
+            <a:off x="8665093" y="3353416"/>
+            <a:ext cx="2279715" cy="465324"/>
+          </a:xfrm>
+          <a:prstGeom prst="rect">
+            <a:avLst/>
+          </a:prstGeom>
+          <a:noFill/>
+          <a:extLst>
+            <a:ext uri="{909E8E84-426E-40DD-AFC4-6F175D3DCCD1}">
+              <a14:hiddenFill xmlns:a14="http://schemas.microsoft.com/office/drawing/2010/main">
+                <a:solidFill>
+                  <a:srgbClr val="FFFFFF"/>
+                </a:solidFill>
+              </a14:hiddenFill>
+            </a:ext>
+          </a:extLst>
+        </p:spPr>
+      </p:pic>
+    </p:spTree>
+    <p:extLst>
+      <p:ext uri="{BB962C8B-B14F-4D97-AF65-F5344CB8AC3E}">
+        <p14:creationId xmlns:p14="http://schemas.microsoft.com/office/powerpoint/2010/main" val="419683862"/>
+      </p:ext>
+    </p:extLst>
+  </p:cSld>
+  <p:clrMapOvr>
+    <a:masterClrMapping/>
+  </p:clrMapOvr>
+</p:sld>
+</file>
+
+<file path=ppt/slides/slide20.xml><?xml version="1.0" encoding="utf-8"?>
 <p:sld xmlns:a="http://schemas.openxmlformats.org/drawingml/2006/main" xmlns:r="http://schemas.openxmlformats.org/officeDocument/2006/relationships" xmlns:p="http://schemas.openxmlformats.org/presentationml/2006/main">
   <p:cSld>
     <p:spTree>
@@ -18574,17 +21605,10 @@
   <p:clrMapOvr>
     <a:masterClrMapping/>
   </p:clrMapOvr>
-  <p:timing>
-    <p:tnLst>
-      <p:par>
-        <p:cTn id="1" dur="indefinite" restart="never" nodeType="tmRoot"/>
-      </p:par>
-    </p:tnLst>
-  </p:timing>
 </p:sld>
 </file>
 
-<file path=ppt/slides/slide18.xml><?xml version="1.0" encoding="utf-8"?>
+<file path=ppt/slides/slide21.xml><?xml version="1.0" encoding="utf-8"?>
 <p:sld xmlns:a="http://schemas.openxmlformats.org/drawingml/2006/main" xmlns:r="http://schemas.openxmlformats.org/officeDocument/2006/relationships" xmlns:p="http://schemas.openxmlformats.org/presentationml/2006/main">
   <p:cSld>
     <p:spTree>
@@ -19482,500 +22506,7 @@
 </p:sld>
 </file>
 
-<file path=ppt/slides/slide2.xml><?xml version="1.0" encoding="utf-8"?>
-<p:sld xmlns:a="http://schemas.openxmlformats.org/drawingml/2006/main" xmlns:r="http://schemas.openxmlformats.org/officeDocument/2006/relationships" xmlns:p="http://schemas.openxmlformats.org/presentationml/2006/main" show="0">
-  <p:cSld>
-    <p:spTree>
-      <p:nvGrpSpPr>
-        <p:cNvPr id="1" name=""/>
-        <p:cNvGrpSpPr/>
-        <p:nvPr/>
-      </p:nvGrpSpPr>
-      <p:grpSpPr>
-        <a:xfrm>
-          <a:off x="0" y="0"/>
-          <a:ext cx="0" cy="0"/>
-          <a:chOff x="0" y="0"/>
-          <a:chExt cx="0" cy="0"/>
-        </a:xfrm>
-      </p:grpSpPr>
-      <p:pic>
-        <p:nvPicPr>
-          <p:cNvPr id="1026" name="Picture 2"/>
-          <p:cNvPicPr>
-            <a:picLocks noChangeAspect="1" noChangeArrowheads="1"/>
-          </p:cNvPicPr>
-          <p:nvPr/>
-        </p:nvPicPr>
-        <p:blipFill>
-          <a:blip r:embed="rId3" cstate="print">
-            <a:extLst>
-              <a:ext uri="{28A0092B-C50C-407E-A947-70E740481C1C}">
-                <a14:useLocalDpi xmlns:a14="http://schemas.microsoft.com/office/drawing/2010/main" val="0"/>
-              </a:ext>
-            </a:extLst>
-          </a:blip>
-          <a:srcRect/>
-          <a:stretch>
-            <a:fillRect/>
-          </a:stretch>
-        </p:blipFill>
-        <p:spPr bwMode="auto">
-          <a:xfrm rot="626404">
-            <a:off x="8935765" y="3073766"/>
-            <a:ext cx="1701721" cy="3010487"/>
-          </a:xfrm>
-          <a:prstGeom prst="rect">
-            <a:avLst/>
-          </a:prstGeom>
-          <a:noFill/>
-          <a:ln>
-            <a:noFill/>
-          </a:ln>
-          <a:effectLst/>
-          <a:extLst>
-            <a:ext uri="{909E8E84-426E-40DD-AFC4-6F175D3DCCD1}">
-              <a14:hiddenFill xmlns:a14="http://schemas.microsoft.com/office/drawing/2010/main">
-                <a:solidFill>
-                  <a:schemeClr val="accent1"/>
-                </a:solidFill>
-              </a14:hiddenFill>
-            </a:ext>
-            <a:ext uri="{91240B29-F687-4F45-9708-019B960494DF}">
-              <a14:hiddenLine xmlns:a14="http://schemas.microsoft.com/office/drawing/2010/main" w="9525">
-                <a:solidFill>
-                  <a:schemeClr val="tx1"/>
-                </a:solidFill>
-                <a:miter lim="800000"/>
-                <a:headEnd/>
-                <a:tailEnd/>
-              </a14:hiddenLine>
-            </a:ext>
-            <a:ext uri="{AF507438-7753-43E0-B8FC-AC1667EBCBE1}">
-              <a14:hiddenEffects xmlns:a14="http://schemas.microsoft.com/office/drawing/2010/main">
-                <a:effectLst>
-                  <a:outerShdw dist="35921" dir="2700000" algn="ctr" rotWithShape="0">
-                    <a:schemeClr val="bg2"/>
-                  </a:outerShdw>
-                </a:effectLst>
-              </a14:hiddenEffects>
-            </a:ext>
-          </a:extLst>
-        </p:spPr>
-      </p:pic>
-      <p:sp>
-        <p:nvSpPr>
-          <p:cNvPr id="5" name="Rectangle 4"/>
-          <p:cNvSpPr/>
-          <p:nvPr/>
-        </p:nvSpPr>
-        <p:spPr>
-          <a:xfrm>
-            <a:off x="1315376" y="3076390"/>
-            <a:ext cx="5334000" cy="2031325"/>
-          </a:xfrm>
-          <a:prstGeom prst="rect">
-            <a:avLst/>
-          </a:prstGeom>
-        </p:spPr>
-        <p:txBody>
-          <a:bodyPr wrap="square">
-            <a:spAutoFit/>
-          </a:bodyPr>
-          <a:lstStyle/>
-          <a:p>
-            <a:r>
-              <a:rPr lang="nb-NO" dirty="0"/>
-              <a:t>«Data Science Specialization», JHU (Coursera)</a:t>
-            </a:r>
-            <a:endParaRPr lang="en-US" dirty="0"/>
-          </a:p>
-          <a:p>
-            <a:endParaRPr lang="en-US" dirty="0"/>
-          </a:p>
-          <a:p>
-            <a:endParaRPr lang="en-US" dirty="0"/>
-          </a:p>
-          <a:p>
-            <a:r>
-              <a:rPr lang="en-US" dirty="0"/>
-              <a:t>“… covers the concepts and tools you'll need throughout the entire data science pipeline, from asking the right kinds of questions to making inferences and publishing results.” </a:t>
-            </a:r>
-          </a:p>
-        </p:txBody>
-      </p:sp>
-      <p:sp>
-        <p:nvSpPr>
-          <p:cNvPr id="2" name="Title 1"/>
-          <p:cNvSpPr>
-            <a:spLocks noGrp="1"/>
-          </p:cNvSpPr>
-          <p:nvPr>
-            <p:ph type="title"/>
-          </p:nvPr>
-        </p:nvSpPr>
-        <p:spPr>
-          <a:xfrm>
-            <a:off x="4541520" y="488098"/>
-            <a:ext cx="7320280" cy="1293028"/>
-          </a:xfrm>
-        </p:spPr>
-        <p:txBody>
-          <a:bodyPr>
-            <a:normAutofit/>
-          </a:bodyPr>
-          <a:lstStyle/>
-          <a:p>
-            <a:r>
-              <a:rPr lang="en-US" sz="2400" b="1" dirty="0" smtClean="0"/>
-              <a:t>Capstone</a:t>
-            </a:r>
-            <a:r>
-              <a:rPr lang="en-US" sz="2400" b="1" baseline="0" dirty="0" smtClean="0"/>
-              <a:t> Project</a:t>
-            </a:r>
-            <a:r>
-              <a:rPr lang="en-US" sz="2400" baseline="0" dirty="0" smtClean="0"/>
-              <a:t>, </a:t>
-            </a:r>
-            <a:br>
-              <a:rPr lang="en-US" sz="2400" baseline="0" dirty="0" smtClean="0"/>
-            </a:br>
-            <a:r>
-              <a:rPr lang="en-US" sz="1800" baseline="0" dirty="0" smtClean="0"/>
-              <a:t>part of the </a:t>
-            </a:r>
-            <a:r>
-              <a:rPr lang="en-US" sz="1800" b="1" baseline="0" dirty="0" smtClean="0"/>
-              <a:t>“Data Science</a:t>
-            </a:r>
-            <a:r>
-              <a:rPr lang="en-US" sz="1800" b="1" dirty="0" smtClean="0"/>
-              <a:t> Specialization”</a:t>
-            </a:r>
-            <a:r>
-              <a:rPr lang="en-US" sz="1800" dirty="0" smtClean="0"/>
-              <a:t>, </a:t>
-            </a:r>
-            <a:r>
-              <a:rPr lang="en-US" sz="1800" b="1" dirty="0" smtClean="0"/>
-              <a:t>JHU</a:t>
-            </a:r>
-            <a:r>
-              <a:rPr lang="en-US" sz="1800" dirty="0" smtClean="0"/>
-              <a:t> (</a:t>
-            </a:r>
-            <a:r>
-              <a:rPr lang="en-US" sz="1800" b="1" dirty="0" smtClean="0"/>
-              <a:t>Coursera</a:t>
-            </a:r>
-            <a:r>
-              <a:rPr lang="en-US" sz="1800" dirty="0" smtClean="0"/>
-              <a:t>)</a:t>
-            </a:r>
-            <a:endParaRPr lang="en-US" sz="1800" dirty="0"/>
-          </a:p>
-        </p:txBody>
-      </p:sp>
-    </p:spTree>
-    <p:extLst>
-      <p:ext uri="{BB962C8B-B14F-4D97-AF65-F5344CB8AC3E}">
-        <p14:creationId xmlns:p14="http://schemas.microsoft.com/office/powerpoint/2010/main" val="1731156662"/>
-      </p:ext>
-    </p:extLst>
-  </p:cSld>
-  <p:clrMapOvr>
-    <a:masterClrMapping/>
-  </p:clrMapOvr>
-  <mc:AlternateContent xmlns:mc="http://schemas.openxmlformats.org/markup-compatibility/2006" xmlns:p14="http://schemas.microsoft.com/office/powerpoint/2010/main">
-    <mc:Choice Requires="p14">
-      <p:transition spd="slow" p14:dur="2000"/>
-    </mc:Choice>
-    <mc:Fallback xmlns="">
-      <p:transition spd="slow"/>
-    </mc:Fallback>
-  </mc:AlternateContent>
-  <p:timing>
-    <p:tnLst>
-      <p:par>
-        <p:cTn id="1" dur="indefinite" restart="never" nodeType="tmRoot"/>
-      </p:par>
-    </p:tnLst>
-  </p:timing>
-</p:sld>
-</file>
-
 <file path=ppt/slides/slide3.xml><?xml version="1.0" encoding="utf-8"?>
-<p:sld xmlns:a="http://schemas.openxmlformats.org/drawingml/2006/main" xmlns:r="http://schemas.openxmlformats.org/officeDocument/2006/relationships" xmlns:p="http://schemas.openxmlformats.org/presentationml/2006/main">
-  <p:cSld>
-    <p:spTree>
-      <p:nvGrpSpPr>
-        <p:cNvPr id="1" name=""/>
-        <p:cNvGrpSpPr/>
-        <p:nvPr/>
-      </p:nvGrpSpPr>
-      <p:grpSpPr>
-        <a:xfrm>
-          <a:off x="0" y="0"/>
-          <a:ext cx="0" cy="0"/>
-          <a:chOff x="0" y="0"/>
-          <a:chExt cx="0" cy="0"/>
-        </a:xfrm>
-      </p:grpSpPr>
-      <p:sp>
-        <p:nvSpPr>
-          <p:cNvPr id="3" name="Title 2"/>
-          <p:cNvSpPr>
-            <a:spLocks noGrp="1"/>
-          </p:cNvSpPr>
-          <p:nvPr>
-            <p:ph type="title"/>
-          </p:nvPr>
-        </p:nvSpPr>
-        <p:spPr>
-          <a:xfrm>
-            <a:off x="2577396" y="5105401"/>
-            <a:ext cx="9406623" cy="1419113"/>
-          </a:xfrm>
-        </p:spPr>
-        <p:txBody>
-          <a:bodyPr>
-            <a:normAutofit/>
-          </a:bodyPr>
-          <a:lstStyle/>
-          <a:p>
-            <a:pPr algn="r"/>
-            <a:r>
-              <a:rPr lang="nb-NO" dirty="0" smtClean="0"/>
-              <a:t>The Challenge:</a:t>
-            </a:r>
-            <a:br>
-              <a:rPr lang="nb-NO" dirty="0" smtClean="0"/>
-            </a:br>
-            <a:r>
-              <a:rPr lang="nb-NO" sz="2800" dirty="0"/>
-              <a:t>Build an application for next word prediction</a:t>
-            </a:r>
-            <a:endParaRPr lang="en-US" sz="2800" dirty="0"/>
-          </a:p>
-        </p:txBody>
-      </p:sp>
-      <p:sp>
-        <p:nvSpPr>
-          <p:cNvPr id="2" name="Content Placeholder 1"/>
-          <p:cNvSpPr>
-            <a:spLocks noGrp="1"/>
-          </p:cNvSpPr>
-          <p:nvPr>
-            <p:ph idx="1"/>
-          </p:nvPr>
-        </p:nvSpPr>
-        <p:spPr>
-          <a:xfrm>
-            <a:off x="727080" y="1447802"/>
-            <a:ext cx="7072214" cy="3657599"/>
-          </a:xfrm>
-        </p:spPr>
-        <p:txBody>
-          <a:bodyPr>
-            <a:noAutofit/>
-          </a:bodyPr>
-          <a:lstStyle/>
-          <a:p>
-            <a:pPr marL="18288" indent="0">
-              <a:buNone/>
-            </a:pPr>
-            <a:r>
-              <a:rPr lang="en-US" sz="1600" dirty="0" smtClean="0">
-                <a:effectLst/>
-              </a:rPr>
-              <a:t>“Around </a:t>
-            </a:r>
-            <a:r>
-              <a:rPr lang="en-US" sz="1600" dirty="0">
-                <a:effectLst/>
-              </a:rPr>
-              <a:t>the world, people are spending an increasing amount of time on their mobile devices for email, social networking, banking and a whole range of other activities. But typing on mobile devices can be a serious pain. </a:t>
-            </a:r>
-            <a:r>
-              <a:rPr lang="en-US" sz="1600" dirty="0" smtClean="0">
-                <a:effectLst/>
-              </a:rPr>
-              <a:t>”</a:t>
-            </a:r>
-          </a:p>
-          <a:p>
-            <a:pPr marL="18288" indent="0">
-              <a:buNone/>
-            </a:pPr>
-            <a:endParaRPr lang="nb-NO" sz="1600" b="1" dirty="0">
-              <a:effectLst/>
-            </a:endParaRPr>
-          </a:p>
-          <a:p>
-            <a:pPr marL="18288" indent="0">
-              <a:buNone/>
-            </a:pPr>
-            <a:endParaRPr lang="en-US" sz="1600" b="1" dirty="0" smtClean="0"/>
-          </a:p>
-          <a:p>
-            <a:pPr marL="18288" indent="0">
-              <a:buNone/>
-            </a:pPr>
-            <a:r>
-              <a:rPr lang="en-US" sz="1600" b="1" dirty="0" smtClean="0"/>
-              <a:t>When </a:t>
-            </a:r>
-            <a:r>
-              <a:rPr lang="en-US" sz="1600" b="1" dirty="0"/>
-              <a:t>someone types:</a:t>
-            </a:r>
-          </a:p>
-          <a:p>
-            <a:pPr marL="18288" indent="0" algn="ctr">
-              <a:buNone/>
-            </a:pPr>
-            <a:endParaRPr lang="en-US" sz="1600" dirty="0" smtClean="0"/>
-          </a:p>
-          <a:p>
-            <a:pPr marL="18288" indent="0" algn="ctr">
-              <a:buNone/>
-            </a:pPr>
-            <a:r>
-              <a:rPr lang="en-US" sz="1600" dirty="0" smtClean="0"/>
-              <a:t>“</a:t>
-            </a:r>
-            <a:r>
-              <a:rPr lang="en-US" sz="1600" dirty="0"/>
-              <a:t>I went to </a:t>
-            </a:r>
-            <a:r>
-              <a:rPr lang="en-US" sz="1600" dirty="0" smtClean="0"/>
-              <a:t>the …”</a:t>
-            </a:r>
-            <a:endParaRPr lang="en-US" sz="1600" dirty="0"/>
-          </a:p>
-          <a:p>
-            <a:endParaRPr lang="en-US" sz="1600" dirty="0"/>
-          </a:p>
-          <a:p>
-            <a:pPr marL="18288" indent="0">
-              <a:buNone/>
-            </a:pPr>
-            <a:r>
-              <a:rPr lang="en-US" sz="1600" dirty="0"/>
-              <a:t>the </a:t>
-            </a:r>
-            <a:r>
-              <a:rPr lang="en-US" sz="1600" dirty="0" smtClean="0"/>
-              <a:t>application </a:t>
-            </a:r>
-            <a:r>
-              <a:rPr lang="en-US" sz="1600" b="1" dirty="0" smtClean="0"/>
-              <a:t>should presents </a:t>
-            </a:r>
-            <a:r>
-              <a:rPr lang="en-US" sz="1600" b="1" dirty="0"/>
-              <a:t>three options for what the next word might be.</a:t>
-            </a:r>
-            <a:r>
-              <a:rPr lang="en-US" sz="1600" dirty="0"/>
-              <a:t> For example, the three words might be </a:t>
-            </a:r>
-            <a:r>
-              <a:rPr lang="en-US" sz="1600" dirty="0" smtClean="0"/>
-              <a:t>“gym”, “store”, “restaurant”.</a:t>
-            </a:r>
-            <a:endParaRPr lang="en-US" sz="1600" dirty="0"/>
-          </a:p>
-        </p:txBody>
-      </p:sp>
-      <p:pic>
-        <p:nvPicPr>
-          <p:cNvPr id="5" name="Picture 4"/>
-          <p:cNvPicPr>
-            <a:picLocks noChangeAspect="1"/>
-          </p:cNvPicPr>
-          <p:nvPr/>
-        </p:nvPicPr>
-        <p:blipFill>
-          <a:blip r:embed="rId3"/>
-          <a:stretch>
-            <a:fillRect/>
-          </a:stretch>
-        </p:blipFill>
-        <p:spPr>
-          <a:xfrm rot="2261656">
-            <a:off x="9237217" y="936032"/>
-            <a:ext cx="2165330" cy="299537"/>
-          </a:xfrm>
-          <a:prstGeom prst="rect">
-            <a:avLst/>
-          </a:prstGeom>
-        </p:spPr>
-      </p:pic>
-      <p:pic>
-        <p:nvPicPr>
-          <p:cNvPr id="1028" name="Picture 4" descr="http://pages.jh.edu/chem/klausen/Images/JHU_logo.png"/>
-          <p:cNvPicPr>
-            <a:picLocks noChangeAspect="1" noChangeArrowheads="1"/>
-          </p:cNvPicPr>
-          <p:nvPr/>
-        </p:nvPicPr>
-        <p:blipFill>
-          <a:blip r:embed="rId4" cstate="print">
-            <a:extLst>
-              <a:ext uri="{28A0092B-C50C-407E-A947-70E740481C1C}">
-                <a14:useLocalDpi xmlns:a14="http://schemas.microsoft.com/office/drawing/2010/main" val="0"/>
-              </a:ext>
-            </a:extLst>
-          </a:blip>
-          <a:srcRect/>
-          <a:stretch>
-            <a:fillRect/>
-          </a:stretch>
-        </p:blipFill>
-        <p:spPr bwMode="auto">
-          <a:xfrm rot="2315380">
-            <a:off x="7557163" y="1374386"/>
-            <a:ext cx="4668987" cy="1033597"/>
-          </a:xfrm>
-          <a:prstGeom prst="rect">
-            <a:avLst/>
-          </a:prstGeom>
-          <a:noFill/>
-          <a:extLst>
-            <a:ext uri="{909E8E84-426E-40DD-AFC4-6F175D3DCCD1}">
-              <a14:hiddenFill xmlns:a14="http://schemas.microsoft.com/office/drawing/2010/main">
-                <a:solidFill>
-                  <a:srgbClr val="FFFFFF"/>
-                </a:solidFill>
-              </a14:hiddenFill>
-            </a:ext>
-          </a:extLst>
-        </p:spPr>
-      </p:pic>
-    </p:spTree>
-    <p:extLst>
-      <p:ext uri="{BB962C8B-B14F-4D97-AF65-F5344CB8AC3E}">
-        <p14:creationId xmlns:p14="http://schemas.microsoft.com/office/powerpoint/2010/main" val="419683862"/>
-      </p:ext>
-    </p:extLst>
-  </p:cSld>
-  <p:clrMapOvr>
-    <a:masterClrMapping/>
-  </p:clrMapOvr>
-  <p:timing>
-    <p:tnLst>
-      <p:par>
-        <p:cTn id="1" dur="indefinite" restart="never" nodeType="tmRoot"/>
-      </p:par>
-    </p:tnLst>
-  </p:timing>
-</p:sld>
-</file>
-
-<file path=ppt/slides/slide4.xml><?xml version="1.0" encoding="utf-8"?>
 <p:sld xmlns:a="http://schemas.openxmlformats.org/drawingml/2006/main" xmlns:r="http://schemas.openxmlformats.org/officeDocument/2006/relationships" xmlns:p="http://schemas.openxmlformats.org/presentationml/2006/main">
   <p:cSld>
     <p:spTree>
@@ -20061,16 +22592,12 @@
               <a:t>The </a:t>
             </a:r>
             <a:r>
-              <a:rPr lang="en-US" dirty="0" smtClean="0"/>
+              <a:rPr lang="en-US" dirty="0"/>
               <a:t>Supporting</a:t>
             </a:r>
             <a:r>
-              <a:rPr lang="nb-NO" dirty="0" smtClean="0"/>
+              <a:rPr lang="nb-NO" dirty="0"/>
               <a:t> Data (Corpora):</a:t>
-            </a:r>
-            <a:r>
-              <a:rPr lang="nb-NO" dirty="0"/>
-              <a:t/>
             </a:r>
             <a:br>
               <a:rPr lang="nb-NO" dirty="0"/>
@@ -20086,6 +22613,13 @@
             <a:r>
               <a:rPr lang="nb-NO" sz="2000" dirty="0"/>
               <a:t> – twitter (tweets), news and blogs</a:t>
+            </a:r>
+            <a:br>
+              <a:rPr lang="nb-NO" sz="2000" dirty="0"/>
+            </a:br>
+            <a:r>
+              <a:rPr lang="nb-NO" sz="2000" dirty="0"/>
+              <a:t>English language</a:t>
             </a:r>
             <a:endParaRPr lang="en-US" sz="2000" dirty="0"/>
           </a:p>
@@ -20477,25 +23011,6 @@
                 </a:solidFill>
               </a14:hiddenFill>
             </a:ext>
-            <a:ext uri="{91240B29-F687-4F45-9708-019B960494DF}">
-              <a14:hiddenLine xmlns:a14="http://schemas.microsoft.com/office/drawing/2010/main" w="9525">
-                <a:solidFill>
-                  <a:schemeClr val="tx1"/>
-                </a:solidFill>
-                <a:miter lim="800000"/>
-                <a:headEnd/>
-                <a:tailEnd/>
-              </a14:hiddenLine>
-            </a:ext>
-            <a:ext uri="{AF507438-7753-43E0-B8FC-AC1667EBCBE1}">
-              <a14:hiddenEffects xmlns:a14="http://schemas.microsoft.com/office/drawing/2010/main">
-                <a:effectLst>
-                  <a:outerShdw dist="35921" dir="2700000" algn="ctr" rotWithShape="0">
-                    <a:schemeClr val="bg2"/>
-                  </a:outerShdw>
-                </a:effectLst>
-              </a14:hiddenEffects>
-            </a:ext>
           </a:extLst>
         </p:spPr>
       </p:pic>
@@ -20773,17 +23288,10 @@
   <p:clrMapOvr>
     <a:masterClrMapping/>
   </p:clrMapOvr>
-  <p:timing>
-    <p:tnLst>
-      <p:par>
-        <p:cTn id="1" dur="indefinite" restart="never" nodeType="tmRoot"/>
-      </p:par>
-    </p:tnLst>
-  </p:timing>
 </p:sld>
 </file>
 
-<file path=ppt/slides/slide5.xml><?xml version="1.0" encoding="utf-8"?>
+<file path=ppt/slides/slide4.xml><?xml version="1.0" encoding="utf-8"?>
 <p:sld xmlns:a="http://schemas.openxmlformats.org/drawingml/2006/main" xmlns:r="http://schemas.openxmlformats.org/officeDocument/2006/relationships" xmlns:p="http://schemas.openxmlformats.org/presentationml/2006/main">
   <p:cSld>
     <p:spTree>
@@ -20872,11 +23380,11 @@
           <a:p>
             <a:pPr algn="r"/>
             <a:r>
-              <a:rPr lang="nb-NO" dirty="0" smtClean="0"/>
+              <a:rPr lang="nb-NO" dirty="0"/>
               <a:t>The Process</a:t>
             </a:r>
             <a:br>
-              <a:rPr lang="nb-NO" dirty="0" smtClean="0"/>
+              <a:rPr lang="nb-NO" dirty="0"/>
             </a:br>
             <a:r>
               <a:rPr lang="nb-NO" sz="1800" dirty="0"/>
@@ -20915,19 +23423,19 @@
           </a:p>
           <a:p>
             <a:r>
-              <a:rPr lang="nb-NO" sz="1400" dirty="0" err="1" smtClean="0"/>
+              <a:rPr lang="nb-NO" sz="1400" dirty="0" err="1"/>
               <a:t>Overview</a:t>
             </a:r>
             <a:r>
-              <a:rPr lang="nb-NO" sz="1400" dirty="0" smtClean="0"/>
+              <a:rPr lang="nb-NO" sz="1400" dirty="0"/>
               <a:t>, </a:t>
             </a:r>
             <a:r>
-              <a:rPr lang="nb-NO" sz="1400" dirty="0" err="1" smtClean="0"/>
+              <a:rPr lang="nb-NO" sz="1400" dirty="0" err="1"/>
               <a:t>Understanding</a:t>
             </a:r>
             <a:r>
-              <a:rPr lang="nb-NO" sz="1400" dirty="0" smtClean="0"/>
+              <a:rPr lang="nb-NO" sz="1400" dirty="0"/>
               <a:t> </a:t>
             </a:r>
             <a:r>
@@ -20936,27 +23444,15 @@
             </a:r>
             <a:r>
               <a:rPr lang="nb-NO" sz="1400" dirty="0"/>
-              <a:t> </a:t>
-            </a:r>
-            <a:r>
-              <a:rPr lang="nb-NO" sz="1400" dirty="0" smtClean="0"/>
-              <a:t>Problem </a:t>
+              <a:t> Problem &amp; </a:t>
+            </a:r>
+            <a:r>
+              <a:rPr lang="nb-NO" sz="1400" dirty="0" err="1"/>
+              <a:t>Getting</a:t>
             </a:r>
             <a:r>
               <a:rPr lang="nb-NO" sz="1400" dirty="0"/>
-              <a:t>&amp; </a:t>
-            </a:r>
-            <a:r>
-              <a:rPr lang="nb-NO" sz="1400" dirty="0" err="1" smtClean="0"/>
-              <a:t>Getting</a:t>
-            </a:r>
-            <a:r>
-              <a:rPr lang="nb-NO" sz="1400" dirty="0" smtClean="0"/>
-              <a:t> </a:t>
-            </a:r>
-            <a:r>
-              <a:rPr lang="nb-NO" sz="1400" dirty="0"/>
-              <a:t>the data</a:t>
+              <a:t> the data</a:t>
             </a:r>
             <a:endParaRPr lang="en-US" sz="1400" dirty="0"/>
           </a:p>
@@ -21166,16 +23662,16 @@
           <a:p>
             <a:r>
               <a:rPr lang="nb-NO" sz="1400" b="1" dirty="0"/>
-              <a:t>Week#7: </a:t>
-            </a:r>
-          </a:p>
-          <a:p>
-            <a:r>
-              <a:rPr lang="nb-NO" sz="1400" dirty="0" err="1" smtClean="0"/>
+              <a:t>Week#7 &amp; #8: </a:t>
+            </a:r>
+          </a:p>
+          <a:p>
+            <a:r>
+              <a:rPr lang="nb-NO" sz="1400" dirty="0" err="1"/>
               <a:t>Submission</a:t>
             </a:r>
             <a:r>
-              <a:rPr lang="nb-NO" sz="1400" dirty="0" smtClean="0"/>
+              <a:rPr lang="nb-NO" sz="1400" dirty="0"/>
               <a:t> &amp; Evaluation</a:t>
             </a:r>
             <a:endParaRPr lang="en-US" sz="1400" dirty="0"/>
@@ -21282,10 +23778,9 @@
             <a:lstStyle/>
             <a:p>
               <a:r>
-                <a:rPr lang="en-US" sz="1000" dirty="0" smtClean="0"/>
+                <a:rPr lang="en-US" sz="1000" dirty="0"/>
                 <a:t>Milestone Report</a:t>
               </a:r>
-              <a:endParaRPr lang="en-US" sz="1000" dirty="0"/>
             </a:p>
           </p:txBody>
         </p:sp>
@@ -21390,10 +23885,9 @@
             <a:lstStyle/>
             <a:p>
               <a:r>
-                <a:rPr lang="en-US" sz="1000" dirty="0" smtClean="0"/>
+                <a:rPr lang="en-US" sz="1000" dirty="0"/>
                 <a:t>Prediction Model Evaluation</a:t>
               </a:r>
-              <a:endParaRPr lang="en-US" sz="1000" dirty="0"/>
             </a:p>
           </p:txBody>
         </p:sp>
@@ -21498,10 +23992,9 @@
             <a:lstStyle/>
             <a:p>
               <a:r>
-                <a:rPr lang="en-US" sz="1000" dirty="0" smtClean="0"/>
+                <a:rPr lang="en-US" sz="1000" dirty="0"/>
                 <a:t>Prediction Model Evaluation</a:t>
               </a:r>
-              <a:endParaRPr lang="en-US" sz="1000" dirty="0"/>
             </a:p>
           </p:txBody>
         </p:sp>
@@ -21607,10 +24100,9 @@
             <a:p>
               <a:pPr algn="ctr"/>
               <a:r>
-                <a:rPr lang="en-US" sz="1000" dirty="0" smtClean="0"/>
+                <a:rPr lang="en-US" sz="1000" dirty="0"/>
                 <a:t>Slide Deck</a:t>
               </a:r>
-              <a:endParaRPr lang="en-US" sz="1000" dirty="0"/>
             </a:p>
           </p:txBody>
         </p:sp>
@@ -21716,18 +24208,17 @@
             <a:p>
               <a:pPr algn="ctr"/>
               <a:r>
-                <a:rPr lang="en-US" sz="1000" dirty="0" smtClean="0"/>
+                <a:rPr lang="en-US" sz="1000" dirty="0"/>
                 <a:t>Product (</a:t>
               </a:r>
               <a:r>
-                <a:rPr lang="en-US" sz="1000" dirty="0" err="1" smtClean="0"/>
+                <a:rPr lang="en-US" sz="1000" dirty="0" err="1"/>
                 <a:t>shinyApp</a:t>
               </a:r>
               <a:r>
-                <a:rPr lang="en-US" sz="1000" dirty="0" smtClean="0"/>
+                <a:rPr lang="en-US" sz="1000" dirty="0"/>
                 <a:t>)</a:t>
               </a:r>
-              <a:endParaRPr lang="en-US" sz="1000" dirty="0"/>
             </a:p>
           </p:txBody>
         </p:sp>
@@ -21742,18 +24233,11 @@
   <p:clrMapOvr>
     <a:masterClrMapping/>
   </p:clrMapOvr>
-  <p:timing>
-    <p:tnLst>
-      <p:par>
-        <p:cTn id="1" dur="indefinite" restart="never" nodeType="tmRoot"/>
-      </p:par>
-    </p:tnLst>
-  </p:timing>
 </p:sld>
 </file>
 
-<file path=ppt/slides/slide6.xml><?xml version="1.0" encoding="utf-8"?>
-<p:sld xmlns:a="http://schemas.openxmlformats.org/drawingml/2006/main" xmlns:r="http://schemas.openxmlformats.org/officeDocument/2006/relationships" xmlns:p="http://schemas.openxmlformats.org/presentationml/2006/main">
+<file path=ppt/slides/slide5.xml><?xml version="1.0" encoding="utf-8"?>
+<p:sld xmlns:a="http://schemas.openxmlformats.org/drawingml/2006/main" xmlns:r="http://schemas.openxmlformats.org/officeDocument/2006/relationships" xmlns:p="http://schemas.openxmlformats.org/presentationml/2006/main" show="0">
   <p:cSld>
     <p:spTree>
       <p:nvGrpSpPr>
@@ -21914,11 +24398,7 @@
               <a:pPr algn="ctr"/>
               <a:r>
                 <a:rPr lang="nb-NO" b="1" dirty="0"/>
-                <a:t>Language </a:t>
-              </a:r>
-              <a:r>
-                <a:rPr lang="nb-NO" b="1" dirty="0" smtClean="0"/>
-                <a:t>Model</a:t>
+                <a:t>Language Model</a:t>
               </a:r>
               <a:endParaRPr lang="en-US" b="1" dirty="0"/>
             </a:p>
@@ -21969,7 +24449,7 @@
                 <a:t>P(S) = P(w1, w2, .., </a:t>
               </a:r>
               <a:r>
-                <a:rPr lang="en-US" sz="2000" dirty="0" err="1" smtClean="0">
+                <a:rPr lang="en-US" sz="2000" dirty="0" err="1">
                   <a:ln w="18415" cmpd="sng">
                     <a:solidFill>
                       <a:srgbClr val="FFFFFF"/>
@@ -21990,7 +24470,7 @@
                 <a:t>wn</a:t>
               </a:r>
               <a:r>
-                <a:rPr lang="en-US" sz="2000" dirty="0" smtClean="0">
+                <a:rPr lang="en-US" sz="2000" dirty="0">
                   <a:ln w="18415" cmpd="sng">
                     <a:solidFill>
                       <a:srgbClr val="FFFFFF"/>
@@ -22010,24 +24490,6 @@
                 </a:rPr>
                 <a:t>) or P(wn|w1,w2,..,wn-1)</a:t>
               </a:r>
-              <a:endParaRPr lang="en-US" sz="2000" dirty="0">
-                <a:ln w="18415" cmpd="sng">
-                  <a:solidFill>
-                    <a:srgbClr val="FFFFFF"/>
-                  </a:solidFill>
-                  <a:prstDash val="solid"/>
-                </a:ln>
-                <a:solidFill>
-                  <a:srgbClr val="FFFFFF"/>
-                </a:solidFill>
-                <a:effectLst>
-                  <a:outerShdw blurRad="63500" dir="3600000" algn="tl" rotWithShape="0">
-                    <a:srgbClr val="000000">
-                      <a:alpha val="70000"/>
-                    </a:srgbClr>
-                  </a:outerShdw>
-                </a:effectLst>
-              </a:endParaRPr>
             </a:p>
           </p:txBody>
         </p:sp>
@@ -22124,7 +24586,7 @@
           <a:p>
             <a:pPr algn="ctr"/>
             <a:r>
-              <a:rPr lang="nb-NO" b="1" dirty="0" smtClean="0"/>
+              <a:rPr lang="nb-NO" b="1" dirty="0"/>
               <a:t>N-gram Model</a:t>
             </a:r>
             <a:endParaRPr lang="en-US" b="1" dirty="0"/>
@@ -22227,8 +24689,8 @@
 </p:sld>
 </file>
 
-<file path=ppt/slides/slide7.xml><?xml version="1.0" encoding="utf-8"?>
-<p:sld xmlns:a="http://schemas.openxmlformats.org/drawingml/2006/main" xmlns:r="http://schemas.openxmlformats.org/officeDocument/2006/relationships" xmlns:p="http://schemas.openxmlformats.org/presentationml/2006/main">
+<file path=ppt/slides/slide6.xml><?xml version="1.0" encoding="utf-8"?>
+<p:sld xmlns:a="http://schemas.openxmlformats.org/drawingml/2006/main" xmlns:r="http://schemas.openxmlformats.org/officeDocument/2006/relationships" xmlns:p="http://schemas.openxmlformats.org/presentationml/2006/main" show="0">
   <p:cSld>
     <p:spTree>
       <p:nvGrpSpPr>
@@ -22256,46 +24718,141 @@
         </p:nvSpPr>
         <p:spPr>
           <a:xfrm>
-            <a:off x="1998133" y="5562600"/>
-            <a:ext cx="10141025" cy="1143000"/>
+            <a:off x="1088466" y="371119"/>
+            <a:ext cx="9938938" cy="535531"/>
           </a:xfrm>
+          <a:noFill/>
         </p:spPr>
         <p:txBody>
-          <a:bodyPr>
-            <a:normAutofit/>
+          <a:bodyPr wrap="none" lIns="91440" tIns="45720" rIns="91440" bIns="45720">
+            <a:spAutoFit/>
           </a:bodyPr>
           <a:lstStyle/>
           <a:p>
-            <a:pPr algn="r"/>
-            <a:r>
-              <a:rPr lang="nb-NO" sz="3600" dirty="0" smtClean="0"/>
+            <a:pPr algn="ctr"/>
+            <a:r>
+              <a:rPr lang="nb-NO" sz="3200" b="1" cap="none" dirty="0">
+                <a:ln w="9525">
+                  <a:solidFill>
+                    <a:schemeClr val="bg1"/>
+                  </a:solidFill>
+                  <a:prstDash val="solid"/>
+                </a:ln>
+                <a:effectLst>
+                  <a:outerShdw blurRad="12700" dist="38100" dir="2700000" algn="tl" rotWithShape="0">
+                    <a:schemeClr val="bg1">
+                      <a:lumMod val="50000"/>
+                    </a:schemeClr>
+                  </a:outerShdw>
+                </a:effectLst>
+                <a:latin typeface="+mn-lt"/>
+                <a:ea typeface="+mn-ea"/>
+                <a:cs typeface="+mn-cs"/>
+              </a:rPr>
               <a:t>An </a:t>
             </a:r>
             <a:r>
-              <a:rPr lang="nb-NO" sz="3600" dirty="0" err="1" smtClean="0"/>
+              <a:rPr lang="en-GB" sz="3200" b="1" cap="none" dirty="0">
+                <a:ln w="9525">
+                  <a:solidFill>
+                    <a:schemeClr val="bg1"/>
+                  </a:solidFill>
+                  <a:prstDash val="solid"/>
+                </a:ln>
+                <a:effectLst>
+                  <a:outerShdw blurRad="12700" dist="38100" dir="2700000" algn="tl" rotWithShape="0">
+                    <a:schemeClr val="bg1">
+                      <a:lumMod val="50000"/>
+                    </a:schemeClr>
+                  </a:outerShdw>
+                </a:effectLst>
+                <a:latin typeface="+mn-lt"/>
+                <a:ea typeface="+mn-ea"/>
+                <a:cs typeface="+mn-cs"/>
+              </a:rPr>
               <a:t>example</a:t>
             </a:r>
             <a:r>
-              <a:rPr lang="nb-NO" sz="3600" dirty="0" smtClean="0"/>
-              <a:t>: Bi-gram </a:t>
-            </a:r>
-            <a:r>
-              <a:rPr lang="nb-NO" sz="3600" dirty="0"/>
-              <a:t>Model </a:t>
-            </a:r>
-            <a:r>
-              <a:rPr lang="nb-NO" sz="1600" b="1" dirty="0"/>
-              <a:t>(Markov </a:t>
-            </a:r>
-            <a:r>
-              <a:rPr lang="en-US" sz="1600" b="1" dirty="0" smtClean="0"/>
+              <a:rPr lang="nb-NO" sz="3200" b="1" cap="none" dirty="0">
+                <a:ln w="9525">
+                  <a:solidFill>
+                    <a:schemeClr val="bg1"/>
+                  </a:solidFill>
+                  <a:prstDash val="solid"/>
+                </a:ln>
+                <a:effectLst>
+                  <a:outerShdw blurRad="12700" dist="38100" dir="2700000" algn="tl" rotWithShape="0">
+                    <a:schemeClr val="bg1">
+                      <a:lumMod val="50000"/>
+                    </a:schemeClr>
+                  </a:outerShdw>
+                </a:effectLst>
+                <a:latin typeface="+mn-lt"/>
+                <a:ea typeface="+mn-ea"/>
+                <a:cs typeface="+mn-cs"/>
+              </a:rPr>
+              <a:t>: Bi-gram Model (Markov </a:t>
+            </a:r>
+            <a:r>
+              <a:rPr lang="en-US" sz="3200" b="1" cap="none" dirty="0">
+                <a:ln w="9525">
+                  <a:solidFill>
+                    <a:schemeClr val="bg1"/>
+                  </a:solidFill>
+                  <a:prstDash val="solid"/>
+                </a:ln>
+                <a:effectLst>
+                  <a:outerShdw blurRad="12700" dist="38100" dir="2700000" algn="tl" rotWithShape="0">
+                    <a:schemeClr val="bg1">
+                      <a:lumMod val="50000"/>
+                    </a:schemeClr>
+                  </a:outerShdw>
+                </a:effectLst>
+                <a:latin typeface="+mn-lt"/>
+                <a:ea typeface="+mn-ea"/>
+                <a:cs typeface="+mn-cs"/>
+              </a:rPr>
               <a:t>Assumption</a:t>
             </a:r>
             <a:r>
-              <a:rPr lang="nb-NO" sz="1600" b="1" dirty="0" smtClean="0"/>
+              <a:rPr lang="nb-NO" sz="3200" b="1" cap="none" dirty="0">
+                <a:ln w="9525">
+                  <a:solidFill>
+                    <a:schemeClr val="bg1"/>
+                  </a:solidFill>
+                  <a:prstDash val="solid"/>
+                </a:ln>
+                <a:effectLst>
+                  <a:outerShdw blurRad="12700" dist="38100" dir="2700000" algn="tl" rotWithShape="0">
+                    <a:schemeClr val="bg1">
+                      <a:lumMod val="50000"/>
+                    </a:schemeClr>
+                  </a:outerShdw>
+                </a:effectLst>
+                <a:latin typeface="+mn-lt"/>
+                <a:ea typeface="+mn-ea"/>
+                <a:cs typeface="+mn-cs"/>
+              </a:rPr>
               <a:t>)</a:t>
             </a:r>
-            <a:endParaRPr lang="en-US" sz="1600" b="1" dirty="0"/>
+            <a:endParaRPr lang="en-US" sz="3200" b="1" cap="none" dirty="0">
+              <a:ln w="9525">
+                <a:solidFill>
+                  <a:schemeClr val="bg1"/>
+                </a:solidFill>
+                <a:prstDash val="solid"/>
+              </a:ln>
+              <a:effectLst>
+                <a:outerShdw blurRad="12700" dist="38100" dir="2700000" algn="tl" rotWithShape="0">
+                  <a:schemeClr val="bg1">
+                    <a:lumMod val="50000"/>
+                  </a:schemeClr>
+                </a:outerShdw>
+              </a:effectLst>
+              <a:latin typeface="+mn-lt"/>
+              <a:ea typeface="+mn-ea"/>
+              <a:cs typeface="+mn-cs"/>
+            </a:endParaRPr>
           </a:p>
         </p:txBody>
       </p:sp>
@@ -22322,7 +24879,7 @@
         </p:blipFill>
         <p:spPr bwMode="auto">
           <a:xfrm>
-            <a:off x="1998133" y="2368826"/>
+            <a:off x="486573" y="2279254"/>
             <a:ext cx="8425935" cy="2895600"/>
           </a:xfrm>
           <a:prstGeom prst="rect">
@@ -22447,28 +25004,7 @@
                   </a:outerShdw>
                 </a:effectLst>
               </a:rPr>
-              <a:t>) </a:t>
-            </a:r>
-            <a:r>
-              <a:rPr lang="en-US" sz="2800" dirty="0" smtClean="0">
-                <a:ln w="18415" cmpd="sng">
-                  <a:solidFill>
-                    <a:srgbClr val="FFFFFF"/>
-                  </a:solidFill>
-                  <a:prstDash val="solid"/>
-                </a:ln>
-                <a:solidFill>
-                  <a:srgbClr val="FFFFFF"/>
-                </a:solidFill>
-                <a:effectLst>
-                  <a:outerShdw blurRad="63500" dir="3600000" algn="tl" rotWithShape="0">
-                    <a:srgbClr val="000000">
-                      <a:alpha val="70000"/>
-                    </a:srgbClr>
-                  </a:outerShdw>
-                </a:effectLst>
-              </a:rPr>
-              <a:t>=  </a:t>
+              <a:t>) =  </a:t>
             </a:r>
             <a:r>
               <a:rPr lang="nb-NO" sz="2800" dirty="0">
@@ -22489,7 +25025,7 @@
                   </a:outerShdw>
                 </a:effectLst>
               </a:rPr>
-              <a:t>P(w1) P(w2|w1) P(w3|w2) ...</a:t>
+              <a:t>P(w1|&lt;s&gt;) P(w2|w1) P(w3|w2) ...</a:t>
             </a:r>
             <a:endParaRPr lang="en-US" sz="2800" dirty="0">
               <a:ln w="18415" cmpd="sng">
@@ -22512,6 +25048,157 @@
           </a:p>
         </p:txBody>
       </p:sp>
+      <p:sp>
+        <p:nvSpPr>
+          <p:cNvPr id="3" name="Rectangle 2"/>
+          <p:cNvSpPr/>
+          <p:nvPr/>
+        </p:nvSpPr>
+        <p:spPr>
+          <a:xfrm>
+            <a:off x="6321287" y="2202225"/>
+            <a:ext cx="2468946" cy="923330"/>
+          </a:xfrm>
+          <a:prstGeom prst="rect">
+            <a:avLst/>
+          </a:prstGeom>
+          <a:noFill/>
+        </p:spPr>
+        <p:txBody>
+          <a:bodyPr wrap="none" lIns="91440" tIns="45720" rIns="91440" bIns="45720">
+            <a:spAutoFit/>
+          </a:bodyPr>
+          <a:lstStyle/>
+          <a:p>
+            <a:pPr algn="ctr"/>
+            <a:r>
+              <a:rPr lang="en-US" sz="5400" b="1" cap="none" spc="0" dirty="0">
+                <a:ln w="9525">
+                  <a:solidFill>
+                    <a:schemeClr val="bg1"/>
+                  </a:solidFill>
+                  <a:prstDash val="solid"/>
+                </a:ln>
+                <a:solidFill>
+                  <a:schemeClr val="tx1"/>
+                </a:solidFill>
+                <a:effectLst>
+                  <a:outerShdw blurRad="12700" dist="38100" dir="2700000" algn="tl" rotWithShape="0">
+                    <a:schemeClr val="bg1">
+                      <a:lumMod val="50000"/>
+                    </a:schemeClr>
+                  </a:outerShdw>
+                </a:effectLst>
+              </a:rPr>
+              <a:t>Corpus</a:t>
+            </a:r>
+          </a:p>
+        </p:txBody>
+      </p:sp>
+      <p:sp>
+        <p:nvSpPr>
+          <p:cNvPr id="6" name="Rectangle 5"/>
+          <p:cNvSpPr/>
+          <p:nvPr/>
+        </p:nvSpPr>
+        <p:spPr>
+          <a:xfrm>
+            <a:off x="428472" y="1891508"/>
+            <a:ext cx="1569661" cy="923330"/>
+          </a:xfrm>
+          <a:prstGeom prst="rect">
+            <a:avLst/>
+          </a:prstGeom>
+          <a:noFill/>
+        </p:spPr>
+        <p:txBody>
+          <a:bodyPr wrap="none" lIns="91440" tIns="45720" rIns="91440" bIns="45720">
+            <a:spAutoFit/>
+          </a:bodyPr>
+          <a:lstStyle/>
+          <a:p>
+            <a:pPr algn="ctr"/>
+            <a:r>
+              <a:rPr lang="en-US" sz="5400" b="1" cap="none" spc="0" dirty="0">
+                <a:ln w="9525">
+                  <a:solidFill>
+                    <a:schemeClr val="bg1"/>
+                  </a:solidFill>
+                  <a:prstDash val="solid"/>
+                </a:ln>
+                <a:solidFill>
+                  <a:schemeClr val="tx1"/>
+                </a:solidFill>
+                <a:effectLst>
+                  <a:outerShdw blurRad="12700" dist="38100" dir="2700000" algn="tl" rotWithShape="0">
+                    <a:schemeClr val="bg1">
+                      <a:lumMod val="50000"/>
+                    </a:schemeClr>
+                  </a:outerShdw>
+                </a:effectLst>
+              </a:rPr>
+              <a:t>MLE</a:t>
+            </a:r>
+          </a:p>
+        </p:txBody>
+      </p:sp>
+      <p:sp>
+        <p:nvSpPr>
+          <p:cNvPr id="7" name="Title 1"/>
+          <p:cNvSpPr txBox="1">
+            <a:spLocks/>
+          </p:cNvSpPr>
+          <p:nvPr/>
+        </p:nvSpPr>
+        <p:spPr>
+          <a:xfrm>
+            <a:off x="105376" y="5820782"/>
+            <a:ext cx="7696200" cy="914400"/>
+          </a:xfrm>
+          <a:prstGeom prst="rect">
+            <a:avLst/>
+          </a:prstGeom>
+        </p:spPr>
+        <p:txBody>
+          <a:bodyPr vert="horz" lIns="91440" tIns="45720" rIns="91440" bIns="45720" rtlCol="0" anchor="ctr">
+            <a:normAutofit/>
+          </a:bodyPr>
+          <a:lstStyle>
+            <a:lvl1pPr algn="r" defTabSz="914400" rtl="0" eaLnBrk="1" latinLnBrk="0" hangingPunct="1">
+              <a:lnSpc>
+                <a:spcPct val="90000"/>
+              </a:lnSpc>
+              <a:spcBef>
+                <a:spcPct val="0"/>
+              </a:spcBef>
+              <a:buNone/>
+              <a:defRPr sz="4000" kern="1200" cap="all" baseline="0">
+                <a:solidFill>
+                  <a:schemeClr val="tx1"/>
+                </a:solidFill>
+                <a:latin typeface="+mj-lt"/>
+                <a:ea typeface="+mj-ea"/>
+                <a:cs typeface="+mj-cs"/>
+              </a:defRPr>
+            </a:lvl1pPr>
+          </a:lstStyle>
+          <a:p>
+            <a:pPr algn="l"/>
+            <a:r>
+              <a:rPr lang="nb-NO" sz="3600"/>
+              <a:t>Understanding the challenge</a:t>
+            </a:r>
+            <a:br>
+              <a:rPr lang="nb-NO" sz="3600"/>
+            </a:br>
+            <a:r>
+              <a:rPr lang="nb-NO" sz="1800"/>
+              <a:t>Foundation of Statistical NLP</a:t>
+            </a:r>
+            <a:endParaRPr lang="en-US" dirty="0"/>
+          </a:p>
+        </p:txBody>
+      </p:sp>
     </p:spTree>
     <p:extLst>
       <p:ext uri="{BB962C8B-B14F-4D97-AF65-F5344CB8AC3E}">
@@ -22522,17 +25209,10 @@
   <p:clrMapOvr>
     <a:masterClrMapping/>
   </p:clrMapOvr>
-  <p:timing>
-    <p:tnLst>
-      <p:par>
-        <p:cTn id="1" dur="indefinite" restart="never" nodeType="tmRoot"/>
-      </p:par>
-    </p:tnLst>
-  </p:timing>
 </p:sld>
 </file>
 
-<file path=ppt/slides/slide8.xml><?xml version="1.0" encoding="utf-8"?>
+<file path=ppt/slides/slide7.xml><?xml version="1.0" encoding="utf-8"?>
 <p:sld xmlns:a="http://schemas.openxmlformats.org/drawingml/2006/main" xmlns:r="http://schemas.openxmlformats.org/officeDocument/2006/relationships" xmlns:p="http://schemas.openxmlformats.org/presentationml/2006/main">
   <p:cSld>
     <p:spTree>
@@ -22561,7 +25241,7 @@
         </p:nvSpPr>
         <p:spPr>
           <a:xfrm>
-            <a:off x="4388013" y="5761431"/>
+            <a:off x="82231" y="5868971"/>
             <a:ext cx="7696200" cy="914400"/>
           </a:xfrm>
         </p:spPr>
@@ -22571,7 +25251,7 @@
           </a:bodyPr>
           <a:lstStyle/>
           <a:p>
-            <a:pPr algn="r"/>
+            <a:pPr algn="l"/>
             <a:r>
               <a:rPr lang="nb-NO" sz="3600" dirty="0"/>
               <a:t>Understanding the challenge</a:t>
@@ -22587,287 +25267,6 @@
           </a:p>
         </p:txBody>
       </p:sp>
-      <p:grpSp>
-        <p:nvGrpSpPr>
-          <p:cNvPr id="4" name="Group 3"/>
-          <p:cNvGrpSpPr/>
-          <p:nvPr/>
-        </p:nvGrpSpPr>
-        <p:grpSpPr>
-          <a:xfrm>
-            <a:off x="526774" y="3011558"/>
-            <a:ext cx="3810000" cy="2471410"/>
-            <a:chOff x="414130" y="1484293"/>
-            <a:chExt cx="3810000" cy="2471410"/>
-          </a:xfrm>
-        </p:grpSpPr>
-        <p:sp>
-          <p:nvSpPr>
-            <p:cNvPr id="5" name="Rounded Rectangle 4"/>
-            <p:cNvSpPr/>
-            <p:nvPr/>
-          </p:nvSpPr>
-          <p:spPr>
-            <a:xfrm>
-              <a:off x="414130" y="1484293"/>
-              <a:ext cx="3810000" cy="1828800"/>
-            </a:xfrm>
-            <a:prstGeom prst="roundRect">
-              <a:avLst/>
-            </a:prstGeom>
-          </p:spPr>
-          <p:style>
-            <a:lnRef idx="2">
-              <a:schemeClr val="accent1">
-                <a:shade val="50000"/>
-              </a:schemeClr>
-            </a:lnRef>
-            <a:fillRef idx="1">
-              <a:schemeClr val="accent1"/>
-            </a:fillRef>
-            <a:effectRef idx="0">
-              <a:schemeClr val="accent1"/>
-            </a:effectRef>
-            <a:fontRef idx="minor">
-              <a:schemeClr val="lt1"/>
-            </a:fontRef>
-          </p:style>
-          <p:txBody>
-            <a:bodyPr rtlCol="0" anchor="b" anchorCtr="0"/>
-            <a:lstStyle/>
-            <a:p>
-              <a:pPr algn="ctr"/>
-              <a:r>
-                <a:rPr lang="nb-NO" dirty="0"/>
-                <a:t>Based on the provided Corpora</a:t>
-              </a:r>
-              <a:endParaRPr lang="en-US" dirty="0"/>
-            </a:p>
-          </p:txBody>
-        </p:sp>
-        <p:sp>
-          <p:nvSpPr>
-            <p:cNvPr id="3" name="Rounded Rectangle 2"/>
-            <p:cNvSpPr/>
-            <p:nvPr/>
-          </p:nvSpPr>
-          <p:spPr>
-            <a:xfrm>
-              <a:off x="1023730" y="1865293"/>
-              <a:ext cx="2362200" cy="914400"/>
-            </a:xfrm>
-            <a:prstGeom prst="roundRect">
-              <a:avLst/>
-            </a:prstGeom>
-          </p:spPr>
-          <p:style>
-            <a:lnRef idx="2">
-              <a:schemeClr val="accent1">
-                <a:shade val="50000"/>
-              </a:schemeClr>
-            </a:lnRef>
-            <a:fillRef idx="1">
-              <a:schemeClr val="accent1"/>
-            </a:fillRef>
-            <a:effectRef idx="0">
-              <a:schemeClr val="accent1"/>
-            </a:effectRef>
-            <a:fontRef idx="minor">
-              <a:schemeClr val="lt1"/>
-            </a:fontRef>
-          </p:style>
-          <p:txBody>
-            <a:bodyPr rtlCol="0" anchor="ctr"/>
-            <a:lstStyle/>
-            <a:p>
-              <a:pPr algn="ctr"/>
-              <a:r>
-                <a:rPr lang="nb-NO" dirty="0"/>
-                <a:t>(Probabilistic)</a:t>
-              </a:r>
-            </a:p>
-            <a:p>
-              <a:pPr algn="ctr"/>
-              <a:r>
-                <a:rPr lang="nb-NO" dirty="0"/>
-                <a:t>Language Model </a:t>
-              </a:r>
-              <a:endParaRPr lang="en-US" dirty="0"/>
-            </a:p>
-          </p:txBody>
-        </p:sp>
-        <p:sp>
-          <p:nvSpPr>
-            <p:cNvPr id="6" name="Rectangle 5"/>
-            <p:cNvSpPr/>
-            <p:nvPr/>
-          </p:nvSpPr>
-          <p:spPr>
-            <a:xfrm>
-              <a:off x="414130" y="3432483"/>
-              <a:ext cx="3807453" cy="523220"/>
-            </a:xfrm>
-            <a:prstGeom prst="rect">
-              <a:avLst/>
-            </a:prstGeom>
-            <a:noFill/>
-          </p:spPr>
-          <p:txBody>
-            <a:bodyPr wrap="none" lIns="91440" tIns="45720" rIns="91440" bIns="45720">
-              <a:spAutoFit/>
-            </a:bodyPr>
-            <a:lstStyle/>
-            <a:p>
-              <a:pPr algn="ctr"/>
-              <a:r>
-                <a:rPr lang="en-US" sz="2800" dirty="0">
-                  <a:ln w="18415" cmpd="sng">
-                    <a:solidFill>
-                      <a:srgbClr val="FFFFFF"/>
-                    </a:solidFill>
-                    <a:prstDash val="solid"/>
-                  </a:ln>
-                  <a:solidFill>
-                    <a:srgbClr val="FFFFFF"/>
-                  </a:solidFill>
-                  <a:effectLst>
-                    <a:outerShdw blurRad="63500" dir="3600000" algn="tl" rotWithShape="0">
-                      <a:srgbClr val="000000">
-                        <a:alpha val="70000"/>
-                      </a:srgbClr>
-                    </a:outerShdw>
-                  </a:effectLst>
-                </a:rPr>
-                <a:t>P(S) = P(w1, w2, .., </a:t>
-              </a:r>
-              <a:r>
-                <a:rPr lang="en-US" sz="2800" dirty="0" err="1" smtClean="0">
-                  <a:ln w="18415" cmpd="sng">
-                    <a:solidFill>
-                      <a:srgbClr val="FFFFFF"/>
-                    </a:solidFill>
-                    <a:prstDash val="solid"/>
-                  </a:ln>
-                  <a:solidFill>
-                    <a:srgbClr val="FFFFFF"/>
-                  </a:solidFill>
-                  <a:effectLst>
-                    <a:outerShdw blurRad="63500" dir="3600000" algn="tl" rotWithShape="0">
-                      <a:srgbClr val="000000">
-                        <a:alpha val="70000"/>
-                      </a:srgbClr>
-                    </a:outerShdw>
-                  </a:effectLst>
-                </a:rPr>
-                <a:t>wn</a:t>
-              </a:r>
-              <a:r>
-                <a:rPr lang="en-US" sz="2800" dirty="0" smtClean="0">
-                  <a:ln w="18415" cmpd="sng">
-                    <a:solidFill>
-                      <a:srgbClr val="FFFFFF"/>
-                    </a:solidFill>
-                    <a:prstDash val="solid"/>
-                  </a:ln>
-                  <a:solidFill>
-                    <a:srgbClr val="FFFFFF"/>
-                  </a:solidFill>
-                  <a:effectLst>
-                    <a:outerShdw blurRad="63500" dir="3600000" algn="tl" rotWithShape="0">
-                      <a:srgbClr val="000000">
-                        <a:alpha val="70000"/>
-                      </a:srgbClr>
-                    </a:outerShdw>
-                  </a:effectLst>
-                </a:rPr>
-                <a:t>)</a:t>
-              </a:r>
-              <a:endParaRPr lang="en-US" sz="2800" dirty="0">
-                <a:ln w="18415" cmpd="sng">
-                  <a:solidFill>
-                    <a:srgbClr val="FFFFFF"/>
-                  </a:solidFill>
-                  <a:prstDash val="solid"/>
-                </a:ln>
-                <a:solidFill>
-                  <a:srgbClr val="FFFFFF"/>
-                </a:solidFill>
-                <a:effectLst>
-                  <a:outerShdw blurRad="63500" dir="3600000" algn="tl" rotWithShape="0">
-                    <a:srgbClr val="000000">
-                      <a:alpha val="70000"/>
-                    </a:srgbClr>
-                  </a:outerShdw>
-                </a:effectLst>
-              </a:endParaRPr>
-            </a:p>
-          </p:txBody>
-        </p:sp>
-      </p:grpSp>
-      <p:pic>
-        <p:nvPicPr>
-          <p:cNvPr id="1026" name="Picture 2"/>
-          <p:cNvPicPr>
-            <a:picLocks noChangeAspect="1" noChangeArrowheads="1"/>
-          </p:cNvPicPr>
-          <p:nvPr/>
-        </p:nvPicPr>
-        <p:blipFill>
-          <a:blip r:embed="rId3">
-            <a:extLst>
-              <a:ext uri="{28A0092B-C50C-407E-A947-70E740481C1C}">
-                <a14:useLocalDpi xmlns:a14="http://schemas.microsoft.com/office/drawing/2010/main" val="0"/>
-              </a:ext>
-            </a:extLst>
-          </a:blip>
-          <a:srcRect/>
-          <a:stretch>
-            <a:fillRect/>
-          </a:stretch>
-        </p:blipFill>
-        <p:spPr bwMode="auto">
-          <a:xfrm>
-            <a:off x="6074568" y="4648201"/>
-            <a:ext cx="4323091" cy="972573"/>
-          </a:xfrm>
-          <a:prstGeom prst="rect">
-            <a:avLst/>
-          </a:prstGeom>
-          <a:noFill/>
-          <a:ln>
-            <a:noFill/>
-          </a:ln>
-          <a:effectLst/>
-          <a:extLst>
-            <a:ext uri="{909E8E84-426E-40DD-AFC4-6F175D3DCCD1}">
-              <a14:hiddenFill xmlns:a14="http://schemas.microsoft.com/office/drawing/2010/main">
-                <a:solidFill>
-                  <a:schemeClr val="accent1"/>
-                </a:solidFill>
-              </a14:hiddenFill>
-            </a:ext>
-            <a:ext uri="{91240B29-F687-4F45-9708-019B960494DF}">
-              <a14:hiddenLine xmlns:a14="http://schemas.microsoft.com/office/drawing/2010/main" w="9525">
-                <a:solidFill>
-                  <a:schemeClr val="tx1"/>
-                </a:solidFill>
-                <a:miter lim="800000"/>
-                <a:headEnd/>
-                <a:tailEnd/>
-              </a14:hiddenLine>
-            </a:ext>
-            <a:ext uri="{AF507438-7753-43E0-B8FC-AC1667EBCBE1}">
-              <a14:hiddenEffects xmlns:a14="http://schemas.microsoft.com/office/drawing/2010/main">
-                <a:effectLst>
-                  <a:outerShdw dist="35921" dir="2700000" algn="ctr" rotWithShape="0">
-                    <a:schemeClr val="bg2"/>
-                  </a:outerShdw>
-                </a:effectLst>
-              </a14:hiddenEffects>
-            </a:ext>
-          </a:extLst>
-        </p:spPr>
-      </p:pic>
       <p:grpSp>
         <p:nvGrpSpPr>
           <p:cNvPr id="7" name="Group 6"/>
@@ -22876,112 +25275,12 @@
         </p:nvGrpSpPr>
         <p:grpSpPr>
           <a:xfrm>
-            <a:off x="6261428" y="395910"/>
-            <a:ext cx="3644572" cy="1204291"/>
-            <a:chOff x="4737428" y="243508"/>
-            <a:chExt cx="3644572" cy="1204291"/>
+            <a:off x="3997448" y="2003945"/>
+            <a:ext cx="1295400" cy="1066800"/>
+            <a:chOff x="7086600" y="304800"/>
+            <a:chExt cx="1295400" cy="1066800"/>
           </a:xfrm>
         </p:grpSpPr>
-        <p:sp>
-          <p:nvSpPr>
-            <p:cNvPr id="13" name="Rounded Rectangle 12"/>
-            <p:cNvSpPr/>
-            <p:nvPr/>
-          </p:nvSpPr>
-          <p:spPr>
-            <a:xfrm>
-              <a:off x="4737428" y="243508"/>
-              <a:ext cx="2196771" cy="1204291"/>
-            </a:xfrm>
-            <a:prstGeom prst="roundRect">
-              <a:avLst/>
-            </a:prstGeom>
-            <a:solidFill>
-              <a:schemeClr val="accent1">
-                <a:lumMod val="60000"/>
-                <a:lumOff val="40000"/>
-              </a:schemeClr>
-            </a:solidFill>
-          </p:spPr>
-          <p:style>
-            <a:lnRef idx="2">
-              <a:schemeClr val="accent1">
-                <a:shade val="50000"/>
-              </a:schemeClr>
-            </a:lnRef>
-            <a:fillRef idx="1">
-              <a:schemeClr val="accent1"/>
-            </a:fillRef>
-            <a:effectRef idx="0">
-              <a:schemeClr val="accent1"/>
-            </a:effectRef>
-            <a:fontRef idx="minor">
-              <a:schemeClr val="lt1"/>
-            </a:fontRef>
-          </p:style>
-          <p:txBody>
-            <a:bodyPr rtlCol="0" anchor="t" anchorCtr="0"/>
-            <a:lstStyle/>
-            <a:p>
-              <a:pPr algn="ctr"/>
-              <a:r>
-                <a:rPr lang="nb-NO" sz="1400" dirty="0"/>
-                <a:t>Markov Assumption</a:t>
-              </a:r>
-              <a:endParaRPr lang="en-US" sz="1400" dirty="0"/>
-            </a:p>
-          </p:txBody>
-        </p:sp>
-        <p:sp>
-          <p:nvSpPr>
-            <p:cNvPr id="8" name="Rounded Rectangle 7"/>
-            <p:cNvSpPr/>
-            <p:nvPr/>
-          </p:nvSpPr>
-          <p:spPr>
-            <a:xfrm>
-              <a:off x="4959513" y="685800"/>
-              <a:ext cx="1752600" cy="685800"/>
-            </a:xfrm>
-            <a:prstGeom prst="roundRect">
-              <a:avLst/>
-            </a:prstGeom>
-            <a:solidFill>
-              <a:schemeClr val="accent1">
-                <a:lumMod val="60000"/>
-                <a:lumOff val="40000"/>
-              </a:schemeClr>
-            </a:solidFill>
-          </p:spPr>
-          <p:style>
-            <a:lnRef idx="2">
-              <a:schemeClr val="accent1">
-                <a:shade val="50000"/>
-              </a:schemeClr>
-            </a:lnRef>
-            <a:fillRef idx="1">
-              <a:schemeClr val="accent1"/>
-            </a:fillRef>
-            <a:effectRef idx="0">
-              <a:schemeClr val="accent1"/>
-            </a:effectRef>
-            <a:fontRef idx="minor">
-              <a:schemeClr val="lt1"/>
-            </a:fontRef>
-          </p:style>
-          <p:txBody>
-            <a:bodyPr rtlCol="0" anchor="ctr"/>
-            <a:lstStyle/>
-            <a:p>
-              <a:pPr algn="ctr"/>
-              <a:r>
-                <a:rPr lang="nb-NO" dirty="0"/>
-                <a:t>N-grams </a:t>
-              </a:r>
-              <a:endParaRPr lang="en-US" dirty="0"/>
-            </a:p>
-          </p:txBody>
-        </p:sp>
         <p:sp>
           <p:nvSpPr>
             <p:cNvPr id="10" name="Rounded Rectangle 9"/>
@@ -23141,7 +25440,7 @@
         </p:nvSpPr>
         <p:spPr>
           <a:xfrm>
-            <a:off x="6388263" y="1905000"/>
+            <a:off x="127588" y="2321997"/>
             <a:ext cx="1943100" cy="457200"/>
           </a:xfrm>
           <a:prstGeom prst="roundRect">
@@ -23191,7 +25490,7 @@
         </p:nvSpPr>
         <p:spPr>
           <a:xfrm>
-            <a:off x="8647043" y="1905000"/>
+            <a:off x="2386368" y="2321997"/>
             <a:ext cx="1295400" cy="457200"/>
           </a:xfrm>
           <a:prstGeom prst="roundRect">
@@ -23248,11 +25547,14 @@
         </p:nvGrpSpPr>
         <p:grpSpPr>
           <a:xfrm>
-            <a:off x="6418081" y="2534479"/>
+            <a:off x="3034068" y="3315910"/>
             <a:ext cx="3529333" cy="477079"/>
             <a:chOff x="4894080" y="2286000"/>
             <a:chExt cx="3529333" cy="477079"/>
           </a:xfrm>
+          <a:solidFill>
+            <a:srgbClr val="92D050"/>
+          </a:solidFill>
         </p:grpSpPr>
         <p:sp>
           <p:nvSpPr>
@@ -23268,12 +25570,7 @@
             <a:prstGeom prst="roundRect">
               <a:avLst/>
             </a:prstGeom>
-            <a:solidFill>
-              <a:schemeClr val="accent1">
-                <a:lumMod val="60000"/>
-                <a:lumOff val="40000"/>
-              </a:schemeClr>
-            </a:solidFill>
+            <a:grpFill/>
           </p:spPr>
           <p:style>
             <a:lnRef idx="2">
@@ -23318,12 +25615,7 @@
             <a:prstGeom prst="roundRect">
               <a:avLst/>
             </a:prstGeom>
-            <a:solidFill>
-              <a:schemeClr val="accent1">
-                <a:lumMod val="60000"/>
-                <a:lumOff val="40000"/>
-              </a:schemeClr>
-            </a:solidFill>
+            <a:grpFill/>
           </p:spPr>
           <p:style>
             <a:lnRef idx="2">
@@ -23368,12 +25660,7 @@
             <a:prstGeom prst="roundRect">
               <a:avLst/>
             </a:prstGeom>
-            <a:solidFill>
-              <a:schemeClr val="accent1">
-                <a:lumMod val="60000"/>
-                <a:lumOff val="40000"/>
-              </a:schemeClr>
-            </a:solidFill>
+            <a:grpFill/>
           </p:spPr>
           <p:style>
             <a:lnRef idx="2">
@@ -23405,88 +25692,17 @@
           </p:txBody>
         </p:sp>
       </p:grpSp>
-      <p:sp>
-        <p:nvSpPr>
-          <p:cNvPr id="23" name="Rectangle 22"/>
-          <p:cNvSpPr/>
-          <p:nvPr/>
-        </p:nvSpPr>
-        <p:spPr>
-          <a:xfrm>
-            <a:off x="247314" y="1550580"/>
-            <a:ext cx="5698434" cy="954107"/>
-          </a:xfrm>
-          <a:prstGeom prst="rect">
-            <a:avLst/>
-          </a:prstGeom>
-          <a:noFill/>
-        </p:spPr>
-        <p:txBody>
-          <a:bodyPr wrap="square" lIns="91440" tIns="45720" rIns="91440" bIns="45720">
-            <a:spAutoFit/>
-          </a:bodyPr>
-          <a:lstStyle/>
-          <a:p>
-            <a:r>
-              <a:rPr lang="en-US" sz="1400" b="1" dirty="0" smtClean="0">
-                <a:solidFill>
-                  <a:schemeClr val="lt1"/>
-                </a:solidFill>
-              </a:rPr>
-              <a:t>[The Challenge]</a:t>
-            </a:r>
-          </a:p>
-          <a:p>
-            <a:endParaRPr lang="en-US" sz="1400" dirty="0" smtClean="0">
-              <a:solidFill>
-                <a:schemeClr val="lt1"/>
-              </a:solidFill>
-            </a:endParaRPr>
-          </a:p>
-          <a:p>
-            <a:r>
-              <a:rPr lang="en-US" sz="1400" dirty="0" smtClean="0">
-                <a:solidFill>
-                  <a:schemeClr val="lt1"/>
-                </a:solidFill>
-              </a:rPr>
-              <a:t>What are </a:t>
-            </a:r>
-            <a:r>
-              <a:rPr lang="en-US" sz="1400" b="1" dirty="0" smtClean="0">
-                <a:solidFill>
-                  <a:schemeClr val="lt1"/>
-                </a:solidFill>
-              </a:rPr>
-              <a:t>the most probable next 3 words</a:t>
-            </a:r>
-            <a:r>
-              <a:rPr lang="en-US" sz="1400" dirty="0" smtClean="0">
-                <a:solidFill>
-                  <a:schemeClr val="lt1"/>
-                </a:solidFill>
-              </a:rPr>
-              <a:t> given that  the user has entered ..</a:t>
-            </a:r>
-            <a:endParaRPr lang="en-US" sz="1400" dirty="0">
-              <a:solidFill>
-                <a:schemeClr val="lt1"/>
-              </a:solidFill>
-            </a:endParaRPr>
-          </a:p>
-        </p:txBody>
-      </p:sp>
       <p:grpSp>
         <p:nvGrpSpPr>
-          <p:cNvPr id="16" name="Group 15"/>
+          <p:cNvPr id="24" name="Group 23"/>
           <p:cNvGrpSpPr/>
           <p:nvPr/>
         </p:nvGrpSpPr>
         <p:grpSpPr>
           <a:xfrm>
-            <a:off x="6418081" y="3313093"/>
+            <a:off x="4249098" y="4055327"/>
             <a:ext cx="3529333" cy="563218"/>
-            <a:chOff x="4894080" y="3094382"/>
+            <a:chOff x="7024364" y="4303776"/>
             <a:chExt cx="3529333" cy="563218"/>
           </a:xfrm>
         </p:grpSpPr>
@@ -23498,16 +25714,15 @@
           </p:nvSpPr>
           <p:spPr>
             <a:xfrm>
-              <a:off x="4894080" y="3104347"/>
+              <a:off x="7024364" y="4313741"/>
               <a:ext cx="1943100" cy="553253"/>
             </a:xfrm>
             <a:prstGeom prst="roundRect">
               <a:avLst/>
             </a:prstGeom>
             <a:solidFill>
-              <a:schemeClr val="accent1">
-                <a:lumMod val="60000"/>
-                <a:lumOff val="40000"/>
+              <a:schemeClr val="accent4">
+                <a:lumMod val="75000"/>
               </a:schemeClr>
             </a:solidFill>
           </p:spPr>
@@ -23548,16 +25763,15 @@
           </p:nvSpPr>
           <p:spPr>
             <a:xfrm>
-              <a:off x="7128013" y="3094382"/>
+              <a:off x="9258297" y="4303776"/>
               <a:ext cx="1295400" cy="238539"/>
             </a:xfrm>
             <a:prstGeom prst="roundRect">
               <a:avLst/>
             </a:prstGeom>
             <a:solidFill>
-              <a:schemeClr val="accent1">
-                <a:lumMod val="60000"/>
-                <a:lumOff val="40000"/>
+              <a:schemeClr val="accent4">
+                <a:lumMod val="75000"/>
               </a:schemeClr>
             </a:solidFill>
           </p:spPr>
@@ -23598,16 +25812,15 @@
           </p:nvSpPr>
           <p:spPr>
             <a:xfrm>
-              <a:off x="7128013" y="3339546"/>
+              <a:off x="9258297" y="4548940"/>
               <a:ext cx="1295400" cy="238539"/>
             </a:xfrm>
             <a:prstGeom prst="roundRect">
               <a:avLst/>
             </a:prstGeom>
             <a:solidFill>
-              <a:schemeClr val="accent1">
-                <a:lumMod val="60000"/>
-                <a:lumOff val="40000"/>
+              <a:schemeClr val="accent4">
+                <a:lumMod val="75000"/>
               </a:schemeClr>
             </a:solidFill>
           </p:spPr>
@@ -23641,10 +25854,207 @@
           </p:txBody>
         </p:sp>
       </p:grpSp>
+      <p:sp>
+        <p:nvSpPr>
+          <p:cNvPr id="25" name="Rounded Rectangle 24"/>
+          <p:cNvSpPr/>
+          <p:nvPr/>
+        </p:nvSpPr>
+        <p:spPr>
+          <a:xfrm>
+            <a:off x="8248569" y="2974601"/>
+            <a:ext cx="1630683" cy="553253"/>
+          </a:xfrm>
+          <a:prstGeom prst="roundRect">
+            <a:avLst/>
+          </a:prstGeom>
+          <a:solidFill>
+            <a:schemeClr val="accent2">
+              <a:lumMod val="75000"/>
+            </a:schemeClr>
+          </a:solidFill>
+        </p:spPr>
+        <p:style>
+          <a:lnRef idx="2">
+            <a:schemeClr val="accent1">
+              <a:shade val="50000"/>
+            </a:schemeClr>
+          </a:lnRef>
+          <a:fillRef idx="1">
+            <a:schemeClr val="accent1"/>
+          </a:fillRef>
+          <a:effectRef idx="0">
+            <a:schemeClr val="accent1"/>
+          </a:effectRef>
+          <a:fontRef idx="minor">
+            <a:schemeClr val="lt1"/>
+          </a:fontRef>
+        </p:style>
+        <p:txBody>
+          <a:bodyPr rtlCol="0" anchor="ctr"/>
+          <a:lstStyle/>
+          <a:p>
+            <a:pPr algn="ctr"/>
+            <a:r>
+              <a:rPr lang="nb-NO" dirty="0"/>
+              <a:t>Model Evaluation</a:t>
+            </a:r>
+            <a:endParaRPr lang="en-US" dirty="0"/>
+          </a:p>
+        </p:txBody>
+      </p:sp>
+      <p:sp>
+        <p:nvSpPr>
+          <p:cNvPr id="28" name="Rounded Rectangle 27"/>
+          <p:cNvSpPr/>
+          <p:nvPr/>
+        </p:nvSpPr>
+        <p:spPr>
+          <a:xfrm>
+            <a:off x="10032739" y="3146640"/>
+            <a:ext cx="1295400" cy="238539"/>
+          </a:xfrm>
+          <a:prstGeom prst="roundRect">
+            <a:avLst/>
+          </a:prstGeom>
+          <a:solidFill>
+            <a:schemeClr val="accent2">
+              <a:lumMod val="75000"/>
+            </a:schemeClr>
+          </a:solidFill>
+        </p:spPr>
+        <p:style>
+          <a:lnRef idx="2">
+            <a:schemeClr val="accent1">
+              <a:shade val="50000"/>
+            </a:schemeClr>
+          </a:lnRef>
+          <a:fillRef idx="1">
+            <a:schemeClr val="accent1"/>
+          </a:fillRef>
+          <a:effectRef idx="0">
+            <a:schemeClr val="accent1"/>
+          </a:effectRef>
+          <a:fontRef idx="minor">
+            <a:schemeClr val="lt1"/>
+          </a:fontRef>
+        </p:style>
+        <p:txBody>
+          <a:bodyPr rtlCol="0" anchor="ctr"/>
+          <a:lstStyle/>
+          <a:p>
+            <a:pPr algn="ctr"/>
+            <a:r>
+              <a:rPr lang="nb-NO" sz="1200" b="1" dirty="0" err="1"/>
+              <a:t>Perplexity</a:t>
+            </a:r>
+            <a:endParaRPr lang="en-US" sz="1200" b="1" dirty="0"/>
+          </a:p>
+        </p:txBody>
+      </p:sp>
+      <p:sp>
+        <p:nvSpPr>
+          <p:cNvPr id="3" name="TextBox 2"/>
+          <p:cNvSpPr txBox="1"/>
+          <p:nvPr/>
+        </p:nvSpPr>
+        <p:spPr>
+          <a:xfrm>
+            <a:off x="5915701" y="1417038"/>
+            <a:ext cx="4634602" cy="646331"/>
+          </a:xfrm>
+          <a:prstGeom prst="rect">
+            <a:avLst/>
+          </a:prstGeom>
+          <a:noFill/>
+        </p:spPr>
+        <p:txBody>
+          <a:bodyPr wrap="none" rtlCol="0">
+            <a:spAutoFit/>
+          </a:bodyPr>
+          <a:lstStyle/>
+          <a:p>
+            <a:r>
+              <a:rPr lang="en-GB" b="1" dirty="0"/>
+              <a:t>What type of data structure do I need to </a:t>
+            </a:r>
+          </a:p>
+          <a:p>
+            <a:r>
+              <a:rPr lang="en-GB" b="1" dirty="0"/>
+              <a:t>create language models?</a:t>
+            </a:r>
+          </a:p>
+        </p:txBody>
+      </p:sp>
+      <p:sp>
+        <p:nvSpPr>
+          <p:cNvPr id="23" name="TextBox 22"/>
+          <p:cNvSpPr txBox="1"/>
+          <p:nvPr/>
+        </p:nvSpPr>
+        <p:spPr>
+          <a:xfrm>
+            <a:off x="236165" y="1025396"/>
+            <a:ext cx="5275803" cy="369332"/>
+          </a:xfrm>
+          <a:prstGeom prst="rect">
+            <a:avLst/>
+          </a:prstGeom>
+          <a:noFill/>
+        </p:spPr>
+        <p:txBody>
+          <a:bodyPr wrap="none" rtlCol="0">
+            <a:spAutoFit/>
+          </a:bodyPr>
+          <a:lstStyle/>
+          <a:p>
+            <a:r>
+              <a:rPr lang="en-GB" b="1" dirty="0"/>
+              <a:t>What do I need to solve the challenge at hand?</a:t>
+            </a:r>
+          </a:p>
+        </p:txBody>
+      </p:sp>
+      <p:sp>
+        <p:nvSpPr>
+          <p:cNvPr id="26" name="TextBox 25"/>
+          <p:cNvSpPr txBox="1"/>
+          <p:nvPr/>
+        </p:nvSpPr>
+        <p:spPr>
+          <a:xfrm>
+            <a:off x="4758940" y="4938264"/>
+            <a:ext cx="5120312" cy="646331"/>
+          </a:xfrm>
+          <a:prstGeom prst="rect">
+            <a:avLst/>
+          </a:prstGeom>
+          <a:noFill/>
+        </p:spPr>
+        <p:txBody>
+          <a:bodyPr wrap="none" rtlCol="0">
+            <a:spAutoFit/>
+          </a:bodyPr>
+          <a:lstStyle/>
+          <a:p>
+            <a:r>
+              <a:rPr lang="en-GB" b="1" dirty="0"/>
+              <a:t>What type of issues do I need to be aware of?</a:t>
+            </a:r>
+          </a:p>
+          <a:p>
+            <a:r>
+              <a:rPr lang="en-GB" b="1" dirty="0"/>
+              <a:t>And how can I avoid them?</a:t>
+            </a:r>
+          </a:p>
+        </p:txBody>
+      </p:sp>
     </p:spTree>
     <p:extLst>
       <p:ext uri="{BB962C8B-B14F-4D97-AF65-F5344CB8AC3E}">
-        <p14:creationId xmlns:p14="http://schemas.microsoft.com/office/powerpoint/2010/main" val="2267748624"/>
+        <p14:creationId xmlns:p14="http://schemas.microsoft.com/office/powerpoint/2010/main" val="3518510659"/>
       </p:ext>
     </p:extLst>
   </p:cSld>
@@ -23685,7 +26095,7 @@
                                           </p:stCondLst>
                                         </p:cTn>
                                         <p:tgtEl>
-                                          <p:spTgt spid="4"/>
+                                          <p:spTgt spid="7"/>
                                         </p:tgtEl>
                                         <p:attrNameLst>
                                           <p:attrName>style.visibility</p:attrName>
@@ -23699,94 +26109,6 @@
                                       <p:cBhvr>
                                         <p:cTn id="7" dur="500"/>
                                         <p:tgtEl>
-                                          <p:spTgt spid="4"/>
-                                        </p:tgtEl>
-                                      </p:cBhvr>
-                                    </p:animEffect>
-                                  </p:childTnLst>
-                                </p:cTn>
-                              </p:par>
-                              <p:par>
-                                <p:cTn id="8" presetID="10" presetClass="entr" presetSubtype="0" fill="hold" nodeType="withEffect">
-                                  <p:stCondLst>
-                                    <p:cond delay="0"/>
-                                  </p:stCondLst>
-                                  <p:childTnLst>
-                                    <p:set>
-                                      <p:cBhvr>
-                                        <p:cTn id="9" dur="1" fill="hold">
-                                          <p:stCondLst>
-                                            <p:cond delay="0"/>
-                                          </p:stCondLst>
-                                        </p:cTn>
-                                        <p:tgtEl>
-                                          <p:spTgt spid="1026"/>
-                                        </p:tgtEl>
-                                        <p:attrNameLst>
-                                          <p:attrName>style.visibility</p:attrName>
-                                        </p:attrNameLst>
-                                      </p:cBhvr>
-                                      <p:to>
-                                        <p:strVal val="visible"/>
-                                      </p:to>
-                                    </p:set>
-                                    <p:animEffect transition="in" filter="fade">
-                                      <p:cBhvr>
-                                        <p:cTn id="10" dur="500"/>
-                                        <p:tgtEl>
-                                          <p:spTgt spid="1026"/>
-                                        </p:tgtEl>
-                                      </p:cBhvr>
-                                    </p:animEffect>
-                                  </p:childTnLst>
-                                </p:cTn>
-                              </p:par>
-                            </p:childTnLst>
-                          </p:cTn>
-                        </p:par>
-                      </p:childTnLst>
-                    </p:cTn>
-                  </p:par>
-                  <p:par>
-                    <p:cTn id="11" fill="hold">
-                      <p:stCondLst>
-                        <p:cond delay="indefinite"/>
-                      </p:stCondLst>
-                      <p:childTnLst>
-                        <p:par>
-                          <p:cTn id="12" fill="hold">
-                            <p:stCondLst>
-                              <p:cond delay="0"/>
-                            </p:stCondLst>
-                            <p:childTnLst>
-                              <p:par>
-                                <p:cTn id="13" presetID="10" presetClass="entr" presetSubtype="0" fill="hold" nodeType="clickEffect">
-                                  <p:stCondLst>
-                                    <p:cond delay="0"/>
-                                  </p:stCondLst>
-                                  <p:childTnLst>
-                                    <p:set>
-                                      <p:cBhvr>
-                                        <p:cTn id="14" dur="1" fill="hold">
-                                          <p:stCondLst>
-                                            <p:cond delay="0"/>
-                                          </p:stCondLst>
-                                        </p:cTn>
-                                        <p:tgtEl>
-                                          <p:spTgt spid="7"/>
-                                        </p:tgtEl>
-                                        <p:attrNameLst>
-                                          <p:attrName>style.visibility</p:attrName>
-                                        </p:attrNameLst>
-                                      </p:cBhvr>
-                                      <p:to>
-                                        <p:strVal val="visible"/>
-                                      </p:to>
-                                    </p:set>
-                                    <p:animEffect transition="in" filter="fade">
-                                      <p:cBhvr>
-                                        <p:cTn id="15" dur="500"/>
-                                        <p:tgtEl>
                                           <p:spTgt spid="7"/>
                                         </p:tgtEl>
                                       </p:cBhvr>
@@ -23798,20 +26120,20 @@
                           </p:cTn>
                         </p:par>
                         <p:par>
-                          <p:cTn id="16" fill="hold">
+                          <p:cTn id="8" fill="hold">
                             <p:stCondLst>
                               <p:cond delay="500"/>
                             </p:stCondLst>
                             <p:childTnLst>
                               <p:par>
-                                <p:cTn id="17" presetID="10" presetClass="entr" presetSubtype="0" fill="hold" grpId="0" nodeType="afterEffect">
+                                <p:cTn id="9" presetID="10" presetClass="entr" presetSubtype="0" fill="hold" grpId="0" nodeType="afterEffect">
                                   <p:stCondLst>
                                     <p:cond delay="0"/>
                                   </p:stCondLst>
                                   <p:childTnLst>
                                     <p:set>
                                       <p:cBhvr>
-                                        <p:cTn id="18" dur="1" fill="hold">
+                                        <p:cTn id="10" dur="1" fill="hold">
                                           <p:stCondLst>
                                             <p:cond delay="0"/>
                                           </p:stCondLst>
@@ -23829,7 +26151,7 @@
                                     </p:set>
                                     <p:animEffect transition="in" filter="fade">
                                       <p:cBhvr>
-                                        <p:cTn id="19" dur="500"/>
+                                        <p:cTn id="11" dur="500"/>
                                         <p:tgtEl>
                                           <p:spTgt spid="14"/>
                                         </p:tgtEl>
@@ -23842,20 +26164,20 @@
                           </p:cTn>
                         </p:par>
                         <p:par>
-                          <p:cTn id="20" fill="hold">
+                          <p:cTn id="12" fill="hold">
                             <p:stCondLst>
                               <p:cond delay="1000"/>
                             </p:stCondLst>
                             <p:childTnLst>
                               <p:par>
-                                <p:cTn id="21" presetID="10" presetClass="entr" presetSubtype="0" fill="hold" grpId="0" nodeType="afterEffect">
+                                <p:cTn id="13" presetID="10" presetClass="entr" presetSubtype="0" fill="hold" grpId="0" nodeType="afterEffect">
                                   <p:stCondLst>
                                     <p:cond delay="0"/>
                                   </p:stCondLst>
                                   <p:childTnLst>
                                     <p:set>
                                       <p:cBhvr>
-                                        <p:cTn id="22" dur="1" fill="hold">
+                                        <p:cTn id="14" dur="1" fill="hold">
                                           <p:stCondLst>
                                             <p:cond delay="0"/>
                                           </p:stCondLst>
@@ -23873,7 +26195,7 @@
                                     </p:set>
                                     <p:animEffect transition="in" filter="fade">
                                       <p:cBhvr>
-                                        <p:cTn id="23" dur="500"/>
+                                        <p:cTn id="15" dur="500"/>
                                         <p:tgtEl>
                                           <p:spTgt spid="15"/>
                                         </p:tgtEl>
@@ -23886,20 +26208,20 @@
                           </p:cTn>
                         </p:par>
                         <p:par>
-                          <p:cTn id="24" fill="hold">
+                          <p:cTn id="16" fill="hold">
                             <p:stCondLst>
                               <p:cond delay="1500"/>
                             </p:stCondLst>
                             <p:childTnLst>
                               <p:par>
-                                <p:cTn id="25" presetID="10" presetClass="entr" presetSubtype="0" fill="hold" nodeType="afterEffect">
+                                <p:cTn id="17" presetID="10" presetClass="entr" presetSubtype="0" fill="hold" nodeType="afterEffect">
                                   <p:stCondLst>
                                     <p:cond delay="0"/>
                                   </p:stCondLst>
                                   <p:childTnLst>
                                     <p:set>
                                       <p:cBhvr>
-                                        <p:cTn id="26" dur="1" fill="hold">
+                                        <p:cTn id="18" dur="1" fill="hold">
                                           <p:stCondLst>
                                             <p:cond delay="0"/>
                                           </p:stCondLst>
@@ -23917,53 +26239,9 @@
                                     </p:set>
                                     <p:animEffect transition="in" filter="fade">
                                       <p:cBhvr>
-                                        <p:cTn id="27" dur="500"/>
+                                        <p:cTn id="19" dur="500"/>
                                         <p:tgtEl>
                                           <p:spTgt spid="9"/>
-                                        </p:tgtEl>
-                                      </p:cBhvr>
-                                    </p:animEffect>
-                                  </p:childTnLst>
-                                </p:cTn>
-                              </p:par>
-                            </p:childTnLst>
-                          </p:cTn>
-                        </p:par>
-                        <p:par>
-                          <p:cTn id="28" fill="hold">
-                            <p:stCondLst>
-                              <p:cond delay="2000"/>
-                            </p:stCondLst>
-                            <p:childTnLst>
-                              <p:par>
-                                <p:cTn id="29" presetID="10" presetClass="entr" presetSubtype="0" fill="hold" nodeType="afterEffect">
-                                  <p:stCondLst>
-                                    <p:cond delay="0"/>
-                                  </p:stCondLst>
-                                  <p:childTnLst>
-                                    <p:set>
-                                      <p:cBhvr>
-                                        <p:cTn id="30" dur="1" fill="hold">
-                                          <p:stCondLst>
-                                            <p:cond delay="0"/>
-                                          </p:stCondLst>
-                                        </p:cTn>
-                                        <p:tgtEl>
-                                          <p:spTgt spid="16"/>
-                                        </p:tgtEl>
-                                        <p:attrNameLst>
-                                          <p:attrName>style.visibility</p:attrName>
-                                        </p:attrNameLst>
-                                      </p:cBhvr>
-                                      <p:to>
-                                        <p:strVal val="visible"/>
-                                      </p:to>
-                                    </p:set>
-                                    <p:animEffect transition="in" filter="fade">
-                                      <p:cBhvr>
-                                        <p:cTn id="31" dur="500"/>
-                                        <p:tgtEl>
-                                          <p:spTgt spid="16"/>
                                         </p:tgtEl>
                                       </p:cBhvr>
                                     </p:animEffect>
@@ -24005,6 +26283,218 @@
 </p:sld>
 </file>
 
+<file path=ppt/slides/slide8.xml><?xml version="1.0" encoding="utf-8"?>
+<p:sld xmlns:a="http://schemas.openxmlformats.org/drawingml/2006/main" xmlns:r="http://schemas.openxmlformats.org/officeDocument/2006/relationships" xmlns:p="http://schemas.openxmlformats.org/presentationml/2006/main">
+  <p:cSld>
+    <p:spTree>
+      <p:nvGrpSpPr>
+        <p:cNvPr id="1" name=""/>
+        <p:cNvGrpSpPr/>
+        <p:nvPr/>
+      </p:nvGrpSpPr>
+      <p:grpSpPr>
+        <a:xfrm>
+          <a:off x="0" y="0"/>
+          <a:ext cx="0" cy="0"/>
+          <a:chOff x="0" y="0"/>
+          <a:chExt cx="0" cy="0"/>
+        </a:xfrm>
+      </p:grpSpPr>
+      <p:sp>
+        <p:nvSpPr>
+          <p:cNvPr id="2" name="Title 1"/>
+          <p:cNvSpPr>
+            <a:spLocks noGrp="1"/>
+          </p:cNvSpPr>
+          <p:nvPr>
+            <p:ph type="title"/>
+          </p:nvPr>
+        </p:nvSpPr>
+        <p:spPr>
+          <a:xfrm>
+            <a:off x="4388013" y="5761431"/>
+            <a:ext cx="7696200" cy="914400"/>
+          </a:xfrm>
+        </p:spPr>
+        <p:txBody>
+          <a:bodyPr>
+            <a:normAutofit/>
+          </a:bodyPr>
+          <a:lstStyle/>
+          <a:p>
+            <a:pPr algn="r"/>
+            <a:r>
+              <a:rPr lang="nb-NO" sz="3600" dirty="0"/>
+              <a:t>Understanding the challenge</a:t>
+            </a:r>
+            <a:br>
+              <a:rPr lang="nb-NO" sz="3600" dirty="0"/>
+            </a:br>
+            <a:r>
+              <a:rPr lang="nb-NO" sz="1800" dirty="0"/>
+              <a:t>Foundation of Statistical NLP - References</a:t>
+            </a:r>
+            <a:endParaRPr lang="en-US" dirty="0"/>
+          </a:p>
+        </p:txBody>
+      </p:sp>
+      <p:pic>
+        <p:nvPicPr>
+          <p:cNvPr id="4" name="Picture 3"/>
+          <p:cNvPicPr>
+            <a:picLocks noChangeAspect="1"/>
+          </p:cNvPicPr>
+          <p:nvPr/>
+        </p:nvPicPr>
+        <p:blipFill>
+          <a:blip r:embed="rId3"/>
+          <a:stretch>
+            <a:fillRect/>
+          </a:stretch>
+        </p:blipFill>
+        <p:spPr>
+          <a:xfrm>
+            <a:off x="495223" y="2721292"/>
+            <a:ext cx="7296150" cy="1514475"/>
+          </a:xfrm>
+          <a:prstGeom prst="rect">
+            <a:avLst/>
+          </a:prstGeom>
+        </p:spPr>
+      </p:pic>
+      <p:pic>
+        <p:nvPicPr>
+          <p:cNvPr id="5" name="Picture 4" descr="Archivo:X-office-presentation.svg - Wikipedia, la enciclopedia libre">
+            <a:hlinkClick r:id="rId4"/>
+          </p:cNvPr>
+          <p:cNvPicPr>
+            <a:picLocks noChangeAspect="1"/>
+          </p:cNvPicPr>
+          <p:nvPr/>
+        </p:nvPicPr>
+        <p:blipFill>
+          <a:blip r:embed="rId5" cstate="print">
+            <a:extLst>
+              <a:ext uri="{28A0092B-C50C-407E-A947-70E740481C1C}">
+                <a14:useLocalDpi xmlns:a14="http://schemas.microsoft.com/office/drawing/2010/main" val="0"/>
+              </a:ext>
+            </a:extLst>
+          </a:blip>
+          <a:stretch>
+            <a:fillRect/>
+          </a:stretch>
+        </p:blipFill>
+        <p:spPr>
+          <a:xfrm>
+            <a:off x="2189976" y="1888799"/>
+            <a:ext cx="721052" cy="721052"/>
+          </a:xfrm>
+          <a:prstGeom prst="rect">
+            <a:avLst/>
+          </a:prstGeom>
+        </p:spPr>
+      </p:pic>
+      <p:pic>
+        <p:nvPicPr>
+          <p:cNvPr id="6" name="Picture 5" descr="ESL BRAZIL: Videos">
+            <a:hlinkClick r:id="rId6"/>
+          </p:cNvPr>
+          <p:cNvPicPr>
+            <a:picLocks noChangeAspect="1"/>
+          </p:cNvPicPr>
+          <p:nvPr/>
+        </p:nvPicPr>
+        <p:blipFill>
+          <a:blip r:embed="rId7" cstate="print">
+            <a:extLst>
+              <a:ext uri="{28A0092B-C50C-407E-A947-70E740481C1C}">
+                <a14:useLocalDpi xmlns:a14="http://schemas.microsoft.com/office/drawing/2010/main" val="0"/>
+              </a:ext>
+            </a:extLst>
+          </a:blip>
+          <a:stretch>
+            <a:fillRect/>
+          </a:stretch>
+        </p:blipFill>
+        <p:spPr>
+          <a:xfrm>
+            <a:off x="3159916" y="1962993"/>
+            <a:ext cx="572664" cy="572664"/>
+          </a:xfrm>
+          <a:prstGeom prst="rect">
+            <a:avLst/>
+          </a:prstGeom>
+        </p:spPr>
+      </p:pic>
+      <p:pic>
+        <p:nvPicPr>
+          <p:cNvPr id="8" name="Picture 7" descr="Open Book">
+            <a:hlinkClick r:id="rId8"/>
+          </p:cNvPr>
+          <p:cNvPicPr>
+            <a:picLocks noChangeAspect="1"/>
+          </p:cNvPicPr>
+          <p:nvPr/>
+        </p:nvPicPr>
+        <p:blipFill>
+          <a:blip r:embed="rId9" cstate="print">
+            <a:extLst>
+              <a:ext uri="{28A0092B-C50C-407E-A947-70E740481C1C}">
+                <a14:useLocalDpi xmlns:a14="http://schemas.microsoft.com/office/drawing/2010/main" val="0"/>
+              </a:ext>
+            </a:extLst>
+          </a:blip>
+          <a:stretch>
+            <a:fillRect/>
+          </a:stretch>
+        </p:blipFill>
+        <p:spPr>
+          <a:xfrm>
+            <a:off x="849024" y="1890109"/>
+            <a:ext cx="1092064" cy="731000"/>
+          </a:xfrm>
+          <a:prstGeom prst="rect">
+            <a:avLst/>
+          </a:prstGeom>
+        </p:spPr>
+      </p:pic>
+      <p:pic>
+        <p:nvPicPr>
+          <p:cNvPr id="13" name="Picture 12"/>
+          <p:cNvPicPr>
+            <a:picLocks noChangeAspect="1"/>
+          </p:cNvPicPr>
+          <p:nvPr/>
+        </p:nvPicPr>
+        <p:blipFill>
+          <a:blip r:embed="rId10"/>
+          <a:stretch>
+            <a:fillRect/>
+          </a:stretch>
+        </p:blipFill>
+        <p:spPr>
+          <a:xfrm>
+            <a:off x="8967809" y="2389246"/>
+            <a:ext cx="1901000" cy="2178565"/>
+          </a:xfrm>
+          <a:prstGeom prst="rect">
+            <a:avLst/>
+          </a:prstGeom>
+        </p:spPr>
+      </p:pic>
+    </p:spTree>
+    <p:extLst>
+      <p:ext uri="{BB962C8B-B14F-4D97-AF65-F5344CB8AC3E}">
+        <p14:creationId xmlns:p14="http://schemas.microsoft.com/office/powerpoint/2010/main" val="3051965030"/>
+      </p:ext>
+    </p:extLst>
+  </p:cSld>
+  <p:clrMapOvr>
+    <a:masterClrMapping/>
+  </p:clrMapOvr>
+</p:sld>
+</file>
+
 <file path=ppt/slides/slide9.xml><?xml version="1.0" encoding="utf-8"?>
 <p:sld xmlns:a="http://schemas.openxmlformats.org/drawingml/2006/main" xmlns:r="http://schemas.openxmlformats.org/officeDocument/2006/relationships" xmlns:p="http://schemas.openxmlformats.org/presentationml/2006/main">
   <p:cSld>
@@ -24022,731 +26512,255 @@
           <a:chExt cx="0" cy="0"/>
         </a:xfrm>
       </p:grpSpPr>
-      <p:graphicFrame>
-        <p:nvGraphicFramePr>
-          <p:cNvPr id="4" name="Diagram 3"/>
-          <p:cNvGraphicFramePr/>
-          <p:nvPr>
-            <p:extLst/>
-          </p:nvPr>
-        </p:nvGraphicFramePr>
-        <p:xfrm>
-          <a:off x="3352800" y="1397000"/>
-          <a:ext cx="6096000" cy="4064000"/>
-        </p:xfrm>
-        <a:graphic>
-          <a:graphicData uri="http://schemas.openxmlformats.org/drawingml/2006/diagram">
-            <dgm:relIds xmlns:dgm="http://schemas.openxmlformats.org/drawingml/2006/diagram" xmlns:r="http://schemas.openxmlformats.org/officeDocument/2006/relationships" r:dm="rId2" r:lo="rId3" r:qs="rId4" r:cs="rId5"/>
-          </a:graphicData>
-        </a:graphic>
-      </p:graphicFrame>
       <p:sp>
         <p:nvSpPr>
-          <p:cNvPr id="5" name="Flowchart: Magnetic Disk 4"/>
+          <p:cNvPr id="4" name="Title 1"/>
+          <p:cNvSpPr>
+            <a:spLocks noGrp="1"/>
+          </p:cNvSpPr>
+          <p:nvPr>
+            <p:ph type="title"/>
+          </p:nvPr>
+        </p:nvSpPr>
+        <p:spPr>
+          <a:xfrm>
+            <a:off x="4350690" y="284361"/>
+            <a:ext cx="7696200" cy="914400"/>
+          </a:xfrm>
+        </p:spPr>
+        <p:txBody>
+          <a:bodyPr>
+            <a:normAutofit/>
+          </a:bodyPr>
+          <a:lstStyle/>
+          <a:p>
+            <a:pPr algn="r"/>
+            <a:r>
+              <a:rPr lang="en-GB" sz="3600" dirty="0"/>
+              <a:t>Understanding the challenge</a:t>
+            </a:r>
+            <a:br>
+              <a:rPr lang="en-GB" sz="3600" dirty="0"/>
+            </a:br>
+            <a:r>
+              <a:rPr lang="en-GB" sz="1800" dirty="0"/>
+              <a:t>Technology Support</a:t>
+            </a:r>
+            <a:endParaRPr lang="en-GB" dirty="0"/>
+          </a:p>
+        </p:txBody>
+      </p:sp>
+      <p:pic>
+        <p:nvPicPr>
+          <p:cNvPr id="1026" name="Picture 2" descr="http://3.bp.blogspot.com/-N38Pkz8CvDM/U_16yIQV62I/AAAAAAAAHhE/usn0hIdJrq8/s1600/R.png">
+            <a:hlinkClick r:id="rId3"/>
+          </p:cNvPr>
+          <p:cNvPicPr>
+            <a:picLocks noChangeAspect="1" noChangeArrowheads="1"/>
+          </p:cNvPicPr>
+          <p:nvPr/>
+        </p:nvPicPr>
+        <p:blipFill>
+          <a:blip r:embed="rId4" cstate="print">
+            <a:extLst>
+              <a:ext uri="{28A0092B-C50C-407E-A947-70E740481C1C}">
+                <a14:useLocalDpi xmlns:a14="http://schemas.microsoft.com/office/drawing/2010/main" val="0"/>
+              </a:ext>
+            </a:extLst>
+          </a:blip>
+          <a:srcRect/>
+          <a:stretch>
+            <a:fillRect/>
+          </a:stretch>
+        </p:blipFill>
+        <p:spPr bwMode="auto">
+          <a:xfrm>
+            <a:off x="484626" y="1384291"/>
+            <a:ext cx="2809125" cy="2131060"/>
+          </a:xfrm>
+          <a:prstGeom prst="rect">
+            <a:avLst/>
+          </a:prstGeom>
+          <a:noFill/>
+          <a:extLst>
+            <a:ext uri="{909E8E84-426E-40DD-AFC4-6F175D3DCCD1}">
+              <a14:hiddenFill xmlns:a14="http://schemas.microsoft.com/office/drawing/2010/main">
+                <a:solidFill>
+                  <a:srgbClr val="FFFFFF"/>
+                </a:solidFill>
+              </a14:hiddenFill>
+            </a:ext>
+          </a:extLst>
+        </p:spPr>
+      </p:pic>
+      <p:sp>
+        <p:nvSpPr>
+          <p:cNvPr id="6" name="Rectangle 5"/>
           <p:cNvSpPr/>
           <p:nvPr/>
         </p:nvSpPr>
         <p:spPr>
           <a:xfrm>
-            <a:off x="1752600" y="3769327"/>
-            <a:ext cx="1295400" cy="612648"/>
+            <a:off x="3078615" y="2449821"/>
+            <a:ext cx="5819221" cy="1354217"/>
           </a:xfrm>
-          <a:prstGeom prst="flowChartMagneticDisk">
+          <a:prstGeom prst="rect">
+            <a:avLst/>
+          </a:prstGeom>
+          <a:noFill/>
+        </p:spPr>
+        <p:txBody>
+          <a:bodyPr wrap="none" lIns="91440" tIns="45720" rIns="91440" bIns="45720">
+            <a:spAutoFit/>
+          </a:bodyPr>
+          <a:lstStyle/>
+          <a:p>
+            <a:pPr algn="ctr"/>
+            <a:r>
+              <a:rPr lang="en-US" sz="3200" b="1" cap="none" spc="0" dirty="0">
+                <a:ln w="9525">
+                  <a:solidFill>
+                    <a:schemeClr val="bg1"/>
+                  </a:solidFill>
+                  <a:prstDash val="solid"/>
+                </a:ln>
+                <a:solidFill>
+                  <a:schemeClr val="tx1"/>
+                </a:solidFill>
+                <a:effectLst>
+                  <a:outerShdw blurRad="12700" dist="38100" dir="2700000" algn="tl" rotWithShape="0">
+                    <a:schemeClr val="bg1">
+                      <a:lumMod val="50000"/>
+                    </a:schemeClr>
+                  </a:outerShdw>
+                </a:effectLst>
+              </a:rPr>
+              <a:t>[Technology] R packages </a:t>
+            </a:r>
+          </a:p>
+          <a:p>
+            <a:pPr algn="ctr"/>
+            <a:r>
+              <a:rPr lang="en-US" b="1" cap="none" spc="0" dirty="0">
+                <a:ln w="9525">
+                  <a:solidFill>
+                    <a:schemeClr val="bg1"/>
+                  </a:solidFill>
+                  <a:prstDash val="solid"/>
+                </a:ln>
+                <a:solidFill>
+                  <a:schemeClr val="tx1"/>
+                </a:solidFill>
+                <a:effectLst>
+                  <a:outerShdw blurRad="12700" dist="38100" dir="2700000" algn="tl" rotWithShape="0">
+                    <a:schemeClr val="bg1">
+                      <a:lumMod val="50000"/>
+                    </a:schemeClr>
+                  </a:outerShdw>
+                </a:effectLst>
+              </a:rPr>
+              <a:t>For</a:t>
+            </a:r>
+          </a:p>
+          <a:p>
+            <a:pPr algn="ctr"/>
+            <a:r>
+              <a:rPr lang="en-US" sz="3200" b="1" dirty="0">
+                <a:ln w="9525">
+                  <a:solidFill>
+                    <a:schemeClr val="bg1"/>
+                  </a:solidFill>
+                  <a:prstDash val="solid"/>
+                </a:ln>
+                <a:effectLst>
+                  <a:outerShdw blurRad="12700" dist="38100" dir="2700000" algn="tl" rotWithShape="0">
+                    <a:schemeClr val="bg1">
+                      <a:lumMod val="50000"/>
+                    </a:schemeClr>
+                  </a:outerShdw>
+                </a:effectLst>
+              </a:rPr>
+              <a:t>Natural Language Processing</a:t>
+            </a:r>
+            <a:endParaRPr lang="en-US" sz="3200" b="1" cap="none" spc="0" dirty="0">
+              <a:ln w="9525">
+                <a:solidFill>
+                  <a:schemeClr val="bg1"/>
+                </a:solidFill>
+                <a:prstDash val="solid"/>
+              </a:ln>
+              <a:solidFill>
+                <a:schemeClr val="tx1"/>
+              </a:solidFill>
+              <a:effectLst>
+                <a:outerShdw blurRad="12700" dist="38100" dir="2700000" algn="tl" rotWithShape="0">
+                  <a:schemeClr val="bg1">
+                    <a:lumMod val="50000"/>
+                  </a:schemeClr>
+                </a:outerShdw>
+              </a:effectLst>
+            </a:endParaRPr>
+          </a:p>
+        </p:txBody>
+      </p:sp>
+      <p:pic>
+        <p:nvPicPr>
+          <p:cNvPr id="2" name="Picture 1"/>
+          <p:cNvPicPr>
+            <a:picLocks noChangeAspect="1"/>
+          </p:cNvPicPr>
+          <p:nvPr/>
+        </p:nvPicPr>
+        <p:blipFill>
+          <a:blip r:embed="rId5"/>
+          <a:stretch>
+            <a:fillRect/>
+          </a:stretch>
+        </p:blipFill>
+        <p:spPr>
+          <a:xfrm>
+            <a:off x="8198790" y="4579236"/>
+            <a:ext cx="3133725" cy="1285875"/>
+          </a:xfrm>
+          <a:prstGeom prst="rect">
             <a:avLst/>
           </a:prstGeom>
         </p:spPr>
-        <p:style>
-          <a:lnRef idx="2">
-            <a:schemeClr val="accent1">
-              <a:shade val="50000"/>
-            </a:schemeClr>
-          </a:lnRef>
-          <a:fillRef idx="1">
-            <a:schemeClr val="accent1"/>
-          </a:fillRef>
-          <a:effectRef idx="0">
-            <a:schemeClr val="accent1"/>
-          </a:effectRef>
-          <a:fontRef idx="minor">
-            <a:schemeClr val="lt1"/>
-          </a:fontRef>
-        </p:style>
-        <p:txBody>
-          <a:bodyPr rtlCol="0" anchor="ctr"/>
-          <a:lstStyle/>
-          <a:p>
-            <a:pPr algn="ctr"/>
-            <a:r>
-              <a:rPr lang="nb-NO" sz="1600" b="1" dirty="0"/>
-              <a:t>CORPORA</a:t>
-            </a:r>
-            <a:endParaRPr lang="en-US" sz="1600" b="1" dirty="0"/>
-          </a:p>
-        </p:txBody>
-      </p:sp>
+      </p:pic>
+      <p:pic>
+        <p:nvPicPr>
+          <p:cNvPr id="3" name="Picture 2"/>
+          <p:cNvPicPr>
+            <a:picLocks noChangeAspect="1"/>
+          </p:cNvPicPr>
+          <p:nvPr/>
+        </p:nvPicPr>
+        <p:blipFill>
+          <a:blip r:embed="rId6"/>
+          <a:stretch>
+            <a:fillRect/>
+          </a:stretch>
+        </p:blipFill>
+        <p:spPr>
+          <a:xfrm>
+            <a:off x="3293751" y="4831470"/>
+            <a:ext cx="3042371" cy="1589408"/>
+          </a:xfrm>
+          <a:prstGeom prst="rect">
+            <a:avLst/>
+          </a:prstGeom>
+        </p:spPr>
+      </p:pic>
       <p:sp>
         <p:nvSpPr>
-          <p:cNvPr id="7" name="Rounded Rectangle 6"/>
-          <p:cNvSpPr/>
-          <p:nvPr/>
-        </p:nvSpPr>
-        <p:spPr>
-          <a:xfrm>
-            <a:off x="1676400" y="1145822"/>
-            <a:ext cx="2590800" cy="1179689"/>
-          </a:xfrm>
-          <a:prstGeom prst="roundRect">
-            <a:avLst/>
-          </a:prstGeom>
-          <a:solidFill>
-            <a:srgbClr val="92D050"/>
-          </a:solidFill>
-        </p:spPr>
-        <p:style>
-          <a:lnRef idx="2">
-            <a:schemeClr val="accent1">
-              <a:shade val="50000"/>
-            </a:schemeClr>
-          </a:lnRef>
-          <a:fillRef idx="1">
-            <a:schemeClr val="accent1"/>
-          </a:fillRef>
-          <a:effectRef idx="0">
-            <a:schemeClr val="accent1"/>
-          </a:effectRef>
-          <a:fontRef idx="minor">
-            <a:schemeClr val="lt1"/>
-          </a:fontRef>
-        </p:style>
-        <p:txBody>
-          <a:bodyPr rtlCol="0" anchor="t" anchorCtr="0"/>
-          <a:lstStyle/>
-          <a:p>
-            <a:r>
-              <a:rPr lang="nb-NO" sz="1100" dirty="0">
-                <a:solidFill>
-                  <a:schemeClr val="bg1"/>
-                </a:solidFill>
-              </a:rPr>
-              <a:t>60% of the original </a:t>
-            </a:r>
-            <a:r>
-              <a:rPr lang="nb-NO" sz="1100" dirty="0" err="1">
-                <a:solidFill>
-                  <a:schemeClr val="bg1"/>
-                </a:solidFill>
-              </a:rPr>
-              <a:t>corpora</a:t>
-            </a:r>
-            <a:r>
-              <a:rPr lang="nb-NO" sz="1100" dirty="0">
-                <a:solidFill>
-                  <a:schemeClr val="bg1"/>
-                </a:solidFill>
-              </a:rPr>
-              <a:t> for creating the language model (random sampling).</a:t>
-            </a:r>
-          </a:p>
-          <a:p>
-            <a:endParaRPr lang="nb-NO" sz="1100" dirty="0">
-              <a:solidFill>
-                <a:schemeClr val="bg1"/>
-              </a:solidFill>
-            </a:endParaRPr>
-          </a:p>
-          <a:p>
-            <a:r>
-              <a:rPr lang="nb-NO" sz="1100" dirty="0">
-                <a:solidFill>
-                  <a:schemeClr val="bg1"/>
-                </a:solidFill>
-              </a:rPr>
-              <a:t>Removing short entries – less than 50 chars.</a:t>
-            </a:r>
-            <a:endParaRPr lang="en-US" sz="1100" dirty="0">
-              <a:solidFill>
-                <a:schemeClr val="bg1"/>
-              </a:solidFill>
-            </a:endParaRPr>
-          </a:p>
-        </p:txBody>
-      </p:sp>
-      <p:cxnSp>
-        <p:nvCxnSpPr>
-          <p:cNvPr id="9" name="Straight Arrow Connector 8"/>
-          <p:cNvCxnSpPr>
-            <a:stCxn id="7" idx="2"/>
-          </p:cNvCxnSpPr>
-          <p:nvPr/>
-        </p:nvCxnSpPr>
-        <p:spPr>
-          <a:xfrm>
-            <a:off x="2971800" y="2325510"/>
-            <a:ext cx="609600" cy="874890"/>
-          </a:xfrm>
-          <a:prstGeom prst="straightConnector1">
-            <a:avLst/>
-          </a:prstGeom>
-          <a:ln>
-            <a:tailEnd type="arrow"/>
-          </a:ln>
-        </p:spPr>
-        <p:style>
-          <a:lnRef idx="1">
-            <a:schemeClr val="accent1"/>
-          </a:lnRef>
-          <a:fillRef idx="0">
-            <a:schemeClr val="accent1"/>
-          </a:fillRef>
-          <a:effectRef idx="0">
-            <a:schemeClr val="accent1"/>
-          </a:effectRef>
-          <a:fontRef idx="minor">
-            <a:schemeClr val="tx1"/>
-          </a:fontRef>
-        </p:style>
-      </p:cxnSp>
-      <p:sp>
-        <p:nvSpPr>
-          <p:cNvPr id="14" name="Rounded Rectangle 13"/>
-          <p:cNvSpPr/>
-          <p:nvPr/>
-        </p:nvSpPr>
-        <p:spPr>
-          <a:xfrm>
-            <a:off x="3464983" y="4876800"/>
-            <a:ext cx="1752600" cy="685800"/>
-          </a:xfrm>
-          <a:prstGeom prst="roundRect">
-            <a:avLst/>
-          </a:prstGeom>
-          <a:solidFill>
-            <a:srgbClr val="92D050"/>
-          </a:solidFill>
-        </p:spPr>
-        <p:style>
-          <a:lnRef idx="2">
-            <a:schemeClr val="accent1">
-              <a:shade val="50000"/>
-            </a:schemeClr>
-          </a:lnRef>
-          <a:fillRef idx="1">
-            <a:schemeClr val="accent1"/>
-          </a:fillRef>
-          <a:effectRef idx="0">
-            <a:schemeClr val="accent1"/>
-          </a:effectRef>
-          <a:fontRef idx="minor">
-            <a:schemeClr val="lt1"/>
-          </a:fontRef>
-        </p:style>
-        <p:txBody>
-          <a:bodyPr rtlCol="0" anchor="t" anchorCtr="0"/>
-          <a:lstStyle/>
-          <a:p>
-            <a:r>
-              <a:rPr lang="nb-NO" sz="1100" dirty="0">
-                <a:solidFill>
-                  <a:schemeClr val="bg1"/>
-                </a:solidFill>
-              </a:rPr>
-              <a:t>Splitting up each  entry (tweet, news, blog) into separate sentences.</a:t>
-            </a:r>
-            <a:endParaRPr lang="en-US" sz="1100" dirty="0">
-              <a:solidFill>
-                <a:schemeClr val="bg1"/>
-              </a:solidFill>
-            </a:endParaRPr>
-          </a:p>
-        </p:txBody>
-      </p:sp>
-      <p:cxnSp>
-        <p:nvCxnSpPr>
-          <p:cNvPr id="15" name="Straight Arrow Connector 14"/>
-          <p:cNvCxnSpPr>
-            <a:stCxn id="14" idx="0"/>
-          </p:cNvCxnSpPr>
-          <p:nvPr/>
-        </p:nvCxnSpPr>
-        <p:spPr>
-          <a:xfrm flipV="1">
-            <a:off x="4341283" y="4267200"/>
-            <a:ext cx="876300" cy="609600"/>
-          </a:xfrm>
-          <a:prstGeom prst="straightConnector1">
-            <a:avLst/>
-          </a:prstGeom>
-          <a:ln>
-            <a:tailEnd type="arrow"/>
-          </a:ln>
-        </p:spPr>
-        <p:style>
-          <a:lnRef idx="1">
-            <a:schemeClr val="accent1"/>
-          </a:lnRef>
-          <a:fillRef idx="0">
-            <a:schemeClr val="accent1"/>
-          </a:fillRef>
-          <a:effectRef idx="0">
-            <a:schemeClr val="accent1"/>
-          </a:effectRef>
-          <a:fontRef idx="minor">
-            <a:schemeClr val="tx1"/>
-          </a:fontRef>
-        </p:style>
-      </p:cxnSp>
-      <p:sp>
-        <p:nvSpPr>
-          <p:cNvPr id="19" name="Rounded Rectangle 18"/>
-          <p:cNvSpPr/>
-          <p:nvPr/>
-        </p:nvSpPr>
-        <p:spPr>
-          <a:xfrm>
-            <a:off x="4495800" y="1295400"/>
-            <a:ext cx="2971800" cy="764822"/>
-          </a:xfrm>
-          <a:prstGeom prst="roundRect">
-            <a:avLst/>
-          </a:prstGeom>
-          <a:solidFill>
-            <a:srgbClr val="92D050"/>
-          </a:solidFill>
-        </p:spPr>
-        <p:style>
-          <a:lnRef idx="2">
-            <a:schemeClr val="accent1">
-              <a:shade val="50000"/>
-            </a:schemeClr>
-          </a:lnRef>
-          <a:fillRef idx="1">
-            <a:schemeClr val="accent1"/>
-          </a:fillRef>
-          <a:effectRef idx="0">
-            <a:schemeClr val="accent1"/>
-          </a:effectRef>
-          <a:fontRef idx="minor">
-            <a:schemeClr val="lt1"/>
-          </a:fontRef>
-        </p:style>
-        <p:txBody>
-          <a:bodyPr rtlCol="0" anchor="t" anchorCtr="0"/>
-          <a:lstStyle/>
-          <a:p>
-            <a:r>
-              <a:rPr lang="nb-NO" sz="1100" dirty="0">
-                <a:solidFill>
-                  <a:schemeClr val="bg1"/>
-                </a:solidFill>
-              </a:rPr>
-              <a:t>Adding start/ end sentence markers</a:t>
-            </a:r>
-          </a:p>
-          <a:p>
-            <a:r>
-              <a:rPr lang="nb-NO" sz="1100" dirty="0">
-                <a:solidFill>
-                  <a:schemeClr val="bg1"/>
-                </a:solidFill>
-              </a:rPr>
-              <a:t>Removing gremling (encoding issue)</a:t>
-            </a:r>
-          </a:p>
-          <a:p>
-            <a:r>
-              <a:rPr lang="nb-NO" sz="1100" dirty="0">
-                <a:solidFill>
-                  <a:schemeClr val="bg1"/>
-                </a:solidFill>
-              </a:rPr>
-              <a:t>Removing some contractions (u, r, u.s, ...)</a:t>
-            </a:r>
-          </a:p>
-          <a:p>
-            <a:r>
-              <a:rPr lang="nb-NO" sz="1100" dirty="0">
-                <a:solidFill>
-                  <a:schemeClr val="bg1"/>
-                </a:solidFill>
-              </a:rPr>
-              <a:t>Removing links, «RT»</a:t>
-            </a:r>
-            <a:endParaRPr lang="en-US" sz="1100" dirty="0">
-              <a:solidFill>
-                <a:schemeClr val="bg1"/>
-              </a:solidFill>
-            </a:endParaRPr>
-          </a:p>
-        </p:txBody>
-      </p:sp>
-      <p:cxnSp>
-        <p:nvCxnSpPr>
-          <p:cNvPr id="20" name="Straight Arrow Connector 19"/>
-          <p:cNvCxnSpPr>
-            <a:stCxn id="19" idx="2"/>
-          </p:cNvCxnSpPr>
-          <p:nvPr/>
-        </p:nvCxnSpPr>
-        <p:spPr>
-          <a:xfrm>
-            <a:off x="5981700" y="2060222"/>
-            <a:ext cx="228600" cy="835378"/>
-          </a:xfrm>
-          <a:prstGeom prst="straightConnector1">
-            <a:avLst/>
-          </a:prstGeom>
-          <a:ln>
-            <a:tailEnd type="arrow"/>
-          </a:ln>
-        </p:spPr>
-        <p:style>
-          <a:lnRef idx="1">
-            <a:schemeClr val="accent1"/>
-          </a:lnRef>
-          <a:fillRef idx="0">
-            <a:schemeClr val="accent1"/>
-          </a:fillRef>
-          <a:effectRef idx="0">
-            <a:schemeClr val="accent1"/>
-          </a:effectRef>
-          <a:fontRef idx="minor">
-            <a:schemeClr val="tx1"/>
-          </a:fontRef>
-        </p:style>
-      </p:cxnSp>
-      <p:sp>
-        <p:nvSpPr>
-          <p:cNvPr id="31" name="Rounded Rectangle 30"/>
-          <p:cNvSpPr/>
-          <p:nvPr/>
-        </p:nvSpPr>
-        <p:spPr>
-          <a:xfrm>
-            <a:off x="5562600" y="4762853"/>
-            <a:ext cx="3086100" cy="1818922"/>
-          </a:xfrm>
-          <a:prstGeom prst="roundRect">
-            <a:avLst/>
-          </a:prstGeom>
-          <a:solidFill>
-            <a:srgbClr val="92D050"/>
-          </a:solidFill>
-        </p:spPr>
-        <p:style>
-          <a:lnRef idx="2">
-            <a:schemeClr val="accent1">
-              <a:shade val="50000"/>
-            </a:schemeClr>
-          </a:lnRef>
-          <a:fillRef idx="1">
-            <a:schemeClr val="accent1"/>
-          </a:fillRef>
-          <a:effectRef idx="0">
-            <a:schemeClr val="accent1"/>
-          </a:effectRef>
-          <a:fontRef idx="minor">
-            <a:schemeClr val="lt1"/>
-          </a:fontRef>
-        </p:style>
-        <p:txBody>
-          <a:bodyPr rtlCol="0" anchor="t" anchorCtr="0"/>
-          <a:lstStyle/>
-          <a:p>
-            <a:r>
-              <a:rPr lang="nb-NO" sz="1100" dirty="0">
-                <a:solidFill>
-                  <a:schemeClr val="bg1"/>
-                </a:solidFill>
-              </a:rPr>
-              <a:t>Create the Term Document Matrices (TDM)</a:t>
-            </a:r>
-          </a:p>
-          <a:p>
-            <a:endParaRPr lang="nb-NO" sz="1100" dirty="0">
-              <a:solidFill>
-                <a:schemeClr val="bg1"/>
-              </a:solidFill>
-            </a:endParaRPr>
-          </a:p>
-          <a:p>
-            <a:r>
-              <a:rPr lang="nb-NO" sz="1100" dirty="0">
-                <a:solidFill>
-                  <a:schemeClr val="bg1"/>
-                </a:solidFill>
-              </a:rPr>
-              <a:t>*tolower</a:t>
-            </a:r>
-          </a:p>
-          <a:p>
-            <a:r>
-              <a:rPr lang="nb-NO" sz="1100" dirty="0">
-                <a:solidFill>
-                  <a:schemeClr val="bg1"/>
-                </a:solidFill>
-              </a:rPr>
-              <a:t>*remove profanity words</a:t>
-            </a:r>
-          </a:p>
-          <a:p>
-            <a:r>
-              <a:rPr lang="nb-NO" sz="1100" dirty="0">
-                <a:solidFill>
-                  <a:schemeClr val="bg1"/>
-                </a:solidFill>
-              </a:rPr>
-              <a:t>*remove numbers</a:t>
-            </a:r>
-          </a:p>
-          <a:p>
-            <a:r>
-              <a:rPr lang="nb-NO" sz="1100" dirty="0">
-                <a:solidFill>
-                  <a:schemeClr val="bg1"/>
-                </a:solidFill>
-              </a:rPr>
-              <a:t>* remove punctation (except apostrophe)</a:t>
-            </a:r>
-          </a:p>
-          <a:p>
-            <a:r>
-              <a:rPr lang="nb-NO" sz="1100" dirty="0">
-                <a:solidFill>
-                  <a:schemeClr val="bg1"/>
-                </a:solidFill>
-              </a:rPr>
-              <a:t>* tokenize in n-grams</a:t>
-            </a:r>
-          </a:p>
-          <a:p>
-            <a:endParaRPr lang="nb-NO" sz="1100" dirty="0">
-              <a:solidFill>
-                <a:schemeClr val="bg1"/>
-              </a:solidFill>
-            </a:endParaRPr>
-          </a:p>
-          <a:p>
-            <a:r>
-              <a:rPr lang="nb-NO" sz="1100" dirty="0">
-                <a:solidFill>
-                  <a:schemeClr val="bg1"/>
-                </a:solidFill>
-              </a:rPr>
-              <a:t>For unigrams, bigrams and trigrams</a:t>
-            </a:r>
-            <a:endParaRPr lang="en-US" sz="1100" dirty="0">
-              <a:solidFill>
-                <a:schemeClr val="bg1"/>
-              </a:solidFill>
-            </a:endParaRPr>
-          </a:p>
-        </p:txBody>
-      </p:sp>
-      <p:cxnSp>
-        <p:nvCxnSpPr>
-          <p:cNvPr id="32" name="Straight Arrow Connector 31"/>
-          <p:cNvCxnSpPr>
-            <a:stCxn id="31" idx="0"/>
-          </p:cNvCxnSpPr>
-          <p:nvPr/>
-        </p:nvCxnSpPr>
-        <p:spPr>
-          <a:xfrm flipV="1">
-            <a:off x="7105651" y="3962401"/>
-            <a:ext cx="553861" cy="800453"/>
-          </a:xfrm>
-          <a:prstGeom prst="straightConnector1">
-            <a:avLst/>
-          </a:prstGeom>
-          <a:ln>
-            <a:tailEnd type="arrow"/>
-          </a:ln>
-        </p:spPr>
-        <p:style>
-          <a:lnRef idx="1">
-            <a:schemeClr val="accent1"/>
-          </a:lnRef>
-          <a:fillRef idx="0">
-            <a:schemeClr val="accent1"/>
-          </a:fillRef>
-          <a:effectRef idx="0">
-            <a:schemeClr val="accent1"/>
-          </a:effectRef>
-          <a:fontRef idx="minor">
-            <a:schemeClr val="tx1"/>
-          </a:fontRef>
-        </p:style>
-      </p:cxnSp>
-      <p:sp>
-        <p:nvSpPr>
-          <p:cNvPr id="38" name="Rounded Rectangle 37"/>
-          <p:cNvSpPr/>
-          <p:nvPr/>
-        </p:nvSpPr>
-        <p:spPr>
-          <a:xfrm>
-            <a:off x="7659512" y="635000"/>
-            <a:ext cx="2856089" cy="1666522"/>
-          </a:xfrm>
-          <a:prstGeom prst="roundRect">
-            <a:avLst/>
-          </a:prstGeom>
-          <a:solidFill>
-            <a:srgbClr val="92D050"/>
-          </a:solidFill>
-        </p:spPr>
-        <p:style>
-          <a:lnRef idx="2">
-            <a:schemeClr val="accent1">
-              <a:shade val="50000"/>
-            </a:schemeClr>
-          </a:lnRef>
-          <a:fillRef idx="1">
-            <a:schemeClr val="accent1"/>
-          </a:fillRef>
-          <a:effectRef idx="0">
-            <a:schemeClr val="accent1"/>
-          </a:effectRef>
-          <a:fontRef idx="minor">
-            <a:schemeClr val="lt1"/>
-          </a:fontRef>
-        </p:style>
-        <p:txBody>
-          <a:bodyPr rtlCol="0" anchor="t" anchorCtr="0"/>
-          <a:lstStyle/>
-          <a:p>
-            <a:r>
-              <a:rPr lang="nb-NO" sz="1100" dirty="0">
-                <a:solidFill>
-                  <a:schemeClr val="bg1"/>
-                </a:solidFill>
-              </a:rPr>
-              <a:t>Reduce Term Document Matrices (</a:t>
-            </a:r>
-            <a:r>
-              <a:rPr lang="nb-NO" sz="1100" b="1" dirty="0">
-                <a:solidFill>
-                  <a:schemeClr val="bg1"/>
-                </a:solidFill>
-              </a:rPr>
-              <a:t>TDM</a:t>
-            </a:r>
-            <a:r>
-              <a:rPr lang="nb-NO" sz="1100" dirty="0">
-                <a:solidFill>
-                  <a:schemeClr val="bg1"/>
-                </a:solidFill>
-              </a:rPr>
-              <a:t>) to Term Frequency Matrices (</a:t>
-            </a:r>
-            <a:r>
-              <a:rPr lang="nb-NO" sz="1100" b="1" dirty="0">
-                <a:solidFill>
-                  <a:schemeClr val="bg1"/>
-                </a:solidFill>
-              </a:rPr>
-              <a:t>TFM</a:t>
-            </a:r>
-            <a:r>
-              <a:rPr lang="nb-NO" sz="1100" dirty="0">
-                <a:solidFill>
-                  <a:schemeClr val="bg1"/>
-                </a:solidFill>
-              </a:rPr>
-              <a:t>) for unigrams, bigrams and trigrams.</a:t>
-            </a:r>
-          </a:p>
-          <a:p>
-            <a:endParaRPr lang="nb-NO" sz="1100" dirty="0">
-              <a:solidFill>
-                <a:schemeClr val="bg1"/>
-              </a:solidFill>
-            </a:endParaRPr>
-          </a:p>
-          <a:p>
-            <a:r>
-              <a:rPr lang="nb-NO" sz="1100" dirty="0">
-                <a:solidFill>
-                  <a:schemeClr val="bg1"/>
-                </a:solidFill>
-              </a:rPr>
-              <a:t>Example for unigrams:</a:t>
-            </a:r>
-          </a:p>
-          <a:p>
-            <a:r>
-              <a:rPr lang="nb-NO" sz="1100" b="1" dirty="0">
-                <a:solidFill>
-                  <a:schemeClr val="bg1"/>
-                </a:solidFill>
-              </a:rPr>
-              <a:t>Term, Frequency</a:t>
-            </a:r>
-          </a:p>
-          <a:p>
-            <a:r>
-              <a:rPr lang="nb-NO" sz="1100" dirty="0">
-                <a:solidFill>
-                  <a:schemeClr val="bg1"/>
-                </a:solidFill>
-              </a:rPr>
-              <a:t>the, 477030</a:t>
-            </a:r>
-          </a:p>
-          <a:p>
-            <a:endParaRPr lang="en-US" sz="1100" dirty="0">
-              <a:solidFill>
-                <a:schemeClr val="bg1"/>
-              </a:solidFill>
-            </a:endParaRPr>
-          </a:p>
-        </p:txBody>
-      </p:sp>
-      <p:cxnSp>
-        <p:nvCxnSpPr>
-          <p:cNvPr id="40" name="Straight Arrow Connector 39"/>
-          <p:cNvCxnSpPr>
-            <a:stCxn id="38" idx="2"/>
-          </p:cNvCxnSpPr>
-          <p:nvPr/>
-        </p:nvCxnSpPr>
-        <p:spPr>
-          <a:xfrm flipH="1">
-            <a:off x="8839200" y="2301523"/>
-            <a:ext cx="248356" cy="461433"/>
-          </a:xfrm>
-          <a:prstGeom prst="straightConnector1">
-            <a:avLst/>
-          </a:prstGeom>
-          <a:ln>
-            <a:tailEnd type="arrow"/>
-          </a:ln>
-        </p:spPr>
-        <p:style>
-          <a:lnRef idx="1">
-            <a:schemeClr val="accent1"/>
-          </a:lnRef>
-          <a:fillRef idx="0">
-            <a:schemeClr val="accent1"/>
-          </a:fillRef>
-          <a:effectRef idx="0">
-            <a:schemeClr val="accent1"/>
-          </a:effectRef>
-          <a:fontRef idx="minor">
-            <a:schemeClr val="tx1"/>
-          </a:fontRef>
-        </p:style>
-      </p:cxnSp>
-      <p:sp>
-        <p:nvSpPr>
-          <p:cNvPr id="2" name="TextBox 1"/>
+          <p:cNvPr id="5" name="TextBox 4"/>
           <p:cNvSpPr txBox="1"/>
           <p:nvPr/>
         </p:nvSpPr>
         <p:spPr>
           <a:xfrm>
-            <a:off x="1941427" y="228601"/>
-            <a:ext cx="5123518" cy="584775"/>
+            <a:off x="3789655" y="4500236"/>
+            <a:ext cx="2177199" cy="369332"/>
           </a:xfrm>
           <a:prstGeom prst="rect">
             <a:avLst/>
@@ -24760,30 +26774,22 @@
           <a:lstStyle/>
           <a:p>
             <a:r>
-              <a:rPr lang="nb-NO" sz="3200" b="1" dirty="0"/>
-              <a:t>The Ingestion Process ....</a:t>
-            </a:r>
-            <a:endParaRPr lang="en-US" sz="3200" b="1" dirty="0"/>
+              <a:rPr lang="en-GB" b="1" dirty="0"/>
+              <a:t>Package Vignettes</a:t>
+            </a:r>
           </a:p>
         </p:txBody>
       </p:sp>
     </p:spTree>
     <p:extLst>
       <p:ext uri="{BB962C8B-B14F-4D97-AF65-F5344CB8AC3E}">
-        <p14:creationId xmlns:p14="http://schemas.microsoft.com/office/powerpoint/2010/main" val="1957657326"/>
+        <p14:creationId xmlns:p14="http://schemas.microsoft.com/office/powerpoint/2010/main" val="1637715638"/>
       </p:ext>
     </p:extLst>
   </p:cSld>
   <p:clrMapOvr>
     <a:masterClrMapping/>
   </p:clrMapOvr>
-  <p:timing>
-    <p:tnLst>
-      <p:par>
-        <p:cTn id="1" dur="indefinite" restart="never" nodeType="tmRoot"/>
-      </p:par>
-    </p:tnLst>
-  </p:timing>
 </p:sld>
 </file>
 

--- a/notes/meetUp_case_textPrediction.pptx
+++ b/notes/meetUp_case_textPrediction.pptx
@@ -5,30 +5,31 @@
     <p:sldMasterId id="2147483660" r:id="rId1"/>
   </p:sldMasterIdLst>
   <p:notesMasterIdLst>
-    <p:notesMasterId r:id="rId23"/>
+    <p:notesMasterId r:id="rId24"/>
   </p:notesMasterIdLst>
   <p:sldIdLst>
     <p:sldId id="257" r:id="rId2"/>
     <p:sldId id="259" r:id="rId3"/>
     <p:sldId id="260" r:id="rId4"/>
     <p:sldId id="275" r:id="rId5"/>
-    <p:sldId id="278" r:id="rId6"/>
-    <p:sldId id="279" r:id="rId7"/>
-    <p:sldId id="280" r:id="rId8"/>
+    <p:sldId id="280" r:id="rId6"/>
+    <p:sldId id="278" r:id="rId7"/>
+    <p:sldId id="279" r:id="rId8"/>
     <p:sldId id="284" r:id="rId9"/>
     <p:sldId id="281" r:id="rId10"/>
     <p:sldId id="282" r:id="rId11"/>
     <p:sldId id="261" r:id="rId12"/>
     <p:sldId id="285" r:id="rId13"/>
-    <p:sldId id="262" r:id="rId14"/>
-    <p:sldId id="263" r:id="rId15"/>
-    <p:sldId id="264" r:id="rId16"/>
-    <p:sldId id="266" r:id="rId17"/>
-    <p:sldId id="265" r:id="rId18"/>
-    <p:sldId id="271" r:id="rId19"/>
-    <p:sldId id="272" r:id="rId20"/>
-    <p:sldId id="273" r:id="rId21"/>
-    <p:sldId id="274" r:id="rId22"/>
+    <p:sldId id="286" r:id="rId14"/>
+    <p:sldId id="262" r:id="rId15"/>
+    <p:sldId id="263" r:id="rId16"/>
+    <p:sldId id="264" r:id="rId17"/>
+    <p:sldId id="266" r:id="rId18"/>
+    <p:sldId id="265" r:id="rId19"/>
+    <p:sldId id="271" r:id="rId20"/>
+    <p:sldId id="272" r:id="rId21"/>
+    <p:sldId id="273" r:id="rId22"/>
+    <p:sldId id="274" r:id="rId23"/>
   </p:sldIdLst>
   <p:sldSz cx="12192000" cy="6858000"/>
   <p:notesSz cx="6858000" cy="9144000"/>
@@ -5772,7 +5773,7 @@
           <a:p>
             <a:fld id="{01F17A57-A10D-4D0B-B521-43FD44F4BF34}" type="datetimeFigureOut">
               <a:rPr lang="en-US" smtClean="0"/>
-              <a:t>8/29/2016</a:t>
+              <a:t>8/30/2016</a:t>
             </a:fld>
             <a:endParaRPr lang="en-US"/>
           </a:p>
@@ -6409,6 +6410,245 @@
 </p:notes>
 </file>
 
+<file path=ppt/notesSlides/notesSlide12.xml><?xml version="1.0" encoding="utf-8"?>
+<p:notes xmlns:a="http://schemas.openxmlformats.org/drawingml/2006/main" xmlns:r="http://schemas.openxmlformats.org/officeDocument/2006/relationships" xmlns:p="http://schemas.openxmlformats.org/presentationml/2006/main">
+  <p:cSld>
+    <p:spTree>
+      <p:nvGrpSpPr>
+        <p:cNvPr id="1" name=""/>
+        <p:cNvGrpSpPr/>
+        <p:nvPr/>
+      </p:nvGrpSpPr>
+      <p:grpSpPr>
+        <a:xfrm>
+          <a:off x="0" y="0"/>
+          <a:ext cx="0" cy="0"/>
+          <a:chOff x="0" y="0"/>
+          <a:chExt cx="0" cy="0"/>
+        </a:xfrm>
+      </p:grpSpPr>
+      <p:sp>
+        <p:nvSpPr>
+          <p:cNvPr id="2" name="Slide Image Placeholder 1"/>
+          <p:cNvSpPr>
+            <a:spLocks noGrp="1" noRot="1" noChangeAspect="1"/>
+          </p:cNvSpPr>
+          <p:nvPr>
+            <p:ph type="sldImg"/>
+          </p:nvPr>
+        </p:nvSpPr>
+        <p:spPr/>
+      </p:sp>
+      <p:sp>
+        <p:nvSpPr>
+          <p:cNvPr id="3" name="Notes Placeholder 2"/>
+          <p:cNvSpPr>
+            <a:spLocks noGrp="1"/>
+          </p:cNvSpPr>
+          <p:nvPr>
+            <p:ph type="body" idx="1"/>
+          </p:nvPr>
+        </p:nvSpPr>
+        <p:spPr/>
+        <p:txBody>
+          <a:bodyPr/>
+          <a:lstStyle/>
+          <a:p>
+            <a:r>
+              <a:rPr lang="en-GB" dirty="0"/>
+              <a:t>One of the big challenge is how to process</a:t>
+            </a:r>
+            <a:r>
+              <a:rPr lang="en-GB" baseline="0" dirty="0"/>
+              <a:t> this amount of data in a “reasonable” amount of time – profiling in R of functions used to clean/ process the data becomes </a:t>
+            </a:r>
+            <a:r>
+              <a:rPr lang="en-GB" baseline="0" dirty="0" err="1"/>
+              <a:t>sth</a:t>
+            </a:r>
+            <a:r>
+              <a:rPr lang="en-GB" baseline="0" dirty="0"/>
+              <a:t> that need to be done.</a:t>
+            </a:r>
+          </a:p>
+          <a:p>
+            <a:r>
+              <a:rPr lang="en-GB" baseline="0" dirty="0"/>
+              <a:t>What works well with a limited dataset, it is not sure that it is going to work well with a bigger dataset (e.g. reducing the TDM/DTM to a TFM)</a:t>
+            </a:r>
+            <a:endParaRPr lang="en-GB" dirty="0"/>
+          </a:p>
+        </p:txBody>
+      </p:sp>
+      <p:sp>
+        <p:nvSpPr>
+          <p:cNvPr id="4" name="Slide Number Placeholder 3"/>
+          <p:cNvSpPr>
+            <a:spLocks noGrp="1"/>
+          </p:cNvSpPr>
+          <p:nvPr>
+            <p:ph type="sldNum" sz="quarter" idx="10"/>
+          </p:nvPr>
+        </p:nvSpPr>
+        <p:spPr/>
+        <p:txBody>
+          <a:bodyPr/>
+          <a:lstStyle/>
+          <a:p>
+            <a:fld id="{3A688BD2-7E14-404B-9FB4-C75328B554A8}" type="slidenum">
+              <a:rPr lang="en-US" smtClean="0"/>
+              <a:t>12</a:t>
+            </a:fld>
+            <a:endParaRPr lang="en-US"/>
+          </a:p>
+        </p:txBody>
+      </p:sp>
+    </p:spTree>
+    <p:extLst>
+      <p:ext uri="{BB962C8B-B14F-4D97-AF65-F5344CB8AC3E}">
+        <p14:creationId xmlns:p14="http://schemas.microsoft.com/office/powerpoint/2010/main" val="4015963698"/>
+      </p:ext>
+    </p:extLst>
+  </p:cSld>
+  <p:clrMapOvr>
+    <a:masterClrMapping/>
+  </p:clrMapOvr>
+</p:notes>
+</file>
+
+<file path=ppt/notesSlides/notesSlide13.xml><?xml version="1.0" encoding="utf-8"?>
+<p:notes xmlns:a="http://schemas.openxmlformats.org/drawingml/2006/main" xmlns:r="http://schemas.openxmlformats.org/officeDocument/2006/relationships" xmlns:p="http://schemas.openxmlformats.org/presentationml/2006/main">
+  <p:cSld>
+    <p:spTree>
+      <p:nvGrpSpPr>
+        <p:cNvPr id="1" name=""/>
+        <p:cNvGrpSpPr/>
+        <p:nvPr/>
+      </p:nvGrpSpPr>
+      <p:grpSpPr>
+        <a:xfrm>
+          <a:off x="0" y="0"/>
+          <a:ext cx="0" cy="0"/>
+          <a:chOff x="0" y="0"/>
+          <a:chExt cx="0" cy="0"/>
+        </a:xfrm>
+      </p:grpSpPr>
+      <p:sp>
+        <p:nvSpPr>
+          <p:cNvPr id="2" name="Slide Image Placeholder 1"/>
+          <p:cNvSpPr>
+            <a:spLocks noGrp="1" noRot="1" noChangeAspect="1"/>
+          </p:cNvSpPr>
+          <p:nvPr>
+            <p:ph type="sldImg"/>
+          </p:nvPr>
+        </p:nvSpPr>
+        <p:spPr/>
+      </p:sp>
+      <p:sp>
+        <p:nvSpPr>
+          <p:cNvPr id="3" name="Notes Placeholder 2"/>
+          <p:cNvSpPr>
+            <a:spLocks noGrp="1"/>
+          </p:cNvSpPr>
+          <p:nvPr>
+            <p:ph type="body" idx="1"/>
+          </p:nvPr>
+        </p:nvSpPr>
+        <p:spPr/>
+        <p:txBody>
+          <a:bodyPr/>
+          <a:lstStyle/>
+          <a:p>
+            <a:r>
+              <a:rPr lang="en-GB" dirty="0"/>
+              <a:t>When evaluation the models and</a:t>
+            </a:r>
+            <a:r>
+              <a:rPr lang="en-GB" baseline="0" dirty="0"/>
+              <a:t> optimizing the models – new knowledge is created on the original corpora and such knowledge is going to be used for improve the ingestion process. Adding new cleaning steps – covering new patterns that were overlooked before. </a:t>
+            </a:r>
+          </a:p>
+          <a:p>
+            <a:endParaRPr lang="en-GB" baseline="0" dirty="0"/>
+          </a:p>
+          <a:p>
+            <a:r>
+              <a:rPr lang="en-GB" baseline="0" dirty="0"/>
+              <a:t>During the model evaluation – you will start to experience some of the common problems with language models – overfitting and zeroing. Model will be improved accordingly in order to overcome such limitations.</a:t>
+            </a:r>
+          </a:p>
+          <a:p>
+            <a:endParaRPr lang="en-GB" baseline="0" dirty="0"/>
+          </a:p>
+          <a:p>
+            <a:pPr marL="0" marR="0" indent="0" algn="l" defTabSz="914400" rtl="0" eaLnBrk="1" fontAlgn="auto" latinLnBrk="0" hangingPunct="1">
+              <a:lnSpc>
+                <a:spcPct val="100000"/>
+              </a:lnSpc>
+              <a:spcBef>
+                <a:spcPts val="0"/>
+              </a:spcBef>
+              <a:spcAft>
+                <a:spcPts val="0"/>
+              </a:spcAft>
+              <a:buClrTx/>
+              <a:buSzTx/>
+              <a:buFontTx/>
+              <a:buNone/>
+              <a:tabLst/>
+              <a:defRPr/>
+            </a:pPr>
+            <a:r>
+              <a:rPr lang="en-GB" baseline="0" dirty="0"/>
+              <a:t>It is a iterative process by nature. The learning of today will affect the artefacts made yesterday – in order to evolve them. It could go on and on forever but there is a time constrain and a certain point you need to acknowledge that it could be improve but this is good enough.</a:t>
+            </a:r>
+          </a:p>
+          <a:p>
+            <a:r>
+              <a:rPr lang="en-GB" baseline="0" dirty="0"/>
+              <a:t> </a:t>
+            </a:r>
+            <a:endParaRPr lang="en-GB" dirty="0"/>
+          </a:p>
+        </p:txBody>
+      </p:sp>
+      <p:sp>
+        <p:nvSpPr>
+          <p:cNvPr id="4" name="Slide Number Placeholder 3"/>
+          <p:cNvSpPr>
+            <a:spLocks noGrp="1"/>
+          </p:cNvSpPr>
+          <p:nvPr>
+            <p:ph type="sldNum" sz="quarter" idx="10"/>
+          </p:nvPr>
+        </p:nvSpPr>
+        <p:spPr/>
+        <p:txBody>
+          <a:bodyPr/>
+          <a:lstStyle/>
+          <a:p>
+            <a:fld id="{3A688BD2-7E14-404B-9FB4-C75328B554A8}" type="slidenum">
+              <a:rPr lang="en-US" smtClean="0"/>
+              <a:t>13</a:t>
+            </a:fld>
+            <a:endParaRPr lang="en-US"/>
+          </a:p>
+        </p:txBody>
+      </p:sp>
+    </p:spTree>
+    <p:extLst>
+      <p:ext uri="{BB962C8B-B14F-4D97-AF65-F5344CB8AC3E}">
+        <p14:creationId xmlns:p14="http://schemas.microsoft.com/office/powerpoint/2010/main" val="974150383"/>
+      </p:ext>
+    </p:extLst>
+  </p:cSld>
+  <p:clrMapOvr>
+    <a:masterClrMapping/>
+  </p:clrMapOvr>
+</p:notes>
+</file>
+
 <file path=ppt/notesSlides/notesSlide2.xml><?xml version="1.0" encoding="utf-8"?>
 <p:notes xmlns:a="http://schemas.openxmlformats.org/drawingml/2006/main" xmlns:r="http://schemas.openxmlformats.org/officeDocument/2006/relationships" xmlns:p="http://schemas.openxmlformats.org/presentationml/2006/main">
   <p:cSld>
@@ -7002,19 +7242,11 @@
           <a:p>
             <a:r>
               <a:rPr lang="nb-NO" dirty="0"/>
-              <a:t>The </a:t>
-            </a:r>
-            <a:r>
-              <a:rPr lang="nb-NO" b="1" dirty="0"/>
-              <a:t>Challenge</a:t>
-            </a:r>
-            <a:r>
-              <a:rPr lang="nb-NO" dirty="0"/>
-              <a:t> is to </a:t>
+              <a:t>A more </a:t>
             </a:r>
             <a:r>
               <a:rPr lang="nb-NO" dirty="0" err="1"/>
-              <a:t>find</a:t>
+              <a:t>high</a:t>
             </a:r>
             <a:r>
               <a:rPr lang="nb-NO" dirty="0"/>
@@ -7022,15 +7254,7 @@
             </a:r>
             <a:r>
               <a:rPr lang="nb-NO" dirty="0" err="1"/>
-              <a:t>the</a:t>
-            </a:r>
-            <a:r>
-              <a:rPr lang="nb-NO" dirty="0"/>
-              <a:t> most probable </a:t>
-            </a:r>
-            <a:r>
-              <a:rPr lang="nb-NO" dirty="0" err="1"/>
-              <a:t>next</a:t>
+              <a:t>level</a:t>
             </a:r>
             <a:r>
               <a:rPr lang="nb-NO" dirty="0"/>
@@ -7038,11 +7262,31 @@
             </a:r>
             <a:r>
               <a:rPr lang="nb-NO" dirty="0" err="1"/>
-              <a:t>word</a:t>
+              <a:t>overview</a:t>
             </a:r>
             <a:r>
               <a:rPr lang="nb-NO" dirty="0"/>
-              <a:t> given</a:t>
+              <a:t> </a:t>
+            </a:r>
+            <a:r>
+              <a:rPr lang="nb-NO" dirty="0" err="1"/>
+              <a:t>of</a:t>
+            </a:r>
+            <a:r>
+              <a:rPr lang="nb-NO" dirty="0"/>
+              <a:t> </a:t>
+            </a:r>
+            <a:r>
+              <a:rPr lang="nb-NO" dirty="0" err="1"/>
+              <a:t>the</a:t>
+            </a:r>
+            <a:r>
+              <a:rPr lang="nb-NO" dirty="0"/>
+              <a:t> </a:t>
+            </a:r>
+            <a:r>
+              <a:rPr lang="nb-NO" dirty="0" err="1"/>
+              <a:t>language</a:t>
             </a:r>
             <a:r>
               <a:rPr lang="nb-NO" baseline="0" dirty="0"/>
@@ -7050,7 +7294,7 @@
             </a:r>
             <a:r>
               <a:rPr lang="nb-NO" baseline="0" dirty="0" err="1"/>
-              <a:t>that</a:t>
+              <a:t>model</a:t>
             </a:r>
             <a:r>
               <a:rPr lang="nb-NO" baseline="0" dirty="0"/>
@@ -7058,7 +7302,23 @@
             </a:r>
             <a:r>
               <a:rPr lang="nb-NO" baseline="0" dirty="0" err="1"/>
-              <a:t>the</a:t>
+              <a:t>domain</a:t>
+            </a:r>
+            <a:r>
+              <a:rPr lang="nb-NO" baseline="0" dirty="0"/>
+              <a:t>. Data </a:t>
+            </a:r>
+            <a:r>
+              <a:rPr lang="nb-NO" baseline="0" dirty="0" err="1"/>
+              <a:t>structures</a:t>
+            </a:r>
+            <a:r>
+              <a:rPr lang="nb-NO" baseline="0" dirty="0"/>
+              <a:t>, </a:t>
+            </a:r>
+            <a:r>
+              <a:rPr lang="nb-NO" baseline="0" dirty="0" err="1"/>
+              <a:t>common</a:t>
             </a:r>
             <a:r>
               <a:rPr lang="nb-NO" baseline="0" dirty="0"/>
@@ -7066,23 +7326,15 @@
             </a:r>
             <a:r>
               <a:rPr lang="nb-NO" baseline="0" dirty="0" err="1"/>
-              <a:t>user</a:t>
+              <a:t>issues</a:t>
             </a:r>
             <a:r>
               <a:rPr lang="nb-NO" baseline="0" dirty="0"/>
-              <a:t> has </a:t>
+              <a:t> and </a:t>
             </a:r>
             <a:r>
               <a:rPr lang="nb-NO" baseline="0" dirty="0" err="1"/>
-              <a:t>entered</a:t>
-            </a:r>
-            <a:r>
-              <a:rPr lang="nb-NO" baseline="0" dirty="0"/>
-              <a:t> or given a </a:t>
-            </a:r>
-            <a:r>
-              <a:rPr lang="nb-NO" baseline="0" dirty="0" err="1"/>
-              <a:t>sequence</a:t>
+              <a:t>their</a:t>
             </a:r>
             <a:r>
               <a:rPr lang="nb-NO" baseline="0" dirty="0"/>
@@ -7090,7 +7342,7 @@
             </a:r>
             <a:r>
               <a:rPr lang="nb-NO" baseline="0" dirty="0" err="1"/>
-              <a:t>of</a:t>
+              <a:t>work</a:t>
             </a:r>
             <a:r>
               <a:rPr lang="nb-NO" baseline="0" dirty="0"/>
@@ -7098,232 +7350,11 @@
             </a:r>
             <a:r>
               <a:rPr lang="nb-NO" baseline="0" dirty="0" err="1"/>
-              <a:t>words</a:t>
+              <a:t>aorund</a:t>
             </a:r>
             <a:r>
               <a:rPr lang="nb-NO" baseline="0" dirty="0"/>
-              <a:t> …</a:t>
-            </a:r>
-          </a:p>
-          <a:p>
-            <a:endParaRPr lang="nb-NO" dirty="0"/>
-          </a:p>
-          <a:p>
-            <a:r>
-              <a:rPr lang="nb-NO" dirty="0"/>
-              <a:t>A </a:t>
-            </a:r>
-            <a:r>
-              <a:rPr lang="nb-NO" b="1" dirty="0"/>
-              <a:t>probabilistic language model</a:t>
-            </a:r>
-            <a:r>
-              <a:rPr lang="nb-NO" dirty="0"/>
-              <a:t> allows</a:t>
-            </a:r>
-            <a:r>
-              <a:rPr lang="nb-NO" baseline="0" dirty="0"/>
-              <a:t> to </a:t>
-            </a:r>
-            <a:r>
-              <a:rPr lang="nb-NO" b="1" baseline="0" dirty="0"/>
-              <a:t>assign a probability/ score to a sentence or a sequence </a:t>
-            </a:r>
-            <a:r>
-              <a:rPr lang="nb-NO" b="1" baseline="0" dirty="0" err="1"/>
-              <a:t>of</a:t>
-            </a:r>
-            <a:r>
-              <a:rPr lang="nb-NO" b="1" baseline="0" dirty="0"/>
-              <a:t> </a:t>
-            </a:r>
-            <a:r>
-              <a:rPr lang="nb-NO" b="1" baseline="0" dirty="0" err="1"/>
-              <a:t>words</a:t>
-            </a:r>
-            <a:r>
-              <a:rPr lang="nb-NO" b="1" baseline="0" dirty="0"/>
-              <a:t> </a:t>
-            </a:r>
-            <a:r>
-              <a:rPr lang="nb-NO" baseline="0" dirty="0"/>
-              <a:t>and can be used to </a:t>
-            </a:r>
-            <a:r>
-              <a:rPr lang="nb-NO" baseline="0" dirty="0" err="1"/>
-              <a:t>resolve</a:t>
-            </a:r>
-            <a:r>
-              <a:rPr lang="nb-NO" baseline="0" dirty="0"/>
-              <a:t> the given problem: </a:t>
-            </a:r>
-            <a:r>
-              <a:rPr lang="nb-NO" b="1" baseline="0" dirty="0"/>
-              <a:t>predict  the most probable words given part of a sentence</a:t>
-            </a:r>
-            <a:r>
-              <a:rPr lang="nb-NO" baseline="0" dirty="0"/>
-              <a:t> (</a:t>
-            </a:r>
-            <a:r>
-              <a:rPr lang="nb-NO" b="1" baseline="0" dirty="0"/>
-              <a:t>text </a:t>
-            </a:r>
-            <a:r>
-              <a:rPr lang="nb-NO" b="1" baseline="0" dirty="0" err="1"/>
-              <a:t>prediction</a:t>
-            </a:r>
-            <a:r>
-              <a:rPr lang="nb-NO" baseline="0" dirty="0"/>
-              <a:t>)</a:t>
-            </a:r>
-          </a:p>
-          <a:p>
-            <a:endParaRPr lang="nb-NO" baseline="0" dirty="0"/>
-          </a:p>
-          <a:p>
-            <a:r>
-              <a:rPr lang="nb-NO" b="1" baseline="0" dirty="0"/>
-              <a:t>How </a:t>
-            </a:r>
-            <a:r>
-              <a:rPr lang="nb-NO" b="1" baseline="0" dirty="0" err="1"/>
-              <a:t>can</a:t>
-            </a:r>
-            <a:r>
-              <a:rPr lang="nb-NO" b="1" baseline="0" dirty="0"/>
-              <a:t> </a:t>
-            </a:r>
-            <a:r>
-              <a:rPr lang="nb-NO" b="1" baseline="0" dirty="0" err="1"/>
-              <a:t>we</a:t>
-            </a:r>
-            <a:r>
-              <a:rPr lang="nb-NO" b="1" baseline="0" dirty="0"/>
-              <a:t> </a:t>
-            </a:r>
-            <a:r>
-              <a:rPr lang="nb-NO" b="1" baseline="0" dirty="0" err="1"/>
-              <a:t>estimate</a:t>
-            </a:r>
-            <a:r>
-              <a:rPr lang="nb-NO" b="1" baseline="0" dirty="0"/>
-              <a:t> </a:t>
-            </a:r>
-            <a:r>
-              <a:rPr lang="nb-NO" b="1" baseline="0" dirty="0" err="1"/>
-              <a:t>the</a:t>
-            </a:r>
-            <a:r>
-              <a:rPr lang="nb-NO" b="1" baseline="0" dirty="0"/>
-              <a:t> </a:t>
-            </a:r>
-            <a:r>
-              <a:rPr lang="nb-NO" b="1" baseline="0" dirty="0" err="1"/>
-              <a:t>probability</a:t>
-            </a:r>
-            <a:r>
-              <a:rPr lang="nb-NO" b="1" baseline="0" dirty="0"/>
-              <a:t> </a:t>
-            </a:r>
-            <a:r>
-              <a:rPr lang="nb-NO" b="1" baseline="0" dirty="0" err="1"/>
-              <a:t>of</a:t>
-            </a:r>
-            <a:r>
-              <a:rPr lang="nb-NO" b="1" baseline="0" dirty="0"/>
-              <a:t> a </a:t>
-            </a:r>
-            <a:r>
-              <a:rPr lang="nb-NO" b="1" baseline="0" dirty="0" err="1"/>
-              <a:t>word</a:t>
-            </a:r>
-            <a:r>
-              <a:rPr lang="nb-NO" b="1" baseline="0" dirty="0"/>
-              <a:t> w given a </a:t>
-            </a:r>
-            <a:r>
-              <a:rPr lang="nb-NO" b="1" baseline="0" dirty="0" err="1"/>
-              <a:t>history</a:t>
-            </a:r>
-            <a:r>
-              <a:rPr lang="nb-NO" b="1" baseline="0" dirty="0"/>
-              <a:t> h or </a:t>
-            </a:r>
-            <a:r>
-              <a:rPr lang="nb-NO" b="1" baseline="0" dirty="0" err="1"/>
-              <a:t>the</a:t>
-            </a:r>
-            <a:r>
-              <a:rPr lang="nb-NO" b="1" baseline="0" dirty="0"/>
-              <a:t> </a:t>
-            </a:r>
-            <a:r>
-              <a:rPr lang="nb-NO" b="1" baseline="0" dirty="0" err="1"/>
-              <a:t>probability</a:t>
-            </a:r>
-            <a:r>
-              <a:rPr lang="nb-NO" b="1" baseline="0" dirty="0"/>
-              <a:t> </a:t>
-            </a:r>
-            <a:r>
-              <a:rPr lang="nb-NO" b="1" baseline="0" dirty="0" err="1"/>
-              <a:t>of</a:t>
-            </a:r>
-            <a:r>
-              <a:rPr lang="nb-NO" b="1" baseline="0" dirty="0"/>
-              <a:t> </a:t>
-            </a:r>
-            <a:r>
-              <a:rPr lang="nb-NO" b="1" baseline="0" dirty="0" err="1"/>
-              <a:t>the</a:t>
-            </a:r>
-            <a:r>
-              <a:rPr lang="nb-NO" b="1" baseline="0" dirty="0"/>
-              <a:t> </a:t>
-            </a:r>
-            <a:r>
-              <a:rPr lang="nb-NO" b="1" baseline="0" dirty="0" err="1"/>
-              <a:t>sentence</a:t>
-            </a:r>
-            <a:r>
-              <a:rPr lang="nb-NO" b="1" baseline="0" dirty="0"/>
-              <a:t> S?</a:t>
-            </a:r>
-          </a:p>
-          <a:p>
-            <a:r>
-              <a:rPr lang="en-US" dirty="0"/>
-              <a:t>One possible</a:t>
-            </a:r>
-            <a:r>
-              <a:rPr lang="en-US" baseline="0" dirty="0"/>
-              <a:t> approach is to use the </a:t>
-            </a:r>
-            <a:r>
-              <a:rPr lang="en-US" b="1" baseline="0" dirty="0"/>
-              <a:t>Chain Rule of probability (general product rule)</a:t>
-            </a:r>
-            <a:r>
-              <a:rPr lang="en-US" baseline="0" dirty="0"/>
-              <a:t> – which permits the calculation of the joint distribution of a set of random variables using only conditional probabilities. The chain rule shows the link between computing the joint probability of a sequence of words and computing the conditional probability of a word given previous words.</a:t>
-            </a:r>
-          </a:p>
-          <a:p>
-            <a:endParaRPr lang="en-US" baseline="0" dirty="0"/>
-          </a:p>
-          <a:p>
-            <a:r>
-              <a:rPr lang="en-US" baseline="0" dirty="0"/>
-              <a:t>Instead of computing the probability of a word given all of the previous words (complex), we can just approximate the history by just considering the last few (k) words (</a:t>
-            </a:r>
-            <a:r>
-              <a:rPr lang="en-US" b="1" baseline="0" dirty="0"/>
-              <a:t>Markov Assumption and the n-gram model</a:t>
-            </a:r>
-            <a:r>
-              <a:rPr lang="en-US" baseline="0" dirty="0"/>
-              <a:t>). </a:t>
+              <a:t> …..</a:t>
             </a:r>
             <a:endParaRPr lang="en-US" dirty="0"/>
           </a:p>
@@ -7355,7 +7386,7 @@
     </p:spTree>
     <p:extLst>
       <p:ext uri="{BB962C8B-B14F-4D97-AF65-F5344CB8AC3E}">
-        <p14:creationId xmlns:p14="http://schemas.microsoft.com/office/powerpoint/2010/main" val="1230918134"/>
+        <p14:creationId xmlns:p14="http://schemas.microsoft.com/office/powerpoint/2010/main" val="1382033462"/>
       </p:ext>
     </p:extLst>
   </p:cSld>
@@ -7415,25 +7446,326 @@
             </a:r>
             <a:r>
               <a:rPr lang="nb-NO" b="1" dirty="0"/>
-              <a:t>Maximum </a:t>
-            </a:r>
-            <a:r>
-              <a:rPr lang="nb-NO" b="1" dirty="0" err="1"/>
-              <a:t>Likelihood</a:t>
+              <a:t>Challenge</a:t>
+            </a:r>
+            <a:r>
+              <a:rPr lang="nb-NO" dirty="0"/>
+              <a:t> is to </a:t>
+            </a:r>
+            <a:r>
+              <a:rPr lang="nb-NO" dirty="0" err="1"/>
+              <a:t>find</a:t>
+            </a:r>
+            <a:r>
+              <a:rPr lang="nb-NO" dirty="0"/>
+              <a:t> </a:t>
+            </a:r>
+            <a:r>
+              <a:rPr lang="nb-NO" dirty="0" err="1"/>
+              <a:t>the</a:t>
+            </a:r>
+            <a:r>
+              <a:rPr lang="nb-NO" dirty="0"/>
+              <a:t> most probable </a:t>
+            </a:r>
+            <a:r>
+              <a:rPr lang="nb-NO" dirty="0" err="1"/>
+              <a:t>next</a:t>
+            </a:r>
+            <a:r>
+              <a:rPr lang="nb-NO" dirty="0"/>
+              <a:t> </a:t>
+            </a:r>
+            <a:r>
+              <a:rPr lang="nb-NO" dirty="0" err="1"/>
+              <a:t>word</a:t>
+            </a:r>
+            <a:r>
+              <a:rPr lang="nb-NO" dirty="0"/>
+              <a:t> given</a:t>
+            </a:r>
+            <a:r>
+              <a:rPr lang="nb-NO" baseline="0" dirty="0"/>
+              <a:t> </a:t>
+            </a:r>
+            <a:r>
+              <a:rPr lang="nb-NO" baseline="0" dirty="0" err="1"/>
+              <a:t>that</a:t>
+            </a:r>
+            <a:r>
+              <a:rPr lang="nb-NO" baseline="0" dirty="0"/>
+              <a:t> </a:t>
+            </a:r>
+            <a:r>
+              <a:rPr lang="nb-NO" baseline="0" dirty="0" err="1"/>
+              <a:t>the</a:t>
+            </a:r>
+            <a:r>
+              <a:rPr lang="nb-NO" baseline="0" dirty="0"/>
+              <a:t> </a:t>
+            </a:r>
+            <a:r>
+              <a:rPr lang="nb-NO" baseline="0" dirty="0" err="1"/>
+              <a:t>user</a:t>
+            </a:r>
+            <a:r>
+              <a:rPr lang="nb-NO" baseline="0" dirty="0"/>
+              <a:t> has </a:t>
+            </a:r>
+            <a:r>
+              <a:rPr lang="nb-NO" baseline="0" dirty="0" err="1"/>
+              <a:t>entered</a:t>
+            </a:r>
+            <a:r>
+              <a:rPr lang="nb-NO" baseline="0" dirty="0"/>
+              <a:t> or given a </a:t>
+            </a:r>
+            <a:r>
+              <a:rPr lang="nb-NO" baseline="0" dirty="0" err="1"/>
+              <a:t>sequence</a:t>
+            </a:r>
+            <a:r>
+              <a:rPr lang="nb-NO" baseline="0" dirty="0"/>
+              <a:t> </a:t>
+            </a:r>
+            <a:r>
+              <a:rPr lang="nb-NO" baseline="0" dirty="0" err="1"/>
+              <a:t>of</a:t>
+            </a:r>
+            <a:r>
+              <a:rPr lang="nb-NO" baseline="0" dirty="0"/>
+              <a:t> </a:t>
+            </a:r>
+            <a:r>
+              <a:rPr lang="nb-NO" baseline="0" dirty="0" err="1"/>
+              <a:t>words</a:t>
+            </a:r>
+            <a:r>
+              <a:rPr lang="nb-NO" baseline="0" dirty="0"/>
+              <a:t> …</a:t>
+            </a:r>
+          </a:p>
+          <a:p>
+            <a:endParaRPr lang="nb-NO" dirty="0"/>
+          </a:p>
+          <a:p>
+            <a:r>
+              <a:rPr lang="nb-NO" dirty="0"/>
+              <a:t>A </a:t>
             </a:r>
             <a:r>
               <a:rPr lang="nb-NO" b="1" dirty="0"/>
+              <a:t>probabilistic language model</a:t>
+            </a:r>
+            <a:r>
+              <a:rPr lang="nb-NO" dirty="0"/>
+              <a:t> allows</a:t>
+            </a:r>
+            <a:r>
+              <a:rPr lang="nb-NO" baseline="0" dirty="0"/>
+              <a:t> to </a:t>
+            </a:r>
+            <a:r>
+              <a:rPr lang="nb-NO" b="1" baseline="0" dirty="0"/>
+              <a:t>assign a probability/ score to a sentence or a sequence </a:t>
+            </a:r>
+            <a:r>
+              <a:rPr lang="nb-NO" b="1" baseline="0" dirty="0" err="1"/>
+              <a:t>of</a:t>
+            </a:r>
+            <a:r>
+              <a:rPr lang="nb-NO" b="1" baseline="0" dirty="0"/>
               <a:t> </a:t>
             </a:r>
             <a:r>
-              <a:rPr lang="nb-NO" b="1" dirty="0" err="1"/>
-              <a:t>Estimate</a:t>
-            </a:r>
-            <a:r>
-              <a:rPr lang="nb-NO" b="1" dirty="0"/>
-              <a:t> (MLE)</a:t>
-            </a:r>
-            <a:endParaRPr lang="en-US" b="1" dirty="0"/>
+              <a:rPr lang="nb-NO" b="1" baseline="0" dirty="0" err="1"/>
+              <a:t>words</a:t>
+            </a:r>
+            <a:r>
+              <a:rPr lang="nb-NO" b="1" baseline="0" dirty="0"/>
+              <a:t> </a:t>
+            </a:r>
+            <a:r>
+              <a:rPr lang="nb-NO" baseline="0" dirty="0"/>
+              <a:t>and can be used to </a:t>
+            </a:r>
+            <a:r>
+              <a:rPr lang="nb-NO" baseline="0" dirty="0" err="1"/>
+              <a:t>resolve</a:t>
+            </a:r>
+            <a:r>
+              <a:rPr lang="nb-NO" baseline="0" dirty="0"/>
+              <a:t> the given problem: </a:t>
+            </a:r>
+            <a:r>
+              <a:rPr lang="nb-NO" b="1" baseline="0" dirty="0"/>
+              <a:t>predict  the most probable words given part of a sentence</a:t>
+            </a:r>
+            <a:r>
+              <a:rPr lang="nb-NO" baseline="0" dirty="0"/>
+              <a:t> (</a:t>
+            </a:r>
+            <a:r>
+              <a:rPr lang="nb-NO" b="1" baseline="0" dirty="0"/>
+              <a:t>text </a:t>
+            </a:r>
+            <a:r>
+              <a:rPr lang="nb-NO" b="1" baseline="0" dirty="0" err="1"/>
+              <a:t>prediction</a:t>
+            </a:r>
+            <a:r>
+              <a:rPr lang="nb-NO" baseline="0" dirty="0"/>
+              <a:t>)</a:t>
+            </a:r>
+          </a:p>
+          <a:p>
+            <a:endParaRPr lang="nb-NO" baseline="0" dirty="0"/>
+          </a:p>
+          <a:p>
+            <a:r>
+              <a:rPr lang="nb-NO" b="1" baseline="0" dirty="0"/>
+              <a:t>How </a:t>
+            </a:r>
+            <a:r>
+              <a:rPr lang="nb-NO" b="1" baseline="0" dirty="0" err="1"/>
+              <a:t>can</a:t>
+            </a:r>
+            <a:r>
+              <a:rPr lang="nb-NO" b="1" baseline="0" dirty="0"/>
+              <a:t> </a:t>
+            </a:r>
+            <a:r>
+              <a:rPr lang="nb-NO" b="1" baseline="0" dirty="0" err="1"/>
+              <a:t>we</a:t>
+            </a:r>
+            <a:r>
+              <a:rPr lang="nb-NO" b="1" baseline="0" dirty="0"/>
+              <a:t> </a:t>
+            </a:r>
+            <a:r>
+              <a:rPr lang="nb-NO" b="1" baseline="0" dirty="0" err="1"/>
+              <a:t>estimate</a:t>
+            </a:r>
+            <a:r>
+              <a:rPr lang="nb-NO" b="1" baseline="0" dirty="0"/>
+              <a:t> </a:t>
+            </a:r>
+            <a:r>
+              <a:rPr lang="nb-NO" b="1" baseline="0" dirty="0" err="1"/>
+              <a:t>the</a:t>
+            </a:r>
+            <a:r>
+              <a:rPr lang="nb-NO" b="1" baseline="0" dirty="0"/>
+              <a:t> </a:t>
+            </a:r>
+            <a:r>
+              <a:rPr lang="nb-NO" b="1" baseline="0" dirty="0" err="1"/>
+              <a:t>probability</a:t>
+            </a:r>
+            <a:r>
+              <a:rPr lang="nb-NO" b="1" baseline="0" dirty="0"/>
+              <a:t> </a:t>
+            </a:r>
+            <a:r>
+              <a:rPr lang="nb-NO" b="1" baseline="0" dirty="0" err="1"/>
+              <a:t>of</a:t>
+            </a:r>
+            <a:r>
+              <a:rPr lang="nb-NO" b="1" baseline="0" dirty="0"/>
+              <a:t> a </a:t>
+            </a:r>
+            <a:r>
+              <a:rPr lang="nb-NO" b="1" baseline="0" dirty="0" err="1"/>
+              <a:t>word</a:t>
+            </a:r>
+            <a:r>
+              <a:rPr lang="nb-NO" b="1" baseline="0" dirty="0"/>
+              <a:t> w given a </a:t>
+            </a:r>
+            <a:r>
+              <a:rPr lang="nb-NO" b="1" baseline="0" dirty="0" err="1"/>
+              <a:t>history</a:t>
+            </a:r>
+            <a:r>
+              <a:rPr lang="nb-NO" b="1" baseline="0" dirty="0"/>
+              <a:t> h or </a:t>
+            </a:r>
+            <a:r>
+              <a:rPr lang="nb-NO" b="1" baseline="0" dirty="0" err="1"/>
+              <a:t>the</a:t>
+            </a:r>
+            <a:r>
+              <a:rPr lang="nb-NO" b="1" baseline="0" dirty="0"/>
+              <a:t> </a:t>
+            </a:r>
+            <a:r>
+              <a:rPr lang="nb-NO" b="1" baseline="0" dirty="0" err="1"/>
+              <a:t>probability</a:t>
+            </a:r>
+            <a:r>
+              <a:rPr lang="nb-NO" b="1" baseline="0" dirty="0"/>
+              <a:t> </a:t>
+            </a:r>
+            <a:r>
+              <a:rPr lang="nb-NO" b="1" baseline="0" dirty="0" err="1"/>
+              <a:t>of</a:t>
+            </a:r>
+            <a:r>
+              <a:rPr lang="nb-NO" b="1" baseline="0" dirty="0"/>
+              <a:t> </a:t>
+            </a:r>
+            <a:r>
+              <a:rPr lang="nb-NO" b="1" baseline="0" dirty="0" err="1"/>
+              <a:t>the</a:t>
+            </a:r>
+            <a:r>
+              <a:rPr lang="nb-NO" b="1" baseline="0" dirty="0"/>
+              <a:t> </a:t>
+            </a:r>
+            <a:r>
+              <a:rPr lang="nb-NO" b="1" baseline="0" dirty="0" err="1"/>
+              <a:t>sentence</a:t>
+            </a:r>
+            <a:r>
+              <a:rPr lang="nb-NO" b="1" baseline="0" dirty="0"/>
+              <a:t> S?</a:t>
+            </a:r>
+          </a:p>
+          <a:p>
+            <a:r>
+              <a:rPr lang="en-US" dirty="0"/>
+              <a:t>One possible</a:t>
+            </a:r>
+            <a:r>
+              <a:rPr lang="en-US" baseline="0" dirty="0"/>
+              <a:t> approach is to use the </a:t>
+            </a:r>
+            <a:r>
+              <a:rPr lang="en-US" b="1" baseline="0" dirty="0"/>
+              <a:t>Chain Rule of probability (general product rule)</a:t>
+            </a:r>
+            <a:r>
+              <a:rPr lang="en-US" baseline="0" dirty="0"/>
+              <a:t> – which permits the calculation of the joint distribution of a set of random variables using only conditional probabilities. The chain rule shows the link between computing the joint probability of a sequence of words and computing the conditional probability of a word given previous words.</a:t>
+            </a:r>
+          </a:p>
+          <a:p>
+            <a:endParaRPr lang="en-US" baseline="0" dirty="0"/>
+          </a:p>
+          <a:p>
+            <a:r>
+              <a:rPr lang="en-US" baseline="0" dirty="0"/>
+              <a:t>Instead of computing the probability of a word given all of the previous words (complex), we can just approximate the history by just considering the last few (k) words (</a:t>
+            </a:r>
+            <a:r>
+              <a:rPr lang="en-US" b="1" baseline="0" dirty="0"/>
+              <a:t>Markov Assumption and the n-gram model</a:t>
+            </a:r>
+            <a:r>
+              <a:rPr lang="en-US" baseline="0" dirty="0"/>
+              <a:t>). </a:t>
+            </a:r>
+            <a:endParaRPr lang="en-US" dirty="0"/>
           </a:p>
         </p:txBody>
       </p:sp>
@@ -7463,7 +7795,7 @@
     </p:spTree>
     <p:extLst>
       <p:ext uri="{BB962C8B-B14F-4D97-AF65-F5344CB8AC3E}">
-        <p14:creationId xmlns:p14="http://schemas.microsoft.com/office/powerpoint/2010/main" val="3730827486"/>
+        <p14:creationId xmlns:p14="http://schemas.microsoft.com/office/powerpoint/2010/main" val="1230918134"/>
       </p:ext>
     </p:extLst>
   </p:cSld>
@@ -7519,121 +7851,29 @@
           <a:p>
             <a:r>
               <a:rPr lang="nb-NO" dirty="0"/>
-              <a:t>A more </a:t>
-            </a:r>
-            <a:r>
-              <a:rPr lang="nb-NO" dirty="0" err="1"/>
-              <a:t>high</a:t>
-            </a:r>
-            <a:r>
-              <a:rPr lang="nb-NO" dirty="0"/>
+              <a:t>The </a:t>
+            </a:r>
+            <a:r>
+              <a:rPr lang="nb-NO" b="1" dirty="0"/>
+              <a:t>Maximum </a:t>
+            </a:r>
+            <a:r>
+              <a:rPr lang="nb-NO" b="1" dirty="0" err="1"/>
+              <a:t>Likelihood</a:t>
+            </a:r>
+            <a:r>
+              <a:rPr lang="nb-NO" b="1" dirty="0"/>
               <a:t> </a:t>
             </a:r>
             <a:r>
-              <a:rPr lang="nb-NO" dirty="0" err="1"/>
-              <a:t>level</a:t>
-            </a:r>
-            <a:r>
-              <a:rPr lang="nb-NO" dirty="0"/>
-              <a:t> </a:t>
-            </a:r>
-            <a:r>
-              <a:rPr lang="nb-NO" dirty="0" err="1"/>
-              <a:t>overview</a:t>
-            </a:r>
-            <a:r>
-              <a:rPr lang="nb-NO" dirty="0"/>
-              <a:t> </a:t>
-            </a:r>
-            <a:r>
-              <a:rPr lang="nb-NO" dirty="0" err="1"/>
-              <a:t>of</a:t>
-            </a:r>
-            <a:r>
-              <a:rPr lang="nb-NO" dirty="0"/>
-              <a:t> </a:t>
-            </a:r>
-            <a:r>
-              <a:rPr lang="nb-NO" dirty="0" err="1"/>
-              <a:t>the</a:t>
-            </a:r>
-            <a:r>
-              <a:rPr lang="nb-NO" dirty="0"/>
-              <a:t> </a:t>
-            </a:r>
-            <a:r>
-              <a:rPr lang="nb-NO" dirty="0" err="1"/>
-              <a:t>language</a:t>
-            </a:r>
-            <a:r>
-              <a:rPr lang="nb-NO" baseline="0" dirty="0"/>
-              <a:t> </a:t>
-            </a:r>
-            <a:r>
-              <a:rPr lang="nb-NO" baseline="0" dirty="0" err="1"/>
-              <a:t>model</a:t>
-            </a:r>
-            <a:r>
-              <a:rPr lang="nb-NO" baseline="0" dirty="0"/>
-              <a:t> </a:t>
-            </a:r>
-            <a:r>
-              <a:rPr lang="nb-NO" baseline="0" dirty="0" err="1"/>
-              <a:t>domain</a:t>
-            </a:r>
-            <a:r>
-              <a:rPr lang="nb-NO" baseline="0" dirty="0"/>
-              <a:t>. Data </a:t>
-            </a:r>
-            <a:r>
-              <a:rPr lang="nb-NO" baseline="0" dirty="0" err="1"/>
-              <a:t>structures</a:t>
-            </a:r>
-            <a:r>
-              <a:rPr lang="nb-NO" baseline="0" dirty="0"/>
-              <a:t>, </a:t>
-            </a:r>
-            <a:r>
-              <a:rPr lang="nb-NO" baseline="0" dirty="0" err="1"/>
-              <a:t>common</a:t>
-            </a:r>
-            <a:r>
-              <a:rPr lang="nb-NO" baseline="0" dirty="0"/>
-              <a:t> </a:t>
-            </a:r>
-            <a:r>
-              <a:rPr lang="nb-NO" baseline="0" dirty="0" err="1"/>
-              <a:t>issues</a:t>
-            </a:r>
-            <a:r>
-              <a:rPr lang="nb-NO" baseline="0" dirty="0"/>
-              <a:t> and </a:t>
-            </a:r>
-            <a:r>
-              <a:rPr lang="nb-NO" baseline="0" dirty="0" err="1"/>
-              <a:t>their</a:t>
-            </a:r>
-            <a:r>
-              <a:rPr lang="nb-NO" baseline="0" dirty="0"/>
-              <a:t> </a:t>
-            </a:r>
-            <a:r>
-              <a:rPr lang="nb-NO" baseline="0" dirty="0" err="1"/>
-              <a:t>work</a:t>
-            </a:r>
-            <a:r>
-              <a:rPr lang="nb-NO" baseline="0" dirty="0"/>
-              <a:t> </a:t>
-            </a:r>
-            <a:r>
-              <a:rPr lang="nb-NO" baseline="0" dirty="0" err="1"/>
-              <a:t>aorund</a:t>
-            </a:r>
-            <a:r>
-              <a:rPr lang="nb-NO" baseline="0" dirty="0"/>
-              <a:t> …..</a:t>
-            </a:r>
-            <a:endParaRPr lang="en-US" dirty="0"/>
+              <a:rPr lang="nb-NO" b="1" dirty="0" err="1"/>
+              <a:t>Estimate</a:t>
+            </a:r>
+            <a:r>
+              <a:rPr lang="nb-NO" b="1" dirty="0"/>
+              <a:t> (MLE)</a:t>
+            </a:r>
+            <a:endParaRPr lang="en-US" b="1" dirty="0"/>
           </a:p>
         </p:txBody>
       </p:sp>
@@ -7663,7 +7903,7 @@
     </p:spTree>
     <p:extLst>
       <p:ext uri="{BB962C8B-B14F-4D97-AF65-F5344CB8AC3E}">
-        <p14:creationId xmlns:p14="http://schemas.microsoft.com/office/powerpoint/2010/main" val="1382033462"/>
+        <p14:creationId xmlns:p14="http://schemas.microsoft.com/office/powerpoint/2010/main" val="3730827486"/>
       </p:ext>
     </p:extLst>
   </p:cSld>
@@ -8173,7 +8413,7 @@
           <a:p>
             <a:fld id="{77742CB5-BF55-4D26-A769-AD7DC0521FF6}" type="datetimeFigureOut">
               <a:rPr lang="en-US" smtClean="0"/>
-              <a:t>8/29/2016</a:t>
+              <a:t>8/30/2016</a:t>
             </a:fld>
             <a:endParaRPr lang="en-US"/>
           </a:p>
@@ -8440,7 +8680,7 @@
           <a:p>
             <a:fld id="{77742CB5-BF55-4D26-A769-AD7DC0521FF6}" type="datetimeFigureOut">
               <a:rPr lang="en-US" smtClean="0"/>
-              <a:t>8/29/2016</a:t>
+              <a:t>8/30/2016</a:t>
             </a:fld>
             <a:endParaRPr lang="en-US"/>
           </a:p>
@@ -8671,7 +8911,7 @@
           <a:p>
             <a:fld id="{77742CB5-BF55-4D26-A769-AD7DC0521FF6}" type="datetimeFigureOut">
               <a:rPr lang="en-US" smtClean="0"/>
-              <a:t>8/29/2016</a:t>
+              <a:t>8/30/2016</a:t>
             </a:fld>
             <a:endParaRPr lang="en-US"/>
           </a:p>
@@ -8981,7 +9221,7 @@
           <a:p>
             <a:fld id="{77742CB5-BF55-4D26-A769-AD7DC0521FF6}" type="datetimeFigureOut">
               <a:rPr lang="en-US" smtClean="0"/>
-              <a:t>8/29/2016</a:t>
+              <a:t>8/30/2016</a:t>
             </a:fld>
             <a:endParaRPr lang="en-US"/>
           </a:p>
@@ -9454,7 +9694,7 @@
           <a:p>
             <a:fld id="{77742CB5-BF55-4D26-A769-AD7DC0521FF6}" type="datetimeFigureOut">
               <a:rPr lang="en-US" smtClean="0"/>
-              <a:t>8/29/2016</a:t>
+              <a:t>8/30/2016</a:t>
             </a:fld>
             <a:endParaRPr lang="en-US"/>
           </a:p>
@@ -10001,7 +10241,7 @@
           <a:p>
             <a:fld id="{77742CB5-BF55-4D26-A769-AD7DC0521FF6}" type="datetimeFigureOut">
               <a:rPr lang="en-US" smtClean="0"/>
-              <a:t>8/29/2016</a:t>
+              <a:t>8/30/2016</a:t>
             </a:fld>
             <a:endParaRPr lang="en-US"/>
           </a:p>
@@ -10775,7 +11015,7 @@
           <a:p>
             <a:fld id="{77742CB5-BF55-4D26-A769-AD7DC0521FF6}" type="datetimeFigureOut">
               <a:rPr lang="en-US" smtClean="0"/>
-              <a:t>8/29/2016</a:t>
+              <a:t>8/30/2016</a:t>
             </a:fld>
             <a:endParaRPr lang="en-US"/>
           </a:p>
@@ -10950,7 +11190,7 @@
           <a:p>
             <a:fld id="{77742CB5-BF55-4D26-A769-AD7DC0521FF6}" type="datetimeFigureOut">
               <a:rPr lang="en-US" smtClean="0"/>
-              <a:t>8/29/2016</a:t>
+              <a:t>8/30/2016</a:t>
             </a:fld>
             <a:endParaRPr lang="en-US"/>
           </a:p>
@@ -11173,7 +11413,7 @@
           <a:p>
             <a:fld id="{77742CB5-BF55-4D26-A769-AD7DC0521FF6}" type="datetimeFigureOut">
               <a:rPr lang="en-US" smtClean="0"/>
-              <a:t>8/29/2016</a:t>
+              <a:t>8/30/2016</a:t>
             </a:fld>
             <a:endParaRPr lang="en-US"/>
           </a:p>
@@ -11353,7 +11593,7 @@
           <a:p>
             <a:fld id="{77742CB5-BF55-4D26-A769-AD7DC0521FF6}" type="datetimeFigureOut">
               <a:rPr lang="en-US" smtClean="0"/>
-              <a:t>8/29/2016</a:t>
+              <a:t>8/30/2016</a:t>
             </a:fld>
             <a:endParaRPr lang="en-US"/>
           </a:p>
@@ -11642,7 +11882,7 @@
           <a:p>
             <a:fld id="{77742CB5-BF55-4D26-A769-AD7DC0521FF6}" type="datetimeFigureOut">
               <a:rPr lang="en-US" smtClean="0"/>
-              <a:t>8/29/2016</a:t>
+              <a:t>8/30/2016</a:t>
             </a:fld>
             <a:endParaRPr lang="en-US"/>
           </a:p>
@@ -11884,7 +12124,7 @@
           <a:p>
             <a:fld id="{77742CB5-BF55-4D26-A769-AD7DC0521FF6}" type="datetimeFigureOut">
               <a:rPr lang="en-US" smtClean="0"/>
-              <a:t>8/29/2016</a:t>
+              <a:t>8/30/2016</a:t>
             </a:fld>
             <a:endParaRPr lang="en-US"/>
           </a:p>
@@ -12263,7 +12503,7 @@
           <a:p>
             <a:fld id="{77742CB5-BF55-4D26-A769-AD7DC0521FF6}" type="datetimeFigureOut">
               <a:rPr lang="en-US" smtClean="0"/>
-              <a:t>8/29/2016</a:t>
+              <a:t>8/30/2016</a:t>
             </a:fld>
             <a:endParaRPr lang="en-US"/>
           </a:p>
@@ -12381,7 +12621,7 @@
           <a:p>
             <a:fld id="{77742CB5-BF55-4D26-A769-AD7DC0521FF6}" type="datetimeFigureOut">
               <a:rPr lang="en-US" smtClean="0"/>
-              <a:t>8/29/2016</a:t>
+              <a:t>8/30/2016</a:t>
             </a:fld>
             <a:endParaRPr lang="en-US"/>
           </a:p>
@@ -12476,7 +12716,7 @@
           <a:p>
             <a:fld id="{77742CB5-BF55-4D26-A769-AD7DC0521FF6}" type="datetimeFigureOut">
               <a:rPr lang="en-US" smtClean="0"/>
-              <a:t>8/29/2016</a:t>
+              <a:t>8/30/2016</a:t>
             </a:fld>
             <a:endParaRPr lang="en-US"/>
           </a:p>
@@ -12725,7 +12965,7 @@
           <a:p>
             <a:fld id="{77742CB5-BF55-4D26-A769-AD7DC0521FF6}" type="datetimeFigureOut">
               <a:rPr lang="en-US" smtClean="0"/>
-              <a:t>8/29/2016</a:t>
+              <a:t>8/30/2016</a:t>
             </a:fld>
             <a:endParaRPr lang="en-US"/>
           </a:p>
@@ -12982,7 +13222,7 @@
           <a:p>
             <a:fld id="{77742CB5-BF55-4D26-A769-AD7DC0521FF6}" type="datetimeFigureOut">
               <a:rPr lang="en-US" smtClean="0"/>
-              <a:t>8/29/2016</a:t>
+              <a:t>8/30/2016</a:t>
             </a:fld>
             <a:endParaRPr lang="en-US"/>
           </a:p>
@@ -13225,7 +13465,7 @@
           <a:p>
             <a:fld id="{77742CB5-BF55-4D26-A769-AD7DC0521FF6}" type="datetimeFigureOut">
               <a:rPr lang="en-US" smtClean="0"/>
-              <a:t>8/29/2016</a:t>
+              <a:t>8/30/2016</a:t>
             </a:fld>
             <a:endParaRPr lang="en-US"/>
           </a:p>
@@ -13765,8 +14005,8 @@
         </p:nvSpPr>
         <p:spPr>
           <a:xfrm>
-            <a:off x="4350690" y="284361"/>
-            <a:ext cx="7696200" cy="914400"/>
+            <a:off x="2583712" y="284361"/>
+            <a:ext cx="9463178" cy="914400"/>
           </a:xfrm>
         </p:spPr>
         <p:txBody>
@@ -13778,14 +14018,7 @@
             <a:pPr algn="r"/>
             <a:r>
               <a:rPr lang="en-GB" sz="3600" dirty="0"/>
-              <a:t>Data Understanding</a:t>
-            </a:r>
-            <a:br>
-              <a:rPr lang="en-GB" sz="3600" dirty="0"/>
-            </a:br>
-            <a:r>
-              <a:rPr lang="en-GB" sz="1800" dirty="0"/>
-              <a:t>read and Explore the corpora</a:t>
+              <a:t>Data Understanding &amp; Preparation</a:t>
             </a:r>
             <a:endParaRPr lang="en-GB" dirty="0"/>
           </a:p>
@@ -13904,8 +14137,8 @@
         </p:nvSpPr>
         <p:spPr>
           <a:xfrm>
-            <a:off x="3498196" y="2426116"/>
-            <a:ext cx="8858515" cy="892552"/>
+            <a:off x="162925" y="3054625"/>
+            <a:ext cx="8534709" cy="1138773"/>
           </a:xfrm>
           <a:prstGeom prst="rect">
             <a:avLst/>
@@ -14010,6 +14243,44 @@
                 </a:effectLst>
               </a:rPr>
               <a:t>What do we need to do on the data in order to get data required to create the models?</a:t>
+            </a:r>
+          </a:p>
+          <a:p>
+            <a:r>
+              <a:rPr lang="en-US" sz="1600" b="1" dirty="0" err="1">
+                <a:ln w="9525">
+                  <a:solidFill>
+                    <a:schemeClr val="bg1"/>
+                  </a:solidFill>
+                  <a:prstDash val="solid"/>
+                </a:ln>
+                <a:effectLst>
+                  <a:outerShdw blurRad="12700" dist="38100" dir="2700000" algn="tl" rotWithShape="0">
+                    <a:schemeClr val="bg1">
+                      <a:lumMod val="50000"/>
+                    </a:schemeClr>
+                  </a:outerShdw>
+                </a:effectLst>
+              </a:rPr>
+              <a:t>Uni</a:t>
+            </a:r>
+            <a:r>
+              <a:rPr lang="en-US" sz="1600" b="1" dirty="0">
+                <a:ln w="9525">
+                  <a:solidFill>
+                    <a:schemeClr val="bg1"/>
+                  </a:solidFill>
+                  <a:prstDash val="solid"/>
+                </a:ln>
+                <a:effectLst>
+                  <a:outerShdw blurRad="12700" dist="38100" dir="2700000" algn="tl" rotWithShape="0">
+                    <a:schemeClr val="bg1">
+                      <a:lumMod val="50000"/>
+                    </a:schemeClr>
+                  </a:outerShdw>
+                </a:effectLst>
+              </a:rPr>
+              <a:t>-grams, bi-grams, tri-grams and n-grams?</a:t>
             </a:r>
           </a:p>
         </p:txBody>
@@ -14104,7 +14375,7 @@
         </p:nvSpPr>
         <p:spPr>
           <a:xfrm>
-            <a:off x="75624" y="3807307"/>
+            <a:off x="5072505" y="4269845"/>
             <a:ext cx="6845144" cy="830997"/>
           </a:xfrm>
           <a:prstGeom prst="rect">
@@ -14161,6 +14432,24 @@
           </a:p>
           <a:p>
             <a:r>
+              <a:rPr lang="en-US" sz="1600" b="1" dirty="0">
+                <a:ln w="9525">
+                  <a:solidFill>
+                    <a:schemeClr val="bg1"/>
+                  </a:solidFill>
+                  <a:prstDash val="solid"/>
+                </a:ln>
+                <a:effectLst>
+                  <a:outerShdw blurRad="12700" dist="38100" dir="2700000" algn="tl" rotWithShape="0">
+                    <a:schemeClr val="bg1">
+                      <a:lumMod val="50000"/>
+                    </a:schemeClr>
+                  </a:outerShdw>
+                </a:effectLst>
+              </a:rPr>
+              <a:t>Identify steps to</a:t>
+            </a:r>
+            <a:r>
               <a:rPr lang="en-US" sz="1600" b="1" cap="none" spc="0" dirty="0">
                 <a:ln w="9525">
                   <a:solidFill>
@@ -14179,7 +14468,7 @@
                   </a:outerShdw>
                 </a:effectLst>
               </a:rPr>
-              <a:t>Increase the amount of data used for training the model ….</a:t>
+              <a:t> clean and prepare the required data (on-going)….</a:t>
             </a:r>
           </a:p>
         </p:txBody>
@@ -14192,7 +14481,7 @@
         </p:nvSpPr>
         <p:spPr>
           <a:xfrm>
-            <a:off x="4286035" y="4881388"/>
+            <a:off x="362622" y="5373561"/>
             <a:ext cx="7637027" cy="1138773"/>
           </a:xfrm>
           <a:prstGeom prst="rect">
@@ -14285,6 +14574,91 @@
                 </a:effectLst>
               </a:rPr>
               <a:t>From 5% to 60% - a learning experience ….</a:t>
+            </a:r>
+            <a:endParaRPr lang="en-US" sz="1600" b="1" cap="none" spc="0" dirty="0">
+              <a:ln w="9525">
+                <a:solidFill>
+                  <a:schemeClr val="bg1"/>
+                </a:solidFill>
+                <a:prstDash val="solid"/>
+              </a:ln>
+              <a:solidFill>
+                <a:schemeClr val="tx1"/>
+              </a:solidFill>
+              <a:effectLst>
+                <a:outerShdw blurRad="12700" dist="38100" dir="2700000" algn="tl" rotWithShape="0">
+                  <a:schemeClr val="bg1">
+                    <a:lumMod val="50000"/>
+                  </a:schemeClr>
+                </a:outerShdw>
+              </a:effectLst>
+            </a:endParaRPr>
+          </a:p>
+        </p:txBody>
+      </p:sp>
+      <p:sp>
+        <p:nvSpPr>
+          <p:cNvPr id="10" name="Rectangle 9"/>
+          <p:cNvSpPr/>
+          <p:nvPr/>
+        </p:nvSpPr>
+        <p:spPr>
+          <a:xfrm>
+            <a:off x="6625254" y="2037501"/>
+            <a:ext cx="4727576" cy="892552"/>
+          </a:xfrm>
+          <a:prstGeom prst="rect">
+            <a:avLst/>
+          </a:prstGeom>
+          <a:noFill/>
+        </p:spPr>
+        <p:txBody>
+          <a:bodyPr wrap="none" lIns="91440" tIns="45720" rIns="91440" bIns="45720">
+            <a:spAutoFit/>
+          </a:bodyPr>
+          <a:lstStyle/>
+          <a:p>
+            <a:pPr algn="ctr"/>
+            <a:r>
+              <a:rPr lang="en-US" sz="3600" b="1" cap="none" spc="0" dirty="0">
+                <a:ln w="9525">
+                  <a:solidFill>
+                    <a:schemeClr val="bg1"/>
+                  </a:solidFill>
+                  <a:prstDash val="solid"/>
+                </a:ln>
+                <a:solidFill>
+                  <a:schemeClr val="tx1"/>
+                </a:solidFill>
+                <a:effectLst>
+                  <a:outerShdw blurRad="12700" dist="38100" dir="2700000" algn="tl" rotWithShape="0">
+                    <a:schemeClr val="bg1">
+                      <a:lumMod val="50000"/>
+                    </a:schemeClr>
+                  </a:outerShdw>
+                </a:effectLst>
+              </a:rPr>
+              <a:t>Exploring the data?</a:t>
+            </a:r>
+          </a:p>
+          <a:p>
+            <a:r>
+              <a:rPr lang="en-US" sz="1600" b="1" dirty="0">
+                <a:ln w="9525">
+                  <a:solidFill>
+                    <a:schemeClr val="bg1"/>
+                  </a:solidFill>
+                  <a:prstDash val="solid"/>
+                </a:ln>
+                <a:effectLst>
+                  <a:outerShdw blurRad="12700" dist="38100" dir="2700000" algn="tl" rotWithShape="0">
+                    <a:schemeClr val="bg1">
+                      <a:lumMod val="50000"/>
+                    </a:schemeClr>
+                  </a:outerShdw>
+                </a:effectLst>
+              </a:rPr>
+              <a:t>Is there anything peculiar in the available data?</a:t>
             </a:r>
             <a:endParaRPr lang="en-US" sz="1600" b="1" cap="none" spc="0" dirty="0">
               <a:ln w="9525">
@@ -15079,46 +15453,9 @@
           <a:lstStyle/>
           <a:p>
             <a:r>
-              <a:rPr lang="nb-NO" sz="3200" b="1" dirty="0"/>
-              <a:t>The </a:t>
-            </a:r>
-            <a:r>
-              <a:rPr lang="nb-NO" sz="3200" b="1" dirty="0" err="1"/>
-              <a:t>Ingestion</a:t>
-            </a:r>
-            <a:r>
-              <a:rPr lang="nb-NO" sz="3200" b="1" dirty="0"/>
-              <a:t> </a:t>
-            </a:r>
-            <a:r>
-              <a:rPr lang="nb-NO" sz="3200" b="1" dirty="0" err="1"/>
-              <a:t>Process</a:t>
-            </a:r>
-            <a:r>
-              <a:rPr lang="nb-NO" sz="3200" b="1" dirty="0"/>
-              <a:t>: </a:t>
-            </a:r>
-            <a:r>
-              <a:rPr lang="nb-NO" sz="3200" b="1" dirty="0" err="1"/>
-              <a:t>the</a:t>
-            </a:r>
-            <a:r>
-              <a:rPr lang="nb-NO" sz="3200" b="1" dirty="0"/>
-              <a:t> </a:t>
-            </a:r>
-            <a:r>
-              <a:rPr lang="nb-NO" sz="3200" b="1" dirty="0" err="1"/>
-              <a:t>basic</a:t>
-            </a:r>
-            <a:r>
-              <a:rPr lang="nb-NO" sz="3200" b="1" dirty="0"/>
-              <a:t> </a:t>
-            </a:r>
-            <a:r>
-              <a:rPr lang="nb-NO" sz="3200" b="1" dirty="0" err="1"/>
-              <a:t>flow</a:t>
-            </a:r>
-            <a:endParaRPr lang="en-US" sz="3200" b="1" dirty="0"/>
+              <a:rPr lang="en-GB" sz="3200" b="1" dirty="0"/>
+              <a:t>The Ingestion Process: the basic flow</a:t>
+            </a:r>
           </a:p>
         </p:txBody>
       </p:sp>
@@ -15175,58 +15512,9 @@
           <a:lstStyle/>
           <a:p>
             <a:r>
-              <a:rPr lang="nb-NO" sz="3200" b="1" dirty="0"/>
-              <a:t>The </a:t>
-            </a:r>
-            <a:r>
-              <a:rPr lang="nb-NO" sz="3200" b="1" dirty="0" err="1"/>
-              <a:t>Ingestion</a:t>
-            </a:r>
-            <a:r>
-              <a:rPr lang="nb-NO" sz="3200" b="1" dirty="0"/>
-              <a:t> </a:t>
-            </a:r>
-            <a:r>
-              <a:rPr lang="nb-NO" sz="3200" b="1" dirty="0" err="1"/>
-              <a:t>Process</a:t>
-            </a:r>
-            <a:r>
-              <a:rPr lang="nb-NO" sz="3200" b="1" dirty="0"/>
-              <a:t>: </a:t>
-            </a:r>
-            <a:r>
-              <a:rPr lang="nb-NO" sz="3200" b="1" dirty="0" err="1"/>
-              <a:t>increasing</a:t>
-            </a:r>
-            <a:r>
-              <a:rPr lang="nb-NO" sz="3200" b="1" dirty="0"/>
-              <a:t> </a:t>
-            </a:r>
-            <a:r>
-              <a:rPr lang="nb-NO" sz="3200" b="1" dirty="0" err="1"/>
-              <a:t>the</a:t>
-            </a:r>
-            <a:r>
-              <a:rPr lang="nb-NO" sz="3200" b="1" dirty="0"/>
-              <a:t> % </a:t>
-            </a:r>
-            <a:r>
-              <a:rPr lang="nb-NO" sz="3200" b="1" dirty="0" err="1"/>
-              <a:t>of</a:t>
-            </a:r>
-            <a:r>
-              <a:rPr lang="nb-NO" sz="3200" b="1" dirty="0"/>
-              <a:t> </a:t>
-            </a:r>
-            <a:r>
-              <a:rPr lang="nb-NO" sz="3200" b="1" dirty="0" err="1"/>
-              <a:t>corpora</a:t>
-            </a:r>
-            <a:r>
-              <a:rPr lang="nb-NO" sz="3200" b="1" dirty="0"/>
-              <a:t> used</a:t>
-            </a:r>
-            <a:endParaRPr lang="en-US" sz="3200" b="1" dirty="0"/>
+              <a:rPr lang="en-GB" sz="3200" b="1" dirty="0"/>
+              <a:t>The Ingestion Process: increasing the % of corpora used</a:t>
+            </a:r>
           </a:p>
         </p:txBody>
       </p:sp>
@@ -15766,7 +16054,7 @@
       <p:sp>
         <p:nvSpPr>
           <p:cNvPr id="27" name="Rectangle 26">
-            <a:hlinkClick r:id="rId2"/>
+            <a:hlinkClick r:id="rId3"/>
           </p:cNvPr>
           <p:cNvSpPr/>
           <p:nvPr/>
@@ -15859,6 +16147,467 @@
 </file>
 
 <file path=ppt/slides/slide13.xml><?xml version="1.0" encoding="utf-8"?>
+<p:sld xmlns:a="http://schemas.openxmlformats.org/drawingml/2006/main" xmlns:r="http://schemas.openxmlformats.org/officeDocument/2006/relationships" xmlns:p="http://schemas.openxmlformats.org/presentationml/2006/main">
+  <p:cSld>
+    <p:spTree>
+      <p:nvGrpSpPr>
+        <p:cNvPr id="1" name=""/>
+        <p:cNvGrpSpPr/>
+        <p:nvPr/>
+      </p:nvGrpSpPr>
+      <p:grpSpPr>
+        <a:xfrm>
+          <a:off x="0" y="0"/>
+          <a:ext cx="0" cy="0"/>
+          <a:chOff x="0" y="0"/>
+          <a:chExt cx="0" cy="0"/>
+        </a:xfrm>
+      </p:grpSpPr>
+      <p:sp>
+        <p:nvSpPr>
+          <p:cNvPr id="4" name="Title 1"/>
+          <p:cNvSpPr>
+            <a:spLocks noGrp="1"/>
+          </p:cNvSpPr>
+          <p:nvPr>
+            <p:ph type="title"/>
+          </p:nvPr>
+        </p:nvSpPr>
+        <p:spPr>
+          <a:xfrm>
+            <a:off x="2583712" y="284361"/>
+            <a:ext cx="9463178" cy="914400"/>
+          </a:xfrm>
+        </p:spPr>
+        <p:txBody>
+          <a:bodyPr>
+            <a:normAutofit/>
+          </a:bodyPr>
+          <a:lstStyle/>
+          <a:p>
+            <a:pPr algn="r"/>
+            <a:r>
+              <a:rPr lang="en-GB" sz="3600" dirty="0"/>
+              <a:t>Modelling &amp; Evaluation</a:t>
+            </a:r>
+            <a:endParaRPr lang="en-GB" dirty="0"/>
+          </a:p>
+        </p:txBody>
+      </p:sp>
+      <p:sp>
+        <p:nvSpPr>
+          <p:cNvPr id="2" name="Rectangle 1"/>
+          <p:cNvSpPr/>
+          <p:nvPr/>
+        </p:nvSpPr>
+        <p:spPr>
+          <a:xfrm>
+            <a:off x="164831" y="3504956"/>
+            <a:ext cx="6463629" cy="1138773"/>
+          </a:xfrm>
+          <a:prstGeom prst="rect">
+            <a:avLst/>
+          </a:prstGeom>
+          <a:noFill/>
+        </p:spPr>
+        <p:txBody>
+          <a:bodyPr wrap="none" lIns="91440" tIns="45720" rIns="91440" bIns="45720">
+            <a:spAutoFit/>
+          </a:bodyPr>
+          <a:lstStyle/>
+          <a:p>
+            <a:pPr algn="ctr"/>
+            <a:r>
+              <a:rPr lang="en-US" sz="3600" b="1" cap="none" spc="0" dirty="0">
+                <a:ln w="9525">
+                  <a:solidFill>
+                    <a:schemeClr val="bg1"/>
+                  </a:solidFill>
+                  <a:prstDash val="solid"/>
+                </a:ln>
+                <a:solidFill>
+                  <a:schemeClr val="tx1"/>
+                </a:solidFill>
+                <a:effectLst>
+                  <a:outerShdw blurRad="12700" dist="38100" dir="2700000" algn="tl" rotWithShape="0">
+                    <a:schemeClr val="bg1">
+                      <a:lumMod val="50000"/>
+                    </a:schemeClr>
+                  </a:outerShdw>
+                </a:effectLst>
+              </a:rPr>
+              <a:t>Which model can be used?</a:t>
+            </a:r>
+          </a:p>
+          <a:p>
+            <a:r>
+              <a:rPr lang="en-US" sz="1600" b="1" dirty="0">
+                <a:ln w="9525">
+                  <a:solidFill>
+                    <a:schemeClr val="bg1"/>
+                  </a:solidFill>
+                  <a:prstDash val="solid"/>
+                </a:ln>
+                <a:effectLst>
+                  <a:outerShdw blurRad="12700" dist="38100" dir="2700000" algn="tl" rotWithShape="0">
+                    <a:schemeClr val="bg1">
+                      <a:lumMod val="50000"/>
+                    </a:schemeClr>
+                  </a:outerShdw>
+                </a:effectLst>
+              </a:rPr>
+              <a:t>Identify the possible models to be used &amp; implement them</a:t>
+            </a:r>
+          </a:p>
+          <a:p>
+            <a:r>
+              <a:rPr lang="en-US" sz="1600" b="1" cap="none" spc="0" dirty="0">
+                <a:ln w="9525">
+                  <a:solidFill>
+                    <a:schemeClr val="bg1"/>
+                  </a:solidFill>
+                  <a:prstDash val="solid"/>
+                </a:ln>
+                <a:solidFill>
+                  <a:schemeClr val="tx1"/>
+                </a:solidFill>
+                <a:effectLst>
+                  <a:outerShdw blurRad="12700" dist="38100" dir="2700000" algn="tl" rotWithShape="0">
+                    <a:schemeClr val="bg1">
+                      <a:lumMod val="50000"/>
+                    </a:schemeClr>
+                  </a:outerShdw>
+                </a:effectLst>
+              </a:rPr>
+              <a:t>(use a TDD approach to save time – unit test the created models) </a:t>
+            </a:r>
+          </a:p>
+        </p:txBody>
+      </p:sp>
+      <p:sp>
+        <p:nvSpPr>
+          <p:cNvPr id="8" name="Rectangle 7"/>
+          <p:cNvSpPr/>
+          <p:nvPr/>
+        </p:nvSpPr>
+        <p:spPr>
+          <a:xfrm>
+            <a:off x="4109332" y="5049930"/>
+            <a:ext cx="7891071" cy="1384995"/>
+          </a:xfrm>
+          <a:prstGeom prst="rect">
+            <a:avLst/>
+          </a:prstGeom>
+          <a:noFill/>
+        </p:spPr>
+        <p:txBody>
+          <a:bodyPr wrap="none" lIns="91440" tIns="45720" rIns="91440" bIns="45720">
+            <a:spAutoFit/>
+          </a:bodyPr>
+          <a:lstStyle/>
+          <a:p>
+            <a:pPr algn="ctr"/>
+            <a:r>
+              <a:rPr lang="en-US" sz="3600" b="1" dirty="0">
+                <a:ln w="9525">
+                  <a:solidFill>
+                    <a:schemeClr val="bg1"/>
+                  </a:solidFill>
+                  <a:prstDash val="solid"/>
+                </a:ln>
+                <a:effectLst>
+                  <a:outerShdw blurRad="12700" dist="38100" dir="2700000" algn="tl" rotWithShape="0">
+                    <a:schemeClr val="bg1">
+                      <a:lumMod val="50000"/>
+                    </a:schemeClr>
+                  </a:outerShdw>
+                </a:effectLst>
+              </a:rPr>
+              <a:t>Model Evaluation &amp; Optimization  </a:t>
+            </a:r>
+            <a:endParaRPr lang="en-US" sz="3600" b="1" cap="none" spc="0" dirty="0">
+              <a:ln w="9525">
+                <a:solidFill>
+                  <a:schemeClr val="bg1"/>
+                </a:solidFill>
+                <a:prstDash val="solid"/>
+              </a:ln>
+              <a:solidFill>
+                <a:schemeClr val="tx1"/>
+              </a:solidFill>
+              <a:effectLst>
+                <a:outerShdw blurRad="12700" dist="38100" dir="2700000" algn="tl" rotWithShape="0">
+                  <a:schemeClr val="bg1">
+                    <a:lumMod val="50000"/>
+                  </a:schemeClr>
+                </a:outerShdw>
+              </a:effectLst>
+            </a:endParaRPr>
+          </a:p>
+          <a:p>
+            <a:r>
+              <a:rPr lang="en-US" sz="1600" b="1" dirty="0">
+                <a:ln w="9525">
+                  <a:solidFill>
+                    <a:schemeClr val="bg1"/>
+                  </a:solidFill>
+                  <a:prstDash val="solid"/>
+                </a:ln>
+                <a:effectLst>
+                  <a:outerShdw blurRad="12700" dist="38100" dir="2700000" algn="tl" rotWithShape="0">
+                    <a:schemeClr val="bg1">
+                      <a:lumMod val="50000"/>
+                    </a:schemeClr>
+                  </a:outerShdw>
+                </a:effectLst>
+              </a:rPr>
+              <a:t>How to evaluate the model? How to optimize the model?</a:t>
+            </a:r>
+          </a:p>
+          <a:p>
+            <a:r>
+              <a:rPr lang="en-US" sz="1600" b="1" dirty="0">
+                <a:ln w="9525">
+                  <a:solidFill>
+                    <a:schemeClr val="bg1"/>
+                  </a:solidFill>
+                  <a:prstDash val="solid"/>
+                </a:ln>
+                <a:effectLst>
+                  <a:outerShdw blurRad="12700" dist="38100" dir="2700000" algn="tl" rotWithShape="0">
+                    <a:schemeClr val="bg1">
+                      <a:lumMod val="50000"/>
+                    </a:schemeClr>
+                  </a:outerShdw>
+                </a:effectLst>
+              </a:rPr>
+              <a:t>Which one is the best model? </a:t>
+            </a:r>
+          </a:p>
+          <a:p>
+            <a:r>
+              <a:rPr lang="en-US" sz="1600" b="1" dirty="0">
+                <a:ln w="9525">
+                  <a:solidFill>
+                    <a:schemeClr val="bg1"/>
+                  </a:solidFill>
+                  <a:prstDash val="solid"/>
+                </a:ln>
+                <a:effectLst>
+                  <a:outerShdw blurRad="12700" dist="38100" dir="2700000" algn="tl" rotWithShape="0">
+                    <a:schemeClr val="bg1">
+                      <a:lumMod val="50000"/>
+                    </a:schemeClr>
+                  </a:outerShdw>
+                </a:effectLst>
+              </a:rPr>
+              <a:t>How to optimize the model for a mobile app? Memory/ processing constraints?</a:t>
+            </a:r>
+          </a:p>
+        </p:txBody>
+      </p:sp>
+      <p:sp>
+        <p:nvSpPr>
+          <p:cNvPr id="10" name="Rectangle 9"/>
+          <p:cNvSpPr/>
+          <p:nvPr/>
+        </p:nvSpPr>
+        <p:spPr>
+          <a:xfrm>
+            <a:off x="87085" y="1213536"/>
+            <a:ext cx="6619120" cy="892552"/>
+          </a:xfrm>
+          <a:prstGeom prst="rect">
+            <a:avLst/>
+          </a:prstGeom>
+          <a:noFill/>
+        </p:spPr>
+        <p:txBody>
+          <a:bodyPr wrap="none" lIns="91440" tIns="45720" rIns="91440" bIns="45720">
+            <a:spAutoFit/>
+          </a:bodyPr>
+          <a:lstStyle/>
+          <a:p>
+            <a:pPr algn="ctr"/>
+            <a:r>
+              <a:rPr lang="en-US" sz="3600" b="1" cap="none" spc="0" dirty="0">
+                <a:ln w="9525">
+                  <a:solidFill>
+                    <a:schemeClr val="bg1"/>
+                  </a:solidFill>
+                  <a:prstDash val="solid"/>
+                </a:ln>
+                <a:solidFill>
+                  <a:schemeClr val="tx1"/>
+                </a:solidFill>
+                <a:effectLst>
+                  <a:outerShdw blurRad="12700" dist="38100" dir="2700000" algn="tl" rotWithShape="0">
+                    <a:schemeClr val="bg1">
+                      <a:lumMod val="50000"/>
+                    </a:schemeClr>
+                  </a:outerShdw>
+                </a:effectLst>
+              </a:rPr>
+              <a:t>Test dataset for evaluation</a:t>
+            </a:r>
+          </a:p>
+          <a:p>
+            <a:r>
+              <a:rPr lang="en-US" sz="1600" b="1" dirty="0">
+                <a:ln w="9525">
+                  <a:solidFill>
+                    <a:schemeClr val="bg1"/>
+                  </a:solidFill>
+                  <a:prstDash val="solid"/>
+                </a:ln>
+                <a:effectLst>
+                  <a:outerShdw blurRad="12700" dist="38100" dir="2700000" algn="tl" rotWithShape="0">
+                    <a:schemeClr val="bg1">
+                      <a:lumMod val="50000"/>
+                    </a:schemeClr>
+                  </a:outerShdw>
+                </a:effectLst>
+              </a:rPr>
+              <a:t>20% of the corpora &lt;-&gt; ad-hoc non biased dataset</a:t>
+            </a:r>
+            <a:endParaRPr lang="en-US" sz="1600" b="1" cap="none" spc="0" dirty="0">
+              <a:ln w="9525">
+                <a:solidFill>
+                  <a:schemeClr val="bg1"/>
+                </a:solidFill>
+                <a:prstDash val="solid"/>
+              </a:ln>
+              <a:solidFill>
+                <a:schemeClr val="tx1"/>
+              </a:solidFill>
+              <a:effectLst>
+                <a:outerShdw blurRad="12700" dist="38100" dir="2700000" algn="tl" rotWithShape="0">
+                  <a:schemeClr val="bg1">
+                    <a:lumMod val="50000"/>
+                  </a:schemeClr>
+                </a:outerShdw>
+              </a:effectLst>
+            </a:endParaRPr>
+          </a:p>
+        </p:txBody>
+      </p:sp>
+      <p:sp>
+        <p:nvSpPr>
+          <p:cNvPr id="11" name="Rectangle 10"/>
+          <p:cNvSpPr/>
+          <p:nvPr/>
+        </p:nvSpPr>
+        <p:spPr>
+          <a:xfrm>
+            <a:off x="4587900" y="2445688"/>
+            <a:ext cx="7356501" cy="892552"/>
+          </a:xfrm>
+          <a:prstGeom prst="rect">
+            <a:avLst/>
+          </a:prstGeom>
+          <a:noFill/>
+        </p:spPr>
+        <p:txBody>
+          <a:bodyPr wrap="none" lIns="91440" tIns="45720" rIns="91440" bIns="45720">
+            <a:spAutoFit/>
+          </a:bodyPr>
+          <a:lstStyle/>
+          <a:p>
+            <a:pPr algn="ctr"/>
+            <a:r>
+              <a:rPr lang="en-US" sz="3600" b="1" dirty="0">
+                <a:ln w="9525">
+                  <a:solidFill>
+                    <a:schemeClr val="bg1"/>
+                  </a:solidFill>
+                  <a:prstDash val="solid"/>
+                </a:ln>
+                <a:effectLst>
+                  <a:outerShdw blurRad="12700" dist="38100" dir="2700000" algn="tl" rotWithShape="0">
+                    <a:schemeClr val="bg1">
+                      <a:lumMod val="50000"/>
+                    </a:schemeClr>
+                  </a:outerShdw>
+                </a:effectLst>
+              </a:rPr>
+              <a:t>Another</a:t>
+            </a:r>
+            <a:r>
+              <a:rPr lang="en-US" sz="3600" b="1" cap="none" spc="0" dirty="0">
+                <a:ln w="9525">
+                  <a:solidFill>
+                    <a:schemeClr val="bg1"/>
+                  </a:solidFill>
+                  <a:prstDash val="solid"/>
+                </a:ln>
+                <a:solidFill>
+                  <a:schemeClr val="tx1"/>
+                </a:solidFill>
+                <a:effectLst>
+                  <a:outerShdw blurRad="12700" dist="38100" dir="2700000" algn="tl" rotWithShape="0">
+                    <a:schemeClr val="bg1">
+                      <a:lumMod val="50000"/>
+                    </a:schemeClr>
+                  </a:outerShdw>
+                </a:effectLst>
+              </a:rPr>
+              <a:t> dataset for optimization</a:t>
+            </a:r>
+          </a:p>
+          <a:p>
+            <a:r>
+              <a:rPr lang="en-US" sz="1600" b="1" dirty="0">
+                <a:ln w="9525">
+                  <a:solidFill>
+                    <a:schemeClr val="bg1"/>
+                  </a:solidFill>
+                  <a:prstDash val="solid"/>
+                </a:ln>
+                <a:effectLst>
+                  <a:outerShdw blurRad="12700" dist="38100" dir="2700000" algn="tl" rotWithShape="0">
+                    <a:schemeClr val="bg1">
+                      <a:lumMod val="50000"/>
+                    </a:schemeClr>
+                  </a:outerShdw>
+                </a:effectLst>
+              </a:rPr>
+              <a:t>20% of the corpora</a:t>
+            </a:r>
+            <a:endParaRPr lang="en-US" sz="1600" b="1" cap="none" spc="0" dirty="0">
+              <a:ln w="9525">
+                <a:solidFill>
+                  <a:schemeClr val="bg1"/>
+                </a:solidFill>
+                <a:prstDash val="solid"/>
+              </a:ln>
+              <a:solidFill>
+                <a:schemeClr val="tx1"/>
+              </a:solidFill>
+              <a:effectLst>
+                <a:outerShdw blurRad="12700" dist="38100" dir="2700000" algn="tl" rotWithShape="0">
+                  <a:schemeClr val="bg1">
+                    <a:lumMod val="50000"/>
+                  </a:schemeClr>
+                </a:outerShdw>
+              </a:effectLst>
+            </a:endParaRPr>
+          </a:p>
+        </p:txBody>
+      </p:sp>
+    </p:spTree>
+    <p:extLst>
+      <p:ext uri="{BB962C8B-B14F-4D97-AF65-F5344CB8AC3E}">
+        <p14:creationId xmlns:p14="http://schemas.microsoft.com/office/powerpoint/2010/main" val="389089266"/>
+      </p:ext>
+    </p:extLst>
+  </p:cSld>
+  <p:clrMapOvr>
+    <a:masterClrMapping/>
+  </p:clrMapOvr>
+</p:sld>
+</file>
+
+<file path=ppt/slides/slide14.xml><?xml version="1.0" encoding="utf-8"?>
 <p:sld xmlns:a="http://schemas.openxmlformats.org/drawingml/2006/main" xmlns:r="http://schemas.openxmlformats.org/officeDocument/2006/relationships" xmlns:p="http://schemas.openxmlformats.org/presentationml/2006/main">
   <p:cSld>
     <p:spTree>
@@ -16687,7 +17436,7 @@
 </p:sld>
 </file>
 
-<file path=ppt/slides/slide14.xml><?xml version="1.0" encoding="utf-8"?>
+<file path=ppt/slides/slide15.xml><?xml version="1.0" encoding="utf-8"?>
 <p:sld xmlns:a="http://schemas.openxmlformats.org/drawingml/2006/main" xmlns:r="http://schemas.openxmlformats.org/officeDocument/2006/relationships" xmlns:p="http://schemas.openxmlformats.org/presentationml/2006/main">
   <p:cSld>
     <p:spTree>
@@ -18273,13 +19022,15 @@
         </p:nvSpPr>
         <p:spPr>
           <a:xfrm>
-            <a:off x="7086600" y="5181601"/>
-            <a:ext cx="3429000" cy="1323439"/>
+            <a:off x="1275717" y="5130619"/>
+            <a:ext cx="9630194" cy="1169551"/>
           </a:xfrm>
           <a:prstGeom prst="rect">
             <a:avLst/>
           </a:prstGeom>
-          <a:noFill/>
+          <a:solidFill>
+            <a:schemeClr val="tx2"/>
+          </a:solidFill>
         </p:spPr>
         <p:txBody>
           <a:bodyPr wrap="square" rtlCol="0">
@@ -18288,74 +19039,118 @@
           <a:lstStyle/>
           <a:p>
             <a:r>
-              <a:rPr lang="en-US" sz="800" dirty="0"/>
+              <a:rPr lang="en-US" sz="1400" dirty="0">
+                <a:solidFill>
+                  <a:schemeClr val="bg1"/>
+                </a:solidFill>
+              </a:rPr>
               <a:t>Different models have been implemented: n-grams (n = 1,2,3), linear interpolation (n-grams, n = 1,2,3) with Good Turing smoothing and "Stupid" </a:t>
             </a:r>
             <a:r>
-              <a:rPr lang="en-US" sz="800" dirty="0" err="1"/>
+              <a:rPr lang="en-US" sz="1400" dirty="0" err="1">
+                <a:solidFill>
+                  <a:schemeClr val="bg1"/>
+                </a:solidFill>
+              </a:rPr>
               <a:t>backoff</a:t>
             </a:r>
             <a:r>
-              <a:rPr lang="en-US" sz="800" dirty="0"/>
-              <a:t> (with no discount).</a:t>
-            </a:r>
-          </a:p>
-          <a:p>
-            <a:endParaRPr lang="en-US" sz="800" dirty="0"/>
-          </a:p>
-          <a:p>
-            <a:r>
-              <a:rPr lang="en-US" sz="800" dirty="0"/>
-              <a:t>The model evaluations has been done using the </a:t>
-            </a:r>
-            <a:r>
-              <a:rPr lang="en-US" sz="800" b="1" dirty="0"/>
+              <a:rPr lang="en-US" sz="1400" dirty="0">
+                <a:solidFill>
+                  <a:schemeClr val="bg1"/>
+                </a:solidFill>
+              </a:rPr>
+              <a:t> (with no discount). The model evaluations has been done using the </a:t>
+            </a:r>
+            <a:r>
+              <a:rPr lang="en-US" sz="1400" b="1" dirty="0">
+                <a:solidFill>
+                  <a:schemeClr val="bg1"/>
+                </a:solidFill>
+              </a:rPr>
               <a:t>perplexity measurement</a:t>
             </a:r>
             <a:r>
-              <a:rPr lang="en-US" sz="800" dirty="0"/>
+              <a:rPr lang="en-US" sz="1400" dirty="0">
+                <a:solidFill>
+                  <a:schemeClr val="bg1"/>
+                </a:solidFill>
+              </a:rPr>
               <a:t> and an </a:t>
             </a:r>
             <a:r>
-              <a:rPr lang="en-US" sz="800" b="1" dirty="0"/>
+              <a:rPr lang="en-US" sz="1400" b="1" dirty="0">
+                <a:solidFill>
+                  <a:schemeClr val="bg1"/>
+                </a:solidFill>
+              </a:rPr>
               <a:t>ad-hoc testing dataset</a:t>
             </a:r>
             <a:r>
-              <a:rPr lang="en-US" sz="800" dirty="0"/>
+              <a:rPr lang="en-US" sz="1400" dirty="0">
+                <a:solidFill>
+                  <a:schemeClr val="bg1"/>
+                </a:solidFill>
+              </a:rPr>
               <a:t> (around 40 sentences). </a:t>
             </a:r>
           </a:p>
           <a:p>
-            <a:endParaRPr lang="en-US" sz="800" dirty="0"/>
-          </a:p>
-          <a:p>
-            <a:r>
-              <a:rPr lang="en-US" sz="800" dirty="0"/>
+            <a:endParaRPr lang="en-US" sz="1400" dirty="0">
+              <a:solidFill>
+                <a:schemeClr val="bg1"/>
+              </a:solidFill>
+            </a:endParaRPr>
+          </a:p>
+          <a:p>
+            <a:r>
+              <a:rPr lang="en-US" sz="1400" dirty="0">
+                <a:solidFill>
+                  <a:schemeClr val="bg1"/>
+                </a:solidFill>
+              </a:rPr>
               <a:t>The </a:t>
             </a:r>
             <a:r>
-              <a:rPr lang="en-US" sz="800" b="1" dirty="0"/>
+              <a:rPr lang="en-US" sz="1400" b="1" dirty="0">
+                <a:solidFill>
+                  <a:schemeClr val="bg1"/>
+                </a:solidFill>
+              </a:rPr>
               <a:t>"Stupid" </a:t>
             </a:r>
             <a:r>
-              <a:rPr lang="en-US" sz="800" b="1" dirty="0" err="1"/>
+              <a:rPr lang="en-US" sz="1400" b="1" dirty="0" err="1">
+                <a:solidFill>
+                  <a:schemeClr val="bg1"/>
+                </a:solidFill>
+              </a:rPr>
               <a:t>backoff</a:t>
             </a:r>
             <a:r>
-              <a:rPr lang="en-US" sz="800" b="1" dirty="0"/>
+              <a:rPr lang="en-US" sz="1400" b="1" dirty="0">
+                <a:solidFill>
+                  <a:schemeClr val="bg1"/>
+                </a:solidFill>
+              </a:rPr>
               <a:t> model</a:t>
             </a:r>
             <a:r>
-              <a:rPr lang="en-US" sz="800" dirty="0"/>
+              <a:rPr lang="en-US" sz="1400" dirty="0">
+                <a:solidFill>
+                  <a:schemeClr val="bg1"/>
+                </a:solidFill>
+              </a:rPr>
               <a:t> was the one able to </a:t>
             </a:r>
             <a:r>
-              <a:rPr lang="en-US" sz="800" b="1" dirty="0"/>
+              <a:rPr lang="en-US" sz="1400" b="1" dirty="0">
+                <a:solidFill>
+                  <a:schemeClr val="bg1"/>
+                </a:solidFill>
+              </a:rPr>
               <a:t>minimize the perplexity measurement.</a:t>
             </a:r>
-          </a:p>
-          <a:p>
-            <a:endParaRPr lang="en-US" sz="800" dirty="0"/>
           </a:p>
         </p:txBody>
       </p:sp>
@@ -18418,7 +19213,7 @@
 </p:sld>
 </file>
 
-<file path=ppt/slides/slide15.xml><?xml version="1.0" encoding="utf-8"?>
+<file path=ppt/slides/slide16.xml><?xml version="1.0" encoding="utf-8"?>
 <p:sld xmlns:a="http://schemas.openxmlformats.org/drawingml/2006/main" xmlns:r="http://schemas.openxmlformats.org/officeDocument/2006/relationships" xmlns:p="http://schemas.openxmlformats.org/presentationml/2006/main">
   <p:cSld>
     <p:spTree>
@@ -19041,7 +19836,7 @@
 </p:sld>
 </file>
 
-<file path=ppt/slides/slide16.xml><?xml version="1.0" encoding="utf-8"?>
+<file path=ppt/slides/slide17.xml><?xml version="1.0" encoding="utf-8"?>
 <p:sld xmlns:a="http://schemas.openxmlformats.org/drawingml/2006/main" xmlns:r="http://schemas.openxmlformats.org/officeDocument/2006/relationships" xmlns:p="http://schemas.openxmlformats.org/presentationml/2006/main">
   <p:cSld>
     <p:spTree>
@@ -19760,7 +20555,7 @@
 </p:sld>
 </file>
 
-<file path=ppt/slides/slide17.xml><?xml version="1.0" encoding="utf-8"?>
+<file path=ppt/slides/slide18.xml><?xml version="1.0" encoding="utf-8"?>
 <p:sld xmlns:a="http://schemas.openxmlformats.org/drawingml/2006/main" xmlns:r="http://schemas.openxmlformats.org/officeDocument/2006/relationships" xmlns:p="http://schemas.openxmlformats.org/presentationml/2006/main">
   <p:cSld>
     <p:spTree>
@@ -19813,7 +20608,7 @@
 </p:sld>
 </file>
 
-<file path=ppt/slides/slide18.xml><?xml version="1.0" encoding="utf-8"?>
+<file path=ppt/slides/slide19.xml><?xml version="1.0" encoding="utf-8"?>
 <p:sld xmlns:a="http://schemas.openxmlformats.org/drawingml/2006/main" xmlns:r="http://schemas.openxmlformats.org/officeDocument/2006/relationships" xmlns:p="http://schemas.openxmlformats.org/presentationml/2006/main">
   <p:cSld>
     <p:spTree>
@@ -20283,57 +21078,6 @@
           </a:fontRef>
         </p:style>
       </p:cxnSp>
-      <p:sp>
-        <p:nvSpPr>
-          <p:cNvPr id="22" name="Rectangle 21"/>
-          <p:cNvSpPr/>
-          <p:nvPr/>
-        </p:nvSpPr>
-        <p:spPr>
-          <a:xfrm>
-            <a:off x="3029565" y="769606"/>
-            <a:ext cx="697628" cy="400110"/>
-          </a:xfrm>
-          <a:prstGeom prst="rect">
-            <a:avLst/>
-          </a:prstGeom>
-          <a:noFill/>
-        </p:spPr>
-        <p:txBody>
-          <a:bodyPr wrap="none" lIns="91440" tIns="45720" rIns="91440" bIns="45720">
-            <a:spAutoFit/>
-            <a:scene3d>
-              <a:camera prst="orthographicFront">
-                <a:rot lat="0" lon="0" rev="0"/>
-              </a:camera>
-              <a:lightRig rig="contrasting" dir="t">
-                <a:rot lat="0" lon="0" rev="4500000"/>
-              </a:lightRig>
-            </a:scene3d>
-            <a:sp3d contourW="6350" prstMaterial="metal">
-              <a:bevelT w="127000" h="31750" prst="relaxedInset"/>
-              <a:contourClr>
-                <a:schemeClr val="accent1">
-                  <a:shade val="75000"/>
-                </a:schemeClr>
-              </a:contourClr>
-            </a:sp3d>
-          </a:bodyPr>
-          <a:lstStyle/>
-          <a:p>
-            <a:pPr algn="ctr"/>
-            <a:r>
-              <a:rPr lang="en-US" sz="2000" b="1" cap="all" dirty="0">
-                <a:ln w="0"/>
-                <a:effectLst>
-                  <a:reflection blurRad="12700" stA="50000" endPos="50000" dist="5000" dir="5400000" sy="-100000" rotWithShape="0"/>
-                </a:effectLst>
-              </a:rPr>
-              <a:t>60%</a:t>
-            </a:r>
-          </a:p>
-        </p:txBody>
-      </p:sp>
       <p:pic>
         <p:nvPicPr>
           <p:cNvPr id="3074" name="Picture 2"/>
@@ -20874,7 +21618,297 @@
 </p:sld>
 </file>
 
-<file path=ppt/slides/slide19.xml><?xml version="1.0" encoding="utf-8"?>
+<file path=ppt/slides/slide2.xml><?xml version="1.0" encoding="utf-8"?>
+<p:sld xmlns:a="http://schemas.openxmlformats.org/drawingml/2006/main" xmlns:r="http://schemas.openxmlformats.org/officeDocument/2006/relationships" xmlns:p="http://schemas.openxmlformats.org/presentationml/2006/main">
+  <p:cSld>
+    <p:spTree>
+      <p:nvGrpSpPr>
+        <p:cNvPr id="1" name=""/>
+        <p:cNvGrpSpPr/>
+        <p:nvPr/>
+      </p:nvGrpSpPr>
+      <p:grpSpPr>
+        <a:xfrm>
+          <a:off x="0" y="0"/>
+          <a:ext cx="0" cy="0"/>
+          <a:chOff x="0" y="0"/>
+          <a:chExt cx="0" cy="0"/>
+        </a:xfrm>
+      </p:grpSpPr>
+      <p:sp>
+        <p:nvSpPr>
+          <p:cNvPr id="3" name="Title 2"/>
+          <p:cNvSpPr>
+            <a:spLocks noGrp="1"/>
+          </p:cNvSpPr>
+          <p:nvPr>
+            <p:ph type="title"/>
+          </p:nvPr>
+        </p:nvSpPr>
+        <p:spPr>
+          <a:xfrm>
+            <a:off x="2577396" y="5105401"/>
+            <a:ext cx="9406623" cy="1419113"/>
+          </a:xfrm>
+        </p:spPr>
+        <p:txBody>
+          <a:bodyPr>
+            <a:normAutofit/>
+          </a:bodyPr>
+          <a:lstStyle/>
+          <a:p>
+            <a:pPr algn="r"/>
+            <a:r>
+              <a:rPr lang="nb-NO" dirty="0"/>
+              <a:t>The Challenge:</a:t>
+            </a:r>
+            <a:br>
+              <a:rPr lang="nb-NO" dirty="0"/>
+            </a:br>
+            <a:r>
+              <a:rPr lang="nb-NO" sz="2800" dirty="0"/>
+              <a:t>Build an </a:t>
+            </a:r>
+            <a:r>
+              <a:rPr lang="nb-NO" sz="2800" dirty="0" err="1"/>
+              <a:t>app</a:t>
+            </a:r>
+            <a:r>
+              <a:rPr lang="nb-NO" sz="2800" dirty="0"/>
+              <a:t> for «</a:t>
+            </a:r>
+            <a:r>
+              <a:rPr lang="nb-NO" sz="2800" dirty="0" err="1"/>
+              <a:t>next</a:t>
+            </a:r>
+            <a:r>
+              <a:rPr lang="nb-NO" sz="2800" dirty="0"/>
+              <a:t> </a:t>
+            </a:r>
+            <a:r>
+              <a:rPr lang="nb-NO" sz="2800" dirty="0" err="1"/>
+              <a:t>word</a:t>
+            </a:r>
+            <a:r>
+              <a:rPr lang="nb-NO" sz="2800" dirty="0"/>
+              <a:t>» prediction</a:t>
+            </a:r>
+            <a:endParaRPr lang="en-US" sz="2800" dirty="0"/>
+          </a:p>
+        </p:txBody>
+      </p:sp>
+      <p:sp>
+        <p:nvSpPr>
+          <p:cNvPr id="2" name="Content Placeholder 1"/>
+          <p:cNvSpPr>
+            <a:spLocks noGrp="1"/>
+          </p:cNvSpPr>
+          <p:nvPr>
+            <p:ph idx="1"/>
+          </p:nvPr>
+        </p:nvSpPr>
+        <p:spPr>
+          <a:xfrm>
+            <a:off x="727080" y="1447802"/>
+            <a:ext cx="7072214" cy="3657599"/>
+          </a:xfrm>
+        </p:spPr>
+        <p:txBody>
+          <a:bodyPr>
+            <a:noAutofit/>
+          </a:bodyPr>
+          <a:lstStyle/>
+          <a:p>
+            <a:pPr marL="18288" indent="0">
+              <a:buNone/>
+            </a:pPr>
+            <a:r>
+              <a:rPr lang="en-US" sz="1600" dirty="0">
+                <a:effectLst/>
+              </a:rPr>
+              <a:t>“Around the world, people are spending an increasing amount of time on their mobile devices for email, social networking, banking and a whole range of other activities. But typing on mobile devices can be a serious pain. ”</a:t>
+            </a:r>
+          </a:p>
+          <a:p>
+            <a:pPr marL="18288" indent="0">
+              <a:buNone/>
+            </a:pPr>
+            <a:endParaRPr lang="nb-NO" sz="1600" b="1" dirty="0">
+              <a:effectLst/>
+            </a:endParaRPr>
+          </a:p>
+          <a:p>
+            <a:pPr marL="18288" indent="0">
+              <a:buNone/>
+            </a:pPr>
+            <a:endParaRPr lang="en-US" sz="1600" b="1" dirty="0"/>
+          </a:p>
+          <a:p>
+            <a:pPr marL="18288" indent="0">
+              <a:buNone/>
+            </a:pPr>
+            <a:r>
+              <a:rPr lang="en-US" sz="1600" b="1" dirty="0"/>
+              <a:t>When someone types:</a:t>
+            </a:r>
+          </a:p>
+          <a:p>
+            <a:pPr marL="18288" indent="0" algn="ctr">
+              <a:buNone/>
+            </a:pPr>
+            <a:endParaRPr lang="en-US" sz="1600" dirty="0"/>
+          </a:p>
+          <a:p>
+            <a:pPr marL="18288" indent="0" algn="ctr">
+              <a:buNone/>
+            </a:pPr>
+            <a:r>
+              <a:rPr lang="en-US" sz="1600" dirty="0"/>
+              <a:t>“I went to the …”</a:t>
+            </a:r>
+          </a:p>
+          <a:p>
+            <a:endParaRPr lang="en-US" sz="1600" dirty="0"/>
+          </a:p>
+          <a:p>
+            <a:pPr marL="18288" indent="0">
+              <a:buNone/>
+            </a:pPr>
+            <a:r>
+              <a:rPr lang="en-US" sz="1600" dirty="0"/>
+              <a:t>the application </a:t>
+            </a:r>
+            <a:r>
+              <a:rPr lang="en-US" sz="1600" b="1" dirty="0"/>
+              <a:t>should presents three options for what the next word might be.</a:t>
+            </a:r>
+            <a:r>
+              <a:rPr lang="en-US" sz="1600" dirty="0"/>
+              <a:t> For example, the three words might be “gym”, “store”, “restaurant”.</a:t>
+            </a:r>
+          </a:p>
+        </p:txBody>
+      </p:sp>
+      <p:pic>
+        <p:nvPicPr>
+          <p:cNvPr id="5" name="Picture 4"/>
+          <p:cNvPicPr>
+            <a:picLocks noChangeAspect="1"/>
+          </p:cNvPicPr>
+          <p:nvPr/>
+        </p:nvPicPr>
+        <p:blipFill>
+          <a:blip r:embed="rId3"/>
+          <a:stretch>
+            <a:fillRect/>
+          </a:stretch>
+        </p:blipFill>
+        <p:spPr>
+          <a:xfrm rot="2261656">
+            <a:off x="9237217" y="936032"/>
+            <a:ext cx="2165330" cy="299537"/>
+          </a:xfrm>
+          <a:prstGeom prst="rect">
+            <a:avLst/>
+          </a:prstGeom>
+        </p:spPr>
+      </p:pic>
+      <p:pic>
+        <p:nvPicPr>
+          <p:cNvPr id="1028" name="Picture 4" descr="http://pages.jh.edu/chem/klausen/Images/JHU_logo.png"/>
+          <p:cNvPicPr>
+            <a:picLocks noChangeAspect="1" noChangeArrowheads="1"/>
+          </p:cNvPicPr>
+          <p:nvPr/>
+        </p:nvPicPr>
+        <p:blipFill>
+          <a:blip r:embed="rId4" cstate="print">
+            <a:extLst>
+              <a:ext uri="{28A0092B-C50C-407E-A947-70E740481C1C}">
+                <a14:useLocalDpi xmlns:a14="http://schemas.microsoft.com/office/drawing/2010/main" val="0"/>
+              </a:ext>
+            </a:extLst>
+          </a:blip>
+          <a:srcRect/>
+          <a:stretch>
+            <a:fillRect/>
+          </a:stretch>
+        </p:blipFill>
+        <p:spPr bwMode="auto">
+          <a:xfrm rot="2315380">
+            <a:off x="7557163" y="1374386"/>
+            <a:ext cx="4668987" cy="1033597"/>
+          </a:xfrm>
+          <a:prstGeom prst="rect">
+            <a:avLst/>
+          </a:prstGeom>
+          <a:noFill/>
+          <a:extLst>
+            <a:ext uri="{909E8E84-426E-40DD-AFC4-6F175D3DCCD1}">
+              <a14:hiddenFill xmlns:a14="http://schemas.microsoft.com/office/drawing/2010/main">
+                <a:solidFill>
+                  <a:srgbClr val="FFFFFF"/>
+                </a:solidFill>
+              </a14:hiddenFill>
+            </a:ext>
+          </a:extLst>
+        </p:spPr>
+      </p:pic>
+      <p:pic>
+        <p:nvPicPr>
+          <p:cNvPr id="1026" name="Picture 2" descr="Image result for swiftkey image"/>
+          <p:cNvPicPr>
+            <a:picLocks noChangeAspect="1" noChangeArrowheads="1"/>
+          </p:cNvPicPr>
+          <p:nvPr/>
+        </p:nvPicPr>
+        <p:blipFill>
+          <a:blip r:embed="rId5" cstate="print">
+            <a:extLst>
+              <a:ext uri="{28A0092B-C50C-407E-A947-70E740481C1C}">
+                <a14:useLocalDpi xmlns:a14="http://schemas.microsoft.com/office/drawing/2010/main" val="0"/>
+              </a:ext>
+            </a:extLst>
+          </a:blip>
+          <a:srcRect/>
+          <a:stretch>
+            <a:fillRect/>
+          </a:stretch>
+        </p:blipFill>
+        <p:spPr bwMode="auto">
+          <a:xfrm rot="3567079">
+            <a:off x="8665093" y="3353416"/>
+            <a:ext cx="2279715" cy="465324"/>
+          </a:xfrm>
+          <a:prstGeom prst="rect">
+            <a:avLst/>
+          </a:prstGeom>
+          <a:noFill/>
+          <a:extLst>
+            <a:ext uri="{909E8E84-426E-40DD-AFC4-6F175D3DCCD1}">
+              <a14:hiddenFill xmlns:a14="http://schemas.microsoft.com/office/drawing/2010/main">
+                <a:solidFill>
+                  <a:srgbClr val="FFFFFF"/>
+                </a:solidFill>
+              </a14:hiddenFill>
+            </a:ext>
+          </a:extLst>
+        </p:spPr>
+      </p:pic>
+    </p:spTree>
+    <p:extLst>
+      <p:ext uri="{BB962C8B-B14F-4D97-AF65-F5344CB8AC3E}">
+        <p14:creationId xmlns:p14="http://schemas.microsoft.com/office/powerpoint/2010/main" val="419683862"/>
+      </p:ext>
+    </p:extLst>
+  </p:cSld>
+  <p:clrMapOvr>
+    <a:masterClrMapping/>
+  </p:clrMapOvr>
+</p:sld>
+</file>
+
+<file path=ppt/slides/slide20.xml><?xml version="1.0" encoding="utf-8"?>
 <p:sld xmlns:a="http://schemas.openxmlformats.org/drawingml/2006/main" xmlns:r="http://schemas.openxmlformats.org/officeDocument/2006/relationships" xmlns:p="http://schemas.openxmlformats.org/presentationml/2006/main">
   <p:cSld>
     <p:spTree>
@@ -21096,297 +22130,7 @@
 </p:sld>
 </file>
 
-<file path=ppt/slides/slide2.xml><?xml version="1.0" encoding="utf-8"?>
-<p:sld xmlns:a="http://schemas.openxmlformats.org/drawingml/2006/main" xmlns:r="http://schemas.openxmlformats.org/officeDocument/2006/relationships" xmlns:p="http://schemas.openxmlformats.org/presentationml/2006/main">
-  <p:cSld>
-    <p:spTree>
-      <p:nvGrpSpPr>
-        <p:cNvPr id="1" name=""/>
-        <p:cNvGrpSpPr/>
-        <p:nvPr/>
-      </p:nvGrpSpPr>
-      <p:grpSpPr>
-        <a:xfrm>
-          <a:off x="0" y="0"/>
-          <a:ext cx="0" cy="0"/>
-          <a:chOff x="0" y="0"/>
-          <a:chExt cx="0" cy="0"/>
-        </a:xfrm>
-      </p:grpSpPr>
-      <p:sp>
-        <p:nvSpPr>
-          <p:cNvPr id="3" name="Title 2"/>
-          <p:cNvSpPr>
-            <a:spLocks noGrp="1"/>
-          </p:cNvSpPr>
-          <p:nvPr>
-            <p:ph type="title"/>
-          </p:nvPr>
-        </p:nvSpPr>
-        <p:spPr>
-          <a:xfrm>
-            <a:off x="2577396" y="5105401"/>
-            <a:ext cx="9406623" cy="1419113"/>
-          </a:xfrm>
-        </p:spPr>
-        <p:txBody>
-          <a:bodyPr>
-            <a:normAutofit/>
-          </a:bodyPr>
-          <a:lstStyle/>
-          <a:p>
-            <a:pPr algn="r"/>
-            <a:r>
-              <a:rPr lang="nb-NO" dirty="0"/>
-              <a:t>The Challenge:</a:t>
-            </a:r>
-            <a:br>
-              <a:rPr lang="nb-NO" dirty="0"/>
-            </a:br>
-            <a:r>
-              <a:rPr lang="nb-NO" sz="2800" dirty="0"/>
-              <a:t>Build an </a:t>
-            </a:r>
-            <a:r>
-              <a:rPr lang="nb-NO" sz="2800" dirty="0" err="1"/>
-              <a:t>app</a:t>
-            </a:r>
-            <a:r>
-              <a:rPr lang="nb-NO" sz="2800" dirty="0"/>
-              <a:t> for «</a:t>
-            </a:r>
-            <a:r>
-              <a:rPr lang="nb-NO" sz="2800" dirty="0" err="1"/>
-              <a:t>next</a:t>
-            </a:r>
-            <a:r>
-              <a:rPr lang="nb-NO" sz="2800" dirty="0"/>
-              <a:t> </a:t>
-            </a:r>
-            <a:r>
-              <a:rPr lang="nb-NO" sz="2800" dirty="0" err="1"/>
-              <a:t>word</a:t>
-            </a:r>
-            <a:r>
-              <a:rPr lang="nb-NO" sz="2800" dirty="0"/>
-              <a:t>» prediction</a:t>
-            </a:r>
-            <a:endParaRPr lang="en-US" sz="2800" dirty="0"/>
-          </a:p>
-        </p:txBody>
-      </p:sp>
-      <p:sp>
-        <p:nvSpPr>
-          <p:cNvPr id="2" name="Content Placeholder 1"/>
-          <p:cNvSpPr>
-            <a:spLocks noGrp="1"/>
-          </p:cNvSpPr>
-          <p:nvPr>
-            <p:ph idx="1"/>
-          </p:nvPr>
-        </p:nvSpPr>
-        <p:spPr>
-          <a:xfrm>
-            <a:off x="727080" y="1447802"/>
-            <a:ext cx="7072214" cy="3657599"/>
-          </a:xfrm>
-        </p:spPr>
-        <p:txBody>
-          <a:bodyPr>
-            <a:noAutofit/>
-          </a:bodyPr>
-          <a:lstStyle/>
-          <a:p>
-            <a:pPr marL="18288" indent="0">
-              <a:buNone/>
-            </a:pPr>
-            <a:r>
-              <a:rPr lang="en-US" sz="1600" dirty="0">
-                <a:effectLst/>
-              </a:rPr>
-              <a:t>“Around the world, people are spending an increasing amount of time on their mobile devices for email, social networking, banking and a whole range of other activities. But typing on mobile devices can be a serious pain. ”</a:t>
-            </a:r>
-          </a:p>
-          <a:p>
-            <a:pPr marL="18288" indent="0">
-              <a:buNone/>
-            </a:pPr>
-            <a:endParaRPr lang="nb-NO" sz="1600" b="1" dirty="0">
-              <a:effectLst/>
-            </a:endParaRPr>
-          </a:p>
-          <a:p>
-            <a:pPr marL="18288" indent="0">
-              <a:buNone/>
-            </a:pPr>
-            <a:endParaRPr lang="en-US" sz="1600" b="1" dirty="0"/>
-          </a:p>
-          <a:p>
-            <a:pPr marL="18288" indent="0">
-              <a:buNone/>
-            </a:pPr>
-            <a:r>
-              <a:rPr lang="en-US" sz="1600" b="1" dirty="0"/>
-              <a:t>When someone types:</a:t>
-            </a:r>
-          </a:p>
-          <a:p>
-            <a:pPr marL="18288" indent="0" algn="ctr">
-              <a:buNone/>
-            </a:pPr>
-            <a:endParaRPr lang="en-US" sz="1600" dirty="0"/>
-          </a:p>
-          <a:p>
-            <a:pPr marL="18288" indent="0" algn="ctr">
-              <a:buNone/>
-            </a:pPr>
-            <a:r>
-              <a:rPr lang="en-US" sz="1600" dirty="0"/>
-              <a:t>“I went to the …”</a:t>
-            </a:r>
-          </a:p>
-          <a:p>
-            <a:endParaRPr lang="en-US" sz="1600" dirty="0"/>
-          </a:p>
-          <a:p>
-            <a:pPr marL="18288" indent="0">
-              <a:buNone/>
-            </a:pPr>
-            <a:r>
-              <a:rPr lang="en-US" sz="1600" dirty="0"/>
-              <a:t>the application </a:t>
-            </a:r>
-            <a:r>
-              <a:rPr lang="en-US" sz="1600" b="1" dirty="0"/>
-              <a:t>should presents three options for what the next word might be.</a:t>
-            </a:r>
-            <a:r>
-              <a:rPr lang="en-US" sz="1600" dirty="0"/>
-              <a:t> For example, the three words might be “gym”, “store”, “restaurant”.</a:t>
-            </a:r>
-          </a:p>
-        </p:txBody>
-      </p:sp>
-      <p:pic>
-        <p:nvPicPr>
-          <p:cNvPr id="5" name="Picture 4"/>
-          <p:cNvPicPr>
-            <a:picLocks noChangeAspect="1"/>
-          </p:cNvPicPr>
-          <p:nvPr/>
-        </p:nvPicPr>
-        <p:blipFill>
-          <a:blip r:embed="rId3"/>
-          <a:stretch>
-            <a:fillRect/>
-          </a:stretch>
-        </p:blipFill>
-        <p:spPr>
-          <a:xfrm rot="2261656">
-            <a:off x="9237217" y="936032"/>
-            <a:ext cx="2165330" cy="299537"/>
-          </a:xfrm>
-          <a:prstGeom prst="rect">
-            <a:avLst/>
-          </a:prstGeom>
-        </p:spPr>
-      </p:pic>
-      <p:pic>
-        <p:nvPicPr>
-          <p:cNvPr id="1028" name="Picture 4" descr="http://pages.jh.edu/chem/klausen/Images/JHU_logo.png"/>
-          <p:cNvPicPr>
-            <a:picLocks noChangeAspect="1" noChangeArrowheads="1"/>
-          </p:cNvPicPr>
-          <p:nvPr/>
-        </p:nvPicPr>
-        <p:blipFill>
-          <a:blip r:embed="rId4" cstate="print">
-            <a:extLst>
-              <a:ext uri="{28A0092B-C50C-407E-A947-70E740481C1C}">
-                <a14:useLocalDpi xmlns:a14="http://schemas.microsoft.com/office/drawing/2010/main" val="0"/>
-              </a:ext>
-            </a:extLst>
-          </a:blip>
-          <a:srcRect/>
-          <a:stretch>
-            <a:fillRect/>
-          </a:stretch>
-        </p:blipFill>
-        <p:spPr bwMode="auto">
-          <a:xfrm rot="2315380">
-            <a:off x="7557163" y="1374386"/>
-            <a:ext cx="4668987" cy="1033597"/>
-          </a:xfrm>
-          <a:prstGeom prst="rect">
-            <a:avLst/>
-          </a:prstGeom>
-          <a:noFill/>
-          <a:extLst>
-            <a:ext uri="{909E8E84-426E-40DD-AFC4-6F175D3DCCD1}">
-              <a14:hiddenFill xmlns:a14="http://schemas.microsoft.com/office/drawing/2010/main">
-                <a:solidFill>
-                  <a:srgbClr val="FFFFFF"/>
-                </a:solidFill>
-              </a14:hiddenFill>
-            </a:ext>
-          </a:extLst>
-        </p:spPr>
-      </p:pic>
-      <p:pic>
-        <p:nvPicPr>
-          <p:cNvPr id="1026" name="Picture 2" descr="Image result for swiftkey image"/>
-          <p:cNvPicPr>
-            <a:picLocks noChangeAspect="1" noChangeArrowheads="1"/>
-          </p:cNvPicPr>
-          <p:nvPr/>
-        </p:nvPicPr>
-        <p:blipFill>
-          <a:blip r:embed="rId5" cstate="print">
-            <a:extLst>
-              <a:ext uri="{28A0092B-C50C-407E-A947-70E740481C1C}">
-                <a14:useLocalDpi xmlns:a14="http://schemas.microsoft.com/office/drawing/2010/main" val="0"/>
-              </a:ext>
-            </a:extLst>
-          </a:blip>
-          <a:srcRect/>
-          <a:stretch>
-            <a:fillRect/>
-          </a:stretch>
-        </p:blipFill>
-        <p:spPr bwMode="auto">
-          <a:xfrm rot="3567079">
-            <a:off x="8665093" y="3353416"/>
-            <a:ext cx="2279715" cy="465324"/>
-          </a:xfrm>
-          <a:prstGeom prst="rect">
-            <a:avLst/>
-          </a:prstGeom>
-          <a:noFill/>
-          <a:extLst>
-            <a:ext uri="{909E8E84-426E-40DD-AFC4-6F175D3DCCD1}">
-              <a14:hiddenFill xmlns:a14="http://schemas.microsoft.com/office/drawing/2010/main">
-                <a:solidFill>
-                  <a:srgbClr val="FFFFFF"/>
-                </a:solidFill>
-              </a14:hiddenFill>
-            </a:ext>
-          </a:extLst>
-        </p:spPr>
-      </p:pic>
-    </p:spTree>
-    <p:extLst>
-      <p:ext uri="{BB962C8B-B14F-4D97-AF65-F5344CB8AC3E}">
-        <p14:creationId xmlns:p14="http://schemas.microsoft.com/office/powerpoint/2010/main" val="419683862"/>
-      </p:ext>
-    </p:extLst>
-  </p:cSld>
-  <p:clrMapOvr>
-    <a:masterClrMapping/>
-  </p:clrMapOvr>
-</p:sld>
-</file>
-
-<file path=ppt/slides/slide20.xml><?xml version="1.0" encoding="utf-8"?>
+<file path=ppt/slides/slide21.xml><?xml version="1.0" encoding="utf-8"?>
 <p:sld xmlns:a="http://schemas.openxmlformats.org/drawingml/2006/main" xmlns:r="http://schemas.openxmlformats.org/officeDocument/2006/relationships" xmlns:p="http://schemas.openxmlformats.org/presentationml/2006/main">
   <p:cSld>
     <p:spTree>
@@ -21608,7 +22352,7 @@
 </p:sld>
 </file>
 
-<file path=ppt/slides/slide21.xml><?xml version="1.0" encoding="utf-8"?>
+<file path=ppt/slides/slide22.xml><?xml version="1.0" encoding="utf-8"?>
 <p:sld xmlns:a="http://schemas.openxmlformats.org/drawingml/2006/main" xmlns:r="http://schemas.openxmlformats.org/officeDocument/2006/relationships" xmlns:p="http://schemas.openxmlformats.org/presentationml/2006/main">
   <p:cSld>
     <p:spTree>
@@ -24237,982 +24981,6 @@
 </file>
 
 <file path=ppt/slides/slide5.xml><?xml version="1.0" encoding="utf-8"?>
-<p:sld xmlns:a="http://schemas.openxmlformats.org/drawingml/2006/main" xmlns:r="http://schemas.openxmlformats.org/officeDocument/2006/relationships" xmlns:p="http://schemas.openxmlformats.org/presentationml/2006/main" show="0">
-  <p:cSld>
-    <p:spTree>
-      <p:nvGrpSpPr>
-        <p:cNvPr id="1" name=""/>
-        <p:cNvGrpSpPr/>
-        <p:nvPr/>
-      </p:nvGrpSpPr>
-      <p:grpSpPr>
-        <a:xfrm>
-          <a:off x="0" y="0"/>
-          <a:ext cx="0" cy="0"/>
-          <a:chOff x="0" y="0"/>
-          <a:chExt cx="0" cy="0"/>
-        </a:xfrm>
-      </p:grpSpPr>
-      <p:sp>
-        <p:nvSpPr>
-          <p:cNvPr id="2" name="Title 1"/>
-          <p:cNvSpPr>
-            <a:spLocks noGrp="1"/>
-          </p:cNvSpPr>
-          <p:nvPr>
-            <p:ph type="title"/>
-          </p:nvPr>
-        </p:nvSpPr>
-        <p:spPr>
-          <a:xfrm>
-            <a:off x="105376" y="5820782"/>
-            <a:ext cx="7696200" cy="914400"/>
-          </a:xfrm>
-        </p:spPr>
-        <p:txBody>
-          <a:bodyPr>
-            <a:normAutofit/>
-          </a:bodyPr>
-          <a:lstStyle/>
-          <a:p>
-            <a:pPr algn="l"/>
-            <a:r>
-              <a:rPr lang="nb-NO" sz="3600" dirty="0"/>
-              <a:t>Understanding the challenge</a:t>
-            </a:r>
-            <a:br>
-              <a:rPr lang="nb-NO" sz="3600" dirty="0"/>
-            </a:br>
-            <a:r>
-              <a:rPr lang="nb-NO" sz="1800" dirty="0"/>
-              <a:t>Foundation of Statistical NLP</a:t>
-            </a:r>
-            <a:endParaRPr lang="en-US" dirty="0"/>
-          </a:p>
-        </p:txBody>
-      </p:sp>
-      <p:grpSp>
-        <p:nvGrpSpPr>
-          <p:cNvPr id="4" name="Group 3"/>
-          <p:cNvGrpSpPr/>
-          <p:nvPr/>
-        </p:nvGrpSpPr>
-        <p:grpSpPr>
-          <a:xfrm>
-            <a:off x="347870" y="1530810"/>
-            <a:ext cx="5034913" cy="2348300"/>
-            <a:chOff x="-320842" y="1484293"/>
-            <a:chExt cx="5277407" cy="2348300"/>
-          </a:xfrm>
-        </p:grpSpPr>
-        <p:sp>
-          <p:nvSpPr>
-            <p:cNvPr id="5" name="Rounded Rectangle 4"/>
-            <p:cNvSpPr/>
-            <p:nvPr/>
-          </p:nvSpPr>
-          <p:spPr>
-            <a:xfrm>
-              <a:off x="414130" y="1484293"/>
-              <a:ext cx="3810000" cy="1828800"/>
-            </a:xfrm>
-            <a:prstGeom prst="roundRect">
-              <a:avLst/>
-            </a:prstGeom>
-          </p:spPr>
-          <p:style>
-            <a:lnRef idx="2">
-              <a:schemeClr val="accent1">
-                <a:shade val="50000"/>
-              </a:schemeClr>
-            </a:lnRef>
-            <a:fillRef idx="1">
-              <a:schemeClr val="accent1"/>
-            </a:fillRef>
-            <a:effectRef idx="0">
-              <a:schemeClr val="accent1"/>
-            </a:effectRef>
-            <a:fontRef idx="minor">
-              <a:schemeClr val="lt1"/>
-            </a:fontRef>
-          </p:style>
-          <p:txBody>
-            <a:bodyPr rtlCol="0" anchor="b" anchorCtr="0"/>
-            <a:lstStyle/>
-            <a:p>
-              <a:pPr algn="ctr"/>
-              <a:r>
-                <a:rPr lang="nb-NO" dirty="0"/>
-                <a:t>Based on the </a:t>
-              </a:r>
-              <a:r>
-                <a:rPr lang="nb-NO" b="1" dirty="0"/>
-                <a:t>provided Corpora</a:t>
-              </a:r>
-              <a:endParaRPr lang="en-US" b="1" dirty="0"/>
-            </a:p>
-          </p:txBody>
-        </p:sp>
-        <p:sp>
-          <p:nvSpPr>
-            <p:cNvPr id="3" name="Rounded Rectangle 2"/>
-            <p:cNvSpPr/>
-            <p:nvPr/>
-          </p:nvSpPr>
-          <p:spPr>
-            <a:xfrm>
-              <a:off x="1023730" y="1865293"/>
-              <a:ext cx="2362200" cy="914400"/>
-            </a:xfrm>
-            <a:prstGeom prst="roundRect">
-              <a:avLst/>
-            </a:prstGeom>
-          </p:spPr>
-          <p:style>
-            <a:lnRef idx="2">
-              <a:schemeClr val="accent1">
-                <a:shade val="50000"/>
-              </a:schemeClr>
-            </a:lnRef>
-            <a:fillRef idx="1">
-              <a:schemeClr val="accent1"/>
-            </a:fillRef>
-            <a:effectRef idx="0">
-              <a:schemeClr val="accent1"/>
-            </a:effectRef>
-            <a:fontRef idx="minor">
-              <a:schemeClr val="lt1"/>
-            </a:fontRef>
-          </p:style>
-          <p:txBody>
-            <a:bodyPr rtlCol="0" anchor="ctr"/>
-            <a:lstStyle/>
-            <a:p>
-              <a:pPr algn="ctr"/>
-              <a:r>
-                <a:rPr lang="nb-NO" dirty="0"/>
-                <a:t>(Probabilistic)</a:t>
-              </a:r>
-            </a:p>
-            <a:p>
-              <a:pPr algn="ctr"/>
-              <a:r>
-                <a:rPr lang="nb-NO" b="1" dirty="0"/>
-                <a:t>Language Model</a:t>
-              </a:r>
-              <a:endParaRPr lang="en-US" b="1" dirty="0"/>
-            </a:p>
-          </p:txBody>
-        </p:sp>
-        <p:sp>
-          <p:nvSpPr>
-            <p:cNvPr id="6" name="Rectangle 5"/>
-            <p:cNvSpPr/>
-            <p:nvPr/>
-          </p:nvSpPr>
-          <p:spPr>
-            <a:xfrm>
-              <a:off x="-320842" y="3432483"/>
-              <a:ext cx="5277407" cy="400110"/>
-            </a:xfrm>
-            <a:prstGeom prst="rect">
-              <a:avLst/>
-            </a:prstGeom>
-            <a:noFill/>
-          </p:spPr>
-          <p:txBody>
-            <a:bodyPr wrap="none" lIns="91440" tIns="45720" rIns="91440" bIns="45720">
-              <a:spAutoFit/>
-            </a:bodyPr>
-            <a:lstStyle/>
-            <a:p>
-              <a:pPr algn="ctr"/>
-              <a:r>
-                <a:rPr lang="en-US" sz="2000" dirty="0">
-                  <a:ln w="18415" cmpd="sng">
-                    <a:solidFill>
-                      <a:srgbClr val="FFFFFF"/>
-                    </a:solidFill>
-                    <a:prstDash val="solid"/>
-                  </a:ln>
-                  <a:solidFill>
-                    <a:srgbClr val="FFFFFF"/>
-                  </a:solidFill>
-                  <a:effectLst>
-                    <a:outerShdw blurRad="63500" dir="3600000" algn="tl" rotWithShape="0">
-                      <a:srgbClr val="000000">
-                        <a:alpha val="70000"/>
-                      </a:srgbClr>
-                    </a:outerShdw>
-                  </a:effectLst>
-                </a:rPr>
-                <a:t>P(S) = P(w1, w2, .., </a:t>
-              </a:r>
-              <a:r>
-                <a:rPr lang="en-US" sz="2000" dirty="0" err="1">
-                  <a:ln w="18415" cmpd="sng">
-                    <a:solidFill>
-                      <a:srgbClr val="FFFFFF"/>
-                    </a:solidFill>
-                    <a:prstDash val="solid"/>
-                  </a:ln>
-                  <a:solidFill>
-                    <a:srgbClr val="FFFFFF"/>
-                  </a:solidFill>
-                  <a:effectLst>
-                    <a:outerShdw blurRad="63500" dir="3600000" algn="tl" rotWithShape="0">
-                      <a:srgbClr val="000000">
-                        <a:alpha val="70000"/>
-                      </a:srgbClr>
-                    </a:outerShdw>
-                  </a:effectLst>
-                </a:rPr>
-                <a:t>wn</a:t>
-              </a:r>
-              <a:r>
-                <a:rPr lang="en-US" sz="2000" dirty="0">
-                  <a:ln w="18415" cmpd="sng">
-                    <a:solidFill>
-                      <a:srgbClr val="FFFFFF"/>
-                    </a:solidFill>
-                    <a:prstDash val="solid"/>
-                  </a:ln>
-                  <a:solidFill>
-                    <a:srgbClr val="FFFFFF"/>
-                  </a:solidFill>
-                  <a:effectLst>
-                    <a:outerShdw blurRad="63500" dir="3600000" algn="tl" rotWithShape="0">
-                      <a:srgbClr val="000000">
-                        <a:alpha val="70000"/>
-                      </a:srgbClr>
-                    </a:outerShdw>
-                  </a:effectLst>
-                </a:rPr>
-                <a:t>) or P(wn|w1,w2,..,wn-1)</a:t>
-              </a:r>
-            </a:p>
-          </p:txBody>
-        </p:sp>
-      </p:grpSp>
-      <p:pic>
-        <p:nvPicPr>
-          <p:cNvPr id="24" name="Picture 23"/>
-          <p:cNvPicPr>
-            <a:picLocks noChangeAspect="1"/>
-          </p:cNvPicPr>
-          <p:nvPr/>
-        </p:nvPicPr>
-        <p:blipFill>
-          <a:blip r:embed="rId3"/>
-          <a:stretch>
-            <a:fillRect/>
-          </a:stretch>
-        </p:blipFill>
-        <p:spPr>
-          <a:xfrm>
-            <a:off x="5649491" y="517517"/>
-            <a:ext cx="3345421" cy="2026586"/>
-          </a:xfrm>
-          <a:prstGeom prst="rect">
-            <a:avLst/>
-          </a:prstGeom>
-        </p:spPr>
-      </p:pic>
-      <p:pic>
-        <p:nvPicPr>
-          <p:cNvPr id="26" name="Picture 25"/>
-          <p:cNvPicPr>
-            <a:picLocks noChangeAspect="1"/>
-          </p:cNvPicPr>
-          <p:nvPr/>
-        </p:nvPicPr>
-        <p:blipFill>
-          <a:blip r:embed="rId4"/>
-          <a:stretch>
-            <a:fillRect/>
-          </a:stretch>
-        </p:blipFill>
-        <p:spPr>
-          <a:xfrm>
-            <a:off x="8150088" y="2724384"/>
-            <a:ext cx="3755222" cy="2177333"/>
-          </a:xfrm>
-          <a:prstGeom prst="rect">
-            <a:avLst/>
-          </a:prstGeom>
-        </p:spPr>
-      </p:pic>
-      <p:sp>
-        <p:nvSpPr>
-          <p:cNvPr id="28" name="Rounded Rectangle 27"/>
-          <p:cNvSpPr/>
-          <p:nvPr/>
-        </p:nvSpPr>
-        <p:spPr>
-          <a:xfrm>
-            <a:off x="4684003" y="4130228"/>
-            <a:ext cx="2362200" cy="914400"/>
-          </a:xfrm>
-          <a:prstGeom prst="roundRect">
-            <a:avLst/>
-          </a:prstGeom>
-        </p:spPr>
-        <p:style>
-          <a:lnRef idx="2">
-            <a:schemeClr val="accent1">
-              <a:shade val="50000"/>
-            </a:schemeClr>
-          </a:lnRef>
-          <a:fillRef idx="1">
-            <a:schemeClr val="accent1"/>
-          </a:fillRef>
-          <a:effectRef idx="0">
-            <a:schemeClr val="accent1"/>
-          </a:effectRef>
-          <a:fontRef idx="minor">
-            <a:schemeClr val="lt1"/>
-          </a:fontRef>
-        </p:style>
-        <p:txBody>
-          <a:bodyPr rtlCol="0" anchor="ctr"/>
-          <a:lstStyle/>
-          <a:p>
-            <a:pPr algn="ctr"/>
-            <a:r>
-              <a:rPr lang="nb-NO" dirty="0"/>
-              <a:t>(Probabilistic)</a:t>
-            </a:r>
-          </a:p>
-          <a:p>
-            <a:pPr algn="ctr"/>
-            <a:r>
-              <a:rPr lang="nb-NO" b="1" dirty="0"/>
-              <a:t>N-gram Model</a:t>
-            </a:r>
-            <a:endParaRPr lang="en-US" b="1" dirty="0"/>
-          </a:p>
-        </p:txBody>
-      </p:sp>
-    </p:spTree>
-    <p:extLst>
-      <p:ext uri="{BB962C8B-B14F-4D97-AF65-F5344CB8AC3E}">
-        <p14:creationId xmlns:p14="http://schemas.microsoft.com/office/powerpoint/2010/main" val="534225250"/>
-      </p:ext>
-    </p:extLst>
-  </p:cSld>
-  <p:clrMapOvr>
-    <a:masterClrMapping/>
-  </p:clrMapOvr>
-  <p:timing>
-    <p:tnLst>
-      <p:par>
-        <p:cTn id="1" dur="indefinite" restart="never" nodeType="tmRoot">
-          <p:childTnLst>
-            <p:seq concurrent="1" nextAc="seek">
-              <p:cTn id="2" dur="indefinite" nodeType="mainSeq">
-                <p:childTnLst>
-                  <p:par>
-                    <p:cTn id="3" fill="hold">
-                      <p:stCondLst>
-                        <p:cond delay="indefinite"/>
-                      </p:stCondLst>
-                      <p:childTnLst>
-                        <p:par>
-                          <p:cTn id="4" fill="hold">
-                            <p:stCondLst>
-                              <p:cond delay="0"/>
-                            </p:stCondLst>
-                            <p:childTnLst>
-                              <p:par>
-                                <p:cTn id="5" presetID="10" presetClass="entr" presetSubtype="0" fill="hold" nodeType="clickEffect">
-                                  <p:stCondLst>
-                                    <p:cond delay="0"/>
-                                  </p:stCondLst>
-                                  <p:childTnLst>
-                                    <p:set>
-                                      <p:cBhvr>
-                                        <p:cTn id="6" dur="1" fill="hold">
-                                          <p:stCondLst>
-                                            <p:cond delay="0"/>
-                                          </p:stCondLst>
-                                        </p:cTn>
-                                        <p:tgtEl>
-                                          <p:spTgt spid="4"/>
-                                        </p:tgtEl>
-                                        <p:attrNameLst>
-                                          <p:attrName>style.visibility</p:attrName>
-                                        </p:attrNameLst>
-                                      </p:cBhvr>
-                                      <p:to>
-                                        <p:strVal val="visible"/>
-                                      </p:to>
-                                    </p:set>
-                                    <p:animEffect transition="in" filter="fade">
-                                      <p:cBhvr>
-                                        <p:cTn id="7" dur="500"/>
-                                        <p:tgtEl>
-                                          <p:spTgt spid="4"/>
-                                        </p:tgtEl>
-                                      </p:cBhvr>
-                                    </p:animEffect>
-                                  </p:childTnLst>
-                                </p:cTn>
-                              </p:par>
-                            </p:childTnLst>
-                          </p:cTn>
-                        </p:par>
-                      </p:childTnLst>
-                    </p:cTn>
-                  </p:par>
-                </p:childTnLst>
-              </p:cTn>
-              <p:prevCondLst>
-                <p:cond evt="onPrev" delay="0">
-                  <p:tgtEl>
-                    <p:sldTgt/>
-                  </p:tgtEl>
-                </p:cond>
-              </p:prevCondLst>
-              <p:nextCondLst>
-                <p:cond evt="onNext" delay="0">
-                  <p:tgtEl>
-                    <p:sldTgt/>
-                  </p:tgtEl>
-                </p:cond>
-              </p:nextCondLst>
-            </p:seq>
-          </p:childTnLst>
-        </p:cTn>
-      </p:par>
-    </p:tnLst>
-  </p:timing>
-</p:sld>
-</file>
-
-<file path=ppt/slides/slide6.xml><?xml version="1.0" encoding="utf-8"?>
-<p:sld xmlns:a="http://schemas.openxmlformats.org/drawingml/2006/main" xmlns:r="http://schemas.openxmlformats.org/officeDocument/2006/relationships" xmlns:p="http://schemas.openxmlformats.org/presentationml/2006/main" show="0">
-  <p:cSld>
-    <p:spTree>
-      <p:nvGrpSpPr>
-        <p:cNvPr id="1" name=""/>
-        <p:cNvGrpSpPr/>
-        <p:nvPr/>
-      </p:nvGrpSpPr>
-      <p:grpSpPr>
-        <a:xfrm>
-          <a:off x="0" y="0"/>
-          <a:ext cx="0" cy="0"/>
-          <a:chOff x="0" y="0"/>
-          <a:chExt cx="0" cy="0"/>
-        </a:xfrm>
-      </p:grpSpPr>
-      <p:sp>
-        <p:nvSpPr>
-          <p:cNvPr id="2" name="Title 1"/>
-          <p:cNvSpPr>
-            <a:spLocks noGrp="1"/>
-          </p:cNvSpPr>
-          <p:nvPr>
-            <p:ph type="title"/>
-          </p:nvPr>
-        </p:nvSpPr>
-        <p:spPr>
-          <a:xfrm>
-            <a:off x="1088466" y="371119"/>
-            <a:ext cx="9938938" cy="535531"/>
-          </a:xfrm>
-          <a:noFill/>
-        </p:spPr>
-        <p:txBody>
-          <a:bodyPr wrap="none" lIns="91440" tIns="45720" rIns="91440" bIns="45720">
-            <a:spAutoFit/>
-          </a:bodyPr>
-          <a:lstStyle/>
-          <a:p>
-            <a:pPr algn="ctr"/>
-            <a:r>
-              <a:rPr lang="nb-NO" sz="3200" b="1" cap="none" dirty="0">
-                <a:ln w="9525">
-                  <a:solidFill>
-                    <a:schemeClr val="bg1"/>
-                  </a:solidFill>
-                  <a:prstDash val="solid"/>
-                </a:ln>
-                <a:effectLst>
-                  <a:outerShdw blurRad="12700" dist="38100" dir="2700000" algn="tl" rotWithShape="0">
-                    <a:schemeClr val="bg1">
-                      <a:lumMod val="50000"/>
-                    </a:schemeClr>
-                  </a:outerShdw>
-                </a:effectLst>
-                <a:latin typeface="+mn-lt"/>
-                <a:ea typeface="+mn-ea"/>
-                <a:cs typeface="+mn-cs"/>
-              </a:rPr>
-              <a:t>An </a:t>
-            </a:r>
-            <a:r>
-              <a:rPr lang="en-GB" sz="3200" b="1" cap="none" dirty="0">
-                <a:ln w="9525">
-                  <a:solidFill>
-                    <a:schemeClr val="bg1"/>
-                  </a:solidFill>
-                  <a:prstDash val="solid"/>
-                </a:ln>
-                <a:effectLst>
-                  <a:outerShdw blurRad="12700" dist="38100" dir="2700000" algn="tl" rotWithShape="0">
-                    <a:schemeClr val="bg1">
-                      <a:lumMod val="50000"/>
-                    </a:schemeClr>
-                  </a:outerShdw>
-                </a:effectLst>
-                <a:latin typeface="+mn-lt"/>
-                <a:ea typeface="+mn-ea"/>
-                <a:cs typeface="+mn-cs"/>
-              </a:rPr>
-              <a:t>example</a:t>
-            </a:r>
-            <a:r>
-              <a:rPr lang="nb-NO" sz="3200" b="1" cap="none" dirty="0">
-                <a:ln w="9525">
-                  <a:solidFill>
-                    <a:schemeClr val="bg1"/>
-                  </a:solidFill>
-                  <a:prstDash val="solid"/>
-                </a:ln>
-                <a:effectLst>
-                  <a:outerShdw blurRad="12700" dist="38100" dir="2700000" algn="tl" rotWithShape="0">
-                    <a:schemeClr val="bg1">
-                      <a:lumMod val="50000"/>
-                    </a:schemeClr>
-                  </a:outerShdw>
-                </a:effectLst>
-                <a:latin typeface="+mn-lt"/>
-                <a:ea typeface="+mn-ea"/>
-                <a:cs typeface="+mn-cs"/>
-              </a:rPr>
-              <a:t>: Bi-gram Model (Markov </a:t>
-            </a:r>
-            <a:r>
-              <a:rPr lang="en-US" sz="3200" b="1" cap="none" dirty="0">
-                <a:ln w="9525">
-                  <a:solidFill>
-                    <a:schemeClr val="bg1"/>
-                  </a:solidFill>
-                  <a:prstDash val="solid"/>
-                </a:ln>
-                <a:effectLst>
-                  <a:outerShdw blurRad="12700" dist="38100" dir="2700000" algn="tl" rotWithShape="0">
-                    <a:schemeClr val="bg1">
-                      <a:lumMod val="50000"/>
-                    </a:schemeClr>
-                  </a:outerShdw>
-                </a:effectLst>
-                <a:latin typeface="+mn-lt"/>
-                <a:ea typeface="+mn-ea"/>
-                <a:cs typeface="+mn-cs"/>
-              </a:rPr>
-              <a:t>Assumption</a:t>
-            </a:r>
-            <a:r>
-              <a:rPr lang="nb-NO" sz="3200" b="1" cap="none" dirty="0">
-                <a:ln w="9525">
-                  <a:solidFill>
-                    <a:schemeClr val="bg1"/>
-                  </a:solidFill>
-                  <a:prstDash val="solid"/>
-                </a:ln>
-                <a:effectLst>
-                  <a:outerShdw blurRad="12700" dist="38100" dir="2700000" algn="tl" rotWithShape="0">
-                    <a:schemeClr val="bg1">
-                      <a:lumMod val="50000"/>
-                    </a:schemeClr>
-                  </a:outerShdw>
-                </a:effectLst>
-                <a:latin typeface="+mn-lt"/>
-                <a:ea typeface="+mn-ea"/>
-                <a:cs typeface="+mn-cs"/>
-              </a:rPr>
-              <a:t>)</a:t>
-            </a:r>
-            <a:endParaRPr lang="en-US" sz="3200" b="1" cap="none" dirty="0">
-              <a:ln w="9525">
-                <a:solidFill>
-                  <a:schemeClr val="bg1"/>
-                </a:solidFill>
-                <a:prstDash val="solid"/>
-              </a:ln>
-              <a:effectLst>
-                <a:outerShdw blurRad="12700" dist="38100" dir="2700000" algn="tl" rotWithShape="0">
-                  <a:schemeClr val="bg1">
-                    <a:lumMod val="50000"/>
-                  </a:schemeClr>
-                </a:outerShdw>
-              </a:effectLst>
-              <a:latin typeface="+mn-lt"/>
-              <a:ea typeface="+mn-ea"/>
-              <a:cs typeface="+mn-cs"/>
-            </a:endParaRPr>
-          </a:p>
-        </p:txBody>
-      </p:sp>
-      <p:pic>
-        <p:nvPicPr>
-          <p:cNvPr id="2051" name="Picture 3"/>
-          <p:cNvPicPr>
-            <a:picLocks noChangeAspect="1" noChangeArrowheads="1"/>
-          </p:cNvPicPr>
-          <p:nvPr/>
-        </p:nvPicPr>
-        <p:blipFill>
-          <a:blip r:embed="rId3">
-            <a:extLst>
-              <a:ext uri="{28A0092B-C50C-407E-A947-70E740481C1C}">
-                <a14:useLocalDpi xmlns:a14="http://schemas.microsoft.com/office/drawing/2010/main" val="0"/>
-              </a:ext>
-            </a:extLst>
-          </a:blip>
-          <a:srcRect/>
-          <a:stretch>
-            <a:fillRect/>
-          </a:stretch>
-        </p:blipFill>
-        <p:spPr bwMode="auto">
-          <a:xfrm>
-            <a:off x="486573" y="2279254"/>
-            <a:ext cx="8425935" cy="2895600"/>
-          </a:xfrm>
-          <a:prstGeom prst="rect">
-            <a:avLst/>
-          </a:prstGeom>
-          <a:noFill/>
-          <a:ln>
-            <a:noFill/>
-          </a:ln>
-          <a:effectLst/>
-          <a:extLst>
-            <a:ext uri="{909E8E84-426E-40DD-AFC4-6F175D3DCCD1}">
-              <a14:hiddenFill xmlns:a14="http://schemas.microsoft.com/office/drawing/2010/main">
-                <a:solidFill>
-                  <a:schemeClr val="accent1"/>
-                </a:solidFill>
-              </a14:hiddenFill>
-            </a:ext>
-            <a:ext uri="{91240B29-F687-4F45-9708-019B960494DF}">
-              <a14:hiddenLine xmlns:a14="http://schemas.microsoft.com/office/drawing/2010/main" w="9525">
-                <a:solidFill>
-                  <a:schemeClr val="tx1"/>
-                </a:solidFill>
-                <a:miter lim="800000"/>
-                <a:headEnd/>
-                <a:tailEnd/>
-              </a14:hiddenLine>
-            </a:ext>
-            <a:ext uri="{AF507438-7753-43E0-B8FC-AC1667EBCBE1}">
-              <a14:hiddenEffects xmlns:a14="http://schemas.microsoft.com/office/drawing/2010/main">
-                <a:effectLst>
-                  <a:outerShdw dist="35921" dir="2700000" algn="ctr" rotWithShape="0">
-                    <a:schemeClr val="bg2"/>
-                  </a:outerShdw>
-                </a:effectLst>
-              </a14:hiddenEffects>
-            </a:ext>
-          </a:extLst>
-        </p:spPr>
-      </p:pic>
-      <p:sp>
-        <p:nvSpPr>
-          <p:cNvPr id="9" name="Rectangle 8"/>
-          <p:cNvSpPr/>
-          <p:nvPr/>
-        </p:nvSpPr>
-        <p:spPr>
-          <a:xfrm>
-            <a:off x="1192696" y="1368288"/>
-            <a:ext cx="10257182" cy="523220"/>
-          </a:xfrm>
-          <a:prstGeom prst="rect">
-            <a:avLst/>
-          </a:prstGeom>
-          <a:noFill/>
-        </p:spPr>
-        <p:txBody>
-          <a:bodyPr wrap="square" lIns="91440" tIns="45720" rIns="91440" bIns="45720">
-            <a:spAutoFit/>
-          </a:bodyPr>
-          <a:lstStyle/>
-          <a:p>
-            <a:pPr algn="ctr"/>
-            <a:r>
-              <a:rPr lang="en-US" sz="2800" dirty="0">
-                <a:ln w="18415" cmpd="sng">
-                  <a:solidFill>
-                    <a:srgbClr val="FFFFFF"/>
-                  </a:solidFill>
-                  <a:prstDash val="solid"/>
-                </a:ln>
-                <a:solidFill>
-                  <a:srgbClr val="FFFFFF"/>
-                </a:solidFill>
-                <a:effectLst>
-                  <a:outerShdw blurRad="63500" dir="3600000" algn="tl" rotWithShape="0">
-                    <a:srgbClr val="000000">
-                      <a:alpha val="70000"/>
-                    </a:srgbClr>
-                  </a:outerShdw>
-                </a:effectLst>
-              </a:rPr>
-              <a:t>P(S) = P(w1, w2, .., </a:t>
-            </a:r>
-            <a:r>
-              <a:rPr lang="en-US" sz="2800" dirty="0" err="1">
-                <a:ln w="18415" cmpd="sng">
-                  <a:solidFill>
-                    <a:srgbClr val="FFFFFF"/>
-                  </a:solidFill>
-                  <a:prstDash val="solid"/>
-                </a:ln>
-                <a:solidFill>
-                  <a:srgbClr val="FFFFFF"/>
-                </a:solidFill>
-                <a:effectLst>
-                  <a:outerShdw blurRad="63500" dir="3600000" algn="tl" rotWithShape="0">
-                    <a:srgbClr val="000000">
-                      <a:alpha val="70000"/>
-                    </a:srgbClr>
-                  </a:outerShdw>
-                </a:effectLst>
-              </a:rPr>
-              <a:t>wi</a:t>
-            </a:r>
-            <a:r>
-              <a:rPr lang="en-US" sz="2800" dirty="0">
-                <a:ln w="18415" cmpd="sng">
-                  <a:solidFill>
-                    <a:srgbClr val="FFFFFF"/>
-                  </a:solidFill>
-                  <a:prstDash val="solid"/>
-                </a:ln>
-                <a:solidFill>
-                  <a:srgbClr val="FFFFFF"/>
-                </a:solidFill>
-                <a:effectLst>
-                  <a:outerShdw blurRad="63500" dir="3600000" algn="tl" rotWithShape="0">
-                    <a:srgbClr val="000000">
-                      <a:alpha val="70000"/>
-                    </a:srgbClr>
-                  </a:outerShdw>
-                </a:effectLst>
-              </a:rPr>
-              <a:t>) =  </a:t>
-            </a:r>
-            <a:r>
-              <a:rPr lang="nb-NO" sz="2800" dirty="0">
-                <a:ln w="18415" cmpd="sng">
-                  <a:solidFill>
-                    <a:srgbClr val="FFFFFF"/>
-                  </a:solidFill>
-                  <a:prstDash val="solid"/>
-                </a:ln>
-                <a:solidFill>
-                  <a:srgbClr val="FFFFFF"/>
-                </a:solidFill>
-                <a:effectLst>
-                  <a:outerShdw blurRad="63500" dir="3600000" algn="tl" rotWithShape="0">
-                    <a:srgbClr val="000000">
-                      <a:alpha val="70000"/>
-                    </a:srgbClr>
-                  </a:outerShdw>
-                </a:effectLst>
-              </a:rPr>
-              <a:t>P(w1|&lt;s&gt;) P(w2|w1) P(w3|w2) ...</a:t>
-            </a:r>
-            <a:endParaRPr lang="en-US" sz="2800" dirty="0">
-              <a:ln w="18415" cmpd="sng">
-                <a:solidFill>
-                  <a:srgbClr val="FFFFFF"/>
-                </a:solidFill>
-                <a:prstDash val="solid"/>
-              </a:ln>
-              <a:solidFill>
-                <a:srgbClr val="FFFFFF"/>
-              </a:solidFill>
-              <a:effectLst>
-                <a:outerShdw blurRad="63500" dir="3600000" algn="tl" rotWithShape="0">
-                  <a:srgbClr val="000000">
-                    <a:alpha val="70000"/>
-                  </a:srgbClr>
-                </a:outerShdw>
-              </a:effectLst>
-            </a:endParaRPr>
-          </a:p>
-        </p:txBody>
-      </p:sp>
-      <p:sp>
-        <p:nvSpPr>
-          <p:cNvPr id="3" name="Rectangle 2"/>
-          <p:cNvSpPr/>
-          <p:nvPr/>
-        </p:nvSpPr>
-        <p:spPr>
-          <a:xfrm>
-            <a:off x="6321287" y="2202225"/>
-            <a:ext cx="2468946" cy="923330"/>
-          </a:xfrm>
-          <a:prstGeom prst="rect">
-            <a:avLst/>
-          </a:prstGeom>
-          <a:noFill/>
-        </p:spPr>
-        <p:txBody>
-          <a:bodyPr wrap="none" lIns="91440" tIns="45720" rIns="91440" bIns="45720">
-            <a:spAutoFit/>
-          </a:bodyPr>
-          <a:lstStyle/>
-          <a:p>
-            <a:pPr algn="ctr"/>
-            <a:r>
-              <a:rPr lang="en-US" sz="5400" b="1" cap="none" spc="0" dirty="0">
-                <a:ln w="9525">
-                  <a:solidFill>
-                    <a:schemeClr val="bg1"/>
-                  </a:solidFill>
-                  <a:prstDash val="solid"/>
-                </a:ln>
-                <a:solidFill>
-                  <a:schemeClr val="tx1"/>
-                </a:solidFill>
-                <a:effectLst>
-                  <a:outerShdw blurRad="12700" dist="38100" dir="2700000" algn="tl" rotWithShape="0">
-                    <a:schemeClr val="bg1">
-                      <a:lumMod val="50000"/>
-                    </a:schemeClr>
-                  </a:outerShdw>
-                </a:effectLst>
-              </a:rPr>
-              <a:t>Corpus</a:t>
-            </a:r>
-          </a:p>
-        </p:txBody>
-      </p:sp>
-      <p:sp>
-        <p:nvSpPr>
-          <p:cNvPr id="6" name="Rectangle 5"/>
-          <p:cNvSpPr/>
-          <p:nvPr/>
-        </p:nvSpPr>
-        <p:spPr>
-          <a:xfrm>
-            <a:off x="428472" y="1891508"/>
-            <a:ext cx="1569661" cy="923330"/>
-          </a:xfrm>
-          <a:prstGeom prst="rect">
-            <a:avLst/>
-          </a:prstGeom>
-          <a:noFill/>
-        </p:spPr>
-        <p:txBody>
-          <a:bodyPr wrap="none" lIns="91440" tIns="45720" rIns="91440" bIns="45720">
-            <a:spAutoFit/>
-          </a:bodyPr>
-          <a:lstStyle/>
-          <a:p>
-            <a:pPr algn="ctr"/>
-            <a:r>
-              <a:rPr lang="en-US" sz="5400" b="1" cap="none" spc="0" dirty="0">
-                <a:ln w="9525">
-                  <a:solidFill>
-                    <a:schemeClr val="bg1"/>
-                  </a:solidFill>
-                  <a:prstDash val="solid"/>
-                </a:ln>
-                <a:solidFill>
-                  <a:schemeClr val="tx1"/>
-                </a:solidFill>
-                <a:effectLst>
-                  <a:outerShdw blurRad="12700" dist="38100" dir="2700000" algn="tl" rotWithShape="0">
-                    <a:schemeClr val="bg1">
-                      <a:lumMod val="50000"/>
-                    </a:schemeClr>
-                  </a:outerShdw>
-                </a:effectLst>
-              </a:rPr>
-              <a:t>MLE</a:t>
-            </a:r>
-          </a:p>
-        </p:txBody>
-      </p:sp>
-      <p:sp>
-        <p:nvSpPr>
-          <p:cNvPr id="7" name="Title 1"/>
-          <p:cNvSpPr txBox="1">
-            <a:spLocks/>
-          </p:cNvSpPr>
-          <p:nvPr/>
-        </p:nvSpPr>
-        <p:spPr>
-          <a:xfrm>
-            <a:off x="105376" y="5820782"/>
-            <a:ext cx="7696200" cy="914400"/>
-          </a:xfrm>
-          <a:prstGeom prst="rect">
-            <a:avLst/>
-          </a:prstGeom>
-        </p:spPr>
-        <p:txBody>
-          <a:bodyPr vert="horz" lIns="91440" tIns="45720" rIns="91440" bIns="45720" rtlCol="0" anchor="ctr">
-            <a:normAutofit/>
-          </a:bodyPr>
-          <a:lstStyle>
-            <a:lvl1pPr algn="r" defTabSz="914400" rtl="0" eaLnBrk="1" latinLnBrk="0" hangingPunct="1">
-              <a:lnSpc>
-                <a:spcPct val="90000"/>
-              </a:lnSpc>
-              <a:spcBef>
-                <a:spcPct val="0"/>
-              </a:spcBef>
-              <a:buNone/>
-              <a:defRPr sz="4000" kern="1200" cap="all" baseline="0">
-                <a:solidFill>
-                  <a:schemeClr val="tx1"/>
-                </a:solidFill>
-                <a:latin typeface="+mj-lt"/>
-                <a:ea typeface="+mj-ea"/>
-                <a:cs typeface="+mj-cs"/>
-              </a:defRPr>
-            </a:lvl1pPr>
-          </a:lstStyle>
-          <a:p>
-            <a:pPr algn="l"/>
-            <a:r>
-              <a:rPr lang="nb-NO" sz="3600"/>
-              <a:t>Understanding the challenge</a:t>
-            </a:r>
-            <a:br>
-              <a:rPr lang="nb-NO" sz="3600"/>
-            </a:br>
-            <a:r>
-              <a:rPr lang="nb-NO" sz="1800"/>
-              <a:t>Foundation of Statistical NLP</a:t>
-            </a:r>
-            <a:endParaRPr lang="en-US" dirty="0"/>
-          </a:p>
-        </p:txBody>
-      </p:sp>
-    </p:spTree>
-    <p:extLst>
-      <p:ext uri="{BB962C8B-B14F-4D97-AF65-F5344CB8AC3E}">
-        <p14:creationId xmlns:p14="http://schemas.microsoft.com/office/powerpoint/2010/main" val="1427080951"/>
-      </p:ext>
-    </p:extLst>
-  </p:cSld>
-  <p:clrMapOvr>
-    <a:masterClrMapping/>
-  </p:clrMapOvr>
-</p:sld>
-</file>
-
-<file path=ppt/slides/slide7.xml><?xml version="1.0" encoding="utf-8"?>
 <p:sld xmlns:a="http://schemas.openxmlformats.org/drawingml/2006/main" xmlns:r="http://schemas.openxmlformats.org/officeDocument/2006/relationships" xmlns:p="http://schemas.openxmlformats.org/presentationml/2006/main">
   <p:cSld>
     <p:spTree>
@@ -26280,6 +26048,982 @@
       <p:bldP spid="15" grpId="0" animBg="1"/>
     </p:bldLst>
   </p:timing>
+</p:sld>
+</file>
+
+<file path=ppt/slides/slide6.xml><?xml version="1.0" encoding="utf-8"?>
+<p:sld xmlns:a="http://schemas.openxmlformats.org/drawingml/2006/main" xmlns:r="http://schemas.openxmlformats.org/officeDocument/2006/relationships" xmlns:p="http://schemas.openxmlformats.org/presentationml/2006/main" show="0">
+  <p:cSld>
+    <p:spTree>
+      <p:nvGrpSpPr>
+        <p:cNvPr id="1" name=""/>
+        <p:cNvGrpSpPr/>
+        <p:nvPr/>
+      </p:nvGrpSpPr>
+      <p:grpSpPr>
+        <a:xfrm>
+          <a:off x="0" y="0"/>
+          <a:ext cx="0" cy="0"/>
+          <a:chOff x="0" y="0"/>
+          <a:chExt cx="0" cy="0"/>
+        </a:xfrm>
+      </p:grpSpPr>
+      <p:sp>
+        <p:nvSpPr>
+          <p:cNvPr id="2" name="Title 1"/>
+          <p:cNvSpPr>
+            <a:spLocks noGrp="1"/>
+          </p:cNvSpPr>
+          <p:nvPr>
+            <p:ph type="title"/>
+          </p:nvPr>
+        </p:nvSpPr>
+        <p:spPr>
+          <a:xfrm>
+            <a:off x="105376" y="5820782"/>
+            <a:ext cx="7696200" cy="914400"/>
+          </a:xfrm>
+        </p:spPr>
+        <p:txBody>
+          <a:bodyPr>
+            <a:normAutofit/>
+          </a:bodyPr>
+          <a:lstStyle/>
+          <a:p>
+            <a:pPr algn="l"/>
+            <a:r>
+              <a:rPr lang="nb-NO" sz="3600" dirty="0"/>
+              <a:t>Understanding the challenge</a:t>
+            </a:r>
+            <a:br>
+              <a:rPr lang="nb-NO" sz="3600" dirty="0"/>
+            </a:br>
+            <a:r>
+              <a:rPr lang="nb-NO" sz="1800" dirty="0"/>
+              <a:t>Foundation of Statistical NLP</a:t>
+            </a:r>
+            <a:endParaRPr lang="en-US" dirty="0"/>
+          </a:p>
+        </p:txBody>
+      </p:sp>
+      <p:grpSp>
+        <p:nvGrpSpPr>
+          <p:cNvPr id="4" name="Group 3"/>
+          <p:cNvGrpSpPr/>
+          <p:nvPr/>
+        </p:nvGrpSpPr>
+        <p:grpSpPr>
+          <a:xfrm>
+            <a:off x="347870" y="1530810"/>
+            <a:ext cx="5034913" cy="2348300"/>
+            <a:chOff x="-320842" y="1484293"/>
+            <a:chExt cx="5277407" cy="2348300"/>
+          </a:xfrm>
+        </p:grpSpPr>
+        <p:sp>
+          <p:nvSpPr>
+            <p:cNvPr id="5" name="Rounded Rectangle 4"/>
+            <p:cNvSpPr/>
+            <p:nvPr/>
+          </p:nvSpPr>
+          <p:spPr>
+            <a:xfrm>
+              <a:off x="414130" y="1484293"/>
+              <a:ext cx="3810000" cy="1828800"/>
+            </a:xfrm>
+            <a:prstGeom prst="roundRect">
+              <a:avLst/>
+            </a:prstGeom>
+          </p:spPr>
+          <p:style>
+            <a:lnRef idx="2">
+              <a:schemeClr val="accent1">
+                <a:shade val="50000"/>
+              </a:schemeClr>
+            </a:lnRef>
+            <a:fillRef idx="1">
+              <a:schemeClr val="accent1"/>
+            </a:fillRef>
+            <a:effectRef idx="0">
+              <a:schemeClr val="accent1"/>
+            </a:effectRef>
+            <a:fontRef idx="minor">
+              <a:schemeClr val="lt1"/>
+            </a:fontRef>
+          </p:style>
+          <p:txBody>
+            <a:bodyPr rtlCol="0" anchor="b" anchorCtr="0"/>
+            <a:lstStyle/>
+            <a:p>
+              <a:pPr algn="ctr"/>
+              <a:r>
+                <a:rPr lang="nb-NO" dirty="0"/>
+                <a:t>Based on the </a:t>
+              </a:r>
+              <a:r>
+                <a:rPr lang="nb-NO" b="1" dirty="0"/>
+                <a:t>provided Corpora</a:t>
+              </a:r>
+              <a:endParaRPr lang="en-US" b="1" dirty="0"/>
+            </a:p>
+          </p:txBody>
+        </p:sp>
+        <p:sp>
+          <p:nvSpPr>
+            <p:cNvPr id="3" name="Rounded Rectangle 2"/>
+            <p:cNvSpPr/>
+            <p:nvPr/>
+          </p:nvSpPr>
+          <p:spPr>
+            <a:xfrm>
+              <a:off x="1023730" y="1865293"/>
+              <a:ext cx="2362200" cy="914400"/>
+            </a:xfrm>
+            <a:prstGeom prst="roundRect">
+              <a:avLst/>
+            </a:prstGeom>
+          </p:spPr>
+          <p:style>
+            <a:lnRef idx="2">
+              <a:schemeClr val="accent1">
+                <a:shade val="50000"/>
+              </a:schemeClr>
+            </a:lnRef>
+            <a:fillRef idx="1">
+              <a:schemeClr val="accent1"/>
+            </a:fillRef>
+            <a:effectRef idx="0">
+              <a:schemeClr val="accent1"/>
+            </a:effectRef>
+            <a:fontRef idx="minor">
+              <a:schemeClr val="lt1"/>
+            </a:fontRef>
+          </p:style>
+          <p:txBody>
+            <a:bodyPr rtlCol="0" anchor="ctr"/>
+            <a:lstStyle/>
+            <a:p>
+              <a:pPr algn="ctr"/>
+              <a:r>
+                <a:rPr lang="nb-NO" dirty="0"/>
+                <a:t>(Probabilistic)</a:t>
+              </a:r>
+            </a:p>
+            <a:p>
+              <a:pPr algn="ctr"/>
+              <a:r>
+                <a:rPr lang="nb-NO" b="1" dirty="0"/>
+                <a:t>Language Model</a:t>
+              </a:r>
+              <a:endParaRPr lang="en-US" b="1" dirty="0"/>
+            </a:p>
+          </p:txBody>
+        </p:sp>
+        <p:sp>
+          <p:nvSpPr>
+            <p:cNvPr id="6" name="Rectangle 5"/>
+            <p:cNvSpPr/>
+            <p:nvPr/>
+          </p:nvSpPr>
+          <p:spPr>
+            <a:xfrm>
+              <a:off x="-320842" y="3432483"/>
+              <a:ext cx="5277407" cy="400110"/>
+            </a:xfrm>
+            <a:prstGeom prst="rect">
+              <a:avLst/>
+            </a:prstGeom>
+            <a:noFill/>
+          </p:spPr>
+          <p:txBody>
+            <a:bodyPr wrap="none" lIns="91440" tIns="45720" rIns="91440" bIns="45720">
+              <a:spAutoFit/>
+            </a:bodyPr>
+            <a:lstStyle/>
+            <a:p>
+              <a:pPr algn="ctr"/>
+              <a:r>
+                <a:rPr lang="en-US" sz="2000" dirty="0">
+                  <a:ln w="18415" cmpd="sng">
+                    <a:solidFill>
+                      <a:srgbClr val="FFFFFF"/>
+                    </a:solidFill>
+                    <a:prstDash val="solid"/>
+                  </a:ln>
+                  <a:solidFill>
+                    <a:srgbClr val="FFFFFF"/>
+                  </a:solidFill>
+                  <a:effectLst>
+                    <a:outerShdw blurRad="63500" dir="3600000" algn="tl" rotWithShape="0">
+                      <a:srgbClr val="000000">
+                        <a:alpha val="70000"/>
+                      </a:srgbClr>
+                    </a:outerShdw>
+                  </a:effectLst>
+                </a:rPr>
+                <a:t>P(S) = P(w1, w2, .., </a:t>
+              </a:r>
+              <a:r>
+                <a:rPr lang="en-US" sz="2000" dirty="0" err="1">
+                  <a:ln w="18415" cmpd="sng">
+                    <a:solidFill>
+                      <a:srgbClr val="FFFFFF"/>
+                    </a:solidFill>
+                    <a:prstDash val="solid"/>
+                  </a:ln>
+                  <a:solidFill>
+                    <a:srgbClr val="FFFFFF"/>
+                  </a:solidFill>
+                  <a:effectLst>
+                    <a:outerShdw blurRad="63500" dir="3600000" algn="tl" rotWithShape="0">
+                      <a:srgbClr val="000000">
+                        <a:alpha val="70000"/>
+                      </a:srgbClr>
+                    </a:outerShdw>
+                  </a:effectLst>
+                </a:rPr>
+                <a:t>wn</a:t>
+              </a:r>
+              <a:r>
+                <a:rPr lang="en-US" sz="2000" dirty="0">
+                  <a:ln w="18415" cmpd="sng">
+                    <a:solidFill>
+                      <a:srgbClr val="FFFFFF"/>
+                    </a:solidFill>
+                    <a:prstDash val="solid"/>
+                  </a:ln>
+                  <a:solidFill>
+                    <a:srgbClr val="FFFFFF"/>
+                  </a:solidFill>
+                  <a:effectLst>
+                    <a:outerShdw blurRad="63500" dir="3600000" algn="tl" rotWithShape="0">
+                      <a:srgbClr val="000000">
+                        <a:alpha val="70000"/>
+                      </a:srgbClr>
+                    </a:outerShdw>
+                  </a:effectLst>
+                </a:rPr>
+                <a:t>) or P(wn|w1,w2,..,wn-1)</a:t>
+              </a:r>
+            </a:p>
+          </p:txBody>
+        </p:sp>
+      </p:grpSp>
+      <p:pic>
+        <p:nvPicPr>
+          <p:cNvPr id="24" name="Picture 23"/>
+          <p:cNvPicPr>
+            <a:picLocks noChangeAspect="1"/>
+          </p:cNvPicPr>
+          <p:nvPr/>
+        </p:nvPicPr>
+        <p:blipFill>
+          <a:blip r:embed="rId3"/>
+          <a:stretch>
+            <a:fillRect/>
+          </a:stretch>
+        </p:blipFill>
+        <p:spPr>
+          <a:xfrm>
+            <a:off x="5649491" y="517517"/>
+            <a:ext cx="3345421" cy="2026586"/>
+          </a:xfrm>
+          <a:prstGeom prst="rect">
+            <a:avLst/>
+          </a:prstGeom>
+        </p:spPr>
+      </p:pic>
+      <p:pic>
+        <p:nvPicPr>
+          <p:cNvPr id="26" name="Picture 25"/>
+          <p:cNvPicPr>
+            <a:picLocks noChangeAspect="1"/>
+          </p:cNvPicPr>
+          <p:nvPr/>
+        </p:nvPicPr>
+        <p:blipFill>
+          <a:blip r:embed="rId4"/>
+          <a:stretch>
+            <a:fillRect/>
+          </a:stretch>
+        </p:blipFill>
+        <p:spPr>
+          <a:xfrm>
+            <a:off x="8150088" y="2724384"/>
+            <a:ext cx="3755222" cy="2177333"/>
+          </a:xfrm>
+          <a:prstGeom prst="rect">
+            <a:avLst/>
+          </a:prstGeom>
+        </p:spPr>
+      </p:pic>
+      <p:sp>
+        <p:nvSpPr>
+          <p:cNvPr id="28" name="Rounded Rectangle 27"/>
+          <p:cNvSpPr/>
+          <p:nvPr/>
+        </p:nvSpPr>
+        <p:spPr>
+          <a:xfrm>
+            <a:off x="4684003" y="4130228"/>
+            <a:ext cx="2362200" cy="914400"/>
+          </a:xfrm>
+          <a:prstGeom prst="roundRect">
+            <a:avLst/>
+          </a:prstGeom>
+        </p:spPr>
+        <p:style>
+          <a:lnRef idx="2">
+            <a:schemeClr val="accent1">
+              <a:shade val="50000"/>
+            </a:schemeClr>
+          </a:lnRef>
+          <a:fillRef idx="1">
+            <a:schemeClr val="accent1"/>
+          </a:fillRef>
+          <a:effectRef idx="0">
+            <a:schemeClr val="accent1"/>
+          </a:effectRef>
+          <a:fontRef idx="minor">
+            <a:schemeClr val="lt1"/>
+          </a:fontRef>
+        </p:style>
+        <p:txBody>
+          <a:bodyPr rtlCol="0" anchor="ctr"/>
+          <a:lstStyle/>
+          <a:p>
+            <a:pPr algn="ctr"/>
+            <a:r>
+              <a:rPr lang="nb-NO" dirty="0"/>
+              <a:t>(Probabilistic)</a:t>
+            </a:r>
+          </a:p>
+          <a:p>
+            <a:pPr algn="ctr"/>
+            <a:r>
+              <a:rPr lang="nb-NO" b="1" dirty="0"/>
+              <a:t>N-gram Model</a:t>
+            </a:r>
+            <a:endParaRPr lang="en-US" b="1" dirty="0"/>
+          </a:p>
+        </p:txBody>
+      </p:sp>
+    </p:spTree>
+    <p:extLst>
+      <p:ext uri="{BB962C8B-B14F-4D97-AF65-F5344CB8AC3E}">
+        <p14:creationId xmlns:p14="http://schemas.microsoft.com/office/powerpoint/2010/main" val="534225250"/>
+      </p:ext>
+    </p:extLst>
+  </p:cSld>
+  <p:clrMapOvr>
+    <a:masterClrMapping/>
+  </p:clrMapOvr>
+  <p:timing>
+    <p:tnLst>
+      <p:par>
+        <p:cTn id="1" dur="indefinite" restart="never" nodeType="tmRoot">
+          <p:childTnLst>
+            <p:seq concurrent="1" nextAc="seek">
+              <p:cTn id="2" dur="indefinite" nodeType="mainSeq">
+                <p:childTnLst>
+                  <p:par>
+                    <p:cTn id="3" fill="hold">
+                      <p:stCondLst>
+                        <p:cond delay="indefinite"/>
+                      </p:stCondLst>
+                      <p:childTnLst>
+                        <p:par>
+                          <p:cTn id="4" fill="hold">
+                            <p:stCondLst>
+                              <p:cond delay="0"/>
+                            </p:stCondLst>
+                            <p:childTnLst>
+                              <p:par>
+                                <p:cTn id="5" presetID="10" presetClass="entr" presetSubtype="0" fill="hold" nodeType="clickEffect">
+                                  <p:stCondLst>
+                                    <p:cond delay="0"/>
+                                  </p:stCondLst>
+                                  <p:childTnLst>
+                                    <p:set>
+                                      <p:cBhvr>
+                                        <p:cTn id="6" dur="1" fill="hold">
+                                          <p:stCondLst>
+                                            <p:cond delay="0"/>
+                                          </p:stCondLst>
+                                        </p:cTn>
+                                        <p:tgtEl>
+                                          <p:spTgt spid="4"/>
+                                        </p:tgtEl>
+                                        <p:attrNameLst>
+                                          <p:attrName>style.visibility</p:attrName>
+                                        </p:attrNameLst>
+                                      </p:cBhvr>
+                                      <p:to>
+                                        <p:strVal val="visible"/>
+                                      </p:to>
+                                    </p:set>
+                                    <p:animEffect transition="in" filter="fade">
+                                      <p:cBhvr>
+                                        <p:cTn id="7" dur="500"/>
+                                        <p:tgtEl>
+                                          <p:spTgt spid="4"/>
+                                        </p:tgtEl>
+                                      </p:cBhvr>
+                                    </p:animEffect>
+                                  </p:childTnLst>
+                                </p:cTn>
+                              </p:par>
+                            </p:childTnLst>
+                          </p:cTn>
+                        </p:par>
+                      </p:childTnLst>
+                    </p:cTn>
+                  </p:par>
+                </p:childTnLst>
+              </p:cTn>
+              <p:prevCondLst>
+                <p:cond evt="onPrev" delay="0">
+                  <p:tgtEl>
+                    <p:sldTgt/>
+                  </p:tgtEl>
+                </p:cond>
+              </p:prevCondLst>
+              <p:nextCondLst>
+                <p:cond evt="onNext" delay="0">
+                  <p:tgtEl>
+                    <p:sldTgt/>
+                  </p:tgtEl>
+                </p:cond>
+              </p:nextCondLst>
+            </p:seq>
+          </p:childTnLst>
+        </p:cTn>
+      </p:par>
+    </p:tnLst>
+  </p:timing>
+</p:sld>
+</file>
+
+<file path=ppt/slides/slide7.xml><?xml version="1.0" encoding="utf-8"?>
+<p:sld xmlns:a="http://schemas.openxmlformats.org/drawingml/2006/main" xmlns:r="http://schemas.openxmlformats.org/officeDocument/2006/relationships" xmlns:p="http://schemas.openxmlformats.org/presentationml/2006/main" show="0">
+  <p:cSld>
+    <p:spTree>
+      <p:nvGrpSpPr>
+        <p:cNvPr id="1" name=""/>
+        <p:cNvGrpSpPr/>
+        <p:nvPr/>
+      </p:nvGrpSpPr>
+      <p:grpSpPr>
+        <a:xfrm>
+          <a:off x="0" y="0"/>
+          <a:ext cx="0" cy="0"/>
+          <a:chOff x="0" y="0"/>
+          <a:chExt cx="0" cy="0"/>
+        </a:xfrm>
+      </p:grpSpPr>
+      <p:sp>
+        <p:nvSpPr>
+          <p:cNvPr id="2" name="Title 1"/>
+          <p:cNvSpPr>
+            <a:spLocks noGrp="1"/>
+          </p:cNvSpPr>
+          <p:nvPr>
+            <p:ph type="title"/>
+          </p:nvPr>
+        </p:nvSpPr>
+        <p:spPr>
+          <a:xfrm>
+            <a:off x="1088466" y="371119"/>
+            <a:ext cx="9938938" cy="535531"/>
+          </a:xfrm>
+          <a:noFill/>
+        </p:spPr>
+        <p:txBody>
+          <a:bodyPr wrap="none" lIns="91440" tIns="45720" rIns="91440" bIns="45720">
+            <a:spAutoFit/>
+          </a:bodyPr>
+          <a:lstStyle/>
+          <a:p>
+            <a:pPr algn="ctr"/>
+            <a:r>
+              <a:rPr lang="nb-NO" sz="3200" b="1" cap="none" dirty="0">
+                <a:ln w="9525">
+                  <a:solidFill>
+                    <a:schemeClr val="bg1"/>
+                  </a:solidFill>
+                  <a:prstDash val="solid"/>
+                </a:ln>
+                <a:effectLst>
+                  <a:outerShdw blurRad="12700" dist="38100" dir="2700000" algn="tl" rotWithShape="0">
+                    <a:schemeClr val="bg1">
+                      <a:lumMod val="50000"/>
+                    </a:schemeClr>
+                  </a:outerShdw>
+                </a:effectLst>
+                <a:latin typeface="+mn-lt"/>
+                <a:ea typeface="+mn-ea"/>
+                <a:cs typeface="+mn-cs"/>
+              </a:rPr>
+              <a:t>An </a:t>
+            </a:r>
+            <a:r>
+              <a:rPr lang="en-GB" sz="3200" b="1" cap="none" dirty="0">
+                <a:ln w="9525">
+                  <a:solidFill>
+                    <a:schemeClr val="bg1"/>
+                  </a:solidFill>
+                  <a:prstDash val="solid"/>
+                </a:ln>
+                <a:effectLst>
+                  <a:outerShdw blurRad="12700" dist="38100" dir="2700000" algn="tl" rotWithShape="0">
+                    <a:schemeClr val="bg1">
+                      <a:lumMod val="50000"/>
+                    </a:schemeClr>
+                  </a:outerShdw>
+                </a:effectLst>
+                <a:latin typeface="+mn-lt"/>
+                <a:ea typeface="+mn-ea"/>
+                <a:cs typeface="+mn-cs"/>
+              </a:rPr>
+              <a:t>example</a:t>
+            </a:r>
+            <a:r>
+              <a:rPr lang="nb-NO" sz="3200" b="1" cap="none" dirty="0">
+                <a:ln w="9525">
+                  <a:solidFill>
+                    <a:schemeClr val="bg1"/>
+                  </a:solidFill>
+                  <a:prstDash val="solid"/>
+                </a:ln>
+                <a:effectLst>
+                  <a:outerShdw blurRad="12700" dist="38100" dir="2700000" algn="tl" rotWithShape="0">
+                    <a:schemeClr val="bg1">
+                      <a:lumMod val="50000"/>
+                    </a:schemeClr>
+                  </a:outerShdw>
+                </a:effectLst>
+                <a:latin typeface="+mn-lt"/>
+                <a:ea typeface="+mn-ea"/>
+                <a:cs typeface="+mn-cs"/>
+              </a:rPr>
+              <a:t>: Bi-gram Model (Markov </a:t>
+            </a:r>
+            <a:r>
+              <a:rPr lang="en-US" sz="3200" b="1" cap="none" dirty="0">
+                <a:ln w="9525">
+                  <a:solidFill>
+                    <a:schemeClr val="bg1"/>
+                  </a:solidFill>
+                  <a:prstDash val="solid"/>
+                </a:ln>
+                <a:effectLst>
+                  <a:outerShdw blurRad="12700" dist="38100" dir="2700000" algn="tl" rotWithShape="0">
+                    <a:schemeClr val="bg1">
+                      <a:lumMod val="50000"/>
+                    </a:schemeClr>
+                  </a:outerShdw>
+                </a:effectLst>
+                <a:latin typeface="+mn-lt"/>
+                <a:ea typeface="+mn-ea"/>
+                <a:cs typeface="+mn-cs"/>
+              </a:rPr>
+              <a:t>Assumption</a:t>
+            </a:r>
+            <a:r>
+              <a:rPr lang="nb-NO" sz="3200" b="1" cap="none" dirty="0">
+                <a:ln w="9525">
+                  <a:solidFill>
+                    <a:schemeClr val="bg1"/>
+                  </a:solidFill>
+                  <a:prstDash val="solid"/>
+                </a:ln>
+                <a:effectLst>
+                  <a:outerShdw blurRad="12700" dist="38100" dir="2700000" algn="tl" rotWithShape="0">
+                    <a:schemeClr val="bg1">
+                      <a:lumMod val="50000"/>
+                    </a:schemeClr>
+                  </a:outerShdw>
+                </a:effectLst>
+                <a:latin typeface="+mn-lt"/>
+                <a:ea typeface="+mn-ea"/>
+                <a:cs typeface="+mn-cs"/>
+              </a:rPr>
+              <a:t>)</a:t>
+            </a:r>
+            <a:endParaRPr lang="en-US" sz="3200" b="1" cap="none" dirty="0">
+              <a:ln w="9525">
+                <a:solidFill>
+                  <a:schemeClr val="bg1"/>
+                </a:solidFill>
+                <a:prstDash val="solid"/>
+              </a:ln>
+              <a:effectLst>
+                <a:outerShdw blurRad="12700" dist="38100" dir="2700000" algn="tl" rotWithShape="0">
+                  <a:schemeClr val="bg1">
+                    <a:lumMod val="50000"/>
+                  </a:schemeClr>
+                </a:outerShdw>
+              </a:effectLst>
+              <a:latin typeface="+mn-lt"/>
+              <a:ea typeface="+mn-ea"/>
+              <a:cs typeface="+mn-cs"/>
+            </a:endParaRPr>
+          </a:p>
+        </p:txBody>
+      </p:sp>
+      <p:pic>
+        <p:nvPicPr>
+          <p:cNvPr id="2051" name="Picture 3"/>
+          <p:cNvPicPr>
+            <a:picLocks noChangeAspect="1" noChangeArrowheads="1"/>
+          </p:cNvPicPr>
+          <p:nvPr/>
+        </p:nvPicPr>
+        <p:blipFill>
+          <a:blip r:embed="rId3">
+            <a:extLst>
+              <a:ext uri="{28A0092B-C50C-407E-A947-70E740481C1C}">
+                <a14:useLocalDpi xmlns:a14="http://schemas.microsoft.com/office/drawing/2010/main" val="0"/>
+              </a:ext>
+            </a:extLst>
+          </a:blip>
+          <a:srcRect/>
+          <a:stretch>
+            <a:fillRect/>
+          </a:stretch>
+        </p:blipFill>
+        <p:spPr bwMode="auto">
+          <a:xfrm>
+            <a:off x="486573" y="2279254"/>
+            <a:ext cx="8425935" cy="2895600"/>
+          </a:xfrm>
+          <a:prstGeom prst="rect">
+            <a:avLst/>
+          </a:prstGeom>
+          <a:noFill/>
+          <a:ln>
+            <a:noFill/>
+          </a:ln>
+          <a:effectLst/>
+          <a:extLst>
+            <a:ext uri="{909E8E84-426E-40DD-AFC4-6F175D3DCCD1}">
+              <a14:hiddenFill xmlns:a14="http://schemas.microsoft.com/office/drawing/2010/main">
+                <a:solidFill>
+                  <a:schemeClr val="accent1"/>
+                </a:solidFill>
+              </a14:hiddenFill>
+            </a:ext>
+            <a:ext uri="{91240B29-F687-4F45-9708-019B960494DF}">
+              <a14:hiddenLine xmlns:a14="http://schemas.microsoft.com/office/drawing/2010/main" w="9525">
+                <a:solidFill>
+                  <a:schemeClr val="tx1"/>
+                </a:solidFill>
+                <a:miter lim="800000"/>
+                <a:headEnd/>
+                <a:tailEnd/>
+              </a14:hiddenLine>
+            </a:ext>
+            <a:ext uri="{AF507438-7753-43E0-B8FC-AC1667EBCBE1}">
+              <a14:hiddenEffects xmlns:a14="http://schemas.microsoft.com/office/drawing/2010/main">
+                <a:effectLst>
+                  <a:outerShdw dist="35921" dir="2700000" algn="ctr" rotWithShape="0">
+                    <a:schemeClr val="bg2"/>
+                  </a:outerShdw>
+                </a:effectLst>
+              </a14:hiddenEffects>
+            </a:ext>
+          </a:extLst>
+        </p:spPr>
+      </p:pic>
+      <p:sp>
+        <p:nvSpPr>
+          <p:cNvPr id="9" name="Rectangle 8"/>
+          <p:cNvSpPr/>
+          <p:nvPr/>
+        </p:nvSpPr>
+        <p:spPr>
+          <a:xfrm>
+            <a:off x="1192696" y="1368288"/>
+            <a:ext cx="10257182" cy="523220"/>
+          </a:xfrm>
+          <a:prstGeom prst="rect">
+            <a:avLst/>
+          </a:prstGeom>
+          <a:noFill/>
+        </p:spPr>
+        <p:txBody>
+          <a:bodyPr wrap="square" lIns="91440" tIns="45720" rIns="91440" bIns="45720">
+            <a:spAutoFit/>
+          </a:bodyPr>
+          <a:lstStyle/>
+          <a:p>
+            <a:pPr algn="ctr"/>
+            <a:r>
+              <a:rPr lang="en-US" sz="2800" dirty="0">
+                <a:ln w="18415" cmpd="sng">
+                  <a:solidFill>
+                    <a:srgbClr val="FFFFFF"/>
+                  </a:solidFill>
+                  <a:prstDash val="solid"/>
+                </a:ln>
+                <a:solidFill>
+                  <a:srgbClr val="FFFFFF"/>
+                </a:solidFill>
+                <a:effectLst>
+                  <a:outerShdw blurRad="63500" dir="3600000" algn="tl" rotWithShape="0">
+                    <a:srgbClr val="000000">
+                      <a:alpha val="70000"/>
+                    </a:srgbClr>
+                  </a:outerShdw>
+                </a:effectLst>
+              </a:rPr>
+              <a:t>P(S) = P(w1, w2, .., </a:t>
+            </a:r>
+            <a:r>
+              <a:rPr lang="en-US" sz="2800" dirty="0" err="1">
+                <a:ln w="18415" cmpd="sng">
+                  <a:solidFill>
+                    <a:srgbClr val="FFFFFF"/>
+                  </a:solidFill>
+                  <a:prstDash val="solid"/>
+                </a:ln>
+                <a:solidFill>
+                  <a:srgbClr val="FFFFFF"/>
+                </a:solidFill>
+                <a:effectLst>
+                  <a:outerShdw blurRad="63500" dir="3600000" algn="tl" rotWithShape="0">
+                    <a:srgbClr val="000000">
+                      <a:alpha val="70000"/>
+                    </a:srgbClr>
+                  </a:outerShdw>
+                </a:effectLst>
+              </a:rPr>
+              <a:t>wi</a:t>
+            </a:r>
+            <a:r>
+              <a:rPr lang="en-US" sz="2800" dirty="0">
+                <a:ln w="18415" cmpd="sng">
+                  <a:solidFill>
+                    <a:srgbClr val="FFFFFF"/>
+                  </a:solidFill>
+                  <a:prstDash val="solid"/>
+                </a:ln>
+                <a:solidFill>
+                  <a:srgbClr val="FFFFFF"/>
+                </a:solidFill>
+                <a:effectLst>
+                  <a:outerShdw blurRad="63500" dir="3600000" algn="tl" rotWithShape="0">
+                    <a:srgbClr val="000000">
+                      <a:alpha val="70000"/>
+                    </a:srgbClr>
+                  </a:outerShdw>
+                </a:effectLst>
+              </a:rPr>
+              <a:t>) =  </a:t>
+            </a:r>
+            <a:r>
+              <a:rPr lang="nb-NO" sz="2800" dirty="0">
+                <a:ln w="18415" cmpd="sng">
+                  <a:solidFill>
+                    <a:srgbClr val="FFFFFF"/>
+                  </a:solidFill>
+                  <a:prstDash val="solid"/>
+                </a:ln>
+                <a:solidFill>
+                  <a:srgbClr val="FFFFFF"/>
+                </a:solidFill>
+                <a:effectLst>
+                  <a:outerShdw blurRad="63500" dir="3600000" algn="tl" rotWithShape="0">
+                    <a:srgbClr val="000000">
+                      <a:alpha val="70000"/>
+                    </a:srgbClr>
+                  </a:outerShdw>
+                </a:effectLst>
+              </a:rPr>
+              <a:t>P(w1|&lt;s&gt;) P(w2|w1) P(w3|w2) ...</a:t>
+            </a:r>
+            <a:endParaRPr lang="en-US" sz="2800" dirty="0">
+              <a:ln w="18415" cmpd="sng">
+                <a:solidFill>
+                  <a:srgbClr val="FFFFFF"/>
+                </a:solidFill>
+                <a:prstDash val="solid"/>
+              </a:ln>
+              <a:solidFill>
+                <a:srgbClr val="FFFFFF"/>
+              </a:solidFill>
+              <a:effectLst>
+                <a:outerShdw blurRad="63500" dir="3600000" algn="tl" rotWithShape="0">
+                  <a:srgbClr val="000000">
+                    <a:alpha val="70000"/>
+                  </a:srgbClr>
+                </a:outerShdw>
+              </a:effectLst>
+            </a:endParaRPr>
+          </a:p>
+        </p:txBody>
+      </p:sp>
+      <p:sp>
+        <p:nvSpPr>
+          <p:cNvPr id="3" name="Rectangle 2"/>
+          <p:cNvSpPr/>
+          <p:nvPr/>
+        </p:nvSpPr>
+        <p:spPr>
+          <a:xfrm>
+            <a:off x="6321287" y="2202225"/>
+            <a:ext cx="2468946" cy="923330"/>
+          </a:xfrm>
+          <a:prstGeom prst="rect">
+            <a:avLst/>
+          </a:prstGeom>
+          <a:noFill/>
+        </p:spPr>
+        <p:txBody>
+          <a:bodyPr wrap="none" lIns="91440" tIns="45720" rIns="91440" bIns="45720">
+            <a:spAutoFit/>
+          </a:bodyPr>
+          <a:lstStyle/>
+          <a:p>
+            <a:pPr algn="ctr"/>
+            <a:r>
+              <a:rPr lang="en-US" sz="5400" b="1" cap="none" spc="0" dirty="0">
+                <a:ln w="9525">
+                  <a:solidFill>
+                    <a:schemeClr val="bg1"/>
+                  </a:solidFill>
+                  <a:prstDash val="solid"/>
+                </a:ln>
+                <a:solidFill>
+                  <a:schemeClr val="tx1"/>
+                </a:solidFill>
+                <a:effectLst>
+                  <a:outerShdw blurRad="12700" dist="38100" dir="2700000" algn="tl" rotWithShape="0">
+                    <a:schemeClr val="bg1">
+                      <a:lumMod val="50000"/>
+                    </a:schemeClr>
+                  </a:outerShdw>
+                </a:effectLst>
+              </a:rPr>
+              <a:t>Corpus</a:t>
+            </a:r>
+          </a:p>
+        </p:txBody>
+      </p:sp>
+      <p:sp>
+        <p:nvSpPr>
+          <p:cNvPr id="6" name="Rectangle 5"/>
+          <p:cNvSpPr/>
+          <p:nvPr/>
+        </p:nvSpPr>
+        <p:spPr>
+          <a:xfrm>
+            <a:off x="428472" y="1891508"/>
+            <a:ext cx="1569661" cy="923330"/>
+          </a:xfrm>
+          <a:prstGeom prst="rect">
+            <a:avLst/>
+          </a:prstGeom>
+          <a:noFill/>
+        </p:spPr>
+        <p:txBody>
+          <a:bodyPr wrap="none" lIns="91440" tIns="45720" rIns="91440" bIns="45720">
+            <a:spAutoFit/>
+          </a:bodyPr>
+          <a:lstStyle/>
+          <a:p>
+            <a:pPr algn="ctr"/>
+            <a:r>
+              <a:rPr lang="en-US" sz="5400" b="1" cap="none" spc="0" dirty="0">
+                <a:ln w="9525">
+                  <a:solidFill>
+                    <a:schemeClr val="bg1"/>
+                  </a:solidFill>
+                  <a:prstDash val="solid"/>
+                </a:ln>
+                <a:solidFill>
+                  <a:schemeClr val="tx1"/>
+                </a:solidFill>
+                <a:effectLst>
+                  <a:outerShdw blurRad="12700" dist="38100" dir="2700000" algn="tl" rotWithShape="0">
+                    <a:schemeClr val="bg1">
+                      <a:lumMod val="50000"/>
+                    </a:schemeClr>
+                  </a:outerShdw>
+                </a:effectLst>
+              </a:rPr>
+              <a:t>MLE</a:t>
+            </a:r>
+          </a:p>
+        </p:txBody>
+      </p:sp>
+      <p:sp>
+        <p:nvSpPr>
+          <p:cNvPr id="7" name="Title 1"/>
+          <p:cNvSpPr txBox="1">
+            <a:spLocks/>
+          </p:cNvSpPr>
+          <p:nvPr/>
+        </p:nvSpPr>
+        <p:spPr>
+          <a:xfrm>
+            <a:off x="105376" y="5820782"/>
+            <a:ext cx="7696200" cy="914400"/>
+          </a:xfrm>
+          <a:prstGeom prst="rect">
+            <a:avLst/>
+          </a:prstGeom>
+        </p:spPr>
+        <p:txBody>
+          <a:bodyPr vert="horz" lIns="91440" tIns="45720" rIns="91440" bIns="45720" rtlCol="0" anchor="ctr">
+            <a:normAutofit/>
+          </a:bodyPr>
+          <a:lstStyle>
+            <a:lvl1pPr algn="r" defTabSz="914400" rtl="0" eaLnBrk="1" latinLnBrk="0" hangingPunct="1">
+              <a:lnSpc>
+                <a:spcPct val="90000"/>
+              </a:lnSpc>
+              <a:spcBef>
+                <a:spcPct val="0"/>
+              </a:spcBef>
+              <a:buNone/>
+              <a:defRPr sz="4000" kern="1200" cap="all" baseline="0">
+                <a:solidFill>
+                  <a:schemeClr val="tx1"/>
+                </a:solidFill>
+                <a:latin typeface="+mj-lt"/>
+                <a:ea typeface="+mj-ea"/>
+                <a:cs typeface="+mj-cs"/>
+              </a:defRPr>
+            </a:lvl1pPr>
+          </a:lstStyle>
+          <a:p>
+            <a:pPr algn="l"/>
+            <a:r>
+              <a:rPr lang="nb-NO" sz="3600"/>
+              <a:t>Understanding the challenge</a:t>
+            </a:r>
+            <a:br>
+              <a:rPr lang="nb-NO" sz="3600"/>
+            </a:br>
+            <a:r>
+              <a:rPr lang="nb-NO" sz="1800"/>
+              <a:t>Foundation of Statistical NLP</a:t>
+            </a:r>
+            <a:endParaRPr lang="en-US" dirty="0"/>
+          </a:p>
+        </p:txBody>
+      </p:sp>
+    </p:spTree>
+    <p:extLst>
+      <p:ext uri="{BB962C8B-B14F-4D97-AF65-F5344CB8AC3E}">
+        <p14:creationId xmlns:p14="http://schemas.microsoft.com/office/powerpoint/2010/main" val="1427080951"/>
+      </p:ext>
+    </p:extLst>
+  </p:cSld>
+  <p:clrMapOvr>
+    <a:masterClrMapping/>
+  </p:clrMapOvr>
 </p:sld>
 </file>
 

--- a/notes/meetUp_case_textPrediction.pptx
+++ b/notes/meetUp_case_textPrediction.pptx
@@ -5773,7 +5773,7 @@
           <a:p>
             <a:fld id="{01F17A57-A10D-4D0B-B521-43FD44F4BF34}" type="datetimeFigureOut">
               <a:rPr lang="en-US" smtClean="0"/>
-              <a:t>8/30/2016</a:t>
+              <a:t>8/31/2016</a:t>
             </a:fld>
             <a:endParaRPr lang="en-US"/>
           </a:p>
@@ -8413,7 +8413,7 @@
           <a:p>
             <a:fld id="{77742CB5-BF55-4D26-A769-AD7DC0521FF6}" type="datetimeFigureOut">
               <a:rPr lang="en-US" smtClean="0"/>
-              <a:t>8/30/2016</a:t>
+              <a:t>8/31/2016</a:t>
             </a:fld>
             <a:endParaRPr lang="en-US"/>
           </a:p>
@@ -8680,7 +8680,7 @@
           <a:p>
             <a:fld id="{77742CB5-BF55-4D26-A769-AD7DC0521FF6}" type="datetimeFigureOut">
               <a:rPr lang="en-US" smtClean="0"/>
-              <a:t>8/30/2016</a:t>
+              <a:t>8/31/2016</a:t>
             </a:fld>
             <a:endParaRPr lang="en-US"/>
           </a:p>
@@ -8911,7 +8911,7 @@
           <a:p>
             <a:fld id="{77742CB5-BF55-4D26-A769-AD7DC0521FF6}" type="datetimeFigureOut">
               <a:rPr lang="en-US" smtClean="0"/>
-              <a:t>8/30/2016</a:t>
+              <a:t>8/31/2016</a:t>
             </a:fld>
             <a:endParaRPr lang="en-US"/>
           </a:p>
@@ -9221,7 +9221,7 @@
           <a:p>
             <a:fld id="{77742CB5-BF55-4D26-A769-AD7DC0521FF6}" type="datetimeFigureOut">
               <a:rPr lang="en-US" smtClean="0"/>
-              <a:t>8/30/2016</a:t>
+              <a:t>8/31/2016</a:t>
             </a:fld>
             <a:endParaRPr lang="en-US"/>
           </a:p>
@@ -9694,7 +9694,7 @@
           <a:p>
             <a:fld id="{77742CB5-BF55-4D26-A769-AD7DC0521FF6}" type="datetimeFigureOut">
               <a:rPr lang="en-US" smtClean="0"/>
-              <a:t>8/30/2016</a:t>
+              <a:t>8/31/2016</a:t>
             </a:fld>
             <a:endParaRPr lang="en-US"/>
           </a:p>
@@ -10241,7 +10241,7 @@
           <a:p>
             <a:fld id="{77742CB5-BF55-4D26-A769-AD7DC0521FF6}" type="datetimeFigureOut">
               <a:rPr lang="en-US" smtClean="0"/>
-              <a:t>8/30/2016</a:t>
+              <a:t>8/31/2016</a:t>
             </a:fld>
             <a:endParaRPr lang="en-US"/>
           </a:p>
@@ -11015,7 +11015,7 @@
           <a:p>
             <a:fld id="{77742CB5-BF55-4D26-A769-AD7DC0521FF6}" type="datetimeFigureOut">
               <a:rPr lang="en-US" smtClean="0"/>
-              <a:t>8/30/2016</a:t>
+              <a:t>8/31/2016</a:t>
             </a:fld>
             <a:endParaRPr lang="en-US"/>
           </a:p>
@@ -11190,7 +11190,7 @@
           <a:p>
             <a:fld id="{77742CB5-BF55-4D26-A769-AD7DC0521FF6}" type="datetimeFigureOut">
               <a:rPr lang="en-US" smtClean="0"/>
-              <a:t>8/30/2016</a:t>
+              <a:t>8/31/2016</a:t>
             </a:fld>
             <a:endParaRPr lang="en-US"/>
           </a:p>
@@ -11413,7 +11413,7 @@
           <a:p>
             <a:fld id="{77742CB5-BF55-4D26-A769-AD7DC0521FF6}" type="datetimeFigureOut">
               <a:rPr lang="en-US" smtClean="0"/>
-              <a:t>8/30/2016</a:t>
+              <a:t>8/31/2016</a:t>
             </a:fld>
             <a:endParaRPr lang="en-US"/>
           </a:p>
@@ -11593,7 +11593,7 @@
           <a:p>
             <a:fld id="{77742CB5-BF55-4D26-A769-AD7DC0521FF6}" type="datetimeFigureOut">
               <a:rPr lang="en-US" smtClean="0"/>
-              <a:t>8/30/2016</a:t>
+              <a:t>8/31/2016</a:t>
             </a:fld>
             <a:endParaRPr lang="en-US"/>
           </a:p>
@@ -11882,7 +11882,7 @@
           <a:p>
             <a:fld id="{77742CB5-BF55-4D26-A769-AD7DC0521FF6}" type="datetimeFigureOut">
               <a:rPr lang="en-US" smtClean="0"/>
-              <a:t>8/30/2016</a:t>
+              <a:t>8/31/2016</a:t>
             </a:fld>
             <a:endParaRPr lang="en-US"/>
           </a:p>
@@ -12124,7 +12124,7 @@
           <a:p>
             <a:fld id="{77742CB5-BF55-4D26-A769-AD7DC0521FF6}" type="datetimeFigureOut">
               <a:rPr lang="en-US" smtClean="0"/>
-              <a:t>8/30/2016</a:t>
+              <a:t>8/31/2016</a:t>
             </a:fld>
             <a:endParaRPr lang="en-US"/>
           </a:p>
@@ -12503,7 +12503,7 @@
           <a:p>
             <a:fld id="{77742CB5-BF55-4D26-A769-AD7DC0521FF6}" type="datetimeFigureOut">
               <a:rPr lang="en-US" smtClean="0"/>
-              <a:t>8/30/2016</a:t>
+              <a:t>8/31/2016</a:t>
             </a:fld>
             <a:endParaRPr lang="en-US"/>
           </a:p>
@@ -12621,7 +12621,7 @@
           <a:p>
             <a:fld id="{77742CB5-BF55-4D26-A769-AD7DC0521FF6}" type="datetimeFigureOut">
               <a:rPr lang="en-US" smtClean="0"/>
-              <a:t>8/30/2016</a:t>
+              <a:t>8/31/2016</a:t>
             </a:fld>
             <a:endParaRPr lang="en-US"/>
           </a:p>
@@ -12716,7 +12716,7 @@
           <a:p>
             <a:fld id="{77742CB5-BF55-4D26-A769-AD7DC0521FF6}" type="datetimeFigureOut">
               <a:rPr lang="en-US" smtClean="0"/>
-              <a:t>8/30/2016</a:t>
+              <a:t>8/31/2016</a:t>
             </a:fld>
             <a:endParaRPr lang="en-US"/>
           </a:p>
@@ -12965,7 +12965,7 @@
           <a:p>
             <a:fld id="{77742CB5-BF55-4D26-A769-AD7DC0521FF6}" type="datetimeFigureOut">
               <a:rPr lang="en-US" smtClean="0"/>
-              <a:t>8/30/2016</a:t>
+              <a:t>8/31/2016</a:t>
             </a:fld>
             <a:endParaRPr lang="en-US"/>
           </a:p>
@@ -13222,7 +13222,7 @@
           <a:p>
             <a:fld id="{77742CB5-BF55-4D26-A769-AD7DC0521FF6}" type="datetimeFigureOut">
               <a:rPr lang="en-US" smtClean="0"/>
-              <a:t>8/30/2016</a:t>
+              <a:t>8/31/2016</a:t>
             </a:fld>
             <a:endParaRPr lang="en-US"/>
           </a:p>
@@ -13465,7 +13465,7 @@
           <a:p>
             <a:fld id="{77742CB5-BF55-4D26-A769-AD7DC0521FF6}" type="datetimeFigureOut">
               <a:rPr lang="en-US" smtClean="0"/>
-              <a:t>8/30/2016</a:t>
+              <a:t>8/31/2016</a:t>
             </a:fld>
             <a:endParaRPr lang="en-US"/>
           </a:p>
@@ -13886,14 +13886,59 @@
             <p:ph type="ctrTitle"/>
           </p:nvPr>
         </p:nvSpPr>
-        <p:spPr/>
+        <p:spPr>
+          <a:xfrm>
+            <a:off x="1605516" y="1765005"/>
+            <a:ext cx="9448800" cy="2384491"/>
+          </a:xfrm>
+        </p:spPr>
         <p:txBody>
-          <a:bodyPr/>
+          <a:bodyPr>
+            <a:normAutofit fontScale="90000"/>
+          </a:bodyPr>
           <a:lstStyle/>
           <a:p>
             <a:r>
               <a:rPr lang="en-US" sz="5400" dirty="0"/>
-              <a:t>Language Models</a:t>
+              <a:t>Developing</a:t>
+            </a:r>
+            <a:r>
+              <a:rPr lang="nb-NO" sz="5400" dirty="0"/>
+              <a:t> a </a:t>
+            </a:r>
+            <a:br>
+              <a:rPr lang="nb-NO" sz="5400" dirty="0"/>
+            </a:br>
+            <a:r>
+              <a:rPr lang="en-US" b="1" dirty="0"/>
+              <a:t>predictive</a:t>
+            </a:r>
+            <a:r>
+              <a:rPr lang="nb-NO" b="1" dirty="0"/>
+              <a:t> </a:t>
+            </a:r>
+            <a:r>
+              <a:rPr lang="en-US" b="1" dirty="0"/>
+              <a:t>model</a:t>
+            </a:r>
+            <a:r>
+              <a:rPr lang="nb-NO" sz="5400" dirty="0"/>
+              <a:t> </a:t>
+            </a:r>
+            <a:br>
+              <a:rPr lang="nb-NO" sz="5400" dirty="0"/>
+            </a:br>
+            <a:r>
+              <a:rPr lang="en-US" sz="5400" dirty="0"/>
+              <a:t>for</a:t>
+            </a:r>
+            <a:r>
+              <a:rPr lang="nb-NO" sz="5400" dirty="0"/>
+              <a:t> </a:t>
+            </a:r>
+            <a:r>
+              <a:rPr lang="en-GB" sz="5400" dirty="0"/>
+              <a:t>text prediction</a:t>
             </a:r>
           </a:p>
         </p:txBody>
@@ -13908,7 +13953,12 @@
             <p:ph type="subTitle" idx="1"/>
           </p:nvPr>
         </p:nvSpPr>
-        <p:spPr/>
+        <p:spPr>
+          <a:xfrm>
+            <a:off x="1839433" y="4333950"/>
+            <a:ext cx="5199321" cy="685800"/>
+          </a:xfrm>
+        </p:spPr>
         <p:txBody>
           <a:bodyPr>
             <a:normAutofit/>
@@ -13916,48 +13966,8 @@
           <a:lstStyle/>
           <a:p>
             <a:r>
-              <a:rPr lang="en-US" dirty="0"/>
-              <a:t>Developing</a:t>
-            </a:r>
-            <a:r>
               <a:rPr lang="nb-NO" dirty="0"/>
-              <a:t> a </a:t>
-            </a:r>
-            <a:r>
-              <a:rPr lang="en-US" sz="2400" b="1" dirty="0"/>
-              <a:t>predictive</a:t>
-            </a:r>
-            <a:r>
-              <a:rPr lang="nb-NO" sz="2400" b="1" dirty="0"/>
-              <a:t> </a:t>
-            </a:r>
-            <a:r>
-              <a:rPr lang="en-US" sz="2400" b="1" dirty="0"/>
-              <a:t>model</a:t>
-            </a:r>
-            <a:r>
-              <a:rPr lang="nb-NO" dirty="0"/>
-              <a:t> </a:t>
-            </a:r>
-            <a:r>
-              <a:rPr lang="en-US" dirty="0"/>
-              <a:t>for</a:t>
-            </a:r>
-            <a:r>
-              <a:rPr lang="nb-NO" dirty="0"/>
-              <a:t> </a:t>
-            </a:r>
-            <a:r>
-              <a:rPr lang="nb-NO" dirty="0" err="1"/>
-              <a:t>text</a:t>
-            </a:r>
-            <a:r>
-              <a:rPr lang="nb-NO" dirty="0"/>
-              <a:t> </a:t>
-            </a:r>
-            <a:r>
-              <a:rPr lang="nb-NO" dirty="0" err="1"/>
-              <a:t>prediction</a:t>
+              <a:t>Paracchini Pier Lorenzo</a:t>
             </a:r>
             <a:endParaRPr lang="en-US" dirty="0"/>
           </a:p>
@@ -14032,8 +14042,8 @@
         </p:nvSpPr>
         <p:spPr>
           <a:xfrm>
-            <a:off x="75624" y="1243052"/>
-            <a:ext cx="4996881" cy="1138773"/>
+            <a:off x="329315" y="1243052"/>
+            <a:ext cx="4489499" cy="1015663"/>
           </a:xfrm>
           <a:prstGeom prst="rect">
             <a:avLst/>
@@ -14048,7 +14058,7 @@
           <a:p>
             <a:pPr algn="ctr"/>
             <a:r>
-              <a:rPr lang="en-US" sz="3600" b="1" cap="none" spc="0" dirty="0">
+              <a:rPr lang="en-US" sz="2800" b="1" cap="none" spc="0" dirty="0">
                 <a:ln w="9525">
                   <a:solidFill>
                     <a:schemeClr val="bg1"/>
@@ -14138,7 +14148,7 @@
         <p:spPr>
           <a:xfrm>
             <a:off x="162925" y="3054625"/>
-            <a:ext cx="8534709" cy="1138773"/>
+            <a:ext cx="6886461" cy="1015663"/>
           </a:xfrm>
           <a:prstGeom prst="rect">
             <a:avLst/>
@@ -14146,14 +14156,14 @@
           <a:noFill/>
         </p:spPr>
         <p:txBody>
-          <a:bodyPr wrap="none" lIns="91440" tIns="45720" rIns="91440" bIns="45720">
+          <a:bodyPr wrap="square" lIns="91440" tIns="45720" rIns="91440" bIns="45720">
             <a:spAutoFit/>
           </a:bodyPr>
           <a:lstStyle/>
           <a:p>
             <a:pPr algn="ctr"/>
             <a:r>
-              <a:rPr lang="en-US" sz="3600" b="1" dirty="0">
+              <a:rPr lang="en-US" sz="2800" b="1" dirty="0">
                 <a:ln w="9525">
                   <a:solidFill>
                     <a:schemeClr val="bg1"/>
@@ -14171,7 +14181,7 @@
               <a:t>Data preparation </a:t>
             </a:r>
             <a:r>
-              <a:rPr lang="en-US" sz="2400" b="1" dirty="0">
+              <a:rPr lang="en-US" sz="2000" b="1" dirty="0">
                 <a:ln w="9525">
                   <a:solidFill>
                     <a:schemeClr val="bg1"/>
@@ -14186,27 +14196,9 @@
                   </a:outerShdw>
                 </a:effectLst>
               </a:rPr>
-              <a:t>[Feature Engineering]</a:t>
-            </a:r>
-            <a:r>
-              <a:rPr lang="en-US" sz="3600" b="1" dirty="0">
-                <a:ln w="9525">
-                  <a:solidFill>
-                    <a:schemeClr val="bg1"/>
-                  </a:solidFill>
-                  <a:prstDash val="solid"/>
-                </a:ln>
-                <a:effectLst>
-                  <a:outerShdw blurRad="12700" dist="38100" dir="2700000" algn="tl" rotWithShape="0">
-                    <a:schemeClr val="bg1">
-                      <a:lumMod val="50000"/>
-                    </a:schemeClr>
-                  </a:outerShdw>
-                </a:effectLst>
-              </a:rPr>
-              <a:t> </a:t>
-            </a:r>
-            <a:endParaRPr lang="en-US" sz="3600" b="1" cap="none" spc="0" dirty="0">
+              <a:t>[Feature Engineering] </a:t>
+            </a:r>
+            <a:endParaRPr lang="en-US" sz="2000" b="1" cap="none" spc="0" dirty="0">
               <a:ln w="9525">
                 <a:solidFill>
                   <a:schemeClr val="bg1"/>
@@ -14242,10 +14234,8 @@
                   </a:outerShdw>
                 </a:effectLst>
               </a:rPr>
-              <a:t>What do we need to do on the data in order to get data required to create the models?</a:t>
-            </a:r>
-          </a:p>
-          <a:p>
+              <a:t>What do we need to do on the data in order to get data required to create the models? </a:t>
+            </a:r>
             <a:r>
               <a:rPr lang="en-US" sz="1600" b="1" dirty="0" err="1">
                 <a:ln w="9525">
@@ -14375,8 +14365,8 @@
         </p:nvSpPr>
         <p:spPr>
           <a:xfrm>
-            <a:off x="5072505" y="4269845"/>
-            <a:ext cx="6845144" cy="830997"/>
+            <a:off x="5645888" y="4269845"/>
+            <a:ext cx="6149932" cy="1015663"/>
           </a:xfrm>
           <a:prstGeom prst="rect">
             <a:avLst/>
@@ -14384,14 +14374,14 @@
           <a:noFill/>
         </p:spPr>
         <p:txBody>
-          <a:bodyPr wrap="none" lIns="91440" tIns="45720" rIns="91440" bIns="45720">
+          <a:bodyPr wrap="square" lIns="91440" tIns="45720" rIns="91440" bIns="45720">
             <a:spAutoFit/>
           </a:bodyPr>
           <a:lstStyle/>
           <a:p>
             <a:pPr algn="ctr"/>
             <a:r>
-              <a:rPr lang="en-US" sz="3200" b="1" cap="none" spc="0" dirty="0">
+              <a:rPr lang="en-US" sz="2800" b="1" cap="none" spc="0" dirty="0">
                 <a:ln w="9525">
                   <a:solidFill>
                     <a:schemeClr val="bg1"/>
@@ -14412,7 +14402,7 @@
               <a:t>A preliminary Ingestion Process</a:t>
             </a:r>
             <a:r>
-              <a:rPr lang="en-US" sz="3200" b="1" dirty="0">
+              <a:rPr lang="en-US" sz="2800" b="1" dirty="0">
                 <a:ln w="9525">
                   <a:solidFill>
                     <a:schemeClr val="bg1"/>
@@ -14481,8 +14471,8 @@
         </p:nvSpPr>
         <p:spPr>
           <a:xfrm>
-            <a:off x="362622" y="5373561"/>
-            <a:ext cx="7637027" cy="1138773"/>
+            <a:off x="329315" y="5418320"/>
+            <a:ext cx="5995515" cy="1015663"/>
           </a:xfrm>
           <a:prstGeom prst="rect">
             <a:avLst/>
@@ -14490,14 +14480,14 @@
           <a:noFill/>
         </p:spPr>
         <p:txBody>
-          <a:bodyPr wrap="none" lIns="91440" tIns="45720" rIns="91440" bIns="45720">
+          <a:bodyPr wrap="square" lIns="91440" tIns="45720" rIns="91440" bIns="45720">
             <a:spAutoFit/>
           </a:bodyPr>
           <a:lstStyle/>
           <a:p>
             <a:pPr algn="ctr"/>
             <a:r>
-              <a:rPr lang="en-US" sz="3600" b="1" cap="none" spc="0" dirty="0">
+              <a:rPr lang="en-US" sz="2800" b="1" cap="none" spc="0" dirty="0">
                 <a:ln w="9525">
                   <a:solidFill>
                     <a:schemeClr val="bg1"/>
@@ -14518,7 +14508,7 @@
               <a:t>How to </a:t>
             </a:r>
             <a:r>
-              <a:rPr lang="en-US" sz="3600" b="1" dirty="0">
+              <a:rPr lang="en-US" sz="2800" b="1" dirty="0">
                 <a:ln w="9525">
                   <a:solidFill>
                     <a:schemeClr val="bg1"/>
@@ -14604,8 +14594,8 @@
         </p:nvSpPr>
         <p:spPr>
           <a:xfrm>
-            <a:off x="6625254" y="2037501"/>
-            <a:ext cx="4727576" cy="892552"/>
+            <a:off x="5157937" y="1964861"/>
+            <a:ext cx="7034063" cy="769441"/>
           </a:xfrm>
           <a:prstGeom prst="rect">
             <a:avLst/>
@@ -14613,14 +14603,53 @@
           <a:noFill/>
         </p:spPr>
         <p:txBody>
-          <a:bodyPr wrap="none" lIns="91440" tIns="45720" rIns="91440" bIns="45720">
+          <a:bodyPr wrap="square" lIns="91440" tIns="45720" rIns="91440" bIns="45720">
             <a:spAutoFit/>
           </a:bodyPr>
           <a:lstStyle/>
           <a:p>
             <a:pPr algn="ctr"/>
             <a:r>
-              <a:rPr lang="en-US" sz="3600" b="1" cap="none" spc="0" dirty="0">
+              <a:rPr lang="en-US" sz="2800" b="1" cap="none" spc="0" dirty="0">
+                <a:ln w="9525">
+                  <a:solidFill>
+                    <a:schemeClr val="bg1"/>
+                  </a:solidFill>
+                  <a:prstDash val="solid"/>
+                </a:ln>
+                <a:solidFill>
+                  <a:schemeClr val="tx1"/>
+                </a:solidFill>
+                <a:effectLst>
+                  <a:outerShdw blurRad="12700" dist="38100" dir="2700000" algn="tl" rotWithShape="0">
+                    <a:schemeClr val="bg1">
+                      <a:lumMod val="50000"/>
+                    </a:schemeClr>
+                  </a:outerShdw>
+                </a:effectLst>
+              </a:rPr>
+              <a:t>Splitting the dat</a:t>
+            </a:r>
+            <a:r>
+              <a:rPr lang="en-US" sz="2800" b="1" dirty="0">
+                <a:ln w="9525">
+                  <a:solidFill>
+                    <a:schemeClr val="bg1"/>
+                  </a:solidFill>
+                  <a:prstDash val="solid"/>
+                </a:ln>
+                <a:effectLst>
+                  <a:outerShdw blurRad="12700" dist="38100" dir="2700000" algn="tl" rotWithShape="0">
+                    <a:schemeClr val="bg1">
+                      <a:lumMod val="50000"/>
+                    </a:schemeClr>
+                  </a:outerShdw>
+                </a:effectLst>
+              </a:rPr>
+              <a:t>a &amp; </a:t>
+            </a:r>
+            <a:r>
+              <a:rPr lang="en-US" sz="2800" b="1" cap="none" spc="0" dirty="0">
                 <a:ln w="9525">
                   <a:solidFill>
                     <a:schemeClr val="bg1"/>
@@ -15559,7 +15588,7 @@
             <a:pPr algn="ctr"/>
             <a:r>
               <a:rPr lang="en-GB" dirty="0"/>
-              <a:t>Create TFM #1</a:t>
+              <a:t>Basic Flow - Create TFM #1</a:t>
             </a:r>
           </a:p>
         </p:txBody>
@@ -15651,7 +15680,7 @@
             <a:pPr algn="ctr"/>
             <a:r>
               <a:rPr lang="en-GB" dirty="0"/>
-              <a:t>Create TFM #..</a:t>
+              <a:t>Basic Flow - Create TFM #..</a:t>
             </a:r>
           </a:p>
         </p:txBody>
@@ -15699,7 +15728,7 @@
             <a:pPr algn="ctr"/>
             <a:r>
               <a:rPr lang="en-GB" dirty="0"/>
-              <a:t>Create TFM #6</a:t>
+              <a:t>Basic Flow - Create TFM #6</a:t>
             </a:r>
           </a:p>
         </p:txBody>
@@ -15983,8 +16012,8 @@
         </p:nvSpPr>
         <p:spPr>
           <a:xfrm>
-            <a:off x="8273181" y="3077570"/>
-            <a:ext cx="2853996" cy="682906"/>
+            <a:off x="8273181" y="2902688"/>
+            <a:ext cx="2853996" cy="1092454"/>
           </a:xfrm>
           <a:prstGeom prst="rightArrow">
             <a:avLst/>
@@ -16016,7 +16045,14 @@
             <a:pPr algn="ctr"/>
             <a:r>
               <a:rPr lang="en-GB" dirty="0"/>
-              <a:t>TFM 60% Corpora</a:t>
+              <a:t>TFM </a:t>
+            </a:r>
+          </a:p>
+          <a:p>
+            <a:pPr algn="ctr"/>
+            <a:r>
+              <a:rPr lang="en-GB" dirty="0"/>
+              <a:t>based on 60% Corpora</a:t>
             </a:r>
           </a:p>
         </p:txBody>
@@ -17026,7 +17062,7 @@
                   <a:schemeClr val="bg1"/>
                 </a:solidFill>
               </a:rPr>
-              <a:t>Calculate the «Stupid» backoff score and create an ad-hoc dats structure representing the language the model.</a:t>
+              <a:t>Calculate the «Stupid» backoff score and create an ad-hoc data structure representing the language the model.</a:t>
             </a:r>
           </a:p>
           <a:p>
@@ -22387,14 +22423,22 @@
         </p:spPr>
         <p:txBody>
           <a:bodyPr>
-            <a:normAutofit fontScale="90000"/>
+            <a:normAutofit/>
           </a:bodyPr>
           <a:lstStyle/>
           <a:p>
             <a:pPr algn="r"/>
             <a:r>
               <a:rPr lang="nb-NO" sz="4000" dirty="0"/>
-              <a:t>The Ingestion Pipeline – part 2</a:t>
+              <a:t>The Model </a:t>
+            </a:r>
+            <a:r>
+              <a:rPr lang="en-GB" sz="4000" dirty="0"/>
+              <a:t>creation</a:t>
+            </a:r>
+            <a:r>
+              <a:rPr lang="nb-NO" sz="4000" dirty="0"/>
+              <a:t> – part 2</a:t>
             </a:r>
             <a:endParaRPr lang="en-US" sz="4000" dirty="0"/>
           </a:p>
